--- a/EmotionsTracker.pptx
+++ b/EmotionsTracker.pptx
@@ -5,15 +5,28 @@
     <p:sldMasterId id="2147483660" r:id="rId2"/>
   </p:sldMasterIdLst>
   <p:notesMasterIdLst>
-    <p:notesMasterId r:id="rId6"/>
+    <p:notesMasterId r:id="rId19"/>
   </p:notesMasterIdLst>
   <p:handoutMasterIdLst>
-    <p:handoutMasterId r:id="rId7"/>
+    <p:handoutMasterId r:id="rId20"/>
   </p:handoutMasterIdLst>
   <p:sldIdLst>
     <p:sldId id="263" r:id="rId3"/>
     <p:sldId id="258" r:id="rId4"/>
     <p:sldId id="264" r:id="rId5"/>
+    <p:sldId id="265" r:id="rId6"/>
+    <p:sldId id="266" r:id="rId7"/>
+    <p:sldId id="267" r:id="rId8"/>
+    <p:sldId id="268" r:id="rId9"/>
+    <p:sldId id="270" r:id="rId10"/>
+    <p:sldId id="269" r:id="rId11"/>
+    <p:sldId id="271" r:id="rId12"/>
+    <p:sldId id="273" r:id="rId13"/>
+    <p:sldId id="274" r:id="rId14"/>
+    <p:sldId id="275" r:id="rId15"/>
+    <p:sldId id="276" r:id="rId16"/>
+    <p:sldId id="278" r:id="rId17"/>
+    <p:sldId id="277" r:id="rId18"/>
   </p:sldIdLst>
   <p:sldSz cx="12188825" cy="6858000"/>
   <p:notesSz cx="6858000" cy="9144000"/>
@@ -682,6 +695,594 @@
     </a:lvl9pPr>
   </p:notesStyle>
 </p:notesMaster>
+</file>
+
+<file path=ppt/notesSlides/notesSlide1.xml><?xml version="1.0" encoding="utf-8"?>
+<p:notes xmlns:a="http://schemas.openxmlformats.org/drawingml/2006/main" xmlns:r="http://schemas.openxmlformats.org/officeDocument/2006/relationships" xmlns:p="http://schemas.openxmlformats.org/presentationml/2006/main">
+  <p:cSld>
+    <p:spTree>
+      <p:nvGrpSpPr>
+        <p:cNvPr id="1" name=""/>
+        <p:cNvGrpSpPr/>
+        <p:nvPr/>
+      </p:nvGrpSpPr>
+      <p:grpSpPr>
+        <a:xfrm>
+          <a:off x="0" y="0"/>
+          <a:ext cx="0" cy="0"/>
+          <a:chOff x="0" y="0"/>
+          <a:chExt cx="0" cy="0"/>
+        </a:xfrm>
+      </p:grpSpPr>
+      <p:sp>
+        <p:nvSpPr>
+          <p:cNvPr id="2" name="Образ слайда 1"/>
+          <p:cNvSpPr>
+            <a:spLocks noGrp="1" noRot="1" noChangeAspect="1"/>
+          </p:cNvSpPr>
+          <p:nvPr>
+            <p:ph type="sldImg"/>
+          </p:nvPr>
+        </p:nvSpPr>
+        <p:spPr/>
+      </p:sp>
+      <p:sp>
+        <p:nvSpPr>
+          <p:cNvPr id="3" name="Заметки 2"/>
+          <p:cNvSpPr>
+            <a:spLocks noGrp="1"/>
+          </p:cNvSpPr>
+          <p:nvPr>
+            <p:ph type="body" idx="1"/>
+          </p:nvPr>
+        </p:nvSpPr>
+        <p:spPr/>
+        <p:txBody>
+          <a:bodyPr/>
+          <a:lstStyle/>
+          <a:p>
+            <a:endParaRPr lang="en-US" dirty="0"/>
+          </a:p>
+        </p:txBody>
+      </p:sp>
+      <p:sp>
+        <p:nvSpPr>
+          <p:cNvPr id="4" name="Номер слайда 3"/>
+          <p:cNvSpPr>
+            <a:spLocks noGrp="1"/>
+          </p:cNvSpPr>
+          <p:nvPr>
+            <p:ph type="sldNum" sz="quarter" idx="10"/>
+          </p:nvPr>
+        </p:nvSpPr>
+        <p:spPr/>
+        <p:txBody>
+          <a:bodyPr/>
+          <a:lstStyle/>
+          <a:p>
+            <a:fld id="{3EBA5BD7-F043-4D1B-AA17-CD412FC534DE}" type="slidenum">
+              <a:rPr lang="en-US" smtClean="0"/>
+              <a:t>6</a:t>
+            </a:fld>
+            <a:endParaRPr lang="en-US"/>
+          </a:p>
+        </p:txBody>
+      </p:sp>
+    </p:spTree>
+    <p:extLst>
+      <p:ext uri="{BB962C8B-B14F-4D97-AF65-F5344CB8AC3E}">
+        <p14:creationId xmlns:p14="http://schemas.microsoft.com/office/powerpoint/2010/main" val="3416241238"/>
+      </p:ext>
+    </p:extLst>
+  </p:cSld>
+  <p:clrMapOvr>
+    <a:masterClrMapping/>
+  </p:clrMapOvr>
+</p:notes>
+</file>
+
+<file path=ppt/notesSlides/notesSlide2.xml><?xml version="1.0" encoding="utf-8"?>
+<p:notes xmlns:a="http://schemas.openxmlformats.org/drawingml/2006/main" xmlns:r="http://schemas.openxmlformats.org/officeDocument/2006/relationships" xmlns:p="http://schemas.openxmlformats.org/presentationml/2006/main">
+  <p:cSld>
+    <p:spTree>
+      <p:nvGrpSpPr>
+        <p:cNvPr id="1" name=""/>
+        <p:cNvGrpSpPr/>
+        <p:nvPr/>
+      </p:nvGrpSpPr>
+      <p:grpSpPr>
+        <a:xfrm>
+          <a:off x="0" y="0"/>
+          <a:ext cx="0" cy="0"/>
+          <a:chOff x="0" y="0"/>
+          <a:chExt cx="0" cy="0"/>
+        </a:xfrm>
+      </p:grpSpPr>
+      <p:sp>
+        <p:nvSpPr>
+          <p:cNvPr id="2" name="Образ слайда 1"/>
+          <p:cNvSpPr>
+            <a:spLocks noGrp="1" noRot="1" noChangeAspect="1"/>
+          </p:cNvSpPr>
+          <p:nvPr>
+            <p:ph type="sldImg"/>
+          </p:nvPr>
+        </p:nvSpPr>
+        <p:spPr/>
+      </p:sp>
+      <p:sp>
+        <p:nvSpPr>
+          <p:cNvPr id="3" name="Заметки 2"/>
+          <p:cNvSpPr>
+            <a:spLocks noGrp="1"/>
+          </p:cNvSpPr>
+          <p:nvPr>
+            <p:ph type="body" idx="1"/>
+          </p:nvPr>
+        </p:nvSpPr>
+        <p:spPr/>
+        <p:txBody>
+          <a:bodyPr/>
+          <a:lstStyle/>
+          <a:p>
+            <a:endParaRPr lang="en-US" dirty="0"/>
+          </a:p>
+        </p:txBody>
+      </p:sp>
+      <p:sp>
+        <p:nvSpPr>
+          <p:cNvPr id="4" name="Номер слайда 3"/>
+          <p:cNvSpPr>
+            <a:spLocks noGrp="1"/>
+          </p:cNvSpPr>
+          <p:nvPr>
+            <p:ph type="sldNum" sz="quarter" idx="10"/>
+          </p:nvPr>
+        </p:nvSpPr>
+        <p:spPr/>
+        <p:txBody>
+          <a:bodyPr/>
+          <a:lstStyle/>
+          <a:p>
+            <a:fld id="{3EBA5BD7-F043-4D1B-AA17-CD412FC534DE}" type="slidenum">
+              <a:rPr lang="en-US" smtClean="0"/>
+              <a:t>9</a:t>
+            </a:fld>
+            <a:endParaRPr lang="en-US"/>
+          </a:p>
+        </p:txBody>
+      </p:sp>
+    </p:spTree>
+    <p:extLst>
+      <p:ext uri="{BB962C8B-B14F-4D97-AF65-F5344CB8AC3E}">
+        <p14:creationId xmlns:p14="http://schemas.microsoft.com/office/powerpoint/2010/main" val="604001844"/>
+      </p:ext>
+    </p:extLst>
+  </p:cSld>
+  <p:clrMapOvr>
+    <a:masterClrMapping/>
+  </p:clrMapOvr>
+</p:notes>
+</file>
+
+<file path=ppt/notesSlides/notesSlide3.xml><?xml version="1.0" encoding="utf-8"?>
+<p:notes xmlns:a="http://schemas.openxmlformats.org/drawingml/2006/main" xmlns:r="http://schemas.openxmlformats.org/officeDocument/2006/relationships" xmlns:p="http://schemas.openxmlformats.org/presentationml/2006/main">
+  <p:cSld>
+    <p:spTree>
+      <p:nvGrpSpPr>
+        <p:cNvPr id="1" name=""/>
+        <p:cNvGrpSpPr/>
+        <p:nvPr/>
+      </p:nvGrpSpPr>
+      <p:grpSpPr>
+        <a:xfrm>
+          <a:off x="0" y="0"/>
+          <a:ext cx="0" cy="0"/>
+          <a:chOff x="0" y="0"/>
+          <a:chExt cx="0" cy="0"/>
+        </a:xfrm>
+      </p:grpSpPr>
+      <p:sp>
+        <p:nvSpPr>
+          <p:cNvPr id="2" name="Образ слайда 1"/>
+          <p:cNvSpPr>
+            <a:spLocks noGrp="1" noRot="1" noChangeAspect="1"/>
+          </p:cNvSpPr>
+          <p:nvPr>
+            <p:ph type="sldImg"/>
+          </p:nvPr>
+        </p:nvSpPr>
+        <p:spPr/>
+      </p:sp>
+      <p:sp>
+        <p:nvSpPr>
+          <p:cNvPr id="3" name="Заметки 2"/>
+          <p:cNvSpPr>
+            <a:spLocks noGrp="1"/>
+          </p:cNvSpPr>
+          <p:nvPr>
+            <p:ph type="body" idx="1"/>
+          </p:nvPr>
+        </p:nvSpPr>
+        <p:spPr/>
+        <p:txBody>
+          <a:bodyPr/>
+          <a:lstStyle/>
+          <a:p>
+            <a:endParaRPr lang="en-US" dirty="0"/>
+          </a:p>
+        </p:txBody>
+      </p:sp>
+      <p:sp>
+        <p:nvSpPr>
+          <p:cNvPr id="4" name="Номер слайда 3"/>
+          <p:cNvSpPr>
+            <a:spLocks noGrp="1"/>
+          </p:cNvSpPr>
+          <p:nvPr>
+            <p:ph type="sldNum" sz="quarter" idx="10"/>
+          </p:nvPr>
+        </p:nvSpPr>
+        <p:spPr/>
+        <p:txBody>
+          <a:bodyPr/>
+          <a:lstStyle/>
+          <a:p>
+            <a:fld id="{3EBA5BD7-F043-4D1B-AA17-CD412FC534DE}" type="slidenum">
+              <a:rPr lang="en-US" smtClean="0"/>
+              <a:t>12</a:t>
+            </a:fld>
+            <a:endParaRPr lang="en-US"/>
+          </a:p>
+        </p:txBody>
+      </p:sp>
+    </p:spTree>
+    <p:extLst>
+      <p:ext uri="{BB962C8B-B14F-4D97-AF65-F5344CB8AC3E}">
+        <p14:creationId xmlns:p14="http://schemas.microsoft.com/office/powerpoint/2010/main" val="1331396773"/>
+      </p:ext>
+    </p:extLst>
+  </p:cSld>
+  <p:clrMapOvr>
+    <a:masterClrMapping/>
+  </p:clrMapOvr>
+</p:notes>
+</file>
+
+<file path=ppt/notesSlides/notesSlide4.xml><?xml version="1.0" encoding="utf-8"?>
+<p:notes xmlns:a="http://schemas.openxmlformats.org/drawingml/2006/main" xmlns:r="http://schemas.openxmlformats.org/officeDocument/2006/relationships" xmlns:p="http://schemas.openxmlformats.org/presentationml/2006/main">
+  <p:cSld>
+    <p:spTree>
+      <p:nvGrpSpPr>
+        <p:cNvPr id="1" name=""/>
+        <p:cNvGrpSpPr/>
+        <p:nvPr/>
+      </p:nvGrpSpPr>
+      <p:grpSpPr>
+        <a:xfrm>
+          <a:off x="0" y="0"/>
+          <a:ext cx="0" cy="0"/>
+          <a:chOff x="0" y="0"/>
+          <a:chExt cx="0" cy="0"/>
+        </a:xfrm>
+      </p:grpSpPr>
+      <p:sp>
+        <p:nvSpPr>
+          <p:cNvPr id="2" name="Образ слайда 1"/>
+          <p:cNvSpPr>
+            <a:spLocks noGrp="1" noRot="1" noChangeAspect="1"/>
+          </p:cNvSpPr>
+          <p:nvPr>
+            <p:ph type="sldImg"/>
+          </p:nvPr>
+        </p:nvSpPr>
+        <p:spPr/>
+      </p:sp>
+      <p:sp>
+        <p:nvSpPr>
+          <p:cNvPr id="3" name="Заметки 2"/>
+          <p:cNvSpPr>
+            <a:spLocks noGrp="1"/>
+          </p:cNvSpPr>
+          <p:nvPr>
+            <p:ph type="body" idx="1"/>
+          </p:nvPr>
+        </p:nvSpPr>
+        <p:spPr/>
+        <p:txBody>
+          <a:bodyPr/>
+          <a:lstStyle/>
+          <a:p>
+            <a:endParaRPr lang="en-US" dirty="0"/>
+          </a:p>
+        </p:txBody>
+      </p:sp>
+      <p:sp>
+        <p:nvSpPr>
+          <p:cNvPr id="4" name="Номер слайда 3"/>
+          <p:cNvSpPr>
+            <a:spLocks noGrp="1"/>
+          </p:cNvSpPr>
+          <p:nvPr>
+            <p:ph type="sldNum" sz="quarter" idx="10"/>
+          </p:nvPr>
+        </p:nvSpPr>
+        <p:spPr/>
+        <p:txBody>
+          <a:bodyPr/>
+          <a:lstStyle/>
+          <a:p>
+            <a:fld id="{3EBA5BD7-F043-4D1B-AA17-CD412FC534DE}" type="slidenum">
+              <a:rPr lang="en-US" smtClean="0"/>
+              <a:t>13</a:t>
+            </a:fld>
+            <a:endParaRPr lang="en-US"/>
+          </a:p>
+        </p:txBody>
+      </p:sp>
+    </p:spTree>
+    <p:extLst>
+      <p:ext uri="{BB962C8B-B14F-4D97-AF65-F5344CB8AC3E}">
+        <p14:creationId xmlns:p14="http://schemas.microsoft.com/office/powerpoint/2010/main" val="876574031"/>
+      </p:ext>
+    </p:extLst>
+  </p:cSld>
+  <p:clrMapOvr>
+    <a:masterClrMapping/>
+  </p:clrMapOvr>
+</p:notes>
+</file>
+
+<file path=ppt/notesSlides/notesSlide5.xml><?xml version="1.0" encoding="utf-8"?>
+<p:notes xmlns:a="http://schemas.openxmlformats.org/drawingml/2006/main" xmlns:r="http://schemas.openxmlformats.org/officeDocument/2006/relationships" xmlns:p="http://schemas.openxmlformats.org/presentationml/2006/main">
+  <p:cSld>
+    <p:spTree>
+      <p:nvGrpSpPr>
+        <p:cNvPr id="1" name=""/>
+        <p:cNvGrpSpPr/>
+        <p:nvPr/>
+      </p:nvGrpSpPr>
+      <p:grpSpPr>
+        <a:xfrm>
+          <a:off x="0" y="0"/>
+          <a:ext cx="0" cy="0"/>
+          <a:chOff x="0" y="0"/>
+          <a:chExt cx="0" cy="0"/>
+        </a:xfrm>
+      </p:grpSpPr>
+      <p:sp>
+        <p:nvSpPr>
+          <p:cNvPr id="2" name="Образ слайда 1"/>
+          <p:cNvSpPr>
+            <a:spLocks noGrp="1" noRot="1" noChangeAspect="1"/>
+          </p:cNvSpPr>
+          <p:nvPr>
+            <p:ph type="sldImg"/>
+          </p:nvPr>
+        </p:nvSpPr>
+        <p:spPr/>
+      </p:sp>
+      <p:sp>
+        <p:nvSpPr>
+          <p:cNvPr id="3" name="Заметки 2"/>
+          <p:cNvSpPr>
+            <a:spLocks noGrp="1"/>
+          </p:cNvSpPr>
+          <p:nvPr>
+            <p:ph type="body" idx="1"/>
+          </p:nvPr>
+        </p:nvSpPr>
+        <p:spPr/>
+        <p:txBody>
+          <a:bodyPr/>
+          <a:lstStyle/>
+          <a:p>
+            <a:endParaRPr lang="en-US" dirty="0"/>
+          </a:p>
+        </p:txBody>
+      </p:sp>
+      <p:sp>
+        <p:nvSpPr>
+          <p:cNvPr id="4" name="Номер слайда 3"/>
+          <p:cNvSpPr>
+            <a:spLocks noGrp="1"/>
+          </p:cNvSpPr>
+          <p:nvPr>
+            <p:ph type="sldNum" sz="quarter" idx="10"/>
+          </p:nvPr>
+        </p:nvSpPr>
+        <p:spPr/>
+        <p:txBody>
+          <a:bodyPr/>
+          <a:lstStyle/>
+          <a:p>
+            <a:fld id="{3EBA5BD7-F043-4D1B-AA17-CD412FC534DE}" type="slidenum">
+              <a:rPr lang="en-US" smtClean="0"/>
+              <a:t>14</a:t>
+            </a:fld>
+            <a:endParaRPr lang="en-US"/>
+          </a:p>
+        </p:txBody>
+      </p:sp>
+    </p:spTree>
+    <p:extLst>
+      <p:ext uri="{BB962C8B-B14F-4D97-AF65-F5344CB8AC3E}">
+        <p14:creationId xmlns:p14="http://schemas.microsoft.com/office/powerpoint/2010/main" val="3879373161"/>
+      </p:ext>
+    </p:extLst>
+  </p:cSld>
+  <p:clrMapOvr>
+    <a:masterClrMapping/>
+  </p:clrMapOvr>
+</p:notes>
+</file>
+
+<file path=ppt/notesSlides/notesSlide6.xml><?xml version="1.0" encoding="utf-8"?>
+<p:notes xmlns:a="http://schemas.openxmlformats.org/drawingml/2006/main" xmlns:r="http://schemas.openxmlformats.org/officeDocument/2006/relationships" xmlns:p="http://schemas.openxmlformats.org/presentationml/2006/main">
+  <p:cSld>
+    <p:spTree>
+      <p:nvGrpSpPr>
+        <p:cNvPr id="1" name=""/>
+        <p:cNvGrpSpPr/>
+        <p:nvPr/>
+      </p:nvGrpSpPr>
+      <p:grpSpPr>
+        <a:xfrm>
+          <a:off x="0" y="0"/>
+          <a:ext cx="0" cy="0"/>
+          <a:chOff x="0" y="0"/>
+          <a:chExt cx="0" cy="0"/>
+        </a:xfrm>
+      </p:grpSpPr>
+      <p:sp>
+        <p:nvSpPr>
+          <p:cNvPr id="2" name="Образ слайда 1"/>
+          <p:cNvSpPr>
+            <a:spLocks noGrp="1" noRot="1" noChangeAspect="1"/>
+          </p:cNvSpPr>
+          <p:nvPr>
+            <p:ph type="sldImg"/>
+          </p:nvPr>
+        </p:nvSpPr>
+        <p:spPr/>
+      </p:sp>
+      <p:sp>
+        <p:nvSpPr>
+          <p:cNvPr id="3" name="Заметки 2"/>
+          <p:cNvSpPr>
+            <a:spLocks noGrp="1"/>
+          </p:cNvSpPr>
+          <p:nvPr>
+            <p:ph type="body" idx="1"/>
+          </p:nvPr>
+        </p:nvSpPr>
+        <p:spPr/>
+        <p:txBody>
+          <a:bodyPr/>
+          <a:lstStyle/>
+          <a:p>
+            <a:endParaRPr lang="en-US" dirty="0"/>
+          </a:p>
+        </p:txBody>
+      </p:sp>
+      <p:sp>
+        <p:nvSpPr>
+          <p:cNvPr id="4" name="Номер слайда 3"/>
+          <p:cNvSpPr>
+            <a:spLocks noGrp="1"/>
+          </p:cNvSpPr>
+          <p:nvPr>
+            <p:ph type="sldNum" sz="quarter" idx="10"/>
+          </p:nvPr>
+        </p:nvSpPr>
+        <p:spPr/>
+        <p:txBody>
+          <a:bodyPr/>
+          <a:lstStyle/>
+          <a:p>
+            <a:fld id="{3EBA5BD7-F043-4D1B-AA17-CD412FC534DE}" type="slidenum">
+              <a:rPr lang="en-US" smtClean="0"/>
+              <a:t>15</a:t>
+            </a:fld>
+            <a:endParaRPr lang="en-US"/>
+          </a:p>
+        </p:txBody>
+      </p:sp>
+    </p:spTree>
+    <p:extLst>
+      <p:ext uri="{BB962C8B-B14F-4D97-AF65-F5344CB8AC3E}">
+        <p14:creationId xmlns:p14="http://schemas.microsoft.com/office/powerpoint/2010/main" val="2426739747"/>
+      </p:ext>
+    </p:extLst>
+  </p:cSld>
+  <p:clrMapOvr>
+    <a:masterClrMapping/>
+  </p:clrMapOvr>
+</p:notes>
+</file>
+
+<file path=ppt/notesSlides/notesSlide7.xml><?xml version="1.0" encoding="utf-8"?>
+<p:notes xmlns:a="http://schemas.openxmlformats.org/drawingml/2006/main" xmlns:r="http://schemas.openxmlformats.org/officeDocument/2006/relationships" xmlns:p="http://schemas.openxmlformats.org/presentationml/2006/main">
+  <p:cSld>
+    <p:spTree>
+      <p:nvGrpSpPr>
+        <p:cNvPr id="1" name=""/>
+        <p:cNvGrpSpPr/>
+        <p:nvPr/>
+      </p:nvGrpSpPr>
+      <p:grpSpPr>
+        <a:xfrm>
+          <a:off x="0" y="0"/>
+          <a:ext cx="0" cy="0"/>
+          <a:chOff x="0" y="0"/>
+          <a:chExt cx="0" cy="0"/>
+        </a:xfrm>
+      </p:grpSpPr>
+      <p:sp>
+        <p:nvSpPr>
+          <p:cNvPr id="2" name="Образ слайда 1"/>
+          <p:cNvSpPr>
+            <a:spLocks noGrp="1" noRot="1" noChangeAspect="1"/>
+          </p:cNvSpPr>
+          <p:nvPr>
+            <p:ph type="sldImg"/>
+          </p:nvPr>
+        </p:nvSpPr>
+        <p:spPr/>
+      </p:sp>
+      <p:sp>
+        <p:nvSpPr>
+          <p:cNvPr id="3" name="Заметки 2"/>
+          <p:cNvSpPr>
+            <a:spLocks noGrp="1"/>
+          </p:cNvSpPr>
+          <p:nvPr>
+            <p:ph type="body" idx="1"/>
+          </p:nvPr>
+        </p:nvSpPr>
+        <p:spPr/>
+        <p:txBody>
+          <a:bodyPr/>
+          <a:lstStyle/>
+          <a:p>
+            <a:endParaRPr lang="en-US" dirty="0"/>
+          </a:p>
+        </p:txBody>
+      </p:sp>
+      <p:sp>
+        <p:nvSpPr>
+          <p:cNvPr id="4" name="Номер слайда 3"/>
+          <p:cNvSpPr>
+            <a:spLocks noGrp="1"/>
+          </p:cNvSpPr>
+          <p:nvPr>
+            <p:ph type="sldNum" sz="quarter" idx="10"/>
+          </p:nvPr>
+        </p:nvSpPr>
+        <p:spPr/>
+        <p:txBody>
+          <a:bodyPr/>
+          <a:lstStyle/>
+          <a:p>
+            <a:fld id="{3EBA5BD7-F043-4D1B-AA17-CD412FC534DE}" type="slidenum">
+              <a:rPr lang="en-US" smtClean="0"/>
+              <a:t>16</a:t>
+            </a:fld>
+            <a:endParaRPr lang="en-US"/>
+          </a:p>
+        </p:txBody>
+      </p:sp>
+    </p:spTree>
+    <p:extLst>
+      <p:ext uri="{BB962C8B-B14F-4D97-AF65-F5344CB8AC3E}">
+        <p14:creationId xmlns:p14="http://schemas.microsoft.com/office/powerpoint/2010/main" val="2676660636"/>
+      </p:ext>
+    </p:extLst>
+  </p:cSld>
+  <p:clrMapOvr>
+    <a:masterClrMapping/>
+  </p:clrMapOvr>
+</p:notes>
 </file>
 
 <file path=ppt/slideLayouts/slideLayout1.xml><?xml version="1.0" encoding="utf-8"?>
@@ -5461,6 +6062,1071 @@
 </p:sld>
 </file>
 
+<file path=ppt/slides/slide10.xml><?xml version="1.0" encoding="utf-8"?>
+<p:sld xmlns:a="http://schemas.openxmlformats.org/drawingml/2006/main" xmlns:r="http://schemas.openxmlformats.org/officeDocument/2006/relationships" xmlns:p="http://schemas.openxmlformats.org/presentationml/2006/main">
+  <p:cSld>
+    <p:spTree>
+      <p:nvGrpSpPr>
+        <p:cNvPr id="1" name=""/>
+        <p:cNvGrpSpPr/>
+        <p:nvPr/>
+      </p:nvGrpSpPr>
+      <p:grpSpPr>
+        <a:xfrm>
+          <a:off x="0" y="0"/>
+          <a:ext cx="0" cy="0"/>
+          <a:chOff x="0" y="0"/>
+          <a:chExt cx="0" cy="0"/>
+        </a:xfrm>
+      </p:grpSpPr>
+      <p:sp>
+        <p:nvSpPr>
+          <p:cNvPr id="2" name="Заголовок 1"/>
+          <p:cNvSpPr>
+            <a:spLocks noGrp="1"/>
+          </p:cNvSpPr>
+          <p:nvPr>
+            <p:ph type="title"/>
+          </p:nvPr>
+        </p:nvSpPr>
+        <p:spPr/>
+        <p:txBody>
+          <a:bodyPr>
+            <a:normAutofit/>
+          </a:bodyPr>
+          <a:lstStyle/>
+          <a:p>
+            <a:r>
+              <a:rPr lang="en-US" sz="4400" dirty="0" smtClean="0"/>
+              <a:t>C# Class Diagram</a:t>
+            </a:r>
+            <a:endParaRPr lang="en-US" sz="4400" dirty="0"/>
+          </a:p>
+        </p:txBody>
+      </p:sp>
+      <p:pic>
+        <p:nvPicPr>
+          <p:cNvPr id="7" name="Объект 6"/>
+          <p:cNvPicPr>
+            <a:picLocks noGrp="1" noChangeAspect="1"/>
+          </p:cNvPicPr>
+          <p:nvPr>
+            <p:ph idx="1"/>
+          </p:nvPr>
+        </p:nvPicPr>
+        <p:blipFill>
+          <a:blip r:embed="rId2">
+            <a:extLst>
+              <a:ext uri="{28A0092B-C50C-407E-A947-70E740481C1C}">
+                <a14:useLocalDpi xmlns:a14="http://schemas.microsoft.com/office/drawing/2010/main" val="0"/>
+              </a:ext>
+            </a:extLst>
+          </a:blip>
+          <a:stretch>
+            <a:fillRect/>
+          </a:stretch>
+        </p:blipFill>
+        <p:spPr>
+          <a:xfrm>
+            <a:off x="1341884" y="2420888"/>
+            <a:ext cx="10288436" cy="3043662"/>
+          </a:xfrm>
+        </p:spPr>
+      </p:pic>
+      <p:sp>
+        <p:nvSpPr>
+          <p:cNvPr id="6" name="Номер слайда 5"/>
+          <p:cNvSpPr>
+            <a:spLocks noGrp="1"/>
+          </p:cNvSpPr>
+          <p:nvPr>
+            <p:ph type="sldNum" sz="quarter" idx="12"/>
+          </p:nvPr>
+        </p:nvSpPr>
+        <p:spPr/>
+        <p:txBody>
+          <a:bodyPr/>
+          <a:lstStyle/>
+          <a:p>
+            <a:fld id="{C014DD1E-5D91-48A3-AD6D-45FBA980D106}" type="slidenum">
+              <a:rPr lang="ru-RU" noProof="0" smtClean="0"/>
+              <a:t>10</a:t>
+            </a:fld>
+            <a:endParaRPr lang="ru-RU" noProof="0" dirty="0"/>
+          </a:p>
+        </p:txBody>
+      </p:sp>
+    </p:spTree>
+    <p:extLst>
+      <p:ext uri="{BB962C8B-B14F-4D97-AF65-F5344CB8AC3E}">
+        <p14:creationId xmlns:p14="http://schemas.microsoft.com/office/powerpoint/2010/main" val="2729122286"/>
+      </p:ext>
+    </p:extLst>
+  </p:cSld>
+  <p:clrMapOvr>
+    <a:masterClrMapping/>
+  </p:clrMapOvr>
+  <mc:AlternateContent xmlns:mc="http://schemas.openxmlformats.org/markup-compatibility/2006" xmlns:p14="http://schemas.microsoft.com/office/powerpoint/2010/main">
+    <mc:Choice Requires="p14">
+      <p:transition spd="med" p14:dur="700">
+        <p:fade/>
+      </p:transition>
+    </mc:Choice>
+    <mc:Fallback xmlns="">
+      <p:transition spd="med">
+        <p:fade/>
+      </p:transition>
+    </mc:Fallback>
+  </mc:AlternateContent>
+  <p:timing>
+    <p:tnLst>
+      <p:par>
+        <p:cTn id="1" dur="indefinite" restart="never" nodeType="tmRoot"/>
+      </p:par>
+    </p:tnLst>
+  </p:timing>
+</p:sld>
+</file>
+
+<file path=ppt/slides/slide11.xml><?xml version="1.0" encoding="utf-8"?>
+<p:sld xmlns:a="http://schemas.openxmlformats.org/drawingml/2006/main" xmlns:r="http://schemas.openxmlformats.org/officeDocument/2006/relationships" xmlns:p="http://schemas.openxmlformats.org/presentationml/2006/main">
+  <p:cSld>
+    <p:spTree>
+      <p:nvGrpSpPr>
+        <p:cNvPr id="1" name=""/>
+        <p:cNvGrpSpPr/>
+        <p:nvPr/>
+      </p:nvGrpSpPr>
+      <p:grpSpPr>
+        <a:xfrm>
+          <a:off x="0" y="0"/>
+          <a:ext cx="0" cy="0"/>
+          <a:chOff x="0" y="0"/>
+          <a:chExt cx="0" cy="0"/>
+        </a:xfrm>
+      </p:grpSpPr>
+      <p:sp>
+        <p:nvSpPr>
+          <p:cNvPr id="6" name="Номер слайда 5"/>
+          <p:cNvSpPr>
+            <a:spLocks noGrp="1"/>
+          </p:cNvSpPr>
+          <p:nvPr>
+            <p:ph type="sldNum" sz="quarter" idx="12"/>
+          </p:nvPr>
+        </p:nvSpPr>
+        <p:spPr/>
+        <p:txBody>
+          <a:bodyPr/>
+          <a:lstStyle/>
+          <a:p>
+            <a:fld id="{C014DD1E-5D91-48A3-AD6D-45FBA980D106}" type="slidenum">
+              <a:rPr lang="ru-RU" noProof="0" smtClean="0"/>
+              <a:t>11</a:t>
+            </a:fld>
+            <a:endParaRPr lang="ru-RU" noProof="0" dirty="0"/>
+          </a:p>
+        </p:txBody>
+      </p:sp>
+      <p:pic>
+        <p:nvPicPr>
+          <p:cNvPr id="4" name="Объект 3"/>
+          <p:cNvPicPr>
+            <a:picLocks noGrp="1" noChangeAspect="1"/>
+          </p:cNvPicPr>
+          <p:nvPr>
+            <p:ph idx="1"/>
+          </p:nvPr>
+        </p:nvPicPr>
+        <p:blipFill>
+          <a:blip r:embed="rId2">
+            <a:extLst>
+              <a:ext uri="{28A0092B-C50C-407E-A947-70E740481C1C}">
+                <a14:useLocalDpi xmlns:a14="http://schemas.microsoft.com/office/drawing/2010/main" val="0"/>
+              </a:ext>
+            </a:extLst>
+          </a:blip>
+          <a:stretch>
+            <a:fillRect/>
+          </a:stretch>
+        </p:blipFill>
+        <p:spPr>
+          <a:xfrm>
+            <a:off x="1053852" y="-61905"/>
+            <a:ext cx="10972616" cy="7091305"/>
+          </a:xfrm>
+        </p:spPr>
+      </p:pic>
+      <p:sp>
+        <p:nvSpPr>
+          <p:cNvPr id="2" name="Заголовок 1"/>
+          <p:cNvSpPr>
+            <a:spLocks noGrp="1"/>
+          </p:cNvSpPr>
+          <p:nvPr>
+            <p:ph type="title"/>
+          </p:nvPr>
+        </p:nvSpPr>
+        <p:spPr>
+          <a:xfrm>
+            <a:off x="1218883" y="-320040"/>
+            <a:ext cx="10360501" cy="1237953"/>
+          </a:xfrm>
+        </p:spPr>
+        <p:txBody>
+          <a:bodyPr>
+            <a:normAutofit/>
+          </a:bodyPr>
+          <a:lstStyle/>
+          <a:p>
+            <a:pPr algn="r"/>
+            <a:r>
+              <a:rPr lang="en-US" sz="4400" dirty="0" smtClean="0"/>
+              <a:t>C# Class Diagram</a:t>
+            </a:r>
+            <a:endParaRPr lang="en-US" sz="4400" dirty="0"/>
+          </a:p>
+        </p:txBody>
+      </p:sp>
+    </p:spTree>
+    <p:extLst>
+      <p:ext uri="{BB962C8B-B14F-4D97-AF65-F5344CB8AC3E}">
+        <p14:creationId xmlns:p14="http://schemas.microsoft.com/office/powerpoint/2010/main" val="660551374"/>
+      </p:ext>
+    </p:extLst>
+  </p:cSld>
+  <p:clrMapOvr>
+    <a:masterClrMapping/>
+  </p:clrMapOvr>
+  <mc:AlternateContent xmlns:mc="http://schemas.openxmlformats.org/markup-compatibility/2006" xmlns:p14="http://schemas.microsoft.com/office/powerpoint/2010/main">
+    <mc:Choice Requires="p14">
+      <p:transition spd="med" p14:dur="700">
+        <p:fade/>
+      </p:transition>
+    </mc:Choice>
+    <mc:Fallback xmlns="">
+      <p:transition spd="med">
+        <p:fade/>
+      </p:transition>
+    </mc:Fallback>
+  </mc:AlternateContent>
+  <p:timing>
+    <p:tnLst>
+      <p:par>
+        <p:cTn id="1" dur="indefinite" restart="never" nodeType="tmRoot"/>
+      </p:par>
+    </p:tnLst>
+  </p:timing>
+</p:sld>
+</file>
+
+<file path=ppt/slides/slide12.xml><?xml version="1.0" encoding="utf-8"?>
+<p:sld xmlns:a="http://schemas.openxmlformats.org/drawingml/2006/main" xmlns:r="http://schemas.openxmlformats.org/officeDocument/2006/relationships" xmlns:p="http://schemas.openxmlformats.org/presentationml/2006/main">
+  <p:cSld>
+    <p:spTree>
+      <p:nvGrpSpPr>
+        <p:cNvPr id="1" name=""/>
+        <p:cNvGrpSpPr/>
+        <p:nvPr/>
+      </p:nvGrpSpPr>
+      <p:grpSpPr>
+        <a:xfrm>
+          <a:off x="0" y="0"/>
+          <a:ext cx="0" cy="0"/>
+          <a:chOff x="0" y="0"/>
+          <a:chExt cx="0" cy="0"/>
+        </a:xfrm>
+      </p:grpSpPr>
+      <p:sp>
+        <p:nvSpPr>
+          <p:cNvPr id="2" name="Заголовок 1"/>
+          <p:cNvSpPr>
+            <a:spLocks noGrp="1"/>
+          </p:cNvSpPr>
+          <p:nvPr>
+            <p:ph type="title"/>
+          </p:nvPr>
+        </p:nvSpPr>
+        <p:spPr/>
+        <p:txBody>
+          <a:bodyPr>
+            <a:normAutofit/>
+          </a:bodyPr>
+          <a:lstStyle/>
+          <a:p>
+            <a:r>
+              <a:rPr lang="en-US" sz="4400" dirty="0" smtClean="0"/>
+              <a:t>Merging and averaging</a:t>
+            </a:r>
+            <a:endParaRPr lang="en-US" sz="4400" dirty="0"/>
+          </a:p>
+        </p:txBody>
+      </p:sp>
+      <p:sp>
+        <p:nvSpPr>
+          <p:cNvPr id="3" name="Объект 2"/>
+          <p:cNvSpPr>
+            <a:spLocks noGrp="1"/>
+          </p:cNvSpPr>
+          <p:nvPr>
+            <p:ph idx="1"/>
+          </p:nvPr>
+        </p:nvSpPr>
+        <p:spPr/>
+        <p:txBody>
+          <a:bodyPr/>
+          <a:lstStyle/>
+          <a:p>
+            <a:r>
+              <a:rPr lang="en-US" dirty="0" smtClean="0"/>
+              <a:t>Main primitives</a:t>
+            </a:r>
+          </a:p>
+          <a:p>
+            <a:pPr lvl="1"/>
+            <a:r>
+              <a:rPr lang="en-US" dirty="0" smtClean="0"/>
+              <a:t>Merge</a:t>
+            </a:r>
+          </a:p>
+          <a:p>
+            <a:pPr lvl="1"/>
+            <a:r>
+              <a:rPr lang="en-US" dirty="0" smtClean="0"/>
+              <a:t>Average</a:t>
+            </a:r>
+          </a:p>
+          <a:p>
+            <a:pPr lvl="1"/>
+            <a:r>
+              <a:rPr lang="en-US" dirty="0" smtClean="0"/>
+              <a:t>Smooth</a:t>
+            </a:r>
+          </a:p>
+          <a:p>
+            <a:pPr lvl="1"/>
+            <a:endParaRPr lang="en-US" dirty="0"/>
+          </a:p>
+        </p:txBody>
+      </p:sp>
+      <p:sp>
+        <p:nvSpPr>
+          <p:cNvPr id="6" name="Номер слайда 5"/>
+          <p:cNvSpPr>
+            <a:spLocks noGrp="1"/>
+          </p:cNvSpPr>
+          <p:nvPr>
+            <p:ph type="sldNum" sz="quarter" idx="12"/>
+          </p:nvPr>
+        </p:nvSpPr>
+        <p:spPr/>
+        <p:txBody>
+          <a:bodyPr/>
+          <a:lstStyle/>
+          <a:p>
+            <a:fld id="{C014DD1E-5D91-48A3-AD6D-45FBA980D106}" type="slidenum">
+              <a:rPr lang="ru-RU" noProof="0" smtClean="0"/>
+              <a:t>12</a:t>
+            </a:fld>
+            <a:endParaRPr lang="ru-RU" noProof="0" dirty="0"/>
+          </a:p>
+        </p:txBody>
+      </p:sp>
+    </p:spTree>
+    <p:extLst>
+      <p:ext uri="{BB962C8B-B14F-4D97-AF65-F5344CB8AC3E}">
+        <p14:creationId xmlns:p14="http://schemas.microsoft.com/office/powerpoint/2010/main" val="693566703"/>
+      </p:ext>
+    </p:extLst>
+  </p:cSld>
+  <p:clrMapOvr>
+    <a:masterClrMapping/>
+  </p:clrMapOvr>
+  <mc:AlternateContent xmlns:mc="http://schemas.openxmlformats.org/markup-compatibility/2006" xmlns:p14="http://schemas.microsoft.com/office/powerpoint/2010/main">
+    <mc:Choice Requires="p14">
+      <p:transition spd="med" p14:dur="700">
+        <p:fade/>
+      </p:transition>
+    </mc:Choice>
+    <mc:Fallback xmlns="">
+      <p:transition spd="med">
+        <p:fade/>
+      </p:transition>
+    </mc:Fallback>
+  </mc:AlternateContent>
+  <p:timing>
+    <p:tnLst>
+      <p:par>
+        <p:cTn id="1" dur="indefinite" restart="never" nodeType="tmRoot"/>
+      </p:par>
+    </p:tnLst>
+  </p:timing>
+</p:sld>
+</file>
+
+<file path=ppt/slides/slide13.xml><?xml version="1.0" encoding="utf-8"?>
+<p:sld xmlns:a="http://schemas.openxmlformats.org/drawingml/2006/main" xmlns:r="http://schemas.openxmlformats.org/officeDocument/2006/relationships" xmlns:p="http://schemas.openxmlformats.org/presentationml/2006/main">
+  <p:cSld>
+    <p:spTree>
+      <p:nvGrpSpPr>
+        <p:cNvPr id="1" name=""/>
+        <p:cNvGrpSpPr/>
+        <p:nvPr/>
+      </p:nvGrpSpPr>
+      <p:grpSpPr>
+        <a:xfrm>
+          <a:off x="0" y="0"/>
+          <a:ext cx="0" cy="0"/>
+          <a:chOff x="0" y="0"/>
+          <a:chExt cx="0" cy="0"/>
+        </a:xfrm>
+      </p:grpSpPr>
+      <p:sp>
+        <p:nvSpPr>
+          <p:cNvPr id="2" name="Заголовок 1"/>
+          <p:cNvSpPr>
+            <a:spLocks noGrp="1"/>
+          </p:cNvSpPr>
+          <p:nvPr>
+            <p:ph type="title"/>
+          </p:nvPr>
+        </p:nvSpPr>
+        <p:spPr/>
+        <p:txBody>
+          <a:bodyPr>
+            <a:normAutofit/>
+          </a:bodyPr>
+          <a:lstStyle/>
+          <a:p>
+            <a:r>
+              <a:rPr lang="en-US" sz="4400" dirty="0" smtClean="0"/>
+              <a:t>Heat map</a:t>
+            </a:r>
+            <a:endParaRPr lang="en-US" sz="4400" dirty="0"/>
+          </a:p>
+        </p:txBody>
+      </p:sp>
+      <p:sp>
+        <p:nvSpPr>
+          <p:cNvPr id="3" name="Объект 2"/>
+          <p:cNvSpPr>
+            <a:spLocks noGrp="1"/>
+          </p:cNvSpPr>
+          <p:nvPr>
+            <p:ph idx="1"/>
+          </p:nvPr>
+        </p:nvSpPr>
+        <p:spPr/>
+        <p:txBody>
+          <a:bodyPr/>
+          <a:lstStyle/>
+          <a:p>
+            <a:r>
+              <a:rPr lang="en-US" dirty="0" smtClean="0"/>
+              <a:t>Two</a:t>
+            </a:r>
+            <a:r>
+              <a:rPr lang="ru-RU" dirty="0" smtClean="0"/>
+              <a:t> </a:t>
+            </a:r>
+            <a:r>
+              <a:rPr lang="en-US" dirty="0" smtClean="0"/>
+              <a:t>varieties</a:t>
+            </a:r>
+          </a:p>
+          <a:p>
+            <a:pPr lvl="1"/>
+            <a:r>
+              <a:rPr lang="en-US" dirty="0" smtClean="0"/>
+              <a:t>Set of gaze points</a:t>
+            </a:r>
+          </a:p>
+          <a:p>
+            <a:pPr lvl="1"/>
+            <a:r>
+              <a:rPr lang="en-US" dirty="0" smtClean="0"/>
+              <a:t>Blurring the 2D histogram of gaze points occurrences by convolution with arithmetic mean filter response</a:t>
+            </a:r>
+            <a:endParaRPr lang="en-US" dirty="0"/>
+          </a:p>
+        </p:txBody>
+      </p:sp>
+      <p:sp>
+        <p:nvSpPr>
+          <p:cNvPr id="6" name="Номер слайда 5"/>
+          <p:cNvSpPr>
+            <a:spLocks noGrp="1"/>
+          </p:cNvSpPr>
+          <p:nvPr>
+            <p:ph type="sldNum" sz="quarter" idx="12"/>
+          </p:nvPr>
+        </p:nvSpPr>
+        <p:spPr/>
+        <p:txBody>
+          <a:bodyPr/>
+          <a:lstStyle/>
+          <a:p>
+            <a:fld id="{C014DD1E-5D91-48A3-AD6D-45FBA980D106}" type="slidenum">
+              <a:rPr lang="ru-RU" noProof="0" smtClean="0"/>
+              <a:t>13</a:t>
+            </a:fld>
+            <a:endParaRPr lang="ru-RU" noProof="0" dirty="0"/>
+          </a:p>
+        </p:txBody>
+      </p:sp>
+    </p:spTree>
+    <p:extLst>
+      <p:ext uri="{BB962C8B-B14F-4D97-AF65-F5344CB8AC3E}">
+        <p14:creationId xmlns:p14="http://schemas.microsoft.com/office/powerpoint/2010/main" val="2298616573"/>
+      </p:ext>
+    </p:extLst>
+  </p:cSld>
+  <p:clrMapOvr>
+    <a:masterClrMapping/>
+  </p:clrMapOvr>
+  <mc:AlternateContent xmlns:mc="http://schemas.openxmlformats.org/markup-compatibility/2006" xmlns:p14="http://schemas.microsoft.com/office/powerpoint/2010/main">
+    <mc:Choice Requires="p14">
+      <p:transition spd="med" p14:dur="700">
+        <p:fade/>
+      </p:transition>
+    </mc:Choice>
+    <mc:Fallback xmlns="">
+      <p:transition spd="med">
+        <p:fade/>
+      </p:transition>
+    </mc:Fallback>
+  </mc:AlternateContent>
+  <p:timing>
+    <p:tnLst>
+      <p:par>
+        <p:cTn id="1" dur="indefinite" restart="never" nodeType="tmRoot"/>
+      </p:par>
+    </p:tnLst>
+  </p:timing>
+</p:sld>
+</file>
+
+<file path=ppt/slides/slide14.xml><?xml version="1.0" encoding="utf-8"?>
+<p:sld xmlns:a="http://schemas.openxmlformats.org/drawingml/2006/main" xmlns:r="http://schemas.openxmlformats.org/officeDocument/2006/relationships" xmlns:p="http://schemas.openxmlformats.org/presentationml/2006/main">
+  <p:cSld>
+    <p:spTree>
+      <p:nvGrpSpPr>
+        <p:cNvPr id="1" name=""/>
+        <p:cNvGrpSpPr/>
+        <p:nvPr/>
+      </p:nvGrpSpPr>
+      <p:grpSpPr>
+        <a:xfrm>
+          <a:off x="0" y="0"/>
+          <a:ext cx="0" cy="0"/>
+          <a:chOff x="0" y="0"/>
+          <a:chExt cx="0" cy="0"/>
+        </a:xfrm>
+      </p:grpSpPr>
+      <p:sp>
+        <p:nvSpPr>
+          <p:cNvPr id="2" name="Заголовок 1"/>
+          <p:cNvSpPr>
+            <a:spLocks noGrp="1"/>
+          </p:cNvSpPr>
+          <p:nvPr>
+            <p:ph type="title"/>
+          </p:nvPr>
+        </p:nvSpPr>
+        <p:spPr/>
+        <p:txBody>
+          <a:bodyPr>
+            <a:normAutofit/>
+          </a:bodyPr>
+          <a:lstStyle/>
+          <a:p>
+            <a:r>
+              <a:rPr lang="en-US" sz="4400" dirty="0" smtClean="0"/>
+              <a:t>Gaze tracking</a:t>
+            </a:r>
+            <a:endParaRPr lang="en-US" sz="4400" dirty="0"/>
+          </a:p>
+        </p:txBody>
+      </p:sp>
+      <p:sp>
+        <p:nvSpPr>
+          <p:cNvPr id="3" name="Объект 2"/>
+          <p:cNvSpPr>
+            <a:spLocks noGrp="1"/>
+          </p:cNvSpPr>
+          <p:nvPr>
+            <p:ph idx="1"/>
+          </p:nvPr>
+        </p:nvSpPr>
+        <p:spPr/>
+        <p:txBody>
+          <a:bodyPr/>
+          <a:lstStyle/>
+          <a:p>
+            <a:r>
+              <a:rPr lang="en-US" dirty="0" smtClean="0"/>
+              <a:t>Calibration</a:t>
+            </a:r>
+          </a:p>
+          <a:p>
+            <a:r>
+              <a:rPr lang="en-US" dirty="0" smtClean="0"/>
+              <a:t>Saccades</a:t>
+            </a:r>
+          </a:p>
+          <a:p>
+            <a:pPr lvl="1"/>
+            <a:endParaRPr lang="en-US" dirty="0"/>
+          </a:p>
+        </p:txBody>
+      </p:sp>
+      <p:sp>
+        <p:nvSpPr>
+          <p:cNvPr id="6" name="Номер слайда 5"/>
+          <p:cNvSpPr>
+            <a:spLocks noGrp="1"/>
+          </p:cNvSpPr>
+          <p:nvPr>
+            <p:ph type="sldNum" sz="quarter" idx="12"/>
+          </p:nvPr>
+        </p:nvSpPr>
+        <p:spPr/>
+        <p:txBody>
+          <a:bodyPr/>
+          <a:lstStyle/>
+          <a:p>
+            <a:fld id="{C014DD1E-5D91-48A3-AD6D-45FBA980D106}" type="slidenum">
+              <a:rPr lang="ru-RU" noProof="0" smtClean="0"/>
+              <a:t>14</a:t>
+            </a:fld>
+            <a:endParaRPr lang="ru-RU" noProof="0" dirty="0"/>
+          </a:p>
+        </p:txBody>
+      </p:sp>
+    </p:spTree>
+    <p:extLst>
+      <p:ext uri="{BB962C8B-B14F-4D97-AF65-F5344CB8AC3E}">
+        <p14:creationId xmlns:p14="http://schemas.microsoft.com/office/powerpoint/2010/main" val="2205232956"/>
+      </p:ext>
+    </p:extLst>
+  </p:cSld>
+  <p:clrMapOvr>
+    <a:masterClrMapping/>
+  </p:clrMapOvr>
+  <mc:AlternateContent xmlns:mc="http://schemas.openxmlformats.org/markup-compatibility/2006" xmlns:p14="http://schemas.microsoft.com/office/powerpoint/2010/main">
+    <mc:Choice Requires="p14">
+      <p:transition spd="med" p14:dur="700">
+        <p:fade/>
+      </p:transition>
+    </mc:Choice>
+    <mc:Fallback xmlns="">
+      <p:transition spd="med">
+        <p:fade/>
+      </p:transition>
+    </mc:Fallback>
+  </mc:AlternateContent>
+  <p:timing>
+    <p:tnLst>
+      <p:par>
+        <p:cTn id="1" dur="indefinite" restart="never" nodeType="tmRoot"/>
+      </p:par>
+    </p:tnLst>
+  </p:timing>
+</p:sld>
+</file>
+
+<file path=ppt/slides/slide15.xml><?xml version="1.0" encoding="utf-8"?>
+<p:sld xmlns:a="http://schemas.openxmlformats.org/drawingml/2006/main" xmlns:r="http://schemas.openxmlformats.org/officeDocument/2006/relationships" xmlns:p="http://schemas.openxmlformats.org/presentationml/2006/main">
+  <p:cSld>
+    <p:spTree>
+      <p:nvGrpSpPr>
+        <p:cNvPr id="1" name=""/>
+        <p:cNvGrpSpPr/>
+        <p:nvPr/>
+      </p:nvGrpSpPr>
+      <p:grpSpPr>
+        <a:xfrm>
+          <a:off x="0" y="0"/>
+          <a:ext cx="0" cy="0"/>
+          <a:chOff x="0" y="0"/>
+          <a:chExt cx="0" cy="0"/>
+        </a:xfrm>
+      </p:grpSpPr>
+      <p:sp>
+        <p:nvSpPr>
+          <p:cNvPr id="2" name="Заголовок 1"/>
+          <p:cNvSpPr>
+            <a:spLocks noGrp="1"/>
+          </p:cNvSpPr>
+          <p:nvPr>
+            <p:ph type="title"/>
+          </p:nvPr>
+        </p:nvSpPr>
+        <p:spPr/>
+        <p:txBody>
+          <a:bodyPr>
+            <a:normAutofit/>
+          </a:bodyPr>
+          <a:lstStyle/>
+          <a:p>
+            <a:r>
+              <a:rPr lang="en-US" sz="4400" dirty="0" smtClean="0"/>
+              <a:t>Processing with MATLAB</a:t>
+            </a:r>
+            <a:endParaRPr lang="en-US" sz="4400" dirty="0"/>
+          </a:p>
+        </p:txBody>
+      </p:sp>
+      <p:sp>
+        <p:nvSpPr>
+          <p:cNvPr id="3" name="Объект 2"/>
+          <p:cNvSpPr>
+            <a:spLocks noGrp="1"/>
+          </p:cNvSpPr>
+          <p:nvPr>
+            <p:ph idx="1"/>
+          </p:nvPr>
+        </p:nvSpPr>
+        <p:spPr/>
+        <p:txBody>
+          <a:bodyPr/>
+          <a:lstStyle/>
+          <a:p>
+            <a:r>
+              <a:rPr lang="en-US" dirty="0"/>
+              <a:t>function [</a:t>
+            </a:r>
+            <a:r>
+              <a:rPr lang="en-US" dirty="0" err="1"/>
+              <a:t>b,e,v</a:t>
+            </a:r>
+            <a:r>
+              <a:rPr lang="en-US" dirty="0"/>
+              <a:t>]=</a:t>
+            </a:r>
+            <a:r>
+              <a:rPr lang="en-US" dirty="0" err="1"/>
+              <a:t>getEmoElement</a:t>
+            </a:r>
+            <a:r>
+              <a:rPr lang="en-US" dirty="0"/>
+              <a:t>(</a:t>
+            </a:r>
+            <a:r>
+              <a:rPr lang="en-US" dirty="0" err="1"/>
+              <a:t>fname,el</a:t>
+            </a:r>
+            <a:r>
+              <a:rPr lang="en-US" dirty="0" smtClean="0"/>
+              <a:t>)</a:t>
+            </a:r>
+          </a:p>
+          <a:p>
+            <a:pPr marL="304746" lvl="1" indent="0">
+              <a:buNone/>
+            </a:pPr>
+            <a:r>
+              <a:rPr lang="en-US" sz="2800" dirty="0" smtClean="0"/>
+              <a:t>function </a:t>
+            </a:r>
+            <a:r>
+              <a:rPr lang="en-US" sz="2800" dirty="0"/>
+              <a:t>[</a:t>
+            </a:r>
+            <a:r>
+              <a:rPr lang="en-US" sz="2800" dirty="0" err="1"/>
+              <a:t>b,e,v</a:t>
+            </a:r>
+            <a:r>
+              <a:rPr lang="en-US" sz="2800" dirty="0"/>
+              <a:t>]=</a:t>
+            </a:r>
+            <a:r>
+              <a:rPr lang="en-US" sz="2800" dirty="0" err="1" smtClean="0"/>
+              <a:t>getEmoElementStr</a:t>
+            </a:r>
+            <a:r>
+              <a:rPr lang="en-US" sz="2800" dirty="0" smtClean="0"/>
+              <a:t>(</a:t>
+            </a:r>
+            <a:r>
+              <a:rPr lang="en-US" sz="2800" dirty="0" err="1" smtClean="0"/>
+              <a:t>fname,el</a:t>
+            </a:r>
+            <a:r>
+              <a:rPr lang="en-US" sz="2800" dirty="0" smtClean="0"/>
+              <a:t>)</a:t>
+            </a:r>
+          </a:p>
+          <a:p>
+            <a:pPr marL="761946" lvl="1" indent="-457200"/>
+            <a:r>
+              <a:rPr lang="en-US" sz="2800" dirty="0" smtClean="0"/>
+              <a:t>Slow (it takes about hour to process  50M file = 5minutes of records )</a:t>
+            </a:r>
+          </a:p>
+          <a:p>
+            <a:pPr marL="457200" indent="-457200"/>
+            <a:r>
+              <a:rPr lang="en-US" sz="3200" dirty="0" smtClean="0"/>
+              <a:t>One can use </a:t>
+            </a:r>
+            <a:r>
+              <a:rPr lang="en-US" sz="3200" b="1" dirty="0" smtClean="0">
+                <a:latin typeface="Courier New" panose="02070309020205020404" pitchFamily="49" charset="0"/>
+                <a:cs typeface="Courier New" panose="02070309020205020404" pitchFamily="49" charset="0"/>
+              </a:rPr>
+              <a:t>ttml2csv</a:t>
+            </a:r>
+            <a:r>
+              <a:rPr lang="en-US" sz="3200" dirty="0" smtClean="0"/>
+              <a:t> utility to convert data in </a:t>
+            </a:r>
+            <a:r>
+              <a:rPr lang="en-US" sz="3200" b="1" dirty="0" smtClean="0">
+                <a:latin typeface="Courier New" panose="02070309020205020404" pitchFamily="49" charset="0"/>
+                <a:cs typeface="Courier New" panose="02070309020205020404" pitchFamily="49" charset="0"/>
+              </a:rPr>
+              <a:t>csv</a:t>
+            </a:r>
+            <a:r>
+              <a:rPr lang="en-US" sz="3200" dirty="0" smtClean="0"/>
+              <a:t> format</a:t>
+            </a:r>
+          </a:p>
+          <a:p>
+            <a:pPr marL="761946" lvl="1" indent="-457200"/>
+            <a:r>
+              <a:rPr lang="en-US" dirty="0" smtClean="0"/>
+              <a:t>Load data in </a:t>
+            </a:r>
+            <a:r>
+              <a:rPr lang="en-US" b="1" dirty="0" smtClean="0">
+                <a:latin typeface="Courier New" panose="02070309020205020404" pitchFamily="49" charset="0"/>
+                <a:cs typeface="Courier New" panose="02070309020205020404" pitchFamily="49" charset="0"/>
+              </a:rPr>
+              <a:t>MATLAB</a:t>
+            </a:r>
+            <a:r>
+              <a:rPr lang="en-US" dirty="0" smtClean="0"/>
+              <a:t> to do its examination </a:t>
+            </a:r>
+          </a:p>
+          <a:p>
+            <a:pPr marL="761946" lvl="1" indent="-457200"/>
+            <a:r>
+              <a:rPr lang="en-US" dirty="0" smtClean="0"/>
+              <a:t>One can also use it </a:t>
+            </a:r>
+            <a:r>
+              <a:rPr lang="en-US" dirty="0" err="1" smtClean="0"/>
+              <a:t>f.ex</a:t>
+            </a:r>
+            <a:r>
+              <a:rPr lang="en-US" dirty="0" smtClean="0"/>
+              <a:t>. with </a:t>
+            </a:r>
+            <a:r>
+              <a:rPr lang="en-US" dirty="0" smtClean="0">
+                <a:latin typeface="Courier New" panose="02070309020205020404" pitchFamily="49" charset="0"/>
+                <a:cs typeface="Courier New" panose="02070309020205020404" pitchFamily="49" charset="0"/>
+              </a:rPr>
+              <a:t>Excel</a:t>
+            </a:r>
+            <a:endParaRPr lang="en-US" dirty="0">
+              <a:latin typeface="Courier New" panose="02070309020205020404" pitchFamily="49" charset="0"/>
+              <a:cs typeface="Courier New" panose="02070309020205020404" pitchFamily="49" charset="0"/>
+            </a:endParaRPr>
+          </a:p>
+          <a:p>
+            <a:endParaRPr lang="en-US" dirty="0"/>
+          </a:p>
+        </p:txBody>
+      </p:sp>
+      <p:sp>
+        <p:nvSpPr>
+          <p:cNvPr id="6" name="Номер слайда 5"/>
+          <p:cNvSpPr>
+            <a:spLocks noGrp="1"/>
+          </p:cNvSpPr>
+          <p:nvPr>
+            <p:ph type="sldNum" sz="quarter" idx="12"/>
+          </p:nvPr>
+        </p:nvSpPr>
+        <p:spPr/>
+        <p:txBody>
+          <a:bodyPr/>
+          <a:lstStyle/>
+          <a:p>
+            <a:fld id="{C014DD1E-5D91-48A3-AD6D-45FBA980D106}" type="slidenum">
+              <a:rPr lang="ru-RU" noProof="0" smtClean="0"/>
+              <a:t>15</a:t>
+            </a:fld>
+            <a:endParaRPr lang="ru-RU" noProof="0" dirty="0"/>
+          </a:p>
+        </p:txBody>
+      </p:sp>
+    </p:spTree>
+    <p:extLst>
+      <p:ext uri="{BB962C8B-B14F-4D97-AF65-F5344CB8AC3E}">
+        <p14:creationId xmlns:p14="http://schemas.microsoft.com/office/powerpoint/2010/main" val="2642078841"/>
+      </p:ext>
+    </p:extLst>
+  </p:cSld>
+  <p:clrMapOvr>
+    <a:masterClrMapping/>
+  </p:clrMapOvr>
+  <mc:AlternateContent xmlns:mc="http://schemas.openxmlformats.org/markup-compatibility/2006" xmlns:p14="http://schemas.microsoft.com/office/powerpoint/2010/main">
+    <mc:Choice Requires="p14">
+      <p:transition spd="med" p14:dur="700">
+        <p:fade/>
+      </p:transition>
+    </mc:Choice>
+    <mc:Fallback xmlns="">
+      <p:transition spd="med">
+        <p:fade/>
+      </p:transition>
+    </mc:Fallback>
+  </mc:AlternateContent>
+  <p:timing>
+    <p:tnLst>
+      <p:par>
+        <p:cTn id="1" dur="indefinite" restart="never" nodeType="tmRoot"/>
+      </p:par>
+    </p:tnLst>
+  </p:timing>
+</p:sld>
+</file>
+
+<file path=ppt/slides/slide16.xml><?xml version="1.0" encoding="utf-8"?>
+<p:sld xmlns:a="http://schemas.openxmlformats.org/drawingml/2006/main" xmlns:r="http://schemas.openxmlformats.org/officeDocument/2006/relationships" xmlns:p="http://schemas.openxmlformats.org/presentationml/2006/main">
+  <p:cSld>
+    <p:spTree>
+      <p:nvGrpSpPr>
+        <p:cNvPr id="1" name=""/>
+        <p:cNvGrpSpPr/>
+        <p:nvPr/>
+      </p:nvGrpSpPr>
+      <p:grpSpPr>
+        <a:xfrm>
+          <a:off x="0" y="0"/>
+          <a:ext cx="0" cy="0"/>
+          <a:chOff x="0" y="0"/>
+          <a:chExt cx="0" cy="0"/>
+        </a:xfrm>
+      </p:grpSpPr>
+      <p:sp>
+        <p:nvSpPr>
+          <p:cNvPr id="2" name="Заголовок 1"/>
+          <p:cNvSpPr>
+            <a:spLocks noGrp="1"/>
+          </p:cNvSpPr>
+          <p:nvPr>
+            <p:ph type="title"/>
+          </p:nvPr>
+        </p:nvSpPr>
+        <p:spPr/>
+        <p:txBody>
+          <a:bodyPr>
+            <a:normAutofit/>
+          </a:bodyPr>
+          <a:lstStyle/>
+          <a:p>
+            <a:r>
+              <a:rPr lang="en-US" sz="4400" dirty="0" smtClean="0"/>
+              <a:t>Additional utilities</a:t>
+            </a:r>
+            <a:endParaRPr lang="en-US" sz="4400" dirty="0"/>
+          </a:p>
+        </p:txBody>
+      </p:sp>
+      <p:sp>
+        <p:nvSpPr>
+          <p:cNvPr id="3" name="Объект 2"/>
+          <p:cNvSpPr>
+            <a:spLocks noGrp="1"/>
+          </p:cNvSpPr>
+          <p:nvPr>
+            <p:ph idx="1"/>
+          </p:nvPr>
+        </p:nvSpPr>
+        <p:spPr/>
+        <p:txBody>
+          <a:bodyPr/>
+          <a:lstStyle/>
+          <a:p>
+            <a:r>
+              <a:rPr lang="en-US" dirty="0" smtClean="0"/>
+              <a:t>rssdk2video</a:t>
+            </a:r>
+          </a:p>
+          <a:p>
+            <a:r>
+              <a:rPr lang="en-US" dirty="0" smtClean="0"/>
+              <a:t>ttml2srt</a:t>
+            </a:r>
+          </a:p>
+          <a:p>
+            <a:pPr lvl="1"/>
+            <a:endParaRPr lang="en-US" dirty="0"/>
+          </a:p>
+        </p:txBody>
+      </p:sp>
+      <p:sp>
+        <p:nvSpPr>
+          <p:cNvPr id="6" name="Номер слайда 5"/>
+          <p:cNvSpPr>
+            <a:spLocks noGrp="1"/>
+          </p:cNvSpPr>
+          <p:nvPr>
+            <p:ph type="sldNum" sz="quarter" idx="12"/>
+          </p:nvPr>
+        </p:nvSpPr>
+        <p:spPr/>
+        <p:txBody>
+          <a:bodyPr/>
+          <a:lstStyle/>
+          <a:p>
+            <a:fld id="{C014DD1E-5D91-48A3-AD6D-45FBA980D106}" type="slidenum">
+              <a:rPr lang="ru-RU" noProof="0" smtClean="0"/>
+              <a:t>16</a:t>
+            </a:fld>
+            <a:endParaRPr lang="ru-RU" noProof="0" dirty="0"/>
+          </a:p>
+        </p:txBody>
+      </p:sp>
+    </p:spTree>
+    <p:extLst>
+      <p:ext uri="{BB962C8B-B14F-4D97-AF65-F5344CB8AC3E}">
+        <p14:creationId xmlns:p14="http://schemas.microsoft.com/office/powerpoint/2010/main" val="572613508"/>
+      </p:ext>
+    </p:extLst>
+  </p:cSld>
+  <p:clrMapOvr>
+    <a:masterClrMapping/>
+  </p:clrMapOvr>
+  <mc:AlternateContent xmlns:mc="http://schemas.openxmlformats.org/markup-compatibility/2006" xmlns:p14="http://schemas.microsoft.com/office/powerpoint/2010/main">
+    <mc:Choice Requires="p14">
+      <p:transition spd="med" p14:dur="700">
+        <p:fade/>
+      </p:transition>
+    </mc:Choice>
+    <mc:Fallback xmlns="">
+      <p:transition spd="med">
+        <p:fade/>
+      </p:transition>
+    </mc:Fallback>
+  </mc:AlternateContent>
+  <p:timing>
+    <p:tnLst>
+      <p:par>
+        <p:cTn id="1" dur="indefinite" restart="never" nodeType="tmRoot"/>
+      </p:par>
+    </p:tnLst>
+  </p:timing>
+</p:sld>
+</file>
+
 <file path=ppt/slides/slide2.xml><?xml version="1.0" encoding="utf-8"?>
 <p:sld xmlns:a="http://schemas.openxmlformats.org/drawingml/2006/main" xmlns:r="http://schemas.openxmlformats.org/officeDocument/2006/relationships" xmlns:p="http://schemas.openxmlformats.org/presentationml/2006/main">
   <p:cSld>
@@ -5759,7 +7425,12 @@
           <a:bodyPr/>
           <a:lstStyle/>
           <a:p>
-            <a:endParaRPr lang="en-US"/>
+            <a:pPr algn="ctr"/>
+            <a:r>
+              <a:rPr lang="en-US" sz="4400" dirty="0" smtClean="0"/>
+              <a:t>Objectives</a:t>
+            </a:r>
+            <a:endParaRPr lang="en-US" sz="4400" dirty="0"/>
           </a:p>
         </p:txBody>
       </p:sp>
@@ -5778,53 +7449,64 @@
           <a:bodyPr/>
           <a:lstStyle/>
           <a:p>
-            <a:endParaRPr lang="en-US"/>
-          </a:p>
-        </p:txBody>
-      </p:sp>
-      <p:sp>
-        <p:nvSpPr>
-          <p:cNvPr id="4" name="Дата 3"/>
-          <p:cNvSpPr>
-            <a:spLocks noGrp="1"/>
-          </p:cNvSpPr>
-          <p:nvPr>
-            <p:ph type="dt" sz="half" idx="10"/>
-          </p:nvPr>
-        </p:nvSpPr>
-        <p:spPr/>
-        <p:txBody>
-          <a:bodyPr/>
-          <a:lstStyle/>
-          <a:p>
-            <a:r>
-              <a:rPr lang="ru-RU" noProof="0" smtClean="0"/>
-              <a:t>16.05.2014</a:t>
-            </a:r>
-            <a:endParaRPr lang="ru-RU" noProof="0" dirty="0"/>
-          </a:p>
-        </p:txBody>
-      </p:sp>
-      <p:sp>
-        <p:nvSpPr>
-          <p:cNvPr id="5" name="Нижний колонтитул 4"/>
-          <p:cNvSpPr>
-            <a:spLocks noGrp="1"/>
-          </p:cNvSpPr>
-          <p:nvPr>
-            <p:ph type="ftr" sz="quarter" idx="11"/>
-          </p:nvPr>
-        </p:nvSpPr>
-        <p:spPr/>
-        <p:txBody>
-          <a:bodyPr/>
-          <a:lstStyle/>
-          <a:p>
-            <a:r>
-              <a:rPr lang="ru-RU" noProof="0" smtClean="0"/>
-              <a:t>Новое поколение инструментальных средств разработки мобильных HTML5-приложений</a:t>
-            </a:r>
-            <a:endParaRPr lang="ru-RU" noProof="0" dirty="0"/>
+            <a:r>
+              <a:rPr lang="en-US" dirty="0" smtClean="0"/>
+              <a:t>Emotions records </a:t>
+            </a:r>
+            <a:r>
+              <a:rPr lang="en-US" dirty="0"/>
+              <a:t>format </a:t>
+            </a:r>
+            <a:endParaRPr lang="en-US" dirty="0" smtClean="0"/>
+          </a:p>
+          <a:p>
+            <a:r>
+              <a:rPr lang="en-US" dirty="0" smtClean="0"/>
+              <a:t>Emotions tracking  library</a:t>
+            </a:r>
+          </a:p>
+          <a:p>
+            <a:r>
+              <a:rPr lang="en-US" dirty="0" smtClean="0"/>
+              <a:t>Implementation of logic </a:t>
+            </a:r>
+            <a:r>
+              <a:rPr lang="en-US" dirty="0"/>
+              <a:t>to </a:t>
+            </a:r>
+            <a:r>
+              <a:rPr lang="en-US" dirty="0" smtClean="0"/>
+              <a:t>merge </a:t>
+            </a:r>
+            <a:r>
+              <a:rPr lang="en-US" dirty="0"/>
+              <a:t>files with emotions and </a:t>
+            </a:r>
+            <a:r>
+              <a:rPr lang="en-US" dirty="0" smtClean="0"/>
+              <a:t>its averaging</a:t>
+            </a:r>
+          </a:p>
+          <a:p>
+            <a:r>
+              <a:rPr lang="en-US" dirty="0" smtClean="0"/>
+              <a:t>Implementation of  building </a:t>
+            </a:r>
+            <a:r>
+              <a:rPr lang="en-US" dirty="0"/>
+              <a:t>heat map for user’s </a:t>
+            </a:r>
+            <a:r>
+              <a:rPr lang="en-US" dirty="0" smtClean="0"/>
+              <a:t>attention</a:t>
+            </a:r>
+          </a:p>
+          <a:p>
+            <a:r>
+              <a:rPr lang="en-US" dirty="0" smtClean="0"/>
+              <a:t>Demos</a:t>
+            </a:r>
+            <a:endParaRPr lang="en-US" dirty="0"/>
           </a:p>
         </p:txBody>
       </p:sp>
@@ -5873,6 +7555,5792 @@
       </p:transition>
     </mc:Fallback>
   </mc:AlternateContent>
+  <p:timing>
+    <p:tnLst>
+      <p:par>
+        <p:cTn id="1" dur="indefinite" restart="never" nodeType="tmRoot"/>
+      </p:par>
+    </p:tnLst>
+  </p:timing>
+</p:sld>
+</file>
+
+<file path=ppt/slides/slide4.xml><?xml version="1.0" encoding="utf-8"?>
+<p:sld xmlns:a="http://schemas.openxmlformats.org/drawingml/2006/main" xmlns:r="http://schemas.openxmlformats.org/officeDocument/2006/relationships" xmlns:p="http://schemas.openxmlformats.org/presentationml/2006/main">
+  <p:cSld>
+    <p:spTree>
+      <p:nvGrpSpPr>
+        <p:cNvPr id="1" name=""/>
+        <p:cNvGrpSpPr/>
+        <p:nvPr/>
+      </p:nvGrpSpPr>
+      <p:grpSpPr>
+        <a:xfrm>
+          <a:off x="0" y="0"/>
+          <a:ext cx="0" cy="0"/>
+          <a:chOff x="0" y="0"/>
+          <a:chExt cx="0" cy="0"/>
+        </a:xfrm>
+      </p:grpSpPr>
+      <p:sp>
+        <p:nvSpPr>
+          <p:cNvPr id="2" name="Заголовок 1"/>
+          <p:cNvSpPr>
+            <a:spLocks noGrp="1"/>
+          </p:cNvSpPr>
+          <p:nvPr>
+            <p:ph type="title"/>
+          </p:nvPr>
+        </p:nvSpPr>
+        <p:spPr/>
+        <p:txBody>
+          <a:bodyPr>
+            <a:normAutofit/>
+          </a:bodyPr>
+          <a:lstStyle/>
+          <a:p>
+            <a:r>
+              <a:rPr lang="en-US" sz="4400" dirty="0" smtClean="0"/>
+              <a:t>Emotions records</a:t>
+            </a:r>
+            <a:endParaRPr lang="en-US" sz="4400" dirty="0"/>
+          </a:p>
+        </p:txBody>
+      </p:sp>
+      <p:sp>
+        <p:nvSpPr>
+          <p:cNvPr id="3" name="Объект 2"/>
+          <p:cNvSpPr>
+            <a:spLocks noGrp="1"/>
+          </p:cNvSpPr>
+          <p:nvPr>
+            <p:ph idx="1"/>
+          </p:nvPr>
+        </p:nvSpPr>
+        <p:spPr>
+          <a:xfrm>
+            <a:off x="1218883" y="1701797"/>
+            <a:ext cx="10360501" cy="5019680"/>
+          </a:xfrm>
+        </p:spPr>
+        <p:txBody>
+          <a:bodyPr>
+            <a:normAutofit fontScale="92500" lnSpcReduction="20000"/>
+          </a:bodyPr>
+          <a:lstStyle/>
+          <a:p>
+            <a:pPr lvl="0"/>
+            <a:r>
+              <a:rPr lang="en-US" dirty="0" smtClean="0"/>
+              <a:t>TTML </a:t>
+            </a:r>
+            <a:r>
+              <a:rPr lang="ru-RU" dirty="0" smtClean="0"/>
+              <a:t>(</a:t>
+            </a:r>
+            <a:r>
+              <a:rPr lang="ru-RU" u="sng" dirty="0" smtClean="0">
+                <a:hlinkClick r:id="rId2"/>
+              </a:rPr>
+              <a:t>https</a:t>
+            </a:r>
+            <a:r>
+              <a:rPr lang="ru-RU" u="sng" dirty="0">
+                <a:hlinkClick r:id="rId2"/>
+              </a:rPr>
+              <a:t>://www.w3.org/TR/</a:t>
+            </a:r>
+            <a:r>
+              <a:rPr lang="ru-RU" b="1" u="sng" dirty="0">
+                <a:hlinkClick r:id="rId2"/>
+              </a:rPr>
+              <a:t>ttml</a:t>
+            </a:r>
+            <a:r>
+              <a:rPr lang="ru-RU" u="sng" dirty="0">
+                <a:hlinkClick r:id="rId2"/>
+              </a:rPr>
+              <a:t>2/</a:t>
+            </a:r>
+            <a:r>
+              <a:rPr lang="ru-RU" dirty="0"/>
+              <a:t>) </a:t>
+            </a:r>
+            <a:endParaRPr lang="en-US" dirty="0" smtClean="0"/>
+          </a:p>
+          <a:p>
+            <a:pPr lvl="1"/>
+            <a:r>
+              <a:rPr lang="en-US" dirty="0" smtClean="0"/>
+              <a:t>“The </a:t>
+            </a:r>
+            <a:r>
+              <a:rPr lang="en-US" dirty="0"/>
+              <a:t>Timed Text Markup Language is a content type that represents timed text media for the purpose of interchange among authoring systems. Timed text is textual information that is intrinsically or extrinsically associated with timing information</a:t>
+            </a:r>
+            <a:r>
+              <a:rPr lang="en-US" dirty="0" smtClean="0"/>
+              <a:t>.” </a:t>
+            </a:r>
+          </a:p>
+          <a:p>
+            <a:r>
+              <a:rPr lang="en-US" dirty="0" smtClean="0"/>
+              <a:t>Pros </a:t>
+            </a:r>
+          </a:p>
+          <a:p>
+            <a:pPr lvl="1"/>
+            <a:r>
+              <a:rPr lang="en-US" dirty="0" smtClean="0"/>
+              <a:t>Can be used as subtitles</a:t>
+            </a:r>
+          </a:p>
+          <a:p>
+            <a:pPr lvl="3"/>
+            <a:r>
+              <a:rPr lang="ru-RU" dirty="0" err="1"/>
+              <a:t>Windows</a:t>
+            </a:r>
+            <a:r>
+              <a:rPr lang="ru-RU" dirty="0"/>
+              <a:t> </a:t>
+            </a:r>
+            <a:r>
+              <a:rPr lang="ru-RU" dirty="0" smtClean="0"/>
+              <a:t>10</a:t>
+            </a:r>
+            <a:r>
+              <a:rPr lang="en-US" dirty="0" smtClean="0"/>
+              <a:t> </a:t>
+            </a:r>
+            <a:r>
+              <a:rPr lang="ru-RU" dirty="0" err="1" smtClean="0"/>
+              <a:t>Movies</a:t>
+            </a:r>
+            <a:r>
+              <a:rPr lang="ru-RU" dirty="0" smtClean="0"/>
+              <a:t> </a:t>
+            </a:r>
+            <a:r>
+              <a:rPr lang="ru-RU" dirty="0"/>
+              <a:t>&amp; </a:t>
+            </a:r>
+            <a:r>
+              <a:rPr lang="ru-RU" dirty="0" smtClean="0"/>
+              <a:t>TV</a:t>
+            </a:r>
+            <a:endParaRPr lang="en-US" dirty="0" smtClean="0"/>
+          </a:p>
+          <a:p>
+            <a:pPr lvl="1"/>
+            <a:r>
+              <a:rPr lang="en-US" dirty="0"/>
+              <a:t> </a:t>
+            </a:r>
+            <a:r>
+              <a:rPr lang="en-US" dirty="0" smtClean="0"/>
+              <a:t>Is </a:t>
+            </a:r>
+            <a:r>
+              <a:rPr lang="en-US" dirty="0"/>
+              <a:t>one of W3C's standards regulating timed text on the internet.</a:t>
+            </a:r>
+            <a:endParaRPr lang="en-US" dirty="0" smtClean="0"/>
+          </a:p>
+          <a:p>
+            <a:r>
+              <a:rPr lang="en-US" dirty="0" smtClean="0"/>
+              <a:t>Cons</a:t>
+            </a:r>
+          </a:p>
+          <a:p>
+            <a:pPr lvl="1"/>
+            <a:r>
+              <a:rPr lang="en-US" dirty="0" smtClean="0"/>
+              <a:t>It is not wide used standard </a:t>
+            </a:r>
+          </a:p>
+          <a:p>
+            <a:pPr lvl="1"/>
+            <a:r>
+              <a:rPr lang="en-US" dirty="0" smtClean="0"/>
+              <a:t>Entail to produce large files</a:t>
+            </a:r>
+          </a:p>
+          <a:p>
+            <a:pPr lvl="2"/>
+            <a:r>
+              <a:rPr lang="en-US" dirty="0" smtClean="0"/>
+              <a:t>~50M per 5 minutes of tracking</a:t>
+            </a:r>
+          </a:p>
+          <a:p>
+            <a:pPr lvl="3"/>
+            <a:r>
+              <a:rPr lang="en-US" dirty="0" smtClean="0"/>
+              <a:t> </a:t>
+            </a:r>
+          </a:p>
+          <a:p>
+            <a:pPr lvl="2"/>
+            <a:endParaRPr lang="en-US" dirty="0"/>
+          </a:p>
+        </p:txBody>
+      </p:sp>
+      <p:sp>
+        <p:nvSpPr>
+          <p:cNvPr id="6" name="Номер слайда 5"/>
+          <p:cNvSpPr>
+            <a:spLocks noGrp="1"/>
+          </p:cNvSpPr>
+          <p:nvPr>
+            <p:ph type="sldNum" sz="quarter" idx="12"/>
+          </p:nvPr>
+        </p:nvSpPr>
+        <p:spPr/>
+        <p:txBody>
+          <a:bodyPr/>
+          <a:lstStyle/>
+          <a:p>
+            <a:fld id="{C014DD1E-5D91-48A3-AD6D-45FBA980D106}" type="slidenum">
+              <a:rPr lang="ru-RU" noProof="0" smtClean="0"/>
+              <a:t>4</a:t>
+            </a:fld>
+            <a:endParaRPr lang="ru-RU" noProof="0" dirty="0"/>
+          </a:p>
+        </p:txBody>
+      </p:sp>
+    </p:spTree>
+    <p:extLst>
+      <p:ext uri="{BB962C8B-B14F-4D97-AF65-F5344CB8AC3E}">
+        <p14:creationId xmlns:p14="http://schemas.microsoft.com/office/powerpoint/2010/main" val="3595348728"/>
+      </p:ext>
+    </p:extLst>
+  </p:cSld>
+  <p:clrMapOvr>
+    <a:masterClrMapping/>
+  </p:clrMapOvr>
+  <mc:AlternateContent xmlns:mc="http://schemas.openxmlformats.org/markup-compatibility/2006" xmlns:p14="http://schemas.microsoft.com/office/powerpoint/2010/main">
+    <mc:Choice Requires="p14">
+      <p:transition spd="med" p14:dur="700">
+        <p:fade/>
+      </p:transition>
+    </mc:Choice>
+    <mc:Fallback xmlns="">
+      <p:transition spd="med">
+        <p:fade/>
+      </p:transition>
+    </mc:Fallback>
+  </mc:AlternateContent>
+  <p:timing>
+    <p:tnLst>
+      <p:par>
+        <p:cTn id="1" dur="indefinite" restart="never" nodeType="tmRoot"/>
+      </p:par>
+    </p:tnLst>
+  </p:timing>
+</p:sld>
+</file>
+
+<file path=ppt/slides/slide5.xml><?xml version="1.0" encoding="utf-8"?>
+<p:sld xmlns:a="http://schemas.openxmlformats.org/drawingml/2006/main" xmlns:r="http://schemas.openxmlformats.org/officeDocument/2006/relationships" xmlns:p="http://schemas.openxmlformats.org/presentationml/2006/main">
+  <p:cSld>
+    <p:spTree>
+      <p:nvGrpSpPr>
+        <p:cNvPr id="1" name=""/>
+        <p:cNvGrpSpPr/>
+        <p:nvPr/>
+      </p:nvGrpSpPr>
+      <p:grpSpPr>
+        <a:xfrm>
+          <a:off x="0" y="0"/>
+          <a:ext cx="0" cy="0"/>
+          <a:chOff x="0" y="0"/>
+          <a:chExt cx="0" cy="0"/>
+        </a:xfrm>
+      </p:grpSpPr>
+      <p:sp>
+        <p:nvSpPr>
+          <p:cNvPr id="2" name="Заголовок 1"/>
+          <p:cNvSpPr>
+            <a:spLocks noGrp="1"/>
+          </p:cNvSpPr>
+          <p:nvPr>
+            <p:ph type="title"/>
+          </p:nvPr>
+        </p:nvSpPr>
+        <p:spPr>
+          <a:xfrm>
+            <a:off x="1218883" y="-315415"/>
+            <a:ext cx="10360501" cy="1224136"/>
+          </a:xfrm>
+        </p:spPr>
+        <p:txBody>
+          <a:bodyPr>
+            <a:normAutofit/>
+          </a:bodyPr>
+          <a:lstStyle/>
+          <a:p>
+            <a:r>
+              <a:rPr lang="en-US" sz="4400" dirty="0"/>
+              <a:t>Emotions </a:t>
+            </a:r>
+            <a:r>
+              <a:rPr lang="en-US" sz="4400" dirty="0" smtClean="0"/>
+              <a:t>records. Structure</a:t>
+            </a:r>
+            <a:endParaRPr lang="en-US" sz="4400" dirty="0"/>
+          </a:p>
+        </p:txBody>
+      </p:sp>
+      <p:sp>
+        <p:nvSpPr>
+          <p:cNvPr id="3" name="Объект 2"/>
+          <p:cNvSpPr>
+            <a:spLocks noGrp="1"/>
+          </p:cNvSpPr>
+          <p:nvPr>
+            <p:ph idx="1"/>
+          </p:nvPr>
+        </p:nvSpPr>
+        <p:spPr>
+          <a:xfrm>
+            <a:off x="1218883" y="908720"/>
+            <a:ext cx="10360501" cy="5812757"/>
+          </a:xfrm>
+        </p:spPr>
+        <p:txBody>
+          <a:bodyPr>
+            <a:noAutofit/>
+          </a:bodyPr>
+          <a:lstStyle/>
+          <a:p>
+            <a:pPr marL="0" indent="0">
+              <a:spcBef>
+                <a:spcPts val="0"/>
+              </a:spcBef>
+              <a:buNone/>
+            </a:pPr>
+            <a:r>
+              <a:rPr lang="en-US" sz="1800" b="1" dirty="0">
+                <a:latin typeface="Courier New" panose="02070309020205020404" pitchFamily="49" charset="0"/>
+                <a:cs typeface="Courier New" panose="02070309020205020404" pitchFamily="49" charset="0"/>
+              </a:rPr>
+              <a:t>&lt;?xml </a:t>
+            </a:r>
+            <a:r>
+              <a:rPr lang="en-US" sz="1800" b="1" dirty="0">
+                <a:solidFill>
+                  <a:srgbClr val="FF0000"/>
+                </a:solidFill>
+                <a:latin typeface="Courier New" panose="02070309020205020404" pitchFamily="49" charset="0"/>
+                <a:cs typeface="Courier New" panose="02070309020205020404" pitchFamily="49" charset="0"/>
+              </a:rPr>
+              <a:t>version</a:t>
+            </a:r>
+            <a:r>
+              <a:rPr lang="en-US" sz="1800" b="1" dirty="0">
+                <a:latin typeface="Courier New" panose="02070309020205020404" pitchFamily="49" charset="0"/>
+                <a:cs typeface="Courier New" panose="02070309020205020404" pitchFamily="49" charset="0"/>
+              </a:rPr>
+              <a:t> = "</a:t>
+            </a:r>
+            <a:r>
+              <a:rPr lang="en-US" sz="1800" b="1" dirty="0">
+                <a:solidFill>
+                  <a:srgbClr val="7030A0"/>
+                </a:solidFill>
+                <a:latin typeface="Courier New" panose="02070309020205020404" pitchFamily="49" charset="0"/>
+                <a:cs typeface="Courier New" panose="02070309020205020404" pitchFamily="49" charset="0"/>
+              </a:rPr>
+              <a:t>1.0</a:t>
+            </a:r>
+            <a:r>
+              <a:rPr lang="en-US" sz="1800" b="1" dirty="0">
+                <a:latin typeface="Courier New" panose="02070309020205020404" pitchFamily="49" charset="0"/>
+                <a:cs typeface="Courier New" panose="02070309020205020404" pitchFamily="49" charset="0"/>
+              </a:rPr>
+              <a:t>" </a:t>
+            </a:r>
+            <a:r>
+              <a:rPr lang="en-US" sz="1800" b="1" dirty="0">
+                <a:solidFill>
+                  <a:srgbClr val="FF0000"/>
+                </a:solidFill>
+                <a:latin typeface="Courier New" panose="02070309020205020404" pitchFamily="49" charset="0"/>
+                <a:cs typeface="Courier New" panose="02070309020205020404" pitchFamily="49" charset="0"/>
+              </a:rPr>
+              <a:t>encoding</a:t>
+            </a:r>
+            <a:r>
+              <a:rPr lang="en-US" sz="1800" b="1" dirty="0">
+                <a:latin typeface="Courier New" panose="02070309020205020404" pitchFamily="49" charset="0"/>
+                <a:cs typeface="Courier New" panose="02070309020205020404" pitchFamily="49" charset="0"/>
+              </a:rPr>
+              <a:t> = "</a:t>
+            </a:r>
+            <a:r>
+              <a:rPr lang="en-US" sz="1800" b="1" dirty="0">
+                <a:solidFill>
+                  <a:srgbClr val="7030A0"/>
+                </a:solidFill>
+                <a:latin typeface="Courier New" panose="02070309020205020404" pitchFamily="49" charset="0"/>
+                <a:cs typeface="Courier New" panose="02070309020205020404" pitchFamily="49" charset="0"/>
+              </a:rPr>
+              <a:t>UTF-8</a:t>
+            </a:r>
+            <a:r>
+              <a:rPr lang="en-US" sz="1800" b="1" dirty="0">
+                <a:latin typeface="Courier New" panose="02070309020205020404" pitchFamily="49" charset="0"/>
+                <a:cs typeface="Courier New" panose="02070309020205020404" pitchFamily="49" charset="0"/>
+              </a:rPr>
+              <a:t>" ?&gt;</a:t>
+            </a:r>
+          </a:p>
+          <a:p>
+            <a:pPr marL="0" indent="0">
+              <a:spcBef>
+                <a:spcPts val="0"/>
+              </a:spcBef>
+              <a:buNone/>
+            </a:pPr>
+            <a:r>
+              <a:rPr lang="en-US" sz="1800" b="1" dirty="0">
+                <a:solidFill>
+                  <a:srgbClr val="0070C0"/>
+                </a:solidFill>
+                <a:latin typeface="Courier New" panose="02070309020205020404" pitchFamily="49" charset="0"/>
+                <a:cs typeface="Courier New" panose="02070309020205020404" pitchFamily="49" charset="0"/>
+              </a:rPr>
+              <a:t>&lt;</a:t>
+            </a:r>
+            <a:r>
+              <a:rPr lang="en-US" sz="1800" b="1" dirty="0" err="1">
+                <a:solidFill>
+                  <a:srgbClr val="0070C0"/>
+                </a:solidFill>
+                <a:latin typeface="Courier New" panose="02070309020205020404" pitchFamily="49" charset="0"/>
+                <a:cs typeface="Courier New" panose="02070309020205020404" pitchFamily="49" charset="0"/>
+              </a:rPr>
+              <a:t>tt</a:t>
+            </a:r>
+            <a:r>
+              <a:rPr lang="en-US" sz="1800" b="1" dirty="0">
+                <a:solidFill>
+                  <a:srgbClr val="0070C0"/>
+                </a:solidFill>
+                <a:latin typeface="Courier New" panose="02070309020205020404" pitchFamily="49" charset="0"/>
+                <a:cs typeface="Courier New" panose="02070309020205020404" pitchFamily="49" charset="0"/>
+              </a:rPr>
+              <a:t> </a:t>
+            </a:r>
+            <a:r>
+              <a:rPr lang="en-US" sz="1800" b="1" dirty="0" err="1">
+                <a:solidFill>
+                  <a:srgbClr val="FF0000"/>
+                </a:solidFill>
+                <a:latin typeface="Courier New" panose="02070309020205020404" pitchFamily="49" charset="0"/>
+                <a:cs typeface="Courier New" panose="02070309020205020404" pitchFamily="49" charset="0"/>
+              </a:rPr>
+              <a:t>xmlns</a:t>
+            </a:r>
+            <a:r>
+              <a:rPr lang="en-US" sz="1800" b="1" dirty="0">
+                <a:solidFill>
+                  <a:srgbClr val="FF0000"/>
+                </a:solidFill>
+                <a:latin typeface="Courier New" panose="02070309020205020404" pitchFamily="49" charset="0"/>
+                <a:cs typeface="Courier New" panose="02070309020205020404" pitchFamily="49" charset="0"/>
+              </a:rPr>
+              <a:t> </a:t>
+            </a:r>
+            <a:r>
+              <a:rPr lang="en-US" sz="1800" b="1" dirty="0">
+                <a:latin typeface="Courier New" panose="02070309020205020404" pitchFamily="49" charset="0"/>
+                <a:cs typeface="Courier New" panose="02070309020205020404" pitchFamily="49" charset="0"/>
+              </a:rPr>
+              <a:t>= "</a:t>
+            </a:r>
+            <a:r>
+              <a:rPr lang="en-US" sz="1800" b="1" dirty="0">
+                <a:solidFill>
+                  <a:srgbClr val="7030A0"/>
+                </a:solidFill>
+                <a:latin typeface="Courier New" panose="02070309020205020404" pitchFamily="49" charset="0"/>
+                <a:cs typeface="Courier New" panose="02070309020205020404" pitchFamily="49" charset="0"/>
+              </a:rPr>
+              <a:t>http://www.w3.org/ns/ttml</a:t>
+            </a:r>
+            <a:r>
+              <a:rPr lang="en-US" sz="1800" b="1" dirty="0">
+                <a:latin typeface="Courier New" panose="02070309020205020404" pitchFamily="49" charset="0"/>
+                <a:cs typeface="Courier New" panose="02070309020205020404" pitchFamily="49" charset="0"/>
+              </a:rPr>
+              <a:t>" </a:t>
+            </a:r>
+            <a:endParaRPr lang="en-US" sz="1800" b="1" dirty="0" smtClean="0">
+              <a:latin typeface="Courier New" panose="02070309020205020404" pitchFamily="49" charset="0"/>
+              <a:cs typeface="Courier New" panose="02070309020205020404" pitchFamily="49" charset="0"/>
+            </a:endParaRPr>
+          </a:p>
+          <a:p>
+            <a:pPr marL="0" indent="0">
+              <a:spcBef>
+                <a:spcPts val="0"/>
+              </a:spcBef>
+              <a:buNone/>
+            </a:pPr>
+            <a:r>
+              <a:rPr lang="en-US" sz="1800" b="1" dirty="0">
+                <a:latin typeface="Courier New" panose="02070309020205020404" pitchFamily="49" charset="0"/>
+                <a:cs typeface="Courier New" panose="02070309020205020404" pitchFamily="49" charset="0"/>
+              </a:rPr>
+              <a:t> </a:t>
+            </a:r>
+            <a:r>
+              <a:rPr lang="en-US" sz="1800" b="1" dirty="0" smtClean="0">
+                <a:latin typeface="Courier New" panose="02070309020205020404" pitchFamily="49" charset="0"/>
+                <a:cs typeface="Courier New" panose="02070309020205020404" pitchFamily="49" charset="0"/>
+              </a:rPr>
+              <a:t>   </a:t>
+            </a:r>
+            <a:r>
+              <a:rPr lang="en-US" sz="1800" b="1" dirty="0" err="1" smtClean="0">
+                <a:solidFill>
+                  <a:srgbClr val="FF0000"/>
+                </a:solidFill>
+                <a:latin typeface="Courier New" panose="02070309020205020404" pitchFamily="49" charset="0"/>
+                <a:cs typeface="Courier New" panose="02070309020205020404" pitchFamily="49" charset="0"/>
+              </a:rPr>
+              <a:t>xmlns:tts</a:t>
+            </a:r>
+            <a:r>
+              <a:rPr lang="en-US" sz="1800" b="1" dirty="0" smtClean="0">
+                <a:solidFill>
+                  <a:srgbClr val="FF0000"/>
+                </a:solidFill>
+                <a:latin typeface="Courier New" panose="02070309020205020404" pitchFamily="49" charset="0"/>
+                <a:cs typeface="Courier New" panose="02070309020205020404" pitchFamily="49" charset="0"/>
+              </a:rPr>
+              <a:t> </a:t>
+            </a:r>
+            <a:r>
+              <a:rPr lang="en-US" sz="1800" b="1" dirty="0">
+                <a:latin typeface="Courier New" panose="02070309020205020404" pitchFamily="49" charset="0"/>
+                <a:cs typeface="Courier New" panose="02070309020205020404" pitchFamily="49" charset="0"/>
+              </a:rPr>
+              <a:t>= </a:t>
+            </a:r>
+            <a:r>
+              <a:rPr lang="en-US" sz="1800" b="1" dirty="0" smtClean="0">
+                <a:latin typeface="Courier New" panose="02070309020205020404" pitchFamily="49" charset="0"/>
+                <a:cs typeface="Courier New" panose="02070309020205020404" pitchFamily="49" charset="0"/>
+              </a:rPr>
+              <a:t>"</a:t>
+            </a:r>
+            <a:r>
+              <a:rPr lang="en-US" sz="1800" b="1" dirty="0" smtClean="0">
+                <a:solidFill>
+                  <a:srgbClr val="7030A0"/>
+                </a:solidFill>
+                <a:latin typeface="Courier New" panose="02070309020205020404" pitchFamily="49" charset="0"/>
+                <a:cs typeface="Courier New" panose="02070309020205020404" pitchFamily="49" charset="0"/>
+              </a:rPr>
+              <a:t>http://www.w3.org/ns/ttml#styling</a:t>
+            </a:r>
+            <a:r>
+              <a:rPr lang="en-US" sz="1800" b="1" dirty="0" smtClean="0">
+                <a:latin typeface="Courier New" panose="02070309020205020404" pitchFamily="49" charset="0"/>
+                <a:cs typeface="Courier New" panose="02070309020205020404" pitchFamily="49" charset="0"/>
+              </a:rPr>
+              <a:t>" </a:t>
+            </a:r>
+          </a:p>
+          <a:p>
+            <a:pPr marL="0" indent="0">
+              <a:spcBef>
+                <a:spcPts val="0"/>
+              </a:spcBef>
+              <a:buNone/>
+            </a:pPr>
+            <a:r>
+              <a:rPr lang="en-US" sz="1800" b="1" dirty="0">
+                <a:latin typeface="Courier New" panose="02070309020205020404" pitchFamily="49" charset="0"/>
+                <a:cs typeface="Courier New" panose="02070309020205020404" pitchFamily="49" charset="0"/>
+              </a:rPr>
+              <a:t> </a:t>
+            </a:r>
+            <a:r>
+              <a:rPr lang="en-US" sz="1800" b="1" dirty="0" smtClean="0">
+                <a:latin typeface="Courier New" panose="02070309020205020404" pitchFamily="49" charset="0"/>
+                <a:cs typeface="Courier New" panose="02070309020205020404" pitchFamily="49" charset="0"/>
+              </a:rPr>
+              <a:t>   </a:t>
+            </a:r>
+            <a:r>
+              <a:rPr lang="en-US" sz="1800" b="1" dirty="0" err="1" smtClean="0">
+                <a:solidFill>
+                  <a:srgbClr val="FF0000"/>
+                </a:solidFill>
+                <a:latin typeface="Courier New" panose="02070309020205020404" pitchFamily="49" charset="0"/>
+                <a:cs typeface="Courier New" panose="02070309020205020404" pitchFamily="49" charset="0"/>
+              </a:rPr>
+              <a:t>xmlns:ttm</a:t>
+            </a:r>
+            <a:r>
+              <a:rPr lang="en-US" sz="1800" b="1" dirty="0" smtClean="0">
+                <a:solidFill>
+                  <a:srgbClr val="FF0000"/>
+                </a:solidFill>
+                <a:latin typeface="Courier New" panose="02070309020205020404" pitchFamily="49" charset="0"/>
+                <a:cs typeface="Courier New" panose="02070309020205020404" pitchFamily="49" charset="0"/>
+              </a:rPr>
+              <a:t> </a:t>
+            </a:r>
+            <a:r>
+              <a:rPr lang="en-US" sz="1800" b="1" dirty="0">
+                <a:latin typeface="Courier New" panose="02070309020205020404" pitchFamily="49" charset="0"/>
+                <a:cs typeface="Courier New" panose="02070309020205020404" pitchFamily="49" charset="0"/>
+              </a:rPr>
+              <a:t>= "</a:t>
+            </a:r>
+            <a:r>
+              <a:rPr lang="en-US" sz="1800" b="1" dirty="0" smtClean="0">
+                <a:solidFill>
+                  <a:srgbClr val="7030A0"/>
+                </a:solidFill>
+                <a:latin typeface="Courier New" panose="02070309020205020404" pitchFamily="49" charset="0"/>
+                <a:cs typeface="Courier New" panose="02070309020205020404" pitchFamily="49" charset="0"/>
+              </a:rPr>
+              <a:t>http</a:t>
+            </a:r>
+            <a:r>
+              <a:rPr lang="en-US" sz="1800" b="1" dirty="0">
+                <a:solidFill>
+                  <a:srgbClr val="7030A0"/>
+                </a:solidFill>
+                <a:latin typeface="Courier New" panose="02070309020205020404" pitchFamily="49" charset="0"/>
+                <a:cs typeface="Courier New" panose="02070309020205020404" pitchFamily="49" charset="0"/>
+              </a:rPr>
+              <a:t>://www.w3.org/ns/ttml#metadata</a:t>
+            </a:r>
+            <a:r>
+              <a:rPr lang="en-US" sz="1800" b="1" dirty="0">
+                <a:latin typeface="Courier New" panose="02070309020205020404" pitchFamily="49" charset="0"/>
+                <a:cs typeface="Courier New" panose="02070309020205020404" pitchFamily="49" charset="0"/>
+              </a:rPr>
+              <a:t>" </a:t>
+            </a:r>
+            <a:r>
+              <a:rPr lang="en-US" sz="1800" b="1" dirty="0">
+                <a:solidFill>
+                  <a:srgbClr val="0070C0"/>
+                </a:solidFill>
+                <a:latin typeface="Courier New" panose="02070309020205020404" pitchFamily="49" charset="0"/>
+                <a:cs typeface="Courier New" panose="02070309020205020404" pitchFamily="49" charset="0"/>
+              </a:rPr>
+              <a:t>&gt;</a:t>
+            </a:r>
+          </a:p>
+          <a:p>
+            <a:pPr marL="0" indent="0">
+              <a:spcBef>
+                <a:spcPts val="0"/>
+              </a:spcBef>
+              <a:buNone/>
+            </a:pPr>
+            <a:r>
+              <a:rPr lang="en-US" sz="1800" b="1" dirty="0" smtClean="0">
+                <a:latin typeface="Courier New" panose="02070309020205020404" pitchFamily="49" charset="0"/>
+                <a:cs typeface="Courier New" panose="02070309020205020404" pitchFamily="49" charset="0"/>
+              </a:rPr>
+              <a:t>  </a:t>
+            </a:r>
+            <a:r>
+              <a:rPr lang="en-US" sz="1800" b="1" dirty="0" smtClean="0">
+                <a:solidFill>
+                  <a:srgbClr val="0070C0"/>
+                </a:solidFill>
+                <a:latin typeface="Courier New" panose="02070309020205020404" pitchFamily="49" charset="0"/>
+                <a:cs typeface="Courier New" panose="02070309020205020404" pitchFamily="49" charset="0"/>
+              </a:rPr>
+              <a:t>&lt;</a:t>
+            </a:r>
+            <a:r>
+              <a:rPr lang="en-US" sz="1800" b="1" dirty="0">
+                <a:solidFill>
+                  <a:srgbClr val="0070C0"/>
+                </a:solidFill>
+                <a:latin typeface="Courier New" panose="02070309020205020404" pitchFamily="49" charset="0"/>
+                <a:cs typeface="Courier New" panose="02070309020205020404" pitchFamily="49" charset="0"/>
+              </a:rPr>
+              <a:t>head&gt;</a:t>
+            </a:r>
+          </a:p>
+          <a:p>
+            <a:pPr marL="0" indent="0">
+              <a:spcBef>
+                <a:spcPts val="0"/>
+              </a:spcBef>
+              <a:buNone/>
+            </a:pPr>
+            <a:r>
+              <a:rPr lang="en-US" sz="1800" b="1" dirty="0" smtClean="0">
+                <a:solidFill>
+                  <a:srgbClr val="0070C0"/>
+                </a:solidFill>
+                <a:latin typeface="Courier New" panose="02070309020205020404" pitchFamily="49" charset="0"/>
+                <a:cs typeface="Courier New" panose="02070309020205020404" pitchFamily="49" charset="0"/>
+              </a:rPr>
+              <a:t>    &lt;</a:t>
+            </a:r>
+            <a:r>
+              <a:rPr lang="en-US" sz="1800" b="1" dirty="0">
+                <a:solidFill>
+                  <a:srgbClr val="0070C0"/>
+                </a:solidFill>
+                <a:latin typeface="Courier New" panose="02070309020205020404" pitchFamily="49" charset="0"/>
+                <a:cs typeface="Courier New" panose="02070309020205020404" pitchFamily="49" charset="0"/>
+              </a:rPr>
+              <a:t>metadata </a:t>
+            </a:r>
+            <a:r>
+              <a:rPr lang="en-US" sz="1800" b="1" dirty="0" err="1">
+                <a:solidFill>
+                  <a:srgbClr val="FF0000"/>
+                </a:solidFill>
+                <a:latin typeface="Courier New" panose="02070309020205020404" pitchFamily="49" charset="0"/>
+                <a:cs typeface="Courier New" panose="02070309020205020404" pitchFamily="49" charset="0"/>
+              </a:rPr>
+              <a:t>xmlns:ttm</a:t>
+            </a:r>
+            <a:r>
+              <a:rPr lang="en-US" sz="1800" b="1" dirty="0">
+                <a:solidFill>
+                  <a:srgbClr val="FF0000"/>
+                </a:solidFill>
+                <a:latin typeface="Courier New" panose="02070309020205020404" pitchFamily="49" charset="0"/>
+                <a:cs typeface="Courier New" panose="02070309020205020404" pitchFamily="49" charset="0"/>
+              </a:rPr>
+              <a:t> </a:t>
+            </a:r>
+            <a:r>
+              <a:rPr lang="en-US" sz="1800" b="1" dirty="0">
+                <a:latin typeface="Courier New" panose="02070309020205020404" pitchFamily="49" charset="0"/>
+                <a:cs typeface="Courier New" panose="02070309020205020404" pitchFamily="49" charset="0"/>
+              </a:rPr>
+              <a:t>= "</a:t>
+            </a:r>
+            <a:r>
+              <a:rPr lang="en-US" sz="1800" b="1" dirty="0">
+                <a:solidFill>
+                  <a:srgbClr val="7030A0"/>
+                </a:solidFill>
+                <a:latin typeface="Courier New" panose="02070309020205020404" pitchFamily="49" charset="0"/>
+                <a:cs typeface="Courier New" panose="02070309020205020404" pitchFamily="49" charset="0"/>
+              </a:rPr>
+              <a:t>http://www.w3.org/ns/ttml#metadata</a:t>
+            </a:r>
+            <a:r>
+              <a:rPr lang="en-US" sz="1800" b="1" dirty="0">
+                <a:latin typeface="Courier New" panose="02070309020205020404" pitchFamily="49" charset="0"/>
+                <a:cs typeface="Courier New" panose="02070309020205020404" pitchFamily="49" charset="0"/>
+              </a:rPr>
+              <a:t>"</a:t>
+            </a:r>
+            <a:r>
+              <a:rPr lang="en-US" sz="1800" b="1" dirty="0">
+                <a:solidFill>
+                  <a:srgbClr val="0070C0"/>
+                </a:solidFill>
+                <a:latin typeface="Courier New" panose="02070309020205020404" pitchFamily="49" charset="0"/>
+                <a:cs typeface="Courier New" panose="02070309020205020404" pitchFamily="49" charset="0"/>
+              </a:rPr>
+              <a:t>&gt;</a:t>
+            </a:r>
+          </a:p>
+          <a:p>
+            <a:pPr marL="0" indent="0">
+              <a:spcBef>
+                <a:spcPts val="0"/>
+              </a:spcBef>
+              <a:buNone/>
+            </a:pPr>
+            <a:r>
+              <a:rPr lang="en-US" sz="1800" b="1" dirty="0" smtClean="0">
+                <a:latin typeface="Courier New" panose="02070309020205020404" pitchFamily="49" charset="0"/>
+                <a:cs typeface="Courier New" panose="02070309020205020404" pitchFamily="49" charset="0"/>
+              </a:rPr>
+              <a:t>      </a:t>
+            </a:r>
+            <a:r>
+              <a:rPr lang="en-US" sz="1800" b="1" dirty="0" smtClean="0">
+                <a:solidFill>
+                  <a:srgbClr val="0070C0"/>
+                </a:solidFill>
+                <a:latin typeface="Courier New" panose="02070309020205020404" pitchFamily="49" charset="0"/>
+                <a:cs typeface="Courier New" panose="02070309020205020404" pitchFamily="49" charset="0"/>
+              </a:rPr>
+              <a:t>&lt;</a:t>
+            </a:r>
+            <a:r>
+              <a:rPr lang="en-US" sz="1800" b="1" dirty="0" err="1">
+                <a:solidFill>
+                  <a:srgbClr val="0070C0"/>
+                </a:solidFill>
+                <a:latin typeface="Courier New" panose="02070309020205020404" pitchFamily="49" charset="0"/>
+                <a:cs typeface="Courier New" panose="02070309020205020404" pitchFamily="49" charset="0"/>
+              </a:rPr>
+              <a:t>ttm:title</a:t>
+            </a:r>
+            <a:r>
+              <a:rPr lang="en-US" sz="1800" b="1" dirty="0">
+                <a:solidFill>
+                  <a:srgbClr val="0070C0"/>
+                </a:solidFill>
+                <a:latin typeface="Courier New" panose="02070309020205020404" pitchFamily="49" charset="0"/>
+                <a:cs typeface="Courier New" panose="02070309020205020404" pitchFamily="49" charset="0"/>
+              </a:rPr>
+              <a:t>&gt;</a:t>
+            </a:r>
+            <a:r>
+              <a:rPr lang="en-US" sz="1800" b="1" dirty="0">
+                <a:latin typeface="Courier New" panose="02070309020205020404" pitchFamily="49" charset="0"/>
+                <a:cs typeface="Courier New" panose="02070309020205020404" pitchFamily="49" charset="0"/>
+              </a:rPr>
+              <a:t>Timed Text TTML Example</a:t>
+            </a:r>
+            <a:r>
+              <a:rPr lang="en-US" sz="1800" b="1" dirty="0">
+                <a:solidFill>
+                  <a:srgbClr val="0070C0"/>
+                </a:solidFill>
+                <a:latin typeface="Courier New" panose="02070309020205020404" pitchFamily="49" charset="0"/>
+                <a:cs typeface="Courier New" panose="02070309020205020404" pitchFamily="49" charset="0"/>
+              </a:rPr>
+              <a:t>&lt;/</a:t>
+            </a:r>
+            <a:r>
+              <a:rPr lang="en-US" sz="1800" b="1" dirty="0" err="1">
+                <a:solidFill>
+                  <a:srgbClr val="0070C0"/>
+                </a:solidFill>
+                <a:latin typeface="Courier New" panose="02070309020205020404" pitchFamily="49" charset="0"/>
+                <a:cs typeface="Courier New" panose="02070309020205020404" pitchFamily="49" charset="0"/>
+              </a:rPr>
+              <a:t>ttm:title</a:t>
+            </a:r>
+            <a:r>
+              <a:rPr lang="en-US" sz="1800" b="1" dirty="0">
+                <a:solidFill>
+                  <a:srgbClr val="0070C0"/>
+                </a:solidFill>
+                <a:latin typeface="Courier New" panose="02070309020205020404" pitchFamily="49" charset="0"/>
+                <a:cs typeface="Courier New" panose="02070309020205020404" pitchFamily="49" charset="0"/>
+              </a:rPr>
+              <a:t>&gt;</a:t>
+            </a:r>
+          </a:p>
+          <a:p>
+            <a:pPr marL="0" indent="0">
+              <a:spcBef>
+                <a:spcPts val="0"/>
+              </a:spcBef>
+              <a:buNone/>
+            </a:pPr>
+            <a:r>
+              <a:rPr lang="en-US" sz="1800" b="1" dirty="0" smtClean="0">
+                <a:solidFill>
+                  <a:srgbClr val="0070C0"/>
+                </a:solidFill>
+                <a:latin typeface="Courier New" panose="02070309020205020404" pitchFamily="49" charset="0"/>
+                <a:cs typeface="Courier New" panose="02070309020205020404" pitchFamily="49" charset="0"/>
+              </a:rPr>
+              <a:t>      &lt;</a:t>
+            </a:r>
+            <a:r>
+              <a:rPr lang="en-US" sz="1800" b="1" dirty="0" err="1">
+                <a:solidFill>
+                  <a:srgbClr val="0070C0"/>
+                </a:solidFill>
+                <a:latin typeface="Courier New" panose="02070309020205020404" pitchFamily="49" charset="0"/>
+                <a:cs typeface="Courier New" panose="02070309020205020404" pitchFamily="49" charset="0"/>
+              </a:rPr>
+              <a:t>ttm:copyright</a:t>
+            </a:r>
+            <a:r>
+              <a:rPr lang="en-US" sz="1800" b="1" dirty="0">
+                <a:solidFill>
+                  <a:srgbClr val="0070C0"/>
+                </a:solidFill>
+                <a:latin typeface="Courier New" panose="02070309020205020404" pitchFamily="49" charset="0"/>
+                <a:cs typeface="Courier New" panose="02070309020205020404" pitchFamily="49" charset="0"/>
+              </a:rPr>
+              <a:t>&gt;</a:t>
+            </a:r>
+            <a:r>
+              <a:rPr lang="en-US" sz="1800" b="1" dirty="0">
+                <a:latin typeface="Courier New" panose="02070309020205020404" pitchFamily="49" charset="0"/>
+                <a:cs typeface="Courier New" panose="02070309020205020404" pitchFamily="49" charset="0"/>
+              </a:rPr>
+              <a:t>The Authors(c) 2006</a:t>
+            </a:r>
+            <a:r>
+              <a:rPr lang="en-US" sz="1800" b="1" dirty="0">
+                <a:solidFill>
+                  <a:srgbClr val="0070C0"/>
+                </a:solidFill>
+                <a:latin typeface="Courier New" panose="02070309020205020404" pitchFamily="49" charset="0"/>
+                <a:cs typeface="Courier New" panose="02070309020205020404" pitchFamily="49" charset="0"/>
+              </a:rPr>
+              <a:t>&lt;/</a:t>
+            </a:r>
+            <a:r>
+              <a:rPr lang="en-US" sz="1800" b="1" dirty="0" err="1">
+                <a:solidFill>
+                  <a:srgbClr val="0070C0"/>
+                </a:solidFill>
+                <a:latin typeface="Courier New" panose="02070309020205020404" pitchFamily="49" charset="0"/>
+                <a:cs typeface="Courier New" panose="02070309020205020404" pitchFamily="49" charset="0"/>
+              </a:rPr>
+              <a:t>ttm:copyright</a:t>
+            </a:r>
+            <a:r>
+              <a:rPr lang="en-US" sz="1800" b="1" dirty="0">
+                <a:solidFill>
+                  <a:srgbClr val="0070C0"/>
+                </a:solidFill>
+                <a:latin typeface="Courier New" panose="02070309020205020404" pitchFamily="49" charset="0"/>
+                <a:cs typeface="Courier New" panose="02070309020205020404" pitchFamily="49" charset="0"/>
+              </a:rPr>
+              <a:t>&gt;</a:t>
+            </a:r>
+          </a:p>
+          <a:p>
+            <a:pPr marL="0" indent="0">
+              <a:spcBef>
+                <a:spcPts val="0"/>
+              </a:spcBef>
+              <a:buNone/>
+            </a:pPr>
+            <a:r>
+              <a:rPr lang="en-US" sz="1800" b="1" dirty="0" smtClean="0">
+                <a:latin typeface="Courier New" panose="02070309020205020404" pitchFamily="49" charset="0"/>
+                <a:cs typeface="Courier New" panose="02070309020205020404" pitchFamily="49" charset="0"/>
+              </a:rPr>
+              <a:t>    </a:t>
+            </a:r>
+            <a:r>
+              <a:rPr lang="en-US" sz="1800" b="1" dirty="0" smtClean="0">
+                <a:solidFill>
+                  <a:srgbClr val="0070C0"/>
+                </a:solidFill>
+                <a:latin typeface="Courier New" panose="02070309020205020404" pitchFamily="49" charset="0"/>
+                <a:cs typeface="Courier New" panose="02070309020205020404" pitchFamily="49" charset="0"/>
+              </a:rPr>
+              <a:t>&lt;/</a:t>
+            </a:r>
+            <a:r>
+              <a:rPr lang="en-US" sz="1800" b="1" dirty="0">
+                <a:solidFill>
+                  <a:srgbClr val="0070C0"/>
+                </a:solidFill>
+                <a:latin typeface="Courier New" panose="02070309020205020404" pitchFamily="49" charset="0"/>
+                <a:cs typeface="Courier New" panose="02070309020205020404" pitchFamily="49" charset="0"/>
+              </a:rPr>
+              <a:t>metadata&gt;</a:t>
+            </a:r>
+          </a:p>
+          <a:p>
+            <a:pPr marL="0" indent="0">
+              <a:spcBef>
+                <a:spcPts val="0"/>
+              </a:spcBef>
+              <a:buNone/>
+            </a:pPr>
+            <a:r>
+              <a:rPr lang="en-US" sz="1800" b="1" dirty="0" smtClean="0">
+                <a:solidFill>
+                  <a:srgbClr val="0070C0"/>
+                </a:solidFill>
+                <a:latin typeface="Courier New" panose="02070309020205020404" pitchFamily="49" charset="0"/>
+                <a:cs typeface="Courier New" panose="02070309020205020404" pitchFamily="49" charset="0"/>
+              </a:rPr>
+              <a:t>  &lt;/</a:t>
+            </a:r>
+            <a:r>
+              <a:rPr lang="en-US" sz="1800" b="1" dirty="0">
+                <a:solidFill>
+                  <a:srgbClr val="0070C0"/>
+                </a:solidFill>
+                <a:latin typeface="Courier New" panose="02070309020205020404" pitchFamily="49" charset="0"/>
+                <a:cs typeface="Courier New" panose="02070309020205020404" pitchFamily="49" charset="0"/>
+              </a:rPr>
+              <a:t>head&gt;</a:t>
+            </a:r>
+          </a:p>
+          <a:p>
+            <a:pPr marL="0" indent="0">
+              <a:spcBef>
+                <a:spcPts val="0"/>
+              </a:spcBef>
+              <a:buNone/>
+            </a:pPr>
+            <a:r>
+              <a:rPr lang="en-US" sz="1800" b="1" dirty="0" smtClean="0">
+                <a:solidFill>
+                  <a:srgbClr val="0070C0"/>
+                </a:solidFill>
+                <a:latin typeface="Courier New" panose="02070309020205020404" pitchFamily="49" charset="0"/>
+                <a:cs typeface="Courier New" panose="02070309020205020404" pitchFamily="49" charset="0"/>
+              </a:rPr>
+              <a:t>  &lt;</a:t>
+            </a:r>
+            <a:r>
+              <a:rPr lang="en-US" sz="1800" b="1" dirty="0">
+                <a:solidFill>
+                  <a:srgbClr val="0070C0"/>
+                </a:solidFill>
+                <a:latin typeface="Courier New" panose="02070309020205020404" pitchFamily="49" charset="0"/>
+                <a:cs typeface="Courier New" panose="02070309020205020404" pitchFamily="49" charset="0"/>
+              </a:rPr>
+              <a:t>body&gt;</a:t>
+            </a:r>
+          </a:p>
+          <a:p>
+            <a:pPr marL="0" indent="0">
+              <a:spcBef>
+                <a:spcPts val="0"/>
+              </a:spcBef>
+              <a:buNone/>
+            </a:pPr>
+            <a:r>
+              <a:rPr lang="en-US" sz="1800" b="1" dirty="0" smtClean="0">
+                <a:solidFill>
+                  <a:srgbClr val="0070C0"/>
+                </a:solidFill>
+                <a:latin typeface="Courier New" panose="02070309020205020404" pitchFamily="49" charset="0"/>
+                <a:cs typeface="Courier New" panose="02070309020205020404" pitchFamily="49" charset="0"/>
+              </a:rPr>
+              <a:t>    &lt;</a:t>
+            </a:r>
+            <a:r>
+              <a:rPr lang="en-US" sz="1800" b="1" dirty="0">
+                <a:solidFill>
+                  <a:srgbClr val="0070C0"/>
+                </a:solidFill>
+                <a:latin typeface="Courier New" panose="02070309020205020404" pitchFamily="49" charset="0"/>
+                <a:cs typeface="Courier New" panose="02070309020205020404" pitchFamily="49" charset="0"/>
+              </a:rPr>
+              <a:t>div&gt;</a:t>
+            </a:r>
+          </a:p>
+          <a:p>
+            <a:pPr marL="0" indent="0">
+              <a:spcBef>
+                <a:spcPts val="0"/>
+              </a:spcBef>
+              <a:buNone/>
+            </a:pPr>
+            <a:r>
+              <a:rPr lang="en-US" sz="1800" b="1" dirty="0" smtClean="0">
+                <a:solidFill>
+                  <a:srgbClr val="0070C0"/>
+                </a:solidFill>
+                <a:latin typeface="Courier New" panose="02070309020205020404" pitchFamily="49" charset="0"/>
+                <a:cs typeface="Courier New" panose="02070309020205020404" pitchFamily="49" charset="0"/>
+              </a:rPr>
+              <a:t>      &lt;</a:t>
+            </a:r>
+            <a:r>
+              <a:rPr lang="en-US" sz="1800" b="1" dirty="0">
+                <a:solidFill>
+                  <a:srgbClr val="0070C0"/>
+                </a:solidFill>
+                <a:latin typeface="Courier New" panose="02070309020205020404" pitchFamily="49" charset="0"/>
+                <a:cs typeface="Courier New" panose="02070309020205020404" pitchFamily="49" charset="0"/>
+              </a:rPr>
+              <a:t>p</a:t>
+            </a:r>
+            <a:r>
+              <a:rPr lang="en-US" sz="1800" b="1" dirty="0">
+                <a:latin typeface="Courier New" panose="02070309020205020404" pitchFamily="49" charset="0"/>
+                <a:cs typeface="Courier New" panose="02070309020205020404" pitchFamily="49" charset="0"/>
+              </a:rPr>
+              <a:t> </a:t>
+            </a:r>
+            <a:r>
+              <a:rPr lang="en-US" sz="1800" b="1" dirty="0">
+                <a:solidFill>
+                  <a:srgbClr val="FF0000"/>
+                </a:solidFill>
+                <a:latin typeface="Courier New" panose="02070309020205020404" pitchFamily="49" charset="0"/>
+                <a:cs typeface="Courier New" panose="02070309020205020404" pitchFamily="49" charset="0"/>
+              </a:rPr>
+              <a:t>begin</a:t>
+            </a:r>
+            <a:r>
+              <a:rPr lang="en-US" sz="1800" b="1" dirty="0">
+                <a:latin typeface="Courier New" panose="02070309020205020404" pitchFamily="49" charset="0"/>
+                <a:cs typeface="Courier New" panose="02070309020205020404" pitchFamily="49" charset="0"/>
+              </a:rPr>
+              <a:t>="</a:t>
+            </a:r>
+            <a:r>
+              <a:rPr lang="en-US" sz="1800" b="1" dirty="0">
+                <a:solidFill>
+                  <a:srgbClr val="7030A0"/>
+                </a:solidFill>
+                <a:latin typeface="Courier New" panose="02070309020205020404" pitchFamily="49" charset="0"/>
+                <a:cs typeface="Courier New" panose="02070309020205020404" pitchFamily="49" charset="0"/>
+              </a:rPr>
+              <a:t>00:00:00.00</a:t>
+            </a:r>
+            <a:r>
+              <a:rPr lang="en-US" sz="1800" b="1" dirty="0">
+                <a:latin typeface="Courier New" panose="02070309020205020404" pitchFamily="49" charset="0"/>
+                <a:cs typeface="Courier New" panose="02070309020205020404" pitchFamily="49" charset="0"/>
+              </a:rPr>
+              <a:t>" </a:t>
+            </a:r>
+            <a:r>
+              <a:rPr lang="en-US" sz="1800" b="1" dirty="0">
+                <a:solidFill>
+                  <a:srgbClr val="FF0000"/>
+                </a:solidFill>
+                <a:latin typeface="Courier New" panose="02070309020205020404" pitchFamily="49" charset="0"/>
+                <a:cs typeface="Courier New" panose="02070309020205020404" pitchFamily="49" charset="0"/>
+              </a:rPr>
+              <a:t>end</a:t>
+            </a:r>
+            <a:r>
+              <a:rPr lang="en-US" sz="1800" b="1" dirty="0">
+                <a:latin typeface="Courier New" panose="02070309020205020404" pitchFamily="49" charset="0"/>
+                <a:cs typeface="Courier New" panose="02070309020205020404" pitchFamily="49" charset="0"/>
+              </a:rPr>
+              <a:t>="</a:t>
+            </a:r>
+            <a:r>
+              <a:rPr lang="en-US" sz="1800" b="1" dirty="0">
+                <a:solidFill>
+                  <a:srgbClr val="7030A0"/>
+                </a:solidFill>
+                <a:latin typeface="Courier New" panose="02070309020205020404" pitchFamily="49" charset="0"/>
+                <a:cs typeface="Courier New" panose="02070309020205020404" pitchFamily="49" charset="0"/>
+              </a:rPr>
+              <a:t>00:00:32.59</a:t>
+            </a:r>
+            <a:r>
+              <a:rPr lang="en-US" sz="1800" b="1" dirty="0">
+                <a:latin typeface="Courier New" panose="02070309020205020404" pitchFamily="49" charset="0"/>
+                <a:cs typeface="Courier New" panose="02070309020205020404" pitchFamily="49" charset="0"/>
+              </a:rPr>
+              <a:t>"</a:t>
+            </a:r>
+            <a:r>
+              <a:rPr lang="en-US" sz="1800" b="1" dirty="0">
+                <a:solidFill>
+                  <a:srgbClr val="0070C0"/>
+                </a:solidFill>
+                <a:latin typeface="Courier New" panose="02070309020205020404" pitchFamily="49" charset="0"/>
+                <a:cs typeface="Courier New" panose="02070309020205020404" pitchFamily="49" charset="0"/>
+              </a:rPr>
+              <a:t>&gt;</a:t>
+            </a:r>
+          </a:p>
+          <a:p>
+            <a:pPr marL="0" indent="0">
+              <a:spcBef>
+                <a:spcPts val="0"/>
+              </a:spcBef>
+              <a:buNone/>
+            </a:pPr>
+            <a:r>
+              <a:rPr lang="en-US" sz="1800" b="1" dirty="0" smtClean="0">
+                <a:latin typeface="Courier New" panose="02070309020205020404" pitchFamily="49" charset="0"/>
+                <a:cs typeface="Courier New" panose="02070309020205020404" pitchFamily="49" charset="0"/>
+              </a:rPr>
+              <a:t>        </a:t>
+            </a:r>
+            <a:r>
+              <a:rPr lang="en-US" sz="1800" b="1" dirty="0" smtClean="0">
+                <a:solidFill>
+                  <a:srgbClr val="0070C0"/>
+                </a:solidFill>
+                <a:latin typeface="Courier New" panose="02070309020205020404" pitchFamily="49" charset="0"/>
+                <a:cs typeface="Courier New" panose="02070309020205020404" pitchFamily="49" charset="0"/>
+              </a:rPr>
+              <a:t>&lt;</a:t>
+            </a:r>
+            <a:r>
+              <a:rPr lang="en-US" sz="1800" b="1" dirty="0">
+                <a:solidFill>
+                  <a:srgbClr val="0070C0"/>
+                </a:solidFill>
+                <a:latin typeface="Courier New" panose="02070309020205020404" pitchFamily="49" charset="0"/>
+                <a:cs typeface="Courier New" panose="02070309020205020404" pitchFamily="49" charset="0"/>
+              </a:rPr>
+              <a:t>data </a:t>
+            </a:r>
+            <a:r>
+              <a:rPr lang="en-US" sz="1800" b="1" dirty="0">
+                <a:solidFill>
+                  <a:srgbClr val="FF0000"/>
+                </a:solidFill>
+                <a:latin typeface="Courier New" panose="02070309020205020404" pitchFamily="49" charset="0"/>
+                <a:cs typeface="Courier New" panose="02070309020205020404" pitchFamily="49" charset="0"/>
+              </a:rPr>
+              <a:t>type</a:t>
+            </a:r>
+            <a:r>
+              <a:rPr lang="en-US" sz="1800" b="1" dirty="0">
+                <a:latin typeface="Courier New" panose="02070309020205020404" pitchFamily="49" charset="0"/>
+                <a:cs typeface="Courier New" panose="02070309020205020404" pitchFamily="49" charset="0"/>
+              </a:rPr>
+              <a:t>="</a:t>
+            </a:r>
+            <a:r>
+              <a:rPr lang="en-US" sz="1800" b="1" dirty="0">
+                <a:solidFill>
+                  <a:srgbClr val="7030A0"/>
+                </a:solidFill>
+                <a:latin typeface="Courier New" panose="02070309020205020404" pitchFamily="49" charset="0"/>
+                <a:cs typeface="Courier New" panose="02070309020205020404" pitchFamily="49" charset="0"/>
+              </a:rPr>
+              <a:t>text/plain; charset = us-</a:t>
+            </a:r>
+            <a:r>
+              <a:rPr lang="en-US" sz="1800" b="1" dirty="0" err="1">
+                <a:solidFill>
+                  <a:srgbClr val="7030A0"/>
+                </a:solidFill>
+                <a:latin typeface="Courier New" panose="02070309020205020404" pitchFamily="49" charset="0"/>
+                <a:cs typeface="Courier New" panose="02070309020205020404" pitchFamily="49" charset="0"/>
+              </a:rPr>
+              <a:t>ascii</a:t>
+            </a:r>
+            <a:r>
+              <a:rPr lang="en-US" sz="1800" b="1" dirty="0">
+                <a:latin typeface="Courier New" panose="02070309020205020404" pitchFamily="49" charset="0"/>
+                <a:cs typeface="Courier New" panose="02070309020205020404" pitchFamily="49" charset="0"/>
+              </a:rPr>
+              <a:t>"</a:t>
+            </a:r>
+            <a:r>
+              <a:rPr lang="en-US" sz="1800" b="1" dirty="0">
+                <a:solidFill>
+                  <a:srgbClr val="0070C0"/>
+                </a:solidFill>
+                <a:latin typeface="Courier New" panose="02070309020205020404" pitchFamily="49" charset="0"/>
+                <a:cs typeface="Courier New" panose="02070309020205020404" pitchFamily="49" charset="0"/>
+              </a:rPr>
+              <a:t>&gt;</a:t>
+            </a:r>
+          </a:p>
+          <a:p>
+            <a:pPr marL="0" indent="0">
+              <a:spcBef>
+                <a:spcPts val="0"/>
+              </a:spcBef>
+              <a:buNone/>
+            </a:pPr>
+            <a:r>
+              <a:rPr lang="en-US" sz="1800" b="1" dirty="0">
+                <a:latin typeface="Courier New" panose="02070309020205020404" pitchFamily="49" charset="0"/>
+                <a:cs typeface="Courier New" panose="02070309020205020404" pitchFamily="49" charset="0"/>
+              </a:rPr>
+              <a:t>	</a:t>
+            </a:r>
+            <a:r>
+              <a:rPr lang="en-US" sz="1800" b="1" dirty="0" smtClean="0">
+                <a:latin typeface="Courier New" panose="02070309020205020404" pitchFamily="49" charset="0"/>
+                <a:cs typeface="Courier New" panose="02070309020205020404" pitchFamily="49" charset="0"/>
+              </a:rPr>
+              <a:t> </a:t>
+            </a:r>
+            <a:r>
+              <a:rPr lang="en-US" sz="1800" b="1" dirty="0" smtClean="0">
+                <a:solidFill>
+                  <a:srgbClr val="0070C0"/>
+                </a:solidFill>
+                <a:latin typeface="Courier New" panose="02070309020205020404" pitchFamily="49" charset="0"/>
+                <a:cs typeface="Courier New" panose="02070309020205020404" pitchFamily="49" charset="0"/>
+              </a:rPr>
+              <a:t>&lt;</a:t>
+            </a:r>
+            <a:r>
+              <a:rPr lang="en-US" sz="1800" b="1" dirty="0">
+                <a:solidFill>
+                  <a:srgbClr val="0070C0"/>
+                </a:solidFill>
+                <a:latin typeface="Courier New" panose="02070309020205020404" pitchFamily="49" charset="0"/>
+                <a:cs typeface="Courier New" panose="02070309020205020404" pitchFamily="49" charset="0"/>
+              </a:rPr>
+              <a:t>metadata </a:t>
+            </a:r>
+            <a:r>
+              <a:rPr lang="en-US" sz="1800" b="1" dirty="0">
+                <a:solidFill>
+                  <a:srgbClr val="FF0000"/>
+                </a:solidFill>
+                <a:latin typeface="Courier New" panose="02070309020205020404" pitchFamily="49" charset="0"/>
+                <a:cs typeface="Courier New" panose="02070309020205020404" pitchFamily="49" charset="0"/>
+              </a:rPr>
+              <a:t>id</a:t>
+            </a:r>
+            <a:r>
+              <a:rPr lang="en-US" sz="1800" b="1" dirty="0">
+                <a:latin typeface="Courier New" panose="02070309020205020404" pitchFamily="49" charset="0"/>
+                <a:cs typeface="Courier New" panose="02070309020205020404" pitchFamily="49" charset="0"/>
+              </a:rPr>
+              <a:t>="</a:t>
+            </a:r>
+            <a:r>
+              <a:rPr lang="en-US" sz="1800" b="1" dirty="0">
+                <a:solidFill>
+                  <a:srgbClr val="7030A0"/>
+                </a:solidFill>
+                <a:latin typeface="Courier New" panose="02070309020205020404" pitchFamily="49" charset="0"/>
+                <a:cs typeface="Courier New" panose="02070309020205020404" pitchFamily="49" charset="0"/>
+              </a:rPr>
+              <a:t>1</a:t>
+            </a:r>
+            <a:r>
+              <a:rPr lang="en-US" sz="1800" b="1" dirty="0" smtClean="0">
+                <a:latin typeface="Courier New" panose="02070309020205020404" pitchFamily="49" charset="0"/>
+                <a:cs typeface="Courier New" panose="02070309020205020404" pitchFamily="49" charset="0"/>
+              </a:rPr>
+              <a:t>"</a:t>
+            </a:r>
+            <a:r>
+              <a:rPr lang="en-US" sz="1800" b="1" dirty="0" smtClean="0">
+                <a:solidFill>
+                  <a:srgbClr val="0070C0"/>
+                </a:solidFill>
+                <a:latin typeface="Courier New" panose="02070309020205020404" pitchFamily="49" charset="0"/>
+                <a:cs typeface="Courier New" panose="02070309020205020404" pitchFamily="49" charset="0"/>
+              </a:rPr>
+              <a:t>&gt;&lt;/metadata&gt;</a:t>
+            </a:r>
+          </a:p>
+          <a:p>
+            <a:pPr marL="0" indent="0">
+              <a:spcBef>
+                <a:spcPts val="0"/>
+              </a:spcBef>
+              <a:buNone/>
+            </a:pPr>
+            <a:r>
+              <a:rPr lang="en-US" sz="1800" b="1" dirty="0" smtClean="0">
+                <a:latin typeface="Courier New" panose="02070309020205020404" pitchFamily="49" charset="0"/>
+                <a:cs typeface="Courier New" panose="02070309020205020404" pitchFamily="49" charset="0"/>
+              </a:rPr>
+              <a:t>	</a:t>
+            </a:r>
+            <a:r>
+              <a:rPr lang="en-US" sz="1800" b="1" dirty="0" smtClean="0">
+                <a:solidFill>
+                  <a:srgbClr val="FFC000"/>
+                </a:solidFill>
+                <a:latin typeface="Courier New" panose="02070309020205020404" pitchFamily="49" charset="0"/>
+                <a:cs typeface="Courier New" panose="02070309020205020404" pitchFamily="49" charset="0"/>
+              </a:rPr>
+              <a:t> &lt;![CDATA[</a:t>
+            </a:r>
+          </a:p>
+          <a:p>
+            <a:pPr marL="0" indent="0">
+              <a:spcBef>
+                <a:spcPts val="0"/>
+              </a:spcBef>
+              <a:buNone/>
+            </a:pPr>
+            <a:r>
+              <a:rPr lang="en-US" sz="1800" b="1" dirty="0">
+                <a:solidFill>
+                  <a:srgbClr val="FFC000"/>
+                </a:solidFill>
+                <a:latin typeface="Courier New" panose="02070309020205020404" pitchFamily="49" charset="0"/>
+                <a:cs typeface="Courier New" panose="02070309020205020404" pitchFamily="49" charset="0"/>
+              </a:rPr>
+              <a:t>	</a:t>
+            </a:r>
+            <a:r>
+              <a:rPr lang="en-US" sz="1800" b="1" dirty="0" smtClean="0">
+                <a:solidFill>
+                  <a:srgbClr val="FFC000"/>
+                </a:solidFill>
+                <a:latin typeface="Courier New" panose="02070309020205020404" pitchFamily="49" charset="0"/>
+                <a:cs typeface="Courier New" panose="02070309020205020404" pitchFamily="49" charset="0"/>
+              </a:rPr>
+              <a:t> ]]&gt;</a:t>
+            </a:r>
+            <a:endParaRPr lang="en-US" sz="1800" b="1" dirty="0">
+              <a:solidFill>
+                <a:srgbClr val="FFC000"/>
+              </a:solidFill>
+              <a:latin typeface="Courier New" panose="02070309020205020404" pitchFamily="49" charset="0"/>
+              <a:cs typeface="Courier New" panose="02070309020205020404" pitchFamily="49" charset="0"/>
+            </a:endParaRPr>
+          </a:p>
+          <a:p>
+            <a:pPr marL="0" indent="0">
+              <a:spcBef>
+                <a:spcPts val="0"/>
+              </a:spcBef>
+              <a:buNone/>
+            </a:pPr>
+            <a:r>
+              <a:rPr lang="en-US" sz="1800" b="1" dirty="0" smtClean="0">
+                <a:solidFill>
+                  <a:srgbClr val="0070C0"/>
+                </a:solidFill>
+                <a:latin typeface="Courier New" panose="02070309020205020404" pitchFamily="49" charset="0"/>
+                <a:cs typeface="Courier New" panose="02070309020205020404" pitchFamily="49" charset="0"/>
+              </a:rPr>
+              <a:t>        &lt;/</a:t>
+            </a:r>
+            <a:r>
+              <a:rPr lang="en-US" sz="1800" b="1" dirty="0">
+                <a:solidFill>
+                  <a:srgbClr val="0070C0"/>
+                </a:solidFill>
+                <a:latin typeface="Courier New" panose="02070309020205020404" pitchFamily="49" charset="0"/>
+                <a:cs typeface="Courier New" panose="02070309020205020404" pitchFamily="49" charset="0"/>
+              </a:rPr>
+              <a:t>data&gt;</a:t>
+            </a:r>
+          </a:p>
+          <a:p>
+            <a:pPr marL="0" indent="0">
+              <a:spcBef>
+                <a:spcPts val="0"/>
+              </a:spcBef>
+              <a:buNone/>
+            </a:pPr>
+            <a:r>
+              <a:rPr lang="en-US" sz="1800" b="1" dirty="0">
+                <a:latin typeface="Courier New" panose="02070309020205020404" pitchFamily="49" charset="0"/>
+                <a:cs typeface="Courier New" panose="02070309020205020404" pitchFamily="49" charset="0"/>
+              </a:rPr>
+              <a:t> </a:t>
+            </a:r>
+            <a:r>
+              <a:rPr lang="en-US" sz="1800" b="1" dirty="0" smtClean="0">
+                <a:latin typeface="Courier New" panose="02070309020205020404" pitchFamily="49" charset="0"/>
+                <a:cs typeface="Courier New" panose="02070309020205020404" pitchFamily="49" charset="0"/>
+              </a:rPr>
+              <a:t>       Neutral</a:t>
+            </a:r>
+            <a:r>
+              <a:rPr lang="en-US" sz="1800" b="1" dirty="0">
+                <a:latin typeface="Courier New" panose="02070309020205020404" pitchFamily="49" charset="0"/>
+                <a:cs typeface="Courier New" panose="02070309020205020404" pitchFamily="49" charset="0"/>
+              </a:rPr>
+              <a:t>			</a:t>
+            </a:r>
+            <a:endParaRPr lang="en-US" sz="1800" b="1" dirty="0" smtClean="0">
+              <a:latin typeface="Courier New" panose="02070309020205020404" pitchFamily="49" charset="0"/>
+              <a:cs typeface="Courier New" panose="02070309020205020404" pitchFamily="49" charset="0"/>
+            </a:endParaRPr>
+          </a:p>
+          <a:p>
+            <a:pPr marL="0" indent="0">
+              <a:spcBef>
+                <a:spcPts val="0"/>
+              </a:spcBef>
+              <a:buNone/>
+            </a:pPr>
+            <a:r>
+              <a:rPr lang="en-US" sz="1800" b="1" dirty="0">
+                <a:latin typeface="Courier New" panose="02070309020205020404" pitchFamily="49" charset="0"/>
+                <a:cs typeface="Courier New" panose="02070309020205020404" pitchFamily="49" charset="0"/>
+              </a:rPr>
+              <a:t> </a:t>
+            </a:r>
+            <a:r>
+              <a:rPr lang="en-US" sz="1800" b="1" dirty="0" smtClean="0">
+                <a:latin typeface="Courier New" panose="02070309020205020404" pitchFamily="49" charset="0"/>
+                <a:cs typeface="Courier New" panose="02070309020205020404" pitchFamily="49" charset="0"/>
+              </a:rPr>
+              <a:t>     </a:t>
+            </a:r>
+            <a:r>
+              <a:rPr lang="en-US" sz="1800" b="1" dirty="0" smtClean="0">
+                <a:solidFill>
+                  <a:srgbClr val="0070C0"/>
+                </a:solidFill>
+                <a:latin typeface="Courier New" panose="02070309020205020404" pitchFamily="49" charset="0"/>
+                <a:cs typeface="Courier New" panose="02070309020205020404" pitchFamily="49" charset="0"/>
+              </a:rPr>
+              <a:t>&lt;/</a:t>
+            </a:r>
+            <a:r>
+              <a:rPr lang="en-US" sz="1800" b="1" dirty="0">
+                <a:solidFill>
+                  <a:srgbClr val="0070C0"/>
+                </a:solidFill>
+                <a:latin typeface="Courier New" panose="02070309020205020404" pitchFamily="49" charset="0"/>
+                <a:cs typeface="Courier New" panose="02070309020205020404" pitchFamily="49" charset="0"/>
+              </a:rPr>
+              <a:t>p&gt;</a:t>
+            </a:r>
+          </a:p>
+          <a:p>
+            <a:pPr marL="0" indent="0">
+              <a:spcBef>
+                <a:spcPts val="0"/>
+              </a:spcBef>
+              <a:buNone/>
+            </a:pPr>
+            <a:r>
+              <a:rPr lang="en-US" sz="1800" b="1" dirty="0">
+                <a:solidFill>
+                  <a:srgbClr val="0070C0"/>
+                </a:solidFill>
+                <a:latin typeface="Courier New" panose="02070309020205020404" pitchFamily="49" charset="0"/>
+                <a:cs typeface="Courier New" panose="02070309020205020404" pitchFamily="49" charset="0"/>
+              </a:rPr>
+              <a:t>    &lt;/div&gt;</a:t>
+            </a:r>
+          </a:p>
+          <a:p>
+            <a:pPr marL="0" indent="0">
+              <a:spcBef>
+                <a:spcPts val="0"/>
+              </a:spcBef>
+              <a:buNone/>
+            </a:pPr>
+            <a:r>
+              <a:rPr lang="en-US" sz="1800" b="1" dirty="0">
+                <a:solidFill>
+                  <a:srgbClr val="0070C0"/>
+                </a:solidFill>
+                <a:latin typeface="Courier New" panose="02070309020205020404" pitchFamily="49" charset="0"/>
+                <a:cs typeface="Courier New" panose="02070309020205020404" pitchFamily="49" charset="0"/>
+              </a:rPr>
+              <a:t>  &lt;/body&gt;</a:t>
+            </a:r>
+          </a:p>
+          <a:p>
+            <a:pPr marL="0" indent="0">
+              <a:spcBef>
+                <a:spcPts val="0"/>
+              </a:spcBef>
+              <a:buNone/>
+            </a:pPr>
+            <a:r>
+              <a:rPr lang="en-US" sz="1800" b="1" dirty="0">
+                <a:solidFill>
+                  <a:srgbClr val="0070C0"/>
+                </a:solidFill>
+                <a:latin typeface="Courier New" panose="02070309020205020404" pitchFamily="49" charset="0"/>
+                <a:cs typeface="Courier New" panose="02070309020205020404" pitchFamily="49" charset="0"/>
+              </a:rPr>
+              <a:t>&lt;/</a:t>
+            </a:r>
+            <a:r>
+              <a:rPr lang="en-US" sz="1800" b="1" dirty="0" err="1">
+                <a:solidFill>
+                  <a:srgbClr val="0070C0"/>
+                </a:solidFill>
+                <a:latin typeface="Courier New" panose="02070309020205020404" pitchFamily="49" charset="0"/>
+                <a:cs typeface="Courier New" panose="02070309020205020404" pitchFamily="49" charset="0"/>
+              </a:rPr>
+              <a:t>tt</a:t>
+            </a:r>
+            <a:r>
+              <a:rPr lang="en-US" sz="1800" b="1" dirty="0">
+                <a:solidFill>
+                  <a:srgbClr val="0070C0"/>
+                </a:solidFill>
+                <a:latin typeface="Courier New" panose="02070309020205020404" pitchFamily="49" charset="0"/>
+                <a:cs typeface="Courier New" panose="02070309020205020404" pitchFamily="49" charset="0"/>
+              </a:rPr>
+              <a:t>&gt;</a:t>
+            </a:r>
+          </a:p>
+        </p:txBody>
+      </p:sp>
+      <p:sp>
+        <p:nvSpPr>
+          <p:cNvPr id="6" name="Номер слайда 5"/>
+          <p:cNvSpPr>
+            <a:spLocks noGrp="1"/>
+          </p:cNvSpPr>
+          <p:nvPr>
+            <p:ph type="sldNum" sz="quarter" idx="12"/>
+          </p:nvPr>
+        </p:nvSpPr>
+        <p:spPr/>
+        <p:txBody>
+          <a:bodyPr/>
+          <a:lstStyle/>
+          <a:p>
+            <a:fld id="{C014DD1E-5D91-48A3-AD6D-45FBA980D106}" type="slidenum">
+              <a:rPr lang="ru-RU" noProof="0" smtClean="0"/>
+              <a:t>5</a:t>
+            </a:fld>
+            <a:endParaRPr lang="ru-RU" noProof="0" dirty="0"/>
+          </a:p>
+        </p:txBody>
+      </p:sp>
+      <p:cxnSp>
+        <p:nvCxnSpPr>
+          <p:cNvPr id="8" name="Прямая со стрелкой 7"/>
+          <p:cNvCxnSpPr/>
+          <p:nvPr/>
+        </p:nvCxnSpPr>
+        <p:spPr>
+          <a:xfrm flipH="1">
+            <a:off x="4322618" y="3356992"/>
+            <a:ext cx="4364082" cy="549990"/>
+          </a:xfrm>
+          <a:prstGeom prst="straightConnector1">
+            <a:avLst/>
+          </a:prstGeom>
+          <a:ln>
+            <a:tailEnd type="triangle"/>
+          </a:ln>
+        </p:spPr>
+        <p:style>
+          <a:lnRef idx="3">
+            <a:schemeClr val="accent2"/>
+          </a:lnRef>
+          <a:fillRef idx="0">
+            <a:schemeClr val="accent2"/>
+          </a:fillRef>
+          <a:effectRef idx="2">
+            <a:schemeClr val="accent2"/>
+          </a:effectRef>
+          <a:fontRef idx="minor">
+            <a:schemeClr val="tx1"/>
+          </a:fontRef>
+        </p:style>
+      </p:cxnSp>
+      <p:sp>
+        <p:nvSpPr>
+          <p:cNvPr id="9" name="Горизонтальный свиток 8"/>
+          <p:cNvSpPr/>
+          <p:nvPr/>
+        </p:nvSpPr>
+        <p:spPr>
+          <a:xfrm>
+            <a:off x="8686700" y="2962136"/>
+            <a:ext cx="3024336" cy="1114935"/>
+          </a:xfrm>
+          <a:prstGeom prst="horizontalScroll">
+            <a:avLst/>
+          </a:prstGeom>
+        </p:spPr>
+        <p:style>
+          <a:lnRef idx="2">
+            <a:schemeClr val="accent1">
+              <a:shade val="50000"/>
+            </a:schemeClr>
+          </a:lnRef>
+          <a:fillRef idx="1">
+            <a:schemeClr val="accent1"/>
+          </a:fillRef>
+          <a:effectRef idx="0">
+            <a:schemeClr val="accent1"/>
+          </a:effectRef>
+          <a:fontRef idx="minor">
+            <a:schemeClr val="lt1"/>
+          </a:fontRef>
+        </p:style>
+        <p:txBody>
+          <a:bodyPr rtlCol="0" anchor="ctr"/>
+          <a:lstStyle/>
+          <a:p>
+            <a:pPr algn="ctr"/>
+            <a:r>
+              <a:rPr lang="en-US" sz="2800" dirty="0" smtClean="0"/>
+              <a:t>Timing information</a:t>
+            </a:r>
+            <a:endParaRPr lang="en-US" sz="2800" dirty="0"/>
+          </a:p>
+        </p:txBody>
+      </p:sp>
+      <p:cxnSp>
+        <p:nvCxnSpPr>
+          <p:cNvPr id="11" name="Прямая со стрелкой 10"/>
+          <p:cNvCxnSpPr/>
+          <p:nvPr/>
+        </p:nvCxnSpPr>
+        <p:spPr>
+          <a:xfrm flipH="1">
+            <a:off x="6742484" y="3356992"/>
+            <a:ext cx="1944216" cy="549990"/>
+          </a:xfrm>
+          <a:prstGeom prst="straightConnector1">
+            <a:avLst/>
+          </a:prstGeom>
+          <a:ln>
+            <a:tailEnd type="triangle"/>
+          </a:ln>
+        </p:spPr>
+        <p:style>
+          <a:lnRef idx="3">
+            <a:schemeClr val="accent2"/>
+          </a:lnRef>
+          <a:fillRef idx="0">
+            <a:schemeClr val="accent2"/>
+          </a:fillRef>
+          <a:effectRef idx="2">
+            <a:schemeClr val="accent2"/>
+          </a:effectRef>
+          <a:fontRef idx="minor">
+            <a:schemeClr val="tx1"/>
+          </a:fontRef>
+        </p:style>
+      </p:cxnSp>
+      <p:cxnSp>
+        <p:nvCxnSpPr>
+          <p:cNvPr id="13" name="Прямая со стрелкой 12"/>
+          <p:cNvCxnSpPr/>
+          <p:nvPr/>
+        </p:nvCxnSpPr>
+        <p:spPr>
+          <a:xfrm flipH="1" flipV="1">
+            <a:off x="4150196" y="4926851"/>
+            <a:ext cx="4536504" cy="97440"/>
+          </a:xfrm>
+          <a:prstGeom prst="straightConnector1">
+            <a:avLst/>
+          </a:prstGeom>
+          <a:ln>
+            <a:tailEnd type="triangle"/>
+          </a:ln>
+        </p:spPr>
+        <p:style>
+          <a:lnRef idx="3">
+            <a:schemeClr val="accent2"/>
+          </a:lnRef>
+          <a:fillRef idx="0">
+            <a:schemeClr val="accent2"/>
+          </a:fillRef>
+          <a:effectRef idx="2">
+            <a:schemeClr val="accent2"/>
+          </a:effectRef>
+          <a:fontRef idx="minor">
+            <a:schemeClr val="tx1"/>
+          </a:fontRef>
+        </p:style>
+      </p:cxnSp>
+      <p:sp>
+        <p:nvSpPr>
+          <p:cNvPr id="14" name="Горизонтальный свиток 13"/>
+          <p:cNvSpPr/>
+          <p:nvPr/>
+        </p:nvSpPr>
+        <p:spPr>
+          <a:xfrm>
+            <a:off x="8686700" y="4629435"/>
+            <a:ext cx="3024336" cy="1114935"/>
+          </a:xfrm>
+          <a:prstGeom prst="horizontalScroll">
+            <a:avLst/>
+          </a:prstGeom>
+        </p:spPr>
+        <p:style>
+          <a:lnRef idx="2">
+            <a:schemeClr val="accent1">
+              <a:shade val="50000"/>
+            </a:schemeClr>
+          </a:lnRef>
+          <a:fillRef idx="1">
+            <a:schemeClr val="accent1"/>
+          </a:fillRef>
+          <a:effectRef idx="0">
+            <a:schemeClr val="accent1"/>
+          </a:effectRef>
+          <a:fontRef idx="minor">
+            <a:schemeClr val="lt1"/>
+          </a:fontRef>
+        </p:style>
+        <p:txBody>
+          <a:bodyPr rtlCol="0" anchor="ctr"/>
+          <a:lstStyle/>
+          <a:p>
+            <a:pPr algn="ctr"/>
+            <a:r>
+              <a:rPr lang="en-US" sz="2800" dirty="0" smtClean="0"/>
+              <a:t>Emotion</a:t>
+            </a:r>
+          </a:p>
+          <a:p>
+            <a:pPr algn="ctr"/>
+            <a:r>
+              <a:rPr lang="en-US" sz="2800" dirty="0" smtClean="0"/>
+              <a:t>data</a:t>
+            </a:r>
+            <a:endParaRPr lang="en-US" sz="2800" dirty="0"/>
+          </a:p>
+        </p:txBody>
+      </p:sp>
+      <p:cxnSp>
+        <p:nvCxnSpPr>
+          <p:cNvPr id="21" name="Прямая со стрелкой 20"/>
+          <p:cNvCxnSpPr/>
+          <p:nvPr/>
+        </p:nvCxnSpPr>
+        <p:spPr>
+          <a:xfrm flipH="1" flipV="1">
+            <a:off x="3430116" y="5556845"/>
+            <a:ext cx="892502" cy="394857"/>
+          </a:xfrm>
+          <a:prstGeom prst="straightConnector1">
+            <a:avLst/>
+          </a:prstGeom>
+          <a:ln>
+            <a:tailEnd type="triangle"/>
+          </a:ln>
+        </p:spPr>
+        <p:style>
+          <a:lnRef idx="3">
+            <a:schemeClr val="accent2"/>
+          </a:lnRef>
+          <a:fillRef idx="0">
+            <a:schemeClr val="accent2"/>
+          </a:fillRef>
+          <a:effectRef idx="2">
+            <a:schemeClr val="accent2"/>
+          </a:effectRef>
+          <a:fontRef idx="minor">
+            <a:schemeClr val="tx1"/>
+          </a:fontRef>
+        </p:style>
+      </p:cxnSp>
+      <p:sp>
+        <p:nvSpPr>
+          <p:cNvPr id="22" name="Горизонтальный свиток 21"/>
+          <p:cNvSpPr/>
+          <p:nvPr/>
+        </p:nvSpPr>
+        <p:spPr>
+          <a:xfrm>
+            <a:off x="4322618" y="5556845"/>
+            <a:ext cx="3024336" cy="1114935"/>
+          </a:xfrm>
+          <a:prstGeom prst="horizontalScroll">
+            <a:avLst/>
+          </a:prstGeom>
+        </p:spPr>
+        <p:style>
+          <a:lnRef idx="2">
+            <a:schemeClr val="accent1">
+              <a:shade val="50000"/>
+            </a:schemeClr>
+          </a:lnRef>
+          <a:fillRef idx="1">
+            <a:schemeClr val="accent1"/>
+          </a:fillRef>
+          <a:effectRef idx="0">
+            <a:schemeClr val="accent1"/>
+          </a:effectRef>
+          <a:fontRef idx="minor">
+            <a:schemeClr val="lt1"/>
+          </a:fontRef>
+        </p:style>
+        <p:txBody>
+          <a:bodyPr rtlCol="0" anchor="ctr"/>
+          <a:lstStyle/>
+          <a:p>
+            <a:pPr algn="ctr"/>
+            <a:r>
+              <a:rPr lang="en-US" sz="2800" dirty="0" smtClean="0"/>
+              <a:t>Emotion text</a:t>
+            </a:r>
+            <a:endParaRPr lang="en-US" sz="2800" dirty="0"/>
+          </a:p>
+        </p:txBody>
+      </p:sp>
+    </p:spTree>
+    <p:extLst>
+      <p:ext uri="{BB962C8B-B14F-4D97-AF65-F5344CB8AC3E}">
+        <p14:creationId xmlns:p14="http://schemas.microsoft.com/office/powerpoint/2010/main" val="2928833811"/>
+      </p:ext>
+    </p:extLst>
+  </p:cSld>
+  <p:clrMapOvr>
+    <a:masterClrMapping/>
+  </p:clrMapOvr>
+  <mc:AlternateContent xmlns:mc="http://schemas.openxmlformats.org/markup-compatibility/2006" xmlns:p14="http://schemas.microsoft.com/office/powerpoint/2010/main">
+    <mc:Choice Requires="p14">
+      <p:transition spd="med" p14:dur="700">
+        <p:fade/>
+      </p:transition>
+    </mc:Choice>
+    <mc:Fallback xmlns="">
+      <p:transition spd="med">
+        <p:fade/>
+      </p:transition>
+    </mc:Fallback>
+  </mc:AlternateContent>
+  <p:timing>
+    <p:tnLst>
+      <p:par>
+        <p:cTn id="1" dur="indefinite" restart="never" nodeType="tmRoot"/>
+      </p:par>
+    </p:tnLst>
+  </p:timing>
+</p:sld>
+</file>
+
+<file path=ppt/slides/slide6.xml><?xml version="1.0" encoding="utf-8"?>
+<p:sld xmlns:a="http://schemas.openxmlformats.org/drawingml/2006/main" xmlns:r="http://schemas.openxmlformats.org/officeDocument/2006/relationships" xmlns:p="http://schemas.openxmlformats.org/presentationml/2006/main">
+  <p:cSld>
+    <p:spTree>
+      <p:nvGrpSpPr>
+        <p:cNvPr id="1" name=""/>
+        <p:cNvGrpSpPr/>
+        <p:nvPr/>
+      </p:nvGrpSpPr>
+      <p:grpSpPr>
+        <a:xfrm>
+          <a:off x="0" y="0"/>
+          <a:ext cx="0" cy="0"/>
+          <a:chOff x="0" y="0"/>
+          <a:chExt cx="0" cy="0"/>
+        </a:xfrm>
+      </p:grpSpPr>
+      <p:sp>
+        <p:nvSpPr>
+          <p:cNvPr id="2" name="Заголовок 1"/>
+          <p:cNvSpPr>
+            <a:spLocks noGrp="1"/>
+          </p:cNvSpPr>
+          <p:nvPr>
+            <p:ph type="title"/>
+          </p:nvPr>
+        </p:nvSpPr>
+        <p:spPr>
+          <a:xfrm>
+            <a:off x="1218883" y="-320040"/>
+            <a:ext cx="10360501" cy="1223963"/>
+          </a:xfrm>
+        </p:spPr>
+        <p:txBody>
+          <a:bodyPr>
+            <a:normAutofit/>
+          </a:bodyPr>
+          <a:lstStyle/>
+          <a:p>
+            <a:r>
+              <a:rPr lang="en-US" sz="4400" dirty="0"/>
+              <a:t>Emotions </a:t>
+            </a:r>
+            <a:r>
+              <a:rPr lang="en-US" sz="4400" dirty="0" smtClean="0"/>
+              <a:t>records. Data</a:t>
+            </a:r>
+            <a:endParaRPr lang="en-US" sz="4400" dirty="0"/>
+          </a:p>
+        </p:txBody>
+      </p:sp>
+      <p:sp>
+        <p:nvSpPr>
+          <p:cNvPr id="3" name="Объект 2"/>
+          <p:cNvSpPr>
+            <a:spLocks noGrp="1"/>
+          </p:cNvSpPr>
+          <p:nvPr>
+            <p:ph idx="1"/>
+          </p:nvPr>
+        </p:nvSpPr>
+        <p:spPr>
+          <a:xfrm>
+            <a:off x="765820" y="836711"/>
+            <a:ext cx="6336704" cy="5884765"/>
+          </a:xfrm>
+        </p:spPr>
+        <p:txBody>
+          <a:bodyPr>
+            <a:noAutofit/>
+          </a:bodyPr>
+          <a:lstStyle/>
+          <a:p>
+            <a:pPr marL="0" indent="0">
+              <a:spcBef>
+                <a:spcPts val="0"/>
+              </a:spcBef>
+              <a:buNone/>
+            </a:pPr>
+            <a:r>
+              <a:rPr lang="en-US" sz="1800" b="1" dirty="0" smtClean="0">
+                <a:solidFill>
+                  <a:srgbClr val="FFC000"/>
+                </a:solidFill>
+                <a:latin typeface="Courier New" panose="02070309020205020404" pitchFamily="49" charset="0"/>
+                <a:cs typeface="Courier New" panose="02070309020205020404" pitchFamily="49" charset="0"/>
+              </a:rPr>
+              <a:t>&lt;</a:t>
+            </a:r>
+            <a:r>
+              <a:rPr lang="en-US" sz="1800" b="1" dirty="0">
+                <a:solidFill>
+                  <a:srgbClr val="FFC000"/>
+                </a:solidFill>
+                <a:latin typeface="Courier New" panose="02070309020205020404" pitchFamily="49" charset="0"/>
+                <a:cs typeface="Courier New" panose="02070309020205020404" pitchFamily="49" charset="0"/>
+              </a:rPr>
+              <a:t>Face </a:t>
+            </a:r>
+            <a:r>
+              <a:rPr lang="en-US" sz="1800" b="1" dirty="0">
+                <a:solidFill>
+                  <a:srgbClr val="FF0000"/>
+                </a:solidFill>
+                <a:latin typeface="Courier New" panose="02070309020205020404" pitchFamily="49" charset="0"/>
+                <a:cs typeface="Courier New" panose="02070309020205020404" pitchFamily="49" charset="0"/>
+              </a:rPr>
+              <a:t>id</a:t>
+            </a:r>
+            <a:r>
+              <a:rPr lang="en-US" sz="1800" b="1" dirty="0">
+                <a:solidFill>
+                  <a:srgbClr val="FFC000"/>
+                </a:solidFill>
+                <a:latin typeface="Courier New" panose="02070309020205020404" pitchFamily="49" charset="0"/>
+                <a:cs typeface="Courier New" panose="02070309020205020404" pitchFamily="49" charset="0"/>
+              </a:rPr>
+              <a:t>="</a:t>
+            </a:r>
+            <a:r>
+              <a:rPr lang="en-US" sz="1800" b="1" dirty="0">
+                <a:solidFill>
+                  <a:srgbClr val="7030A0"/>
+                </a:solidFill>
+                <a:latin typeface="Courier New" panose="02070309020205020404" pitchFamily="49" charset="0"/>
+                <a:cs typeface="Courier New" panose="02070309020205020404" pitchFamily="49" charset="0"/>
+              </a:rPr>
+              <a:t>3</a:t>
+            </a:r>
+            <a:r>
+              <a:rPr lang="en-US" sz="1800" b="1" dirty="0" smtClean="0">
+                <a:solidFill>
+                  <a:srgbClr val="FFC000"/>
+                </a:solidFill>
+                <a:latin typeface="Courier New" panose="02070309020205020404" pitchFamily="49" charset="0"/>
+                <a:cs typeface="Courier New" panose="02070309020205020404" pitchFamily="49" charset="0"/>
+              </a:rPr>
+              <a:t>"&gt;</a:t>
+            </a:r>
+          </a:p>
+          <a:p>
+            <a:pPr marL="0" indent="0">
+              <a:spcBef>
+                <a:spcPts val="0"/>
+              </a:spcBef>
+              <a:buNone/>
+            </a:pPr>
+            <a:r>
+              <a:rPr lang="en-US" sz="1800" b="1" dirty="0">
+                <a:solidFill>
+                  <a:srgbClr val="FFC000"/>
+                </a:solidFill>
+                <a:latin typeface="Courier New" panose="02070309020205020404" pitchFamily="49" charset="0"/>
+                <a:cs typeface="Courier New" panose="02070309020205020404" pitchFamily="49" charset="0"/>
+              </a:rPr>
+              <a:t> </a:t>
+            </a:r>
+            <a:r>
+              <a:rPr lang="en-US" sz="1800" b="1" dirty="0" smtClean="0">
+                <a:solidFill>
+                  <a:srgbClr val="FFC000"/>
+                </a:solidFill>
+                <a:latin typeface="Courier New" panose="02070309020205020404" pitchFamily="49" charset="0"/>
+                <a:cs typeface="Courier New" panose="02070309020205020404" pitchFamily="49" charset="0"/>
+              </a:rPr>
+              <a:t> &lt;</a:t>
+            </a:r>
+            <a:r>
+              <a:rPr lang="en-US" sz="1800" b="1" dirty="0" err="1">
+                <a:solidFill>
+                  <a:srgbClr val="FFC000"/>
+                </a:solidFill>
+                <a:latin typeface="Courier New" panose="02070309020205020404" pitchFamily="49" charset="0"/>
+                <a:cs typeface="Courier New" panose="02070309020205020404" pitchFamily="49" charset="0"/>
+              </a:rPr>
+              <a:t>Brow_Raised_Left</a:t>
+            </a:r>
+            <a:r>
+              <a:rPr lang="en-US" sz="1800" b="1" dirty="0">
+                <a:solidFill>
+                  <a:srgbClr val="FFC000"/>
+                </a:solidFill>
+                <a:latin typeface="Courier New" panose="02070309020205020404" pitchFamily="49" charset="0"/>
+                <a:cs typeface="Courier New" panose="02070309020205020404" pitchFamily="49" charset="0"/>
+              </a:rPr>
+              <a:t>&gt;</a:t>
+            </a:r>
+            <a:r>
+              <a:rPr lang="en-US" sz="1800" b="1" dirty="0">
+                <a:latin typeface="Courier New" panose="02070309020205020404" pitchFamily="49" charset="0"/>
+                <a:cs typeface="Courier New" panose="02070309020205020404" pitchFamily="49" charset="0"/>
+              </a:rPr>
+              <a:t>0</a:t>
+            </a:r>
+            <a:r>
+              <a:rPr lang="en-US" sz="1800" b="1" dirty="0">
+                <a:solidFill>
+                  <a:srgbClr val="FFC000"/>
+                </a:solidFill>
+                <a:latin typeface="Courier New" panose="02070309020205020404" pitchFamily="49" charset="0"/>
+                <a:cs typeface="Courier New" panose="02070309020205020404" pitchFamily="49" charset="0"/>
+              </a:rPr>
+              <a:t>&lt;/</a:t>
+            </a:r>
+            <a:r>
+              <a:rPr lang="en-US" sz="1800" b="1" dirty="0" err="1">
+                <a:solidFill>
+                  <a:srgbClr val="FFC000"/>
+                </a:solidFill>
+                <a:latin typeface="Courier New" panose="02070309020205020404" pitchFamily="49" charset="0"/>
+                <a:cs typeface="Courier New" panose="02070309020205020404" pitchFamily="49" charset="0"/>
+              </a:rPr>
+              <a:t>Brow_Raised_Left</a:t>
+            </a:r>
+            <a:r>
+              <a:rPr lang="en-US" sz="1800" b="1" dirty="0" smtClean="0">
+                <a:solidFill>
+                  <a:srgbClr val="FFC000"/>
+                </a:solidFill>
+                <a:latin typeface="Courier New" panose="02070309020205020404" pitchFamily="49" charset="0"/>
+                <a:cs typeface="Courier New" panose="02070309020205020404" pitchFamily="49" charset="0"/>
+              </a:rPr>
+              <a:t>&gt;</a:t>
+            </a:r>
+          </a:p>
+          <a:p>
+            <a:pPr marL="0" indent="0">
+              <a:spcBef>
+                <a:spcPts val="0"/>
+              </a:spcBef>
+              <a:buNone/>
+            </a:pPr>
+            <a:r>
+              <a:rPr lang="en-US" sz="1800" b="1" dirty="0">
+                <a:solidFill>
+                  <a:srgbClr val="FFC000"/>
+                </a:solidFill>
+                <a:latin typeface="Courier New" panose="02070309020205020404" pitchFamily="49" charset="0"/>
+                <a:cs typeface="Courier New" panose="02070309020205020404" pitchFamily="49" charset="0"/>
+              </a:rPr>
+              <a:t> </a:t>
+            </a:r>
+            <a:r>
+              <a:rPr lang="en-US" sz="1800" b="1" dirty="0" smtClean="0">
+                <a:solidFill>
+                  <a:srgbClr val="FFC000"/>
+                </a:solidFill>
+                <a:latin typeface="Courier New" panose="02070309020205020404" pitchFamily="49" charset="0"/>
+                <a:cs typeface="Courier New" panose="02070309020205020404" pitchFamily="49" charset="0"/>
+              </a:rPr>
+              <a:t> &lt;</a:t>
+            </a:r>
+            <a:r>
+              <a:rPr lang="en-US" sz="1800" b="1" dirty="0" err="1">
+                <a:solidFill>
+                  <a:srgbClr val="FFC000"/>
+                </a:solidFill>
+                <a:latin typeface="Courier New" panose="02070309020205020404" pitchFamily="49" charset="0"/>
+                <a:cs typeface="Courier New" panose="02070309020205020404" pitchFamily="49" charset="0"/>
+              </a:rPr>
+              <a:t>Brow_Raised_Right</a:t>
+            </a:r>
+            <a:r>
+              <a:rPr lang="en-US" sz="1800" b="1" dirty="0">
+                <a:solidFill>
+                  <a:srgbClr val="FFC000"/>
+                </a:solidFill>
+                <a:latin typeface="Courier New" panose="02070309020205020404" pitchFamily="49" charset="0"/>
+                <a:cs typeface="Courier New" panose="02070309020205020404" pitchFamily="49" charset="0"/>
+              </a:rPr>
+              <a:t>&gt;</a:t>
+            </a:r>
+            <a:r>
+              <a:rPr lang="en-US" sz="1800" b="1" dirty="0">
+                <a:latin typeface="Courier New" panose="02070309020205020404" pitchFamily="49" charset="0"/>
+                <a:cs typeface="Courier New" panose="02070309020205020404" pitchFamily="49" charset="0"/>
+              </a:rPr>
+              <a:t>0</a:t>
+            </a:r>
+            <a:r>
+              <a:rPr lang="en-US" sz="1800" b="1" dirty="0">
+                <a:solidFill>
+                  <a:srgbClr val="FFC000"/>
+                </a:solidFill>
+                <a:latin typeface="Courier New" panose="02070309020205020404" pitchFamily="49" charset="0"/>
+                <a:cs typeface="Courier New" panose="02070309020205020404" pitchFamily="49" charset="0"/>
+              </a:rPr>
+              <a:t>&lt;/</a:t>
+            </a:r>
+            <a:r>
+              <a:rPr lang="en-US" sz="1800" b="1" dirty="0" err="1">
+                <a:solidFill>
+                  <a:srgbClr val="FFC000"/>
+                </a:solidFill>
+                <a:latin typeface="Courier New" panose="02070309020205020404" pitchFamily="49" charset="0"/>
+                <a:cs typeface="Courier New" panose="02070309020205020404" pitchFamily="49" charset="0"/>
+              </a:rPr>
+              <a:t>Brow_Raised_Right</a:t>
+            </a:r>
+            <a:r>
+              <a:rPr lang="en-US" sz="1800" b="1" dirty="0">
+                <a:solidFill>
+                  <a:srgbClr val="FFC000"/>
+                </a:solidFill>
+                <a:latin typeface="Courier New" panose="02070309020205020404" pitchFamily="49" charset="0"/>
+                <a:cs typeface="Courier New" panose="02070309020205020404" pitchFamily="49" charset="0"/>
+              </a:rPr>
+              <a:t>&gt;</a:t>
+            </a:r>
+          </a:p>
+          <a:p>
+            <a:pPr marL="0" indent="0">
+              <a:spcBef>
+                <a:spcPts val="0"/>
+              </a:spcBef>
+              <a:buNone/>
+            </a:pPr>
+            <a:r>
+              <a:rPr lang="en-US" sz="1800" b="1" dirty="0" smtClean="0">
+                <a:solidFill>
+                  <a:srgbClr val="FFC000"/>
+                </a:solidFill>
+                <a:latin typeface="Courier New" panose="02070309020205020404" pitchFamily="49" charset="0"/>
+                <a:cs typeface="Courier New" panose="02070309020205020404" pitchFamily="49" charset="0"/>
+              </a:rPr>
+              <a:t>  &lt;</a:t>
+            </a:r>
+            <a:r>
+              <a:rPr lang="en-US" sz="1800" b="1" dirty="0" err="1">
+                <a:solidFill>
+                  <a:srgbClr val="FFC000"/>
+                </a:solidFill>
+                <a:latin typeface="Courier New" panose="02070309020205020404" pitchFamily="49" charset="0"/>
+                <a:cs typeface="Courier New" panose="02070309020205020404" pitchFamily="49" charset="0"/>
+              </a:rPr>
+              <a:t>Brow_Lowered_Left</a:t>
+            </a:r>
+            <a:r>
+              <a:rPr lang="en-US" sz="1800" b="1" dirty="0">
+                <a:solidFill>
+                  <a:srgbClr val="FFC000"/>
+                </a:solidFill>
+                <a:latin typeface="Courier New" panose="02070309020205020404" pitchFamily="49" charset="0"/>
+                <a:cs typeface="Courier New" panose="02070309020205020404" pitchFamily="49" charset="0"/>
+              </a:rPr>
+              <a:t>&gt;</a:t>
+            </a:r>
+            <a:r>
+              <a:rPr lang="en-US" sz="1800" b="1" dirty="0">
+                <a:latin typeface="Courier New" panose="02070309020205020404" pitchFamily="49" charset="0"/>
+                <a:cs typeface="Courier New" panose="02070309020205020404" pitchFamily="49" charset="0"/>
+              </a:rPr>
+              <a:t>0</a:t>
+            </a:r>
+            <a:r>
+              <a:rPr lang="en-US" sz="1800" b="1" dirty="0">
+                <a:solidFill>
+                  <a:srgbClr val="FFC000"/>
+                </a:solidFill>
+                <a:latin typeface="Courier New" panose="02070309020205020404" pitchFamily="49" charset="0"/>
+                <a:cs typeface="Courier New" panose="02070309020205020404" pitchFamily="49" charset="0"/>
+              </a:rPr>
+              <a:t>&lt;/</a:t>
+            </a:r>
+            <a:r>
+              <a:rPr lang="en-US" sz="1800" b="1" dirty="0" err="1">
+                <a:solidFill>
+                  <a:srgbClr val="FFC000"/>
+                </a:solidFill>
+                <a:latin typeface="Courier New" panose="02070309020205020404" pitchFamily="49" charset="0"/>
+                <a:cs typeface="Courier New" panose="02070309020205020404" pitchFamily="49" charset="0"/>
+              </a:rPr>
+              <a:t>Brow_Lowered_Left</a:t>
+            </a:r>
+            <a:r>
+              <a:rPr lang="en-US" sz="1800" b="1" dirty="0">
+                <a:solidFill>
+                  <a:srgbClr val="FFC000"/>
+                </a:solidFill>
+                <a:latin typeface="Courier New" panose="02070309020205020404" pitchFamily="49" charset="0"/>
+                <a:cs typeface="Courier New" panose="02070309020205020404" pitchFamily="49" charset="0"/>
+              </a:rPr>
+              <a:t>&gt;</a:t>
+            </a:r>
+          </a:p>
+          <a:p>
+            <a:pPr marL="0" indent="0">
+              <a:spcBef>
+                <a:spcPts val="0"/>
+              </a:spcBef>
+              <a:buNone/>
+            </a:pPr>
+            <a:r>
+              <a:rPr lang="en-US" sz="1800" b="1" dirty="0" smtClean="0">
+                <a:solidFill>
+                  <a:srgbClr val="FFC000"/>
+                </a:solidFill>
+                <a:latin typeface="Courier New" panose="02070309020205020404" pitchFamily="49" charset="0"/>
+                <a:cs typeface="Courier New" panose="02070309020205020404" pitchFamily="49" charset="0"/>
+              </a:rPr>
+              <a:t>  &lt;</a:t>
+            </a:r>
+            <a:r>
+              <a:rPr lang="en-US" sz="1800" b="1" dirty="0" err="1">
+                <a:solidFill>
+                  <a:srgbClr val="FFC000"/>
+                </a:solidFill>
+                <a:latin typeface="Courier New" panose="02070309020205020404" pitchFamily="49" charset="0"/>
+                <a:cs typeface="Courier New" panose="02070309020205020404" pitchFamily="49" charset="0"/>
+              </a:rPr>
+              <a:t>Brow_Lowered_Right</a:t>
+            </a:r>
+            <a:r>
+              <a:rPr lang="en-US" sz="1800" b="1" dirty="0">
+                <a:solidFill>
+                  <a:srgbClr val="FFC000"/>
+                </a:solidFill>
+                <a:latin typeface="Courier New" panose="02070309020205020404" pitchFamily="49" charset="0"/>
+                <a:cs typeface="Courier New" panose="02070309020205020404" pitchFamily="49" charset="0"/>
+              </a:rPr>
+              <a:t>&gt;</a:t>
+            </a:r>
+            <a:r>
+              <a:rPr lang="en-US" sz="1800" b="1" dirty="0">
+                <a:latin typeface="Courier New" panose="02070309020205020404" pitchFamily="49" charset="0"/>
+                <a:cs typeface="Courier New" panose="02070309020205020404" pitchFamily="49" charset="0"/>
+              </a:rPr>
+              <a:t>0</a:t>
+            </a:r>
+            <a:r>
+              <a:rPr lang="en-US" sz="1800" b="1" dirty="0">
+                <a:solidFill>
+                  <a:srgbClr val="FFC000"/>
+                </a:solidFill>
+                <a:latin typeface="Courier New" panose="02070309020205020404" pitchFamily="49" charset="0"/>
+                <a:cs typeface="Courier New" panose="02070309020205020404" pitchFamily="49" charset="0"/>
+              </a:rPr>
+              <a:t>&lt;/</a:t>
+            </a:r>
+            <a:r>
+              <a:rPr lang="en-US" sz="1800" b="1" dirty="0" err="1">
+                <a:solidFill>
+                  <a:srgbClr val="FFC000"/>
+                </a:solidFill>
+                <a:latin typeface="Courier New" panose="02070309020205020404" pitchFamily="49" charset="0"/>
+                <a:cs typeface="Courier New" panose="02070309020205020404" pitchFamily="49" charset="0"/>
+              </a:rPr>
+              <a:t>Brow_Lowered_Right</a:t>
+            </a:r>
+            <a:r>
+              <a:rPr lang="en-US" sz="1800" b="1" dirty="0">
+                <a:solidFill>
+                  <a:srgbClr val="FFC000"/>
+                </a:solidFill>
+                <a:latin typeface="Courier New" panose="02070309020205020404" pitchFamily="49" charset="0"/>
+                <a:cs typeface="Courier New" panose="02070309020205020404" pitchFamily="49" charset="0"/>
+              </a:rPr>
+              <a:t>&gt;</a:t>
+            </a:r>
+          </a:p>
+          <a:p>
+            <a:pPr marL="0" indent="0">
+              <a:spcBef>
+                <a:spcPts val="0"/>
+              </a:spcBef>
+              <a:buNone/>
+            </a:pPr>
+            <a:r>
+              <a:rPr lang="en-US" sz="1800" b="1" dirty="0" smtClean="0">
+                <a:solidFill>
+                  <a:srgbClr val="FFC000"/>
+                </a:solidFill>
+                <a:latin typeface="Courier New" panose="02070309020205020404" pitchFamily="49" charset="0"/>
+                <a:cs typeface="Courier New" panose="02070309020205020404" pitchFamily="49" charset="0"/>
+              </a:rPr>
+              <a:t>  &lt;</a:t>
+            </a:r>
+            <a:r>
+              <a:rPr lang="en-US" sz="1800" b="1" dirty="0">
+                <a:solidFill>
+                  <a:srgbClr val="FFC000"/>
+                </a:solidFill>
+                <a:latin typeface="Courier New" panose="02070309020205020404" pitchFamily="49" charset="0"/>
+                <a:cs typeface="Courier New" panose="02070309020205020404" pitchFamily="49" charset="0"/>
+              </a:rPr>
+              <a:t>Smile&gt;</a:t>
+            </a:r>
+            <a:r>
+              <a:rPr lang="en-US" sz="1800" b="1" dirty="0">
+                <a:latin typeface="Courier New" panose="02070309020205020404" pitchFamily="49" charset="0"/>
+                <a:cs typeface="Courier New" panose="02070309020205020404" pitchFamily="49" charset="0"/>
+              </a:rPr>
+              <a:t>0</a:t>
+            </a:r>
+            <a:r>
+              <a:rPr lang="en-US" sz="1800" b="1" dirty="0">
+                <a:solidFill>
+                  <a:srgbClr val="FFC000"/>
+                </a:solidFill>
+                <a:latin typeface="Courier New" panose="02070309020205020404" pitchFamily="49" charset="0"/>
+                <a:cs typeface="Courier New" panose="02070309020205020404" pitchFamily="49" charset="0"/>
+              </a:rPr>
+              <a:t>&lt;/Smile</a:t>
+            </a:r>
+            <a:r>
+              <a:rPr lang="en-US" sz="1800" b="1" dirty="0" smtClean="0">
+                <a:solidFill>
+                  <a:srgbClr val="FFC000"/>
+                </a:solidFill>
+                <a:latin typeface="Courier New" panose="02070309020205020404" pitchFamily="49" charset="0"/>
+                <a:cs typeface="Courier New" panose="02070309020205020404" pitchFamily="49" charset="0"/>
+              </a:rPr>
+              <a:t>&gt;</a:t>
+            </a:r>
+          </a:p>
+          <a:p>
+            <a:pPr marL="0" indent="0">
+              <a:spcBef>
+                <a:spcPts val="0"/>
+              </a:spcBef>
+              <a:buNone/>
+            </a:pPr>
+            <a:r>
+              <a:rPr lang="en-US" sz="1800" b="1" dirty="0">
+                <a:solidFill>
+                  <a:srgbClr val="FFC000"/>
+                </a:solidFill>
+                <a:latin typeface="Courier New" panose="02070309020205020404" pitchFamily="49" charset="0"/>
+                <a:cs typeface="Courier New" panose="02070309020205020404" pitchFamily="49" charset="0"/>
+              </a:rPr>
+              <a:t> </a:t>
+            </a:r>
+            <a:r>
+              <a:rPr lang="en-US" sz="1800" b="1" dirty="0" smtClean="0">
+                <a:solidFill>
+                  <a:srgbClr val="FFC000"/>
+                </a:solidFill>
+                <a:latin typeface="Courier New" panose="02070309020205020404" pitchFamily="49" charset="0"/>
+                <a:cs typeface="Courier New" panose="02070309020205020404" pitchFamily="49" charset="0"/>
+              </a:rPr>
+              <a:t> &lt;</a:t>
+            </a:r>
+            <a:r>
+              <a:rPr lang="en-US" sz="1800" b="1" dirty="0">
+                <a:solidFill>
+                  <a:srgbClr val="FFC000"/>
+                </a:solidFill>
+                <a:latin typeface="Courier New" panose="02070309020205020404" pitchFamily="49" charset="0"/>
+                <a:cs typeface="Courier New" panose="02070309020205020404" pitchFamily="49" charset="0"/>
+              </a:rPr>
+              <a:t>Kiss&gt;</a:t>
+            </a:r>
+            <a:r>
+              <a:rPr lang="en-US" sz="1800" b="1" dirty="0">
+                <a:latin typeface="Courier New" panose="02070309020205020404" pitchFamily="49" charset="0"/>
+                <a:cs typeface="Courier New" panose="02070309020205020404" pitchFamily="49" charset="0"/>
+              </a:rPr>
+              <a:t>0</a:t>
+            </a:r>
+            <a:r>
+              <a:rPr lang="en-US" sz="1800" b="1" dirty="0">
+                <a:solidFill>
+                  <a:srgbClr val="FFC000"/>
+                </a:solidFill>
+                <a:latin typeface="Courier New" panose="02070309020205020404" pitchFamily="49" charset="0"/>
+                <a:cs typeface="Courier New" panose="02070309020205020404" pitchFamily="49" charset="0"/>
+              </a:rPr>
+              <a:t>&lt;/Kiss</a:t>
+            </a:r>
+            <a:r>
+              <a:rPr lang="en-US" sz="1800" b="1" dirty="0" smtClean="0">
+                <a:solidFill>
+                  <a:srgbClr val="FFC000"/>
+                </a:solidFill>
+                <a:latin typeface="Courier New" panose="02070309020205020404" pitchFamily="49" charset="0"/>
+                <a:cs typeface="Courier New" panose="02070309020205020404" pitchFamily="49" charset="0"/>
+              </a:rPr>
+              <a:t>&gt;</a:t>
+            </a:r>
+          </a:p>
+          <a:p>
+            <a:pPr marL="0" indent="0">
+              <a:spcBef>
+                <a:spcPts val="0"/>
+              </a:spcBef>
+              <a:buNone/>
+            </a:pPr>
+            <a:r>
+              <a:rPr lang="en-US" sz="1800" b="1" dirty="0">
+                <a:solidFill>
+                  <a:srgbClr val="FFC000"/>
+                </a:solidFill>
+                <a:latin typeface="Courier New" panose="02070309020205020404" pitchFamily="49" charset="0"/>
+                <a:cs typeface="Courier New" panose="02070309020205020404" pitchFamily="49" charset="0"/>
+              </a:rPr>
+              <a:t> </a:t>
+            </a:r>
+            <a:r>
+              <a:rPr lang="en-US" sz="1800" b="1" dirty="0" smtClean="0">
+                <a:solidFill>
+                  <a:srgbClr val="FFC000"/>
+                </a:solidFill>
+                <a:latin typeface="Courier New" panose="02070309020205020404" pitchFamily="49" charset="0"/>
+                <a:cs typeface="Courier New" panose="02070309020205020404" pitchFamily="49" charset="0"/>
+              </a:rPr>
+              <a:t> &lt;</a:t>
+            </a:r>
+            <a:r>
+              <a:rPr lang="en-US" sz="1800" b="1" dirty="0" err="1">
+                <a:solidFill>
+                  <a:srgbClr val="FFC000"/>
+                </a:solidFill>
+                <a:latin typeface="Courier New" panose="02070309020205020404" pitchFamily="49" charset="0"/>
+                <a:cs typeface="Courier New" panose="02070309020205020404" pitchFamily="49" charset="0"/>
+              </a:rPr>
+              <a:t>Mouth_Open</a:t>
+            </a:r>
+            <a:r>
+              <a:rPr lang="en-US" sz="1800" b="1" dirty="0">
+                <a:solidFill>
+                  <a:srgbClr val="FFC000"/>
+                </a:solidFill>
+                <a:latin typeface="Courier New" panose="02070309020205020404" pitchFamily="49" charset="0"/>
+                <a:cs typeface="Courier New" panose="02070309020205020404" pitchFamily="49" charset="0"/>
+              </a:rPr>
+              <a:t>&gt;</a:t>
+            </a:r>
+            <a:r>
+              <a:rPr lang="en-US" sz="1800" b="1" dirty="0">
+                <a:latin typeface="Courier New" panose="02070309020205020404" pitchFamily="49" charset="0"/>
+                <a:cs typeface="Courier New" panose="02070309020205020404" pitchFamily="49" charset="0"/>
+              </a:rPr>
+              <a:t>0</a:t>
+            </a:r>
+            <a:r>
+              <a:rPr lang="en-US" sz="1800" b="1" dirty="0">
+                <a:solidFill>
+                  <a:srgbClr val="FFC000"/>
+                </a:solidFill>
+                <a:latin typeface="Courier New" panose="02070309020205020404" pitchFamily="49" charset="0"/>
+                <a:cs typeface="Courier New" panose="02070309020205020404" pitchFamily="49" charset="0"/>
+              </a:rPr>
+              <a:t>&lt;/</a:t>
+            </a:r>
+            <a:r>
+              <a:rPr lang="en-US" sz="1800" b="1" dirty="0" err="1">
+                <a:solidFill>
+                  <a:srgbClr val="FFC000"/>
+                </a:solidFill>
+                <a:latin typeface="Courier New" panose="02070309020205020404" pitchFamily="49" charset="0"/>
+                <a:cs typeface="Courier New" panose="02070309020205020404" pitchFamily="49" charset="0"/>
+              </a:rPr>
+              <a:t>Mouth_Open</a:t>
+            </a:r>
+            <a:r>
+              <a:rPr lang="en-US" sz="1800" b="1" dirty="0" smtClean="0">
+                <a:solidFill>
+                  <a:srgbClr val="FFC000"/>
+                </a:solidFill>
+                <a:latin typeface="Courier New" panose="02070309020205020404" pitchFamily="49" charset="0"/>
+                <a:cs typeface="Courier New" panose="02070309020205020404" pitchFamily="49" charset="0"/>
+              </a:rPr>
+              <a:t>&gt;</a:t>
+            </a:r>
+          </a:p>
+          <a:p>
+            <a:pPr marL="0" indent="0">
+              <a:spcBef>
+                <a:spcPts val="0"/>
+              </a:spcBef>
+              <a:buNone/>
+            </a:pPr>
+            <a:r>
+              <a:rPr lang="en-US" sz="1800" b="1" dirty="0">
+                <a:solidFill>
+                  <a:srgbClr val="FFC000"/>
+                </a:solidFill>
+                <a:latin typeface="Courier New" panose="02070309020205020404" pitchFamily="49" charset="0"/>
+                <a:cs typeface="Courier New" panose="02070309020205020404" pitchFamily="49" charset="0"/>
+              </a:rPr>
+              <a:t> </a:t>
+            </a:r>
+            <a:r>
+              <a:rPr lang="en-US" sz="1800" b="1" dirty="0" smtClean="0">
+                <a:solidFill>
+                  <a:srgbClr val="FFC000"/>
+                </a:solidFill>
+                <a:latin typeface="Courier New" panose="02070309020205020404" pitchFamily="49" charset="0"/>
+                <a:cs typeface="Courier New" panose="02070309020205020404" pitchFamily="49" charset="0"/>
+              </a:rPr>
+              <a:t> &lt;</a:t>
+            </a:r>
+            <a:r>
+              <a:rPr lang="en-US" sz="1800" b="1" dirty="0" err="1">
+                <a:solidFill>
+                  <a:srgbClr val="FFC000"/>
+                </a:solidFill>
+                <a:latin typeface="Courier New" panose="02070309020205020404" pitchFamily="49" charset="0"/>
+                <a:cs typeface="Courier New" panose="02070309020205020404" pitchFamily="49" charset="0"/>
+              </a:rPr>
+              <a:t>Closed_Eye_Left</a:t>
+            </a:r>
+            <a:r>
+              <a:rPr lang="en-US" sz="1800" b="1" dirty="0">
+                <a:solidFill>
+                  <a:srgbClr val="FFC000"/>
+                </a:solidFill>
+                <a:latin typeface="Courier New" panose="02070309020205020404" pitchFamily="49" charset="0"/>
+                <a:cs typeface="Courier New" panose="02070309020205020404" pitchFamily="49" charset="0"/>
+              </a:rPr>
+              <a:t>&gt;</a:t>
+            </a:r>
+            <a:r>
+              <a:rPr lang="en-US" sz="1800" b="1" dirty="0">
+                <a:latin typeface="Courier New" panose="02070309020205020404" pitchFamily="49" charset="0"/>
+                <a:cs typeface="Courier New" panose="02070309020205020404" pitchFamily="49" charset="0"/>
+              </a:rPr>
+              <a:t>0</a:t>
+            </a:r>
+            <a:r>
+              <a:rPr lang="en-US" sz="1800" b="1" dirty="0">
+                <a:solidFill>
+                  <a:srgbClr val="FFC000"/>
+                </a:solidFill>
+                <a:latin typeface="Courier New" panose="02070309020205020404" pitchFamily="49" charset="0"/>
+                <a:cs typeface="Courier New" panose="02070309020205020404" pitchFamily="49" charset="0"/>
+              </a:rPr>
+              <a:t>&lt;/</a:t>
+            </a:r>
+            <a:r>
+              <a:rPr lang="en-US" sz="1800" b="1" dirty="0" err="1">
+                <a:solidFill>
+                  <a:srgbClr val="FFC000"/>
+                </a:solidFill>
+                <a:latin typeface="Courier New" panose="02070309020205020404" pitchFamily="49" charset="0"/>
+                <a:cs typeface="Courier New" panose="02070309020205020404" pitchFamily="49" charset="0"/>
+              </a:rPr>
+              <a:t>Closed_Eye_Left</a:t>
+            </a:r>
+            <a:r>
+              <a:rPr lang="en-US" sz="1800" b="1" dirty="0">
+                <a:solidFill>
+                  <a:srgbClr val="FFC000"/>
+                </a:solidFill>
+                <a:latin typeface="Courier New" panose="02070309020205020404" pitchFamily="49" charset="0"/>
+                <a:cs typeface="Courier New" panose="02070309020205020404" pitchFamily="49" charset="0"/>
+              </a:rPr>
+              <a:t>&gt;</a:t>
+            </a:r>
+          </a:p>
+          <a:p>
+            <a:pPr marL="0" indent="0">
+              <a:spcBef>
+                <a:spcPts val="0"/>
+              </a:spcBef>
+              <a:buNone/>
+            </a:pPr>
+            <a:r>
+              <a:rPr lang="en-US" sz="1800" b="1" dirty="0" smtClean="0">
+                <a:solidFill>
+                  <a:srgbClr val="FFC000"/>
+                </a:solidFill>
+                <a:latin typeface="Courier New" panose="02070309020205020404" pitchFamily="49" charset="0"/>
+                <a:cs typeface="Courier New" panose="02070309020205020404" pitchFamily="49" charset="0"/>
+              </a:rPr>
+              <a:t>  &lt;</a:t>
+            </a:r>
+            <a:r>
+              <a:rPr lang="en-US" sz="1800" b="1" dirty="0" err="1">
+                <a:solidFill>
+                  <a:srgbClr val="FFC000"/>
+                </a:solidFill>
+                <a:latin typeface="Courier New" panose="02070309020205020404" pitchFamily="49" charset="0"/>
+                <a:cs typeface="Courier New" panose="02070309020205020404" pitchFamily="49" charset="0"/>
+              </a:rPr>
+              <a:t>Closed_Eye_Right</a:t>
+            </a:r>
+            <a:r>
+              <a:rPr lang="en-US" sz="1800" b="1" dirty="0">
+                <a:solidFill>
+                  <a:srgbClr val="FFC000"/>
+                </a:solidFill>
+                <a:latin typeface="Courier New" panose="02070309020205020404" pitchFamily="49" charset="0"/>
+                <a:cs typeface="Courier New" panose="02070309020205020404" pitchFamily="49" charset="0"/>
+              </a:rPr>
+              <a:t>&gt;</a:t>
+            </a:r>
+            <a:r>
+              <a:rPr lang="en-US" sz="1800" b="1" dirty="0">
+                <a:latin typeface="Courier New" panose="02070309020205020404" pitchFamily="49" charset="0"/>
+                <a:cs typeface="Courier New" panose="02070309020205020404" pitchFamily="49" charset="0"/>
+              </a:rPr>
+              <a:t>0</a:t>
+            </a:r>
+            <a:r>
+              <a:rPr lang="en-US" sz="1800" b="1" dirty="0">
+                <a:solidFill>
+                  <a:srgbClr val="FFC000"/>
+                </a:solidFill>
+                <a:latin typeface="Courier New" panose="02070309020205020404" pitchFamily="49" charset="0"/>
+                <a:cs typeface="Courier New" panose="02070309020205020404" pitchFamily="49" charset="0"/>
+              </a:rPr>
+              <a:t>&lt;/</a:t>
+            </a:r>
+            <a:r>
+              <a:rPr lang="en-US" sz="1800" b="1" dirty="0" err="1">
+                <a:solidFill>
+                  <a:srgbClr val="FFC000"/>
+                </a:solidFill>
+                <a:latin typeface="Courier New" panose="02070309020205020404" pitchFamily="49" charset="0"/>
+                <a:cs typeface="Courier New" panose="02070309020205020404" pitchFamily="49" charset="0"/>
+              </a:rPr>
+              <a:t>Closed_Eye_Right</a:t>
+            </a:r>
+            <a:r>
+              <a:rPr lang="en-US" sz="1800" b="1" dirty="0">
+                <a:solidFill>
+                  <a:srgbClr val="FFC000"/>
+                </a:solidFill>
+                <a:latin typeface="Courier New" panose="02070309020205020404" pitchFamily="49" charset="0"/>
+                <a:cs typeface="Courier New" panose="02070309020205020404" pitchFamily="49" charset="0"/>
+              </a:rPr>
+              <a:t>&gt;</a:t>
+            </a:r>
+          </a:p>
+          <a:p>
+            <a:pPr marL="0" indent="0">
+              <a:spcBef>
+                <a:spcPts val="0"/>
+              </a:spcBef>
+              <a:buNone/>
+            </a:pPr>
+            <a:r>
+              <a:rPr lang="en-US" sz="1800" b="1" dirty="0" smtClean="0">
+                <a:solidFill>
+                  <a:srgbClr val="FFC000"/>
+                </a:solidFill>
+                <a:latin typeface="Courier New" panose="02070309020205020404" pitchFamily="49" charset="0"/>
+                <a:cs typeface="Courier New" panose="02070309020205020404" pitchFamily="49" charset="0"/>
+              </a:rPr>
+              <a:t>  &lt;</a:t>
+            </a:r>
+            <a:r>
+              <a:rPr lang="en-US" sz="1800" b="1" dirty="0" err="1">
+                <a:solidFill>
+                  <a:srgbClr val="FFC000"/>
+                </a:solidFill>
+                <a:latin typeface="Courier New" panose="02070309020205020404" pitchFamily="49" charset="0"/>
+                <a:cs typeface="Courier New" panose="02070309020205020404" pitchFamily="49" charset="0"/>
+              </a:rPr>
+              <a:t>Eyes_Turn_Left</a:t>
+            </a:r>
+            <a:r>
+              <a:rPr lang="en-US" sz="1800" b="1" dirty="0">
+                <a:solidFill>
+                  <a:srgbClr val="FFC000"/>
+                </a:solidFill>
+                <a:latin typeface="Courier New" panose="02070309020205020404" pitchFamily="49" charset="0"/>
+                <a:cs typeface="Courier New" panose="02070309020205020404" pitchFamily="49" charset="0"/>
+              </a:rPr>
+              <a:t>&gt;</a:t>
+            </a:r>
+            <a:r>
+              <a:rPr lang="en-US" sz="1800" b="1" dirty="0">
+                <a:latin typeface="Courier New" panose="02070309020205020404" pitchFamily="49" charset="0"/>
+                <a:cs typeface="Courier New" panose="02070309020205020404" pitchFamily="49" charset="0"/>
+              </a:rPr>
+              <a:t>0</a:t>
+            </a:r>
+            <a:r>
+              <a:rPr lang="en-US" sz="1800" b="1" dirty="0">
+                <a:solidFill>
+                  <a:srgbClr val="FFC000"/>
+                </a:solidFill>
+                <a:latin typeface="Courier New" panose="02070309020205020404" pitchFamily="49" charset="0"/>
+                <a:cs typeface="Courier New" panose="02070309020205020404" pitchFamily="49" charset="0"/>
+              </a:rPr>
+              <a:t>&lt;/</a:t>
+            </a:r>
+            <a:r>
+              <a:rPr lang="en-US" sz="1800" b="1" dirty="0" err="1">
+                <a:solidFill>
+                  <a:srgbClr val="FFC000"/>
+                </a:solidFill>
+                <a:latin typeface="Courier New" panose="02070309020205020404" pitchFamily="49" charset="0"/>
+                <a:cs typeface="Courier New" panose="02070309020205020404" pitchFamily="49" charset="0"/>
+              </a:rPr>
+              <a:t>Eyes_Turn_Left</a:t>
+            </a:r>
+            <a:r>
+              <a:rPr lang="en-US" sz="1800" b="1" dirty="0">
+                <a:solidFill>
+                  <a:srgbClr val="FFC000"/>
+                </a:solidFill>
+                <a:latin typeface="Courier New" panose="02070309020205020404" pitchFamily="49" charset="0"/>
+                <a:cs typeface="Courier New" panose="02070309020205020404" pitchFamily="49" charset="0"/>
+              </a:rPr>
+              <a:t>&gt;</a:t>
+            </a:r>
+          </a:p>
+          <a:p>
+            <a:pPr marL="0" indent="0">
+              <a:spcBef>
+                <a:spcPts val="0"/>
+              </a:spcBef>
+              <a:buNone/>
+            </a:pPr>
+            <a:r>
+              <a:rPr lang="en-US" sz="1800" b="1" dirty="0" smtClean="0">
+                <a:solidFill>
+                  <a:srgbClr val="FFC000"/>
+                </a:solidFill>
+                <a:latin typeface="Courier New" panose="02070309020205020404" pitchFamily="49" charset="0"/>
+                <a:cs typeface="Courier New" panose="02070309020205020404" pitchFamily="49" charset="0"/>
+              </a:rPr>
+              <a:t>  &lt;</a:t>
+            </a:r>
+            <a:r>
+              <a:rPr lang="en-US" sz="1800" b="1" dirty="0" err="1">
+                <a:solidFill>
+                  <a:srgbClr val="FFC000"/>
+                </a:solidFill>
+                <a:latin typeface="Courier New" panose="02070309020205020404" pitchFamily="49" charset="0"/>
+                <a:cs typeface="Courier New" panose="02070309020205020404" pitchFamily="49" charset="0"/>
+              </a:rPr>
+              <a:t>Eyes_Turn_Right</a:t>
+            </a:r>
+            <a:r>
+              <a:rPr lang="en-US" sz="1800" b="1" dirty="0">
+                <a:solidFill>
+                  <a:srgbClr val="FFC000"/>
+                </a:solidFill>
+                <a:latin typeface="Courier New" panose="02070309020205020404" pitchFamily="49" charset="0"/>
+                <a:cs typeface="Courier New" panose="02070309020205020404" pitchFamily="49" charset="0"/>
+              </a:rPr>
+              <a:t>&gt;</a:t>
+            </a:r>
+            <a:r>
+              <a:rPr lang="en-US" sz="1800" b="1" dirty="0">
+                <a:latin typeface="Courier New" panose="02070309020205020404" pitchFamily="49" charset="0"/>
+                <a:cs typeface="Courier New" panose="02070309020205020404" pitchFamily="49" charset="0"/>
+              </a:rPr>
+              <a:t>57</a:t>
+            </a:r>
+            <a:r>
+              <a:rPr lang="en-US" sz="1800" b="1" dirty="0">
+                <a:solidFill>
+                  <a:srgbClr val="FFC000"/>
+                </a:solidFill>
+                <a:latin typeface="Courier New" panose="02070309020205020404" pitchFamily="49" charset="0"/>
+                <a:cs typeface="Courier New" panose="02070309020205020404" pitchFamily="49" charset="0"/>
+              </a:rPr>
+              <a:t>&lt;/</a:t>
+            </a:r>
+            <a:r>
+              <a:rPr lang="en-US" sz="1800" b="1" dirty="0" err="1">
+                <a:solidFill>
+                  <a:srgbClr val="FFC000"/>
+                </a:solidFill>
+                <a:latin typeface="Courier New" panose="02070309020205020404" pitchFamily="49" charset="0"/>
+                <a:cs typeface="Courier New" panose="02070309020205020404" pitchFamily="49" charset="0"/>
+              </a:rPr>
+              <a:t>Eyes_Turn_Right</a:t>
+            </a:r>
+            <a:r>
+              <a:rPr lang="en-US" sz="1800" b="1" dirty="0">
+                <a:solidFill>
+                  <a:srgbClr val="FFC000"/>
+                </a:solidFill>
+                <a:latin typeface="Courier New" panose="02070309020205020404" pitchFamily="49" charset="0"/>
+                <a:cs typeface="Courier New" panose="02070309020205020404" pitchFamily="49" charset="0"/>
+              </a:rPr>
+              <a:t>&gt;</a:t>
+            </a:r>
+          </a:p>
+          <a:p>
+            <a:pPr marL="0" indent="0">
+              <a:spcBef>
+                <a:spcPts val="0"/>
+              </a:spcBef>
+              <a:buNone/>
+            </a:pPr>
+            <a:r>
+              <a:rPr lang="en-US" sz="1800" b="1" dirty="0" smtClean="0">
+                <a:solidFill>
+                  <a:srgbClr val="FFC000"/>
+                </a:solidFill>
+                <a:latin typeface="Courier New" panose="02070309020205020404" pitchFamily="49" charset="0"/>
+                <a:cs typeface="Courier New" panose="02070309020205020404" pitchFamily="49" charset="0"/>
+              </a:rPr>
+              <a:t>  &lt;</a:t>
+            </a:r>
+            <a:r>
+              <a:rPr lang="en-US" sz="1800" b="1" dirty="0" err="1">
+                <a:solidFill>
+                  <a:srgbClr val="FFC000"/>
+                </a:solidFill>
+                <a:latin typeface="Courier New" panose="02070309020205020404" pitchFamily="49" charset="0"/>
+                <a:cs typeface="Courier New" panose="02070309020205020404" pitchFamily="49" charset="0"/>
+              </a:rPr>
+              <a:t>Eyes_Up</a:t>
+            </a:r>
+            <a:r>
+              <a:rPr lang="en-US" sz="1800" b="1" dirty="0">
+                <a:solidFill>
+                  <a:srgbClr val="FFC000"/>
+                </a:solidFill>
+                <a:latin typeface="Courier New" panose="02070309020205020404" pitchFamily="49" charset="0"/>
+                <a:cs typeface="Courier New" panose="02070309020205020404" pitchFamily="49" charset="0"/>
+              </a:rPr>
+              <a:t>&gt;</a:t>
+            </a:r>
+            <a:r>
+              <a:rPr lang="en-US" sz="1800" b="1" dirty="0">
+                <a:latin typeface="Courier New" panose="02070309020205020404" pitchFamily="49" charset="0"/>
+                <a:cs typeface="Courier New" panose="02070309020205020404" pitchFamily="49" charset="0"/>
+              </a:rPr>
+              <a:t>0</a:t>
+            </a:r>
+            <a:r>
+              <a:rPr lang="en-US" sz="1800" b="1" dirty="0">
+                <a:solidFill>
+                  <a:srgbClr val="FFC000"/>
+                </a:solidFill>
+                <a:latin typeface="Courier New" panose="02070309020205020404" pitchFamily="49" charset="0"/>
+                <a:cs typeface="Courier New" panose="02070309020205020404" pitchFamily="49" charset="0"/>
+              </a:rPr>
+              <a:t>&lt;/</a:t>
+            </a:r>
+            <a:r>
+              <a:rPr lang="en-US" sz="1800" b="1" dirty="0" err="1">
+                <a:solidFill>
+                  <a:srgbClr val="FFC000"/>
+                </a:solidFill>
+                <a:latin typeface="Courier New" panose="02070309020205020404" pitchFamily="49" charset="0"/>
+                <a:cs typeface="Courier New" panose="02070309020205020404" pitchFamily="49" charset="0"/>
+              </a:rPr>
+              <a:t>Eyes_Up</a:t>
+            </a:r>
+            <a:r>
+              <a:rPr lang="en-US" sz="1800" b="1" dirty="0">
+                <a:solidFill>
+                  <a:srgbClr val="FFC000"/>
+                </a:solidFill>
+                <a:latin typeface="Courier New" panose="02070309020205020404" pitchFamily="49" charset="0"/>
+                <a:cs typeface="Courier New" panose="02070309020205020404" pitchFamily="49" charset="0"/>
+              </a:rPr>
+              <a:t>&gt;</a:t>
+            </a:r>
+          </a:p>
+          <a:p>
+            <a:pPr marL="0" indent="0">
+              <a:spcBef>
+                <a:spcPts val="0"/>
+              </a:spcBef>
+              <a:buNone/>
+            </a:pPr>
+            <a:r>
+              <a:rPr lang="en-US" sz="1800" b="1" dirty="0" smtClean="0">
+                <a:solidFill>
+                  <a:srgbClr val="FFC000"/>
+                </a:solidFill>
+                <a:latin typeface="Courier New" panose="02070309020205020404" pitchFamily="49" charset="0"/>
+                <a:cs typeface="Courier New" panose="02070309020205020404" pitchFamily="49" charset="0"/>
+              </a:rPr>
+              <a:t>  &lt;</a:t>
+            </a:r>
+            <a:r>
+              <a:rPr lang="en-US" sz="1800" b="1" dirty="0" err="1">
+                <a:solidFill>
+                  <a:srgbClr val="FFC000"/>
+                </a:solidFill>
+                <a:latin typeface="Courier New" panose="02070309020205020404" pitchFamily="49" charset="0"/>
+                <a:cs typeface="Courier New" panose="02070309020205020404" pitchFamily="49" charset="0"/>
+              </a:rPr>
+              <a:t>Eyes_Down</a:t>
+            </a:r>
+            <a:r>
+              <a:rPr lang="en-US" sz="1800" b="1" dirty="0">
+                <a:solidFill>
+                  <a:srgbClr val="FFC000"/>
+                </a:solidFill>
+                <a:latin typeface="Courier New" panose="02070309020205020404" pitchFamily="49" charset="0"/>
+                <a:cs typeface="Courier New" panose="02070309020205020404" pitchFamily="49" charset="0"/>
+              </a:rPr>
+              <a:t>&gt;</a:t>
+            </a:r>
+            <a:r>
+              <a:rPr lang="en-US" sz="1800" b="1" dirty="0">
+                <a:latin typeface="Courier New" panose="02070309020205020404" pitchFamily="49" charset="0"/>
+                <a:cs typeface="Courier New" panose="02070309020205020404" pitchFamily="49" charset="0"/>
+              </a:rPr>
+              <a:t>100</a:t>
+            </a:r>
+            <a:r>
+              <a:rPr lang="en-US" sz="1800" b="1" dirty="0">
+                <a:solidFill>
+                  <a:srgbClr val="FFC000"/>
+                </a:solidFill>
+                <a:latin typeface="Courier New" panose="02070309020205020404" pitchFamily="49" charset="0"/>
+                <a:cs typeface="Courier New" panose="02070309020205020404" pitchFamily="49" charset="0"/>
+              </a:rPr>
+              <a:t>&lt;/</a:t>
+            </a:r>
+            <a:r>
+              <a:rPr lang="en-US" sz="1800" b="1" dirty="0" err="1">
+                <a:solidFill>
+                  <a:srgbClr val="FFC000"/>
+                </a:solidFill>
+                <a:latin typeface="Courier New" panose="02070309020205020404" pitchFamily="49" charset="0"/>
+                <a:cs typeface="Courier New" panose="02070309020205020404" pitchFamily="49" charset="0"/>
+              </a:rPr>
+              <a:t>Eyes_Down</a:t>
+            </a:r>
+            <a:r>
+              <a:rPr lang="en-US" sz="1800" b="1" dirty="0">
+                <a:solidFill>
+                  <a:srgbClr val="FFC000"/>
+                </a:solidFill>
+                <a:latin typeface="Courier New" panose="02070309020205020404" pitchFamily="49" charset="0"/>
+                <a:cs typeface="Courier New" panose="02070309020205020404" pitchFamily="49" charset="0"/>
+              </a:rPr>
+              <a:t>&gt;</a:t>
+            </a:r>
+          </a:p>
+          <a:p>
+            <a:pPr marL="0" indent="0">
+              <a:spcBef>
+                <a:spcPts val="0"/>
+              </a:spcBef>
+              <a:buNone/>
+            </a:pPr>
+            <a:r>
+              <a:rPr lang="en-US" sz="1800" b="1" dirty="0" smtClean="0">
+                <a:solidFill>
+                  <a:srgbClr val="FFC000"/>
+                </a:solidFill>
+                <a:latin typeface="Courier New" panose="02070309020205020404" pitchFamily="49" charset="0"/>
+                <a:cs typeface="Courier New" panose="02070309020205020404" pitchFamily="49" charset="0"/>
+              </a:rPr>
+              <a:t>  &lt;</a:t>
+            </a:r>
+            <a:r>
+              <a:rPr lang="en-US" sz="1800" b="1" dirty="0" err="1">
+                <a:solidFill>
+                  <a:srgbClr val="FFC000"/>
+                </a:solidFill>
+                <a:latin typeface="Courier New" panose="02070309020205020404" pitchFamily="49" charset="0"/>
+                <a:cs typeface="Courier New" panose="02070309020205020404" pitchFamily="49" charset="0"/>
+              </a:rPr>
+              <a:t>Tongue_Out</a:t>
+            </a:r>
+            <a:r>
+              <a:rPr lang="en-US" sz="1800" b="1" dirty="0">
+                <a:solidFill>
+                  <a:srgbClr val="FFC000"/>
+                </a:solidFill>
+                <a:latin typeface="Courier New" panose="02070309020205020404" pitchFamily="49" charset="0"/>
+                <a:cs typeface="Courier New" panose="02070309020205020404" pitchFamily="49" charset="0"/>
+              </a:rPr>
+              <a:t>&gt;</a:t>
+            </a:r>
+            <a:r>
+              <a:rPr lang="en-US" sz="1800" b="1" dirty="0">
+                <a:latin typeface="Courier New" panose="02070309020205020404" pitchFamily="49" charset="0"/>
+                <a:cs typeface="Courier New" panose="02070309020205020404" pitchFamily="49" charset="0"/>
+              </a:rPr>
+              <a:t>0</a:t>
+            </a:r>
+            <a:r>
+              <a:rPr lang="en-US" sz="1800" b="1" dirty="0">
+                <a:solidFill>
+                  <a:srgbClr val="FFC000"/>
+                </a:solidFill>
+                <a:latin typeface="Courier New" panose="02070309020205020404" pitchFamily="49" charset="0"/>
+                <a:cs typeface="Courier New" panose="02070309020205020404" pitchFamily="49" charset="0"/>
+              </a:rPr>
+              <a:t>&lt;/</a:t>
+            </a:r>
+            <a:r>
+              <a:rPr lang="en-US" sz="1800" b="1" dirty="0" err="1">
+                <a:solidFill>
+                  <a:srgbClr val="FFC000"/>
+                </a:solidFill>
+                <a:latin typeface="Courier New" panose="02070309020205020404" pitchFamily="49" charset="0"/>
+                <a:cs typeface="Courier New" panose="02070309020205020404" pitchFamily="49" charset="0"/>
+              </a:rPr>
+              <a:t>Tongue_Out</a:t>
+            </a:r>
+            <a:r>
+              <a:rPr lang="en-US" sz="1800" b="1" dirty="0">
+                <a:solidFill>
+                  <a:srgbClr val="FFC000"/>
+                </a:solidFill>
+                <a:latin typeface="Courier New" panose="02070309020205020404" pitchFamily="49" charset="0"/>
+                <a:cs typeface="Courier New" panose="02070309020205020404" pitchFamily="49" charset="0"/>
+              </a:rPr>
+              <a:t>&gt;</a:t>
+            </a:r>
+          </a:p>
+          <a:p>
+            <a:pPr marL="0" indent="0">
+              <a:spcBef>
+                <a:spcPts val="0"/>
+              </a:spcBef>
+              <a:buNone/>
+            </a:pPr>
+            <a:r>
+              <a:rPr lang="en-US" sz="1800" b="1" dirty="0" smtClean="0">
+                <a:solidFill>
+                  <a:srgbClr val="FFC000"/>
+                </a:solidFill>
+                <a:latin typeface="Courier New" panose="02070309020205020404" pitchFamily="49" charset="0"/>
+                <a:cs typeface="Courier New" panose="02070309020205020404" pitchFamily="49" charset="0"/>
+              </a:rPr>
+              <a:t>  &lt;</a:t>
+            </a:r>
+            <a:r>
+              <a:rPr lang="en-US" sz="1800" b="1" dirty="0" err="1">
+                <a:solidFill>
+                  <a:srgbClr val="FFC000"/>
+                </a:solidFill>
+                <a:latin typeface="Courier New" panose="02070309020205020404" pitchFamily="49" charset="0"/>
+                <a:cs typeface="Courier New" panose="02070309020205020404" pitchFamily="49" charset="0"/>
+              </a:rPr>
+              <a:t>Puff_Right_Cheek</a:t>
+            </a:r>
+            <a:r>
+              <a:rPr lang="en-US" sz="1800" b="1" dirty="0">
+                <a:solidFill>
+                  <a:srgbClr val="FFC000"/>
+                </a:solidFill>
+                <a:latin typeface="Courier New" panose="02070309020205020404" pitchFamily="49" charset="0"/>
+                <a:cs typeface="Courier New" panose="02070309020205020404" pitchFamily="49" charset="0"/>
+              </a:rPr>
+              <a:t>&gt;</a:t>
+            </a:r>
+            <a:r>
+              <a:rPr lang="en-US" sz="1800" b="1" dirty="0">
+                <a:latin typeface="Courier New" panose="02070309020205020404" pitchFamily="49" charset="0"/>
+                <a:cs typeface="Courier New" panose="02070309020205020404" pitchFamily="49" charset="0"/>
+              </a:rPr>
+              <a:t>100</a:t>
+            </a:r>
+            <a:r>
+              <a:rPr lang="en-US" sz="1800" b="1" dirty="0">
+                <a:solidFill>
+                  <a:srgbClr val="FFC000"/>
+                </a:solidFill>
+                <a:latin typeface="Courier New" panose="02070309020205020404" pitchFamily="49" charset="0"/>
+                <a:cs typeface="Courier New" panose="02070309020205020404" pitchFamily="49" charset="0"/>
+              </a:rPr>
+              <a:t>&lt;/</a:t>
+            </a:r>
+            <a:r>
+              <a:rPr lang="en-US" sz="1800" b="1" dirty="0" err="1">
+                <a:solidFill>
+                  <a:srgbClr val="FFC000"/>
+                </a:solidFill>
+                <a:latin typeface="Courier New" panose="02070309020205020404" pitchFamily="49" charset="0"/>
+                <a:cs typeface="Courier New" panose="02070309020205020404" pitchFamily="49" charset="0"/>
+              </a:rPr>
+              <a:t>Puff_Right_Cheek</a:t>
+            </a:r>
+            <a:r>
+              <a:rPr lang="en-US" sz="1800" b="1" dirty="0">
+                <a:solidFill>
+                  <a:srgbClr val="FFC000"/>
+                </a:solidFill>
+                <a:latin typeface="Courier New" panose="02070309020205020404" pitchFamily="49" charset="0"/>
+                <a:cs typeface="Courier New" panose="02070309020205020404" pitchFamily="49" charset="0"/>
+              </a:rPr>
+              <a:t>&gt;</a:t>
+            </a:r>
+          </a:p>
+          <a:p>
+            <a:pPr marL="0" indent="0">
+              <a:spcBef>
+                <a:spcPts val="0"/>
+              </a:spcBef>
+              <a:buNone/>
+            </a:pPr>
+            <a:r>
+              <a:rPr lang="en-US" sz="1800" b="1" dirty="0" smtClean="0">
+                <a:solidFill>
+                  <a:srgbClr val="FFC000"/>
+                </a:solidFill>
+                <a:latin typeface="Courier New" panose="02070309020205020404" pitchFamily="49" charset="0"/>
+                <a:cs typeface="Courier New" panose="02070309020205020404" pitchFamily="49" charset="0"/>
+              </a:rPr>
+              <a:t>  &lt;</a:t>
+            </a:r>
+            <a:r>
+              <a:rPr lang="en-US" sz="1800" b="1" dirty="0" err="1">
+                <a:solidFill>
+                  <a:srgbClr val="FFC000"/>
+                </a:solidFill>
+                <a:latin typeface="Courier New" panose="02070309020205020404" pitchFamily="49" charset="0"/>
+                <a:cs typeface="Courier New" panose="02070309020205020404" pitchFamily="49" charset="0"/>
+              </a:rPr>
+              <a:t>Puff_Left_Cheek</a:t>
+            </a:r>
+            <a:r>
+              <a:rPr lang="en-US" sz="1800" b="1" dirty="0">
+                <a:solidFill>
+                  <a:srgbClr val="FFC000"/>
+                </a:solidFill>
+                <a:latin typeface="Courier New" panose="02070309020205020404" pitchFamily="49" charset="0"/>
+                <a:cs typeface="Courier New" panose="02070309020205020404" pitchFamily="49" charset="0"/>
+              </a:rPr>
+              <a:t>&gt;</a:t>
+            </a:r>
+            <a:r>
+              <a:rPr lang="en-US" sz="1800" b="1" dirty="0">
+                <a:latin typeface="Courier New" panose="02070309020205020404" pitchFamily="49" charset="0"/>
+                <a:cs typeface="Courier New" panose="02070309020205020404" pitchFamily="49" charset="0"/>
+              </a:rPr>
+              <a:t>0</a:t>
+            </a:r>
+            <a:r>
+              <a:rPr lang="en-US" sz="1800" b="1" dirty="0">
+                <a:solidFill>
+                  <a:srgbClr val="FFC000"/>
+                </a:solidFill>
+                <a:latin typeface="Courier New" panose="02070309020205020404" pitchFamily="49" charset="0"/>
+                <a:cs typeface="Courier New" panose="02070309020205020404" pitchFamily="49" charset="0"/>
+              </a:rPr>
+              <a:t>&lt;/</a:t>
+            </a:r>
+            <a:r>
+              <a:rPr lang="en-US" sz="1800" b="1" dirty="0" err="1">
+                <a:solidFill>
+                  <a:srgbClr val="FFC000"/>
+                </a:solidFill>
+                <a:latin typeface="Courier New" panose="02070309020205020404" pitchFamily="49" charset="0"/>
+                <a:cs typeface="Courier New" panose="02070309020205020404" pitchFamily="49" charset="0"/>
+              </a:rPr>
+              <a:t>Puff_Left_Cheek</a:t>
+            </a:r>
+            <a:r>
+              <a:rPr lang="en-US" sz="1800" b="1" dirty="0">
+                <a:solidFill>
+                  <a:srgbClr val="FFC000"/>
+                </a:solidFill>
+                <a:latin typeface="Courier New" panose="02070309020205020404" pitchFamily="49" charset="0"/>
+                <a:cs typeface="Courier New" panose="02070309020205020404" pitchFamily="49" charset="0"/>
+              </a:rPr>
+              <a:t>&gt;</a:t>
+            </a:r>
+          </a:p>
+          <a:p>
+            <a:pPr marL="0" indent="0">
+              <a:spcBef>
+                <a:spcPts val="0"/>
+              </a:spcBef>
+              <a:buNone/>
+            </a:pPr>
+            <a:r>
+              <a:rPr lang="en-US" sz="1800" b="1" dirty="0" smtClean="0">
+                <a:solidFill>
+                  <a:srgbClr val="FFC000"/>
+                </a:solidFill>
+                <a:latin typeface="Courier New" panose="02070309020205020404" pitchFamily="49" charset="0"/>
+                <a:cs typeface="Courier New" panose="02070309020205020404" pitchFamily="49" charset="0"/>
+              </a:rPr>
+              <a:t>  &lt;</a:t>
+            </a:r>
+            <a:r>
+              <a:rPr lang="en-US" sz="1800" b="1" dirty="0">
+                <a:solidFill>
+                  <a:srgbClr val="FFC000"/>
+                </a:solidFill>
+                <a:latin typeface="Courier New" panose="02070309020205020404" pitchFamily="49" charset="0"/>
+                <a:cs typeface="Courier New" panose="02070309020205020404" pitchFamily="49" charset="0"/>
+              </a:rPr>
+              <a:t>Landmark&gt;</a:t>
+            </a:r>
+          </a:p>
+          <a:p>
+            <a:pPr marL="0" indent="0">
+              <a:spcBef>
+                <a:spcPts val="0"/>
+              </a:spcBef>
+              <a:buNone/>
+            </a:pPr>
+            <a:r>
+              <a:rPr lang="en-US" sz="1800" b="1" dirty="0" smtClean="0">
+                <a:solidFill>
+                  <a:srgbClr val="FFC000"/>
+                </a:solidFill>
+                <a:latin typeface="Courier New" panose="02070309020205020404" pitchFamily="49" charset="0"/>
+                <a:cs typeface="Courier New" panose="02070309020205020404" pitchFamily="49" charset="0"/>
+              </a:rPr>
+              <a:t>    &lt;</a:t>
+            </a:r>
+            <a:r>
+              <a:rPr lang="en-US" sz="1800" b="1" dirty="0">
+                <a:solidFill>
+                  <a:srgbClr val="FFC000"/>
+                </a:solidFill>
+                <a:latin typeface="Courier New" panose="02070309020205020404" pitchFamily="49" charset="0"/>
+                <a:cs typeface="Courier New" panose="02070309020205020404" pitchFamily="49" charset="0"/>
+              </a:rPr>
+              <a:t>Point&gt;</a:t>
+            </a:r>
+            <a:r>
+              <a:rPr lang="en-US" sz="1800" b="1" dirty="0">
+                <a:latin typeface="Courier New" panose="02070309020205020404" pitchFamily="49" charset="0"/>
+                <a:cs typeface="Courier New" panose="02070309020205020404" pitchFamily="49" charset="0"/>
+              </a:rPr>
+              <a:t>313.160400 255.806610</a:t>
+            </a:r>
+            <a:r>
+              <a:rPr lang="en-US" sz="1800" b="1" dirty="0">
+                <a:solidFill>
+                  <a:srgbClr val="FFC000"/>
+                </a:solidFill>
+                <a:latin typeface="Courier New" panose="02070309020205020404" pitchFamily="49" charset="0"/>
+                <a:cs typeface="Courier New" panose="02070309020205020404" pitchFamily="49" charset="0"/>
+              </a:rPr>
+              <a:t>&lt;/Point</a:t>
+            </a:r>
+            <a:r>
+              <a:rPr lang="en-US" sz="1800" b="1" dirty="0" smtClean="0">
+                <a:solidFill>
+                  <a:srgbClr val="FFC000"/>
+                </a:solidFill>
+                <a:latin typeface="Courier New" panose="02070309020205020404" pitchFamily="49" charset="0"/>
+                <a:cs typeface="Courier New" panose="02070309020205020404" pitchFamily="49" charset="0"/>
+              </a:rPr>
+              <a:t>&gt;</a:t>
+            </a:r>
+          </a:p>
+          <a:p>
+            <a:pPr marL="0" indent="0">
+              <a:spcBef>
+                <a:spcPts val="0"/>
+              </a:spcBef>
+              <a:buNone/>
+            </a:pPr>
+            <a:r>
+              <a:rPr lang="en-US" sz="1800" b="1" dirty="0">
+                <a:solidFill>
+                  <a:srgbClr val="FFC000"/>
+                </a:solidFill>
+                <a:latin typeface="Courier New" panose="02070309020205020404" pitchFamily="49" charset="0"/>
+                <a:cs typeface="Courier New" panose="02070309020205020404" pitchFamily="49" charset="0"/>
+              </a:rPr>
+              <a:t>	</a:t>
+            </a:r>
+            <a:r>
+              <a:rPr lang="en-US" sz="1800" b="1" dirty="0" smtClean="0">
+                <a:solidFill>
+                  <a:srgbClr val="FFC000"/>
+                </a:solidFill>
+                <a:latin typeface="Courier New" panose="02070309020205020404" pitchFamily="49" charset="0"/>
+                <a:cs typeface="Courier New" panose="02070309020205020404" pitchFamily="49" charset="0"/>
+              </a:rPr>
+              <a:t>…………</a:t>
+            </a:r>
+          </a:p>
+          <a:p>
+            <a:pPr marL="0" indent="0">
+              <a:spcBef>
+                <a:spcPts val="0"/>
+              </a:spcBef>
+              <a:buNone/>
+            </a:pPr>
+            <a:r>
+              <a:rPr lang="en-US" sz="1800" b="1" dirty="0" smtClean="0">
+                <a:solidFill>
+                  <a:srgbClr val="FFC000"/>
+                </a:solidFill>
+                <a:latin typeface="Courier New" panose="02070309020205020404" pitchFamily="49" charset="0"/>
+                <a:cs typeface="Courier New" panose="02070309020205020404" pitchFamily="49" charset="0"/>
+              </a:rPr>
+              <a:t>    &lt;</a:t>
+            </a:r>
+            <a:r>
+              <a:rPr lang="en-US" sz="1800" b="1" dirty="0">
+                <a:solidFill>
+                  <a:srgbClr val="FFC000"/>
+                </a:solidFill>
+                <a:latin typeface="Courier New" panose="02070309020205020404" pitchFamily="49" charset="0"/>
+                <a:cs typeface="Courier New" panose="02070309020205020404" pitchFamily="49" charset="0"/>
+              </a:rPr>
+              <a:t>Point&gt;</a:t>
+            </a:r>
+            <a:r>
+              <a:rPr lang="en-US" sz="1800" b="1" dirty="0">
+                <a:latin typeface="Courier New" panose="02070309020205020404" pitchFamily="49" charset="0"/>
+                <a:cs typeface="Courier New" panose="02070309020205020404" pitchFamily="49" charset="0"/>
+              </a:rPr>
+              <a:t>367.559509 262.087280</a:t>
+            </a:r>
+            <a:r>
+              <a:rPr lang="en-US" sz="1800" b="1" dirty="0">
+                <a:solidFill>
+                  <a:srgbClr val="FFC000"/>
+                </a:solidFill>
+                <a:latin typeface="Courier New" panose="02070309020205020404" pitchFamily="49" charset="0"/>
+                <a:cs typeface="Courier New" panose="02070309020205020404" pitchFamily="49" charset="0"/>
+              </a:rPr>
+              <a:t>&lt;/Point</a:t>
+            </a:r>
+            <a:r>
+              <a:rPr lang="en-US" sz="1800" b="1" dirty="0" smtClean="0">
+                <a:solidFill>
+                  <a:srgbClr val="FFC000"/>
+                </a:solidFill>
+                <a:latin typeface="Courier New" panose="02070309020205020404" pitchFamily="49" charset="0"/>
+                <a:cs typeface="Courier New" panose="02070309020205020404" pitchFamily="49" charset="0"/>
+              </a:rPr>
+              <a:t>&gt;</a:t>
+            </a:r>
+          </a:p>
+          <a:p>
+            <a:pPr marL="0" indent="0">
+              <a:spcBef>
+                <a:spcPts val="0"/>
+              </a:spcBef>
+              <a:buNone/>
+            </a:pPr>
+            <a:r>
+              <a:rPr lang="en-US" sz="1800" b="1" dirty="0" smtClean="0">
+                <a:solidFill>
+                  <a:srgbClr val="FFC000"/>
+                </a:solidFill>
+                <a:latin typeface="Courier New" panose="02070309020205020404" pitchFamily="49" charset="0"/>
+                <a:cs typeface="Courier New" panose="02070309020205020404" pitchFamily="49" charset="0"/>
+              </a:rPr>
+              <a:t>  &lt;/</a:t>
+            </a:r>
+            <a:r>
+              <a:rPr lang="en-US" sz="1800" b="1" dirty="0">
+                <a:solidFill>
+                  <a:srgbClr val="FFC000"/>
+                </a:solidFill>
+                <a:latin typeface="Courier New" panose="02070309020205020404" pitchFamily="49" charset="0"/>
+                <a:cs typeface="Courier New" panose="02070309020205020404" pitchFamily="49" charset="0"/>
+              </a:rPr>
+              <a:t>Landmark</a:t>
+            </a:r>
+            <a:r>
+              <a:rPr lang="en-US" sz="1800" b="1" dirty="0" smtClean="0">
+                <a:solidFill>
+                  <a:srgbClr val="FFC000"/>
+                </a:solidFill>
+                <a:latin typeface="Courier New" panose="02070309020205020404" pitchFamily="49" charset="0"/>
+                <a:cs typeface="Courier New" panose="02070309020205020404" pitchFamily="49" charset="0"/>
+              </a:rPr>
+              <a:t>&gt;</a:t>
+            </a:r>
+          </a:p>
+          <a:p>
+            <a:pPr marL="0" indent="0">
+              <a:spcBef>
+                <a:spcPts val="0"/>
+              </a:spcBef>
+              <a:buNone/>
+            </a:pPr>
+            <a:r>
+              <a:rPr lang="en-US" sz="1800" b="1" dirty="0" smtClean="0">
+                <a:solidFill>
+                  <a:srgbClr val="FFC000"/>
+                </a:solidFill>
+                <a:latin typeface="Courier New" panose="02070309020205020404" pitchFamily="49" charset="0"/>
+                <a:cs typeface="Courier New" panose="02070309020205020404" pitchFamily="49" charset="0"/>
+              </a:rPr>
+              <a:t>  …</a:t>
+            </a:r>
+            <a:endParaRPr lang="en-US" sz="1800" b="1" dirty="0">
+              <a:solidFill>
+                <a:srgbClr val="FFC000"/>
+              </a:solidFill>
+              <a:latin typeface="Courier New" panose="02070309020205020404" pitchFamily="49" charset="0"/>
+              <a:cs typeface="Courier New" panose="02070309020205020404" pitchFamily="49" charset="0"/>
+            </a:endParaRPr>
+          </a:p>
+        </p:txBody>
+      </p:sp>
+      <p:sp>
+        <p:nvSpPr>
+          <p:cNvPr id="6" name="Номер слайда 5"/>
+          <p:cNvSpPr>
+            <a:spLocks noGrp="1"/>
+          </p:cNvSpPr>
+          <p:nvPr>
+            <p:ph type="sldNum" sz="quarter" idx="12"/>
+          </p:nvPr>
+        </p:nvSpPr>
+        <p:spPr/>
+        <p:txBody>
+          <a:bodyPr/>
+          <a:lstStyle/>
+          <a:p>
+            <a:fld id="{C014DD1E-5D91-48A3-AD6D-45FBA980D106}" type="slidenum">
+              <a:rPr lang="ru-RU" noProof="0" smtClean="0"/>
+              <a:t>6</a:t>
+            </a:fld>
+            <a:endParaRPr lang="ru-RU" noProof="0" dirty="0"/>
+          </a:p>
+        </p:txBody>
+      </p:sp>
+      <p:sp>
+        <p:nvSpPr>
+          <p:cNvPr id="7" name="Объект 2"/>
+          <p:cNvSpPr txBox="1">
+            <a:spLocks/>
+          </p:cNvSpPr>
+          <p:nvPr/>
+        </p:nvSpPr>
+        <p:spPr>
+          <a:xfrm>
+            <a:off x="6814492" y="903922"/>
+            <a:ext cx="5472607" cy="6125477"/>
+          </a:xfrm>
+          <a:prstGeom prst="rect">
+            <a:avLst/>
+          </a:prstGeom>
+        </p:spPr>
+        <p:txBody>
+          <a:bodyPr vert="horz" lIns="121899" tIns="60949" rIns="121899" bIns="60949" rtlCol="0">
+            <a:noAutofit/>
+          </a:bodyPr>
+          <a:lstStyle>
+            <a:lvl1pPr marL="304747" indent="-304747" algn="l" defTabSz="1218987" rtl="0" eaLnBrk="1" latinLnBrk="0" hangingPunct="1">
+              <a:lnSpc>
+                <a:spcPct val="90000"/>
+              </a:lnSpc>
+              <a:spcBef>
+                <a:spcPts val="1600"/>
+              </a:spcBef>
+              <a:buClr>
+                <a:schemeClr val="accent1"/>
+              </a:buClr>
+              <a:buSzPct val="100000"/>
+              <a:buFont typeface="Arial" pitchFamily="34" charset="0"/>
+              <a:buChar char="•"/>
+              <a:defRPr sz="2800" kern="1200">
+                <a:solidFill>
+                  <a:schemeClr val="tx1"/>
+                </a:solidFill>
+                <a:latin typeface="+mn-lt"/>
+                <a:ea typeface="+mn-ea"/>
+                <a:cs typeface="+mn-cs"/>
+              </a:defRPr>
+            </a:lvl1pPr>
+            <a:lvl2pPr marL="609493" indent="-231607" algn="l" defTabSz="1218987" rtl="0" eaLnBrk="1" latinLnBrk="0" hangingPunct="1">
+              <a:lnSpc>
+                <a:spcPct val="90000"/>
+              </a:lnSpc>
+              <a:spcBef>
+                <a:spcPts val="800"/>
+              </a:spcBef>
+              <a:buClr>
+                <a:schemeClr val="accent1"/>
+              </a:buClr>
+              <a:buSzPct val="80000"/>
+              <a:buFont typeface="Arial" pitchFamily="34" charset="0"/>
+              <a:buChar char="•"/>
+              <a:defRPr sz="2400" kern="1200">
+                <a:solidFill>
+                  <a:schemeClr val="tx1"/>
+                </a:solidFill>
+                <a:latin typeface="+mn-lt"/>
+                <a:ea typeface="+mn-ea"/>
+                <a:cs typeface="+mn-cs"/>
+              </a:defRPr>
+            </a:lvl2pPr>
+            <a:lvl3pPr marL="914240" indent="-231607" algn="l" defTabSz="1218987" rtl="0" eaLnBrk="1" latinLnBrk="0" hangingPunct="1">
+              <a:lnSpc>
+                <a:spcPct val="90000"/>
+              </a:lnSpc>
+              <a:spcBef>
+                <a:spcPts val="800"/>
+              </a:spcBef>
+              <a:buClr>
+                <a:schemeClr val="accent1"/>
+              </a:buClr>
+              <a:buSzPct val="80000"/>
+              <a:buFont typeface="Arial" pitchFamily="34" charset="0"/>
+              <a:buChar char="•"/>
+              <a:defRPr sz="2000" kern="1200">
+                <a:solidFill>
+                  <a:schemeClr val="tx1"/>
+                </a:solidFill>
+                <a:latin typeface="+mn-lt"/>
+                <a:ea typeface="+mn-ea"/>
+                <a:cs typeface="+mn-cs"/>
+              </a:defRPr>
+            </a:lvl3pPr>
+            <a:lvl4pPr marL="1218987" indent="-231607" algn="l" defTabSz="1218987" rtl="0" eaLnBrk="1" latinLnBrk="0" hangingPunct="1">
+              <a:lnSpc>
+                <a:spcPct val="90000"/>
+              </a:lnSpc>
+              <a:spcBef>
+                <a:spcPts val="800"/>
+              </a:spcBef>
+              <a:buClr>
+                <a:schemeClr val="accent1"/>
+              </a:buClr>
+              <a:buSzPct val="80000"/>
+              <a:buFont typeface="Arial" pitchFamily="34" charset="0"/>
+              <a:buChar char="•"/>
+              <a:defRPr sz="2000" kern="1200">
+                <a:solidFill>
+                  <a:schemeClr val="tx1"/>
+                </a:solidFill>
+                <a:latin typeface="+mn-lt"/>
+                <a:ea typeface="+mn-ea"/>
+                <a:cs typeface="+mn-cs"/>
+              </a:defRPr>
+            </a:lvl4pPr>
+            <a:lvl5pPr marL="1523733" indent="-231607" algn="l" defTabSz="1218987" rtl="0" eaLnBrk="1" latinLnBrk="0" hangingPunct="1">
+              <a:lnSpc>
+                <a:spcPct val="90000"/>
+              </a:lnSpc>
+              <a:spcBef>
+                <a:spcPts val="800"/>
+              </a:spcBef>
+              <a:buClr>
+                <a:schemeClr val="accent1"/>
+              </a:buClr>
+              <a:buSzPct val="80000"/>
+              <a:buFont typeface="Arial" pitchFamily="34" charset="0"/>
+              <a:buChar char="•"/>
+              <a:defRPr sz="2000" kern="1200">
+                <a:solidFill>
+                  <a:schemeClr val="tx1"/>
+                </a:solidFill>
+                <a:latin typeface="+mn-lt"/>
+                <a:ea typeface="+mn-ea"/>
+                <a:cs typeface="+mn-cs"/>
+              </a:defRPr>
+            </a:lvl5pPr>
+            <a:lvl6pPr marL="1828480" indent="-231607" algn="l" defTabSz="1218987" rtl="0" eaLnBrk="1" latinLnBrk="0" hangingPunct="1">
+              <a:lnSpc>
+                <a:spcPct val="90000"/>
+              </a:lnSpc>
+              <a:spcBef>
+                <a:spcPts val="800"/>
+              </a:spcBef>
+              <a:buClr>
+                <a:schemeClr val="accent1"/>
+              </a:buClr>
+              <a:buSzPct val="80000"/>
+              <a:buFont typeface="Arial" pitchFamily="34" charset="0"/>
+              <a:buChar char="•"/>
+              <a:defRPr sz="2000" kern="1200">
+                <a:solidFill>
+                  <a:schemeClr val="tx1"/>
+                </a:solidFill>
+                <a:latin typeface="+mn-lt"/>
+                <a:ea typeface="+mn-ea"/>
+                <a:cs typeface="+mn-cs"/>
+              </a:defRPr>
+            </a:lvl6pPr>
+            <a:lvl7pPr marL="2133227" indent="-231607" algn="l" defTabSz="1218987" rtl="0" eaLnBrk="1" latinLnBrk="0" hangingPunct="1">
+              <a:lnSpc>
+                <a:spcPct val="90000"/>
+              </a:lnSpc>
+              <a:spcBef>
+                <a:spcPts val="800"/>
+              </a:spcBef>
+              <a:buClr>
+                <a:schemeClr val="accent1"/>
+              </a:buClr>
+              <a:buSzPct val="80000"/>
+              <a:buFont typeface="Arial" pitchFamily="34" charset="0"/>
+              <a:buChar char="•"/>
+              <a:defRPr sz="2000" kern="1200">
+                <a:solidFill>
+                  <a:schemeClr val="tx1"/>
+                </a:solidFill>
+                <a:latin typeface="+mn-lt"/>
+                <a:ea typeface="+mn-ea"/>
+                <a:cs typeface="+mn-cs"/>
+              </a:defRPr>
+            </a:lvl7pPr>
+            <a:lvl8pPr marL="2437973" indent="-231607" algn="l" defTabSz="1218987" rtl="0" eaLnBrk="1" latinLnBrk="0" hangingPunct="1">
+              <a:lnSpc>
+                <a:spcPct val="90000"/>
+              </a:lnSpc>
+              <a:spcBef>
+                <a:spcPts val="800"/>
+              </a:spcBef>
+              <a:buClr>
+                <a:schemeClr val="accent1"/>
+              </a:buClr>
+              <a:buSzPct val="80000"/>
+              <a:buFont typeface="Arial" pitchFamily="34" charset="0"/>
+              <a:buChar char="•"/>
+              <a:defRPr sz="2000" kern="1200" baseline="0">
+                <a:solidFill>
+                  <a:schemeClr val="tx1"/>
+                </a:solidFill>
+                <a:latin typeface="+mn-lt"/>
+                <a:ea typeface="+mn-ea"/>
+                <a:cs typeface="+mn-cs"/>
+              </a:defRPr>
+            </a:lvl8pPr>
+            <a:lvl9pPr marL="2742720" indent="-231607" algn="l" defTabSz="1218987" rtl="0" eaLnBrk="1" latinLnBrk="0" hangingPunct="1">
+              <a:lnSpc>
+                <a:spcPct val="90000"/>
+              </a:lnSpc>
+              <a:spcBef>
+                <a:spcPts val="800"/>
+              </a:spcBef>
+              <a:buClr>
+                <a:schemeClr val="accent1"/>
+              </a:buClr>
+              <a:buSzPct val="80000"/>
+              <a:buFont typeface="Arial" pitchFamily="34" charset="0"/>
+              <a:buChar char="•"/>
+              <a:defRPr sz="2000" kern="1200" baseline="0">
+                <a:solidFill>
+                  <a:schemeClr val="tx1"/>
+                </a:solidFill>
+                <a:latin typeface="+mn-lt"/>
+                <a:ea typeface="+mn-ea"/>
+                <a:cs typeface="+mn-cs"/>
+              </a:defRPr>
+            </a:lvl9pPr>
+          </a:lstStyle>
+          <a:p>
+            <a:pPr marL="0" indent="0">
+              <a:spcBef>
+                <a:spcPts val="0"/>
+              </a:spcBef>
+              <a:buFont typeface="Arial" pitchFamily="34" charset="0"/>
+              <a:buNone/>
+            </a:pPr>
+            <a:r>
+              <a:rPr lang="en-US" sz="1800" b="1" dirty="0" smtClean="0">
+                <a:solidFill>
+                  <a:srgbClr val="FFC000"/>
+                </a:solidFill>
+                <a:latin typeface="Courier New" panose="02070309020205020404" pitchFamily="49" charset="0"/>
+                <a:cs typeface="Courier New" panose="02070309020205020404" pitchFamily="49" charset="0"/>
+              </a:rPr>
+              <a:t>  …</a:t>
+            </a:r>
+          </a:p>
+          <a:p>
+            <a:pPr marL="0" indent="0">
+              <a:spcBef>
+                <a:spcPts val="0"/>
+              </a:spcBef>
+              <a:buFont typeface="Arial" pitchFamily="34" charset="0"/>
+              <a:buNone/>
+            </a:pPr>
+            <a:r>
+              <a:rPr lang="en-US" sz="1800" b="1" dirty="0">
+                <a:solidFill>
+                  <a:srgbClr val="FFC000"/>
+                </a:solidFill>
+                <a:latin typeface="Courier New" panose="02070309020205020404" pitchFamily="49" charset="0"/>
+                <a:cs typeface="Courier New" panose="02070309020205020404" pitchFamily="49" charset="0"/>
+              </a:rPr>
+              <a:t> </a:t>
+            </a:r>
+            <a:r>
+              <a:rPr lang="en-US" sz="1800" b="1" dirty="0" smtClean="0">
+                <a:solidFill>
+                  <a:srgbClr val="FFC000"/>
+                </a:solidFill>
+                <a:latin typeface="Courier New" panose="02070309020205020404" pitchFamily="49" charset="0"/>
+                <a:cs typeface="Courier New" panose="02070309020205020404" pitchFamily="49" charset="0"/>
+              </a:rPr>
+              <a:t> &lt;Yaw&gt;</a:t>
+            </a:r>
+            <a:r>
+              <a:rPr lang="en-US" sz="1800" b="1" dirty="0" smtClean="0">
+                <a:latin typeface="Courier New" panose="02070309020205020404" pitchFamily="49" charset="0"/>
+                <a:cs typeface="Courier New" panose="02070309020205020404" pitchFamily="49" charset="0"/>
+              </a:rPr>
+              <a:t>-0.641311</a:t>
+            </a:r>
+            <a:r>
+              <a:rPr lang="en-US" sz="1800" b="1" dirty="0" smtClean="0">
+                <a:solidFill>
+                  <a:srgbClr val="FFC000"/>
+                </a:solidFill>
+                <a:latin typeface="Courier New" panose="02070309020205020404" pitchFamily="49" charset="0"/>
+                <a:cs typeface="Courier New" panose="02070309020205020404" pitchFamily="49" charset="0"/>
+              </a:rPr>
+              <a:t>&lt;/Yaw&gt;</a:t>
+            </a:r>
+          </a:p>
+          <a:p>
+            <a:pPr marL="0" indent="0">
+              <a:spcBef>
+                <a:spcPts val="0"/>
+              </a:spcBef>
+              <a:buFont typeface="Arial" pitchFamily="34" charset="0"/>
+              <a:buNone/>
+            </a:pPr>
+            <a:r>
+              <a:rPr lang="en-US" sz="1800" b="1" dirty="0" smtClean="0">
+                <a:solidFill>
+                  <a:srgbClr val="FFC000"/>
+                </a:solidFill>
+                <a:latin typeface="Courier New" panose="02070309020205020404" pitchFamily="49" charset="0"/>
+                <a:cs typeface="Courier New" panose="02070309020205020404" pitchFamily="49" charset="0"/>
+              </a:rPr>
+              <a:t>  &lt;Pitch&gt;</a:t>
+            </a:r>
+            <a:r>
+              <a:rPr lang="en-US" sz="1800" b="1" dirty="0" smtClean="0">
+                <a:latin typeface="Courier New" panose="02070309020205020404" pitchFamily="49" charset="0"/>
+                <a:cs typeface="Courier New" panose="02070309020205020404" pitchFamily="49" charset="0"/>
+              </a:rPr>
+              <a:t>-0.965361</a:t>
+            </a:r>
+            <a:r>
+              <a:rPr lang="en-US" sz="1800" b="1" dirty="0" smtClean="0">
+                <a:solidFill>
+                  <a:srgbClr val="FFC000"/>
+                </a:solidFill>
+                <a:latin typeface="Courier New" panose="02070309020205020404" pitchFamily="49" charset="0"/>
+                <a:cs typeface="Courier New" panose="02070309020205020404" pitchFamily="49" charset="0"/>
+              </a:rPr>
+              <a:t>&lt;/Pitch&gt;</a:t>
+            </a:r>
+          </a:p>
+          <a:p>
+            <a:pPr marL="0" indent="0">
+              <a:spcBef>
+                <a:spcPts val="0"/>
+              </a:spcBef>
+              <a:buFont typeface="Arial" pitchFamily="34" charset="0"/>
+              <a:buNone/>
+            </a:pPr>
+            <a:r>
+              <a:rPr lang="en-US" sz="1800" b="1" dirty="0" smtClean="0">
+                <a:solidFill>
+                  <a:srgbClr val="FFC000"/>
+                </a:solidFill>
+                <a:latin typeface="Courier New" panose="02070309020205020404" pitchFamily="49" charset="0"/>
+                <a:cs typeface="Courier New" panose="02070309020205020404" pitchFamily="49" charset="0"/>
+              </a:rPr>
+              <a:t>  &lt;Roll&gt;</a:t>
+            </a:r>
+            <a:r>
+              <a:rPr lang="en-US" sz="1800" b="1" dirty="0" smtClean="0">
+                <a:latin typeface="Courier New" panose="02070309020205020404" pitchFamily="49" charset="0"/>
+                <a:cs typeface="Courier New" panose="02070309020205020404" pitchFamily="49" charset="0"/>
+              </a:rPr>
+              <a:t>6.649949</a:t>
+            </a:r>
+            <a:r>
+              <a:rPr lang="en-US" sz="1800" b="1" dirty="0" smtClean="0">
+                <a:solidFill>
+                  <a:srgbClr val="FFC000"/>
+                </a:solidFill>
+                <a:latin typeface="Courier New" panose="02070309020205020404" pitchFamily="49" charset="0"/>
+                <a:cs typeface="Courier New" panose="02070309020205020404" pitchFamily="49" charset="0"/>
+              </a:rPr>
+              <a:t>&lt;/Roll&gt;</a:t>
+            </a:r>
+          </a:p>
+          <a:p>
+            <a:pPr marL="0" indent="0">
+              <a:spcBef>
+                <a:spcPts val="0"/>
+              </a:spcBef>
+              <a:buFont typeface="Arial" pitchFamily="34" charset="0"/>
+              <a:buNone/>
+            </a:pPr>
+            <a:r>
+              <a:rPr lang="en-US" sz="1800" b="1" dirty="0" smtClean="0">
+                <a:solidFill>
+                  <a:srgbClr val="FFC000"/>
+                </a:solidFill>
+                <a:latin typeface="Courier New" panose="02070309020205020404" pitchFamily="49" charset="0"/>
+                <a:cs typeface="Courier New" panose="02070309020205020404" pitchFamily="49" charset="0"/>
+              </a:rPr>
+              <a:t>  &lt;</a:t>
+            </a:r>
+            <a:r>
+              <a:rPr lang="en-US" sz="1800" b="1" dirty="0" err="1" smtClean="0">
+                <a:solidFill>
+                  <a:srgbClr val="FFC000"/>
+                </a:solidFill>
+                <a:latin typeface="Courier New" panose="02070309020205020404" pitchFamily="49" charset="0"/>
+                <a:cs typeface="Courier New" panose="02070309020205020404" pitchFamily="49" charset="0"/>
+              </a:rPr>
+              <a:t>HeadX</a:t>
+            </a:r>
+            <a:r>
+              <a:rPr lang="en-US" sz="1800" b="1" dirty="0" smtClean="0">
+                <a:solidFill>
+                  <a:srgbClr val="FFC000"/>
+                </a:solidFill>
+                <a:latin typeface="Courier New" panose="02070309020205020404" pitchFamily="49" charset="0"/>
+                <a:cs typeface="Courier New" panose="02070309020205020404" pitchFamily="49" charset="0"/>
+              </a:rPr>
+              <a:t>&gt;</a:t>
+            </a:r>
+            <a:r>
+              <a:rPr lang="en-US" sz="1800" b="1" dirty="0" smtClean="0">
+                <a:latin typeface="Courier New" panose="02070309020205020404" pitchFamily="49" charset="0"/>
+                <a:cs typeface="Courier New" panose="02070309020205020404" pitchFamily="49" charset="0"/>
+              </a:rPr>
+              <a:t>-7.352272</a:t>
+            </a:r>
+            <a:r>
+              <a:rPr lang="en-US" sz="1800" b="1" dirty="0" smtClean="0">
+                <a:solidFill>
+                  <a:srgbClr val="FFC000"/>
+                </a:solidFill>
+                <a:latin typeface="Courier New" panose="02070309020205020404" pitchFamily="49" charset="0"/>
+                <a:cs typeface="Courier New" panose="02070309020205020404" pitchFamily="49" charset="0"/>
+              </a:rPr>
+              <a:t>&lt;/</a:t>
+            </a:r>
+            <a:r>
+              <a:rPr lang="en-US" sz="1800" b="1" dirty="0" err="1" smtClean="0">
+                <a:solidFill>
+                  <a:srgbClr val="FFC000"/>
+                </a:solidFill>
+                <a:latin typeface="Courier New" panose="02070309020205020404" pitchFamily="49" charset="0"/>
+                <a:cs typeface="Courier New" panose="02070309020205020404" pitchFamily="49" charset="0"/>
+              </a:rPr>
+              <a:t>HeadX</a:t>
+            </a:r>
+            <a:r>
+              <a:rPr lang="en-US" sz="1800" b="1" dirty="0" smtClean="0">
+                <a:solidFill>
+                  <a:srgbClr val="FFC000"/>
+                </a:solidFill>
+                <a:latin typeface="Courier New" panose="02070309020205020404" pitchFamily="49" charset="0"/>
+                <a:cs typeface="Courier New" panose="02070309020205020404" pitchFamily="49" charset="0"/>
+              </a:rPr>
+              <a:t>&gt;</a:t>
+            </a:r>
+          </a:p>
+          <a:p>
+            <a:pPr marL="0" indent="0">
+              <a:spcBef>
+                <a:spcPts val="0"/>
+              </a:spcBef>
+              <a:buFont typeface="Arial" pitchFamily="34" charset="0"/>
+              <a:buNone/>
+            </a:pPr>
+            <a:r>
+              <a:rPr lang="en-US" sz="1800" b="1" dirty="0" smtClean="0">
+                <a:solidFill>
+                  <a:srgbClr val="FFC000"/>
+                </a:solidFill>
+                <a:latin typeface="Courier New" panose="02070309020205020404" pitchFamily="49" charset="0"/>
+                <a:cs typeface="Courier New" panose="02070309020205020404" pitchFamily="49" charset="0"/>
+              </a:rPr>
+              <a:t>  &lt;</a:t>
+            </a:r>
+            <a:r>
+              <a:rPr lang="en-US" sz="1800" b="1" dirty="0" err="1" smtClean="0">
+                <a:solidFill>
+                  <a:srgbClr val="FFC000"/>
+                </a:solidFill>
+                <a:latin typeface="Courier New" panose="02070309020205020404" pitchFamily="49" charset="0"/>
+                <a:cs typeface="Courier New" panose="02070309020205020404" pitchFamily="49" charset="0"/>
+              </a:rPr>
+              <a:t>HeadY</a:t>
+            </a:r>
+            <a:r>
+              <a:rPr lang="en-US" sz="1800" b="1" dirty="0" smtClean="0">
+                <a:solidFill>
+                  <a:srgbClr val="FFC000"/>
+                </a:solidFill>
+                <a:latin typeface="Courier New" panose="02070309020205020404" pitchFamily="49" charset="0"/>
+                <a:cs typeface="Courier New" panose="02070309020205020404" pitchFamily="49" charset="0"/>
+              </a:rPr>
+              <a:t>&gt;</a:t>
+            </a:r>
+            <a:r>
+              <a:rPr lang="en-US" sz="1800" b="1" dirty="0" smtClean="0">
+                <a:latin typeface="Courier New" panose="02070309020205020404" pitchFamily="49" charset="0"/>
+                <a:cs typeface="Courier New" panose="02070309020205020404" pitchFamily="49" charset="0"/>
+              </a:rPr>
+              <a:t>-41.289234</a:t>
+            </a:r>
+            <a:r>
+              <a:rPr lang="en-US" sz="1800" b="1" dirty="0" smtClean="0">
+                <a:solidFill>
+                  <a:srgbClr val="FFC000"/>
+                </a:solidFill>
+                <a:latin typeface="Courier New" panose="02070309020205020404" pitchFamily="49" charset="0"/>
+                <a:cs typeface="Courier New" panose="02070309020205020404" pitchFamily="49" charset="0"/>
+              </a:rPr>
+              <a:t>&lt;/</a:t>
+            </a:r>
+            <a:r>
+              <a:rPr lang="en-US" sz="1800" b="1" dirty="0" err="1" smtClean="0">
+                <a:solidFill>
+                  <a:srgbClr val="FFC000"/>
+                </a:solidFill>
+                <a:latin typeface="Courier New" panose="02070309020205020404" pitchFamily="49" charset="0"/>
+                <a:cs typeface="Courier New" panose="02070309020205020404" pitchFamily="49" charset="0"/>
+              </a:rPr>
+              <a:t>HeadY</a:t>
+            </a:r>
+            <a:r>
+              <a:rPr lang="en-US" sz="1800" b="1" dirty="0" smtClean="0">
+                <a:solidFill>
+                  <a:srgbClr val="FFC000"/>
+                </a:solidFill>
+                <a:latin typeface="Courier New" panose="02070309020205020404" pitchFamily="49" charset="0"/>
+                <a:cs typeface="Courier New" panose="02070309020205020404" pitchFamily="49" charset="0"/>
+              </a:rPr>
+              <a:t>&gt;</a:t>
+            </a:r>
+          </a:p>
+          <a:p>
+            <a:pPr marL="0" indent="0">
+              <a:spcBef>
+                <a:spcPts val="0"/>
+              </a:spcBef>
+              <a:buFont typeface="Arial" pitchFamily="34" charset="0"/>
+              <a:buNone/>
+            </a:pPr>
+            <a:r>
+              <a:rPr lang="en-US" sz="1800" b="1" dirty="0" smtClean="0">
+                <a:solidFill>
+                  <a:srgbClr val="FFC000"/>
+                </a:solidFill>
+                <a:latin typeface="Courier New" panose="02070309020205020404" pitchFamily="49" charset="0"/>
+                <a:cs typeface="Courier New" panose="02070309020205020404" pitchFamily="49" charset="0"/>
+              </a:rPr>
+              <a:t>  &lt;</a:t>
+            </a:r>
+            <a:r>
+              <a:rPr lang="en-US" sz="1800" b="1" dirty="0" err="1" smtClean="0">
+                <a:solidFill>
+                  <a:srgbClr val="FFC000"/>
+                </a:solidFill>
+                <a:latin typeface="Courier New" panose="02070309020205020404" pitchFamily="49" charset="0"/>
+                <a:cs typeface="Courier New" panose="02070309020205020404" pitchFamily="49" charset="0"/>
+              </a:rPr>
+              <a:t>HeadZ</a:t>
+            </a:r>
+            <a:r>
+              <a:rPr lang="en-US" sz="1800" b="1" dirty="0" smtClean="0">
+                <a:solidFill>
+                  <a:srgbClr val="FFC000"/>
+                </a:solidFill>
+                <a:latin typeface="Courier New" panose="02070309020205020404" pitchFamily="49" charset="0"/>
+                <a:cs typeface="Courier New" panose="02070309020205020404" pitchFamily="49" charset="0"/>
+              </a:rPr>
+              <a:t>&gt;</a:t>
+            </a:r>
+            <a:r>
+              <a:rPr lang="en-US" sz="1800" b="1" dirty="0" smtClean="0">
+                <a:latin typeface="Courier New" panose="02070309020205020404" pitchFamily="49" charset="0"/>
+                <a:cs typeface="Courier New" panose="02070309020205020404" pitchFamily="49" charset="0"/>
+              </a:rPr>
+              <a:t>588.979553</a:t>
+            </a:r>
+            <a:r>
+              <a:rPr lang="en-US" sz="1800" b="1" dirty="0" smtClean="0">
+                <a:solidFill>
+                  <a:srgbClr val="FFC000"/>
+                </a:solidFill>
+                <a:latin typeface="Courier New" panose="02070309020205020404" pitchFamily="49" charset="0"/>
+                <a:cs typeface="Courier New" panose="02070309020205020404" pitchFamily="49" charset="0"/>
+              </a:rPr>
+              <a:t>&lt;/</a:t>
+            </a:r>
+            <a:r>
+              <a:rPr lang="en-US" sz="1800" b="1" dirty="0" err="1" smtClean="0">
+                <a:solidFill>
+                  <a:srgbClr val="FFC000"/>
+                </a:solidFill>
+                <a:latin typeface="Courier New" panose="02070309020205020404" pitchFamily="49" charset="0"/>
+                <a:cs typeface="Courier New" panose="02070309020205020404" pitchFamily="49" charset="0"/>
+              </a:rPr>
+              <a:t>HeadZ</a:t>
+            </a:r>
+            <a:r>
+              <a:rPr lang="en-US" sz="1800" b="1" dirty="0" smtClean="0">
+                <a:solidFill>
+                  <a:srgbClr val="FFC000"/>
+                </a:solidFill>
+                <a:latin typeface="Courier New" panose="02070309020205020404" pitchFamily="49" charset="0"/>
+                <a:cs typeface="Courier New" panose="02070309020205020404" pitchFamily="49" charset="0"/>
+              </a:rPr>
+              <a:t>&gt;</a:t>
+            </a:r>
+          </a:p>
+          <a:p>
+            <a:pPr marL="0" indent="0">
+              <a:spcBef>
+                <a:spcPts val="0"/>
+              </a:spcBef>
+              <a:buFont typeface="Arial" pitchFamily="34" charset="0"/>
+              <a:buNone/>
+            </a:pPr>
+            <a:r>
+              <a:rPr lang="en-US" sz="1800" b="1" dirty="0" smtClean="0">
+                <a:solidFill>
+                  <a:srgbClr val="FFC000"/>
+                </a:solidFill>
+                <a:latin typeface="Courier New" panose="02070309020205020404" pitchFamily="49" charset="0"/>
+                <a:cs typeface="Courier New" panose="02070309020205020404" pitchFamily="49" charset="0"/>
+              </a:rPr>
+              <a:t>  &lt;Pulse&gt;</a:t>
+            </a:r>
+            <a:r>
+              <a:rPr lang="en-US" sz="1800" b="1" dirty="0" smtClean="0">
+                <a:latin typeface="Courier New" panose="02070309020205020404" pitchFamily="49" charset="0"/>
+                <a:cs typeface="Courier New" panose="02070309020205020404" pitchFamily="49" charset="0"/>
+              </a:rPr>
+              <a:t>88.608482</a:t>
+            </a:r>
+            <a:r>
+              <a:rPr lang="en-US" sz="1800" b="1" dirty="0" smtClean="0">
+                <a:solidFill>
+                  <a:srgbClr val="FFC000"/>
+                </a:solidFill>
+                <a:latin typeface="Courier New" panose="02070309020205020404" pitchFamily="49" charset="0"/>
+                <a:cs typeface="Courier New" panose="02070309020205020404" pitchFamily="49" charset="0"/>
+              </a:rPr>
+              <a:t>&lt;/Pulse&gt;</a:t>
+            </a:r>
+          </a:p>
+          <a:p>
+            <a:pPr marL="0" indent="0">
+              <a:spcBef>
+                <a:spcPts val="0"/>
+              </a:spcBef>
+              <a:buFont typeface="Arial" pitchFamily="34" charset="0"/>
+              <a:buNone/>
+            </a:pPr>
+            <a:r>
+              <a:rPr lang="en-US" sz="1800" b="1" dirty="0" smtClean="0">
+                <a:solidFill>
+                  <a:srgbClr val="FFC000"/>
+                </a:solidFill>
+                <a:latin typeface="Courier New" panose="02070309020205020404" pitchFamily="49" charset="0"/>
+                <a:cs typeface="Courier New" panose="02070309020205020404" pitchFamily="49" charset="0"/>
+              </a:rPr>
+              <a:t>  &lt;Gaze&gt;</a:t>
+            </a:r>
+            <a:r>
+              <a:rPr lang="en-US" sz="1800" b="1" dirty="0" smtClean="0">
+                <a:latin typeface="Courier New" panose="02070309020205020404" pitchFamily="49" charset="0"/>
+                <a:cs typeface="Courier New" panose="02070309020205020404" pitchFamily="49" charset="0"/>
+              </a:rPr>
+              <a:t>78.696925 171.614583</a:t>
+            </a:r>
+            <a:r>
+              <a:rPr lang="en-US" sz="1800" b="1" dirty="0" smtClean="0">
+                <a:solidFill>
+                  <a:srgbClr val="FFC000"/>
+                </a:solidFill>
+                <a:latin typeface="Courier New" panose="02070309020205020404" pitchFamily="49" charset="0"/>
+                <a:cs typeface="Courier New" panose="02070309020205020404" pitchFamily="49" charset="0"/>
+              </a:rPr>
+              <a:t>&lt;/Gaze&gt;</a:t>
+            </a:r>
+          </a:p>
+          <a:p>
+            <a:pPr marL="0" indent="0">
+              <a:spcBef>
+                <a:spcPts val="0"/>
+              </a:spcBef>
+              <a:buFont typeface="Arial" pitchFamily="34" charset="0"/>
+              <a:buNone/>
+            </a:pPr>
+            <a:r>
+              <a:rPr lang="en-US" sz="1800" b="1" dirty="0" smtClean="0">
+                <a:solidFill>
+                  <a:srgbClr val="FFC000"/>
+                </a:solidFill>
+                <a:latin typeface="Courier New" panose="02070309020205020404" pitchFamily="49" charset="0"/>
+                <a:cs typeface="Courier New" panose="02070309020205020404" pitchFamily="49" charset="0"/>
+              </a:rPr>
+              <a:t>&lt;/Face&gt;</a:t>
+            </a:r>
+          </a:p>
+          <a:p>
+            <a:pPr marL="0" indent="0">
+              <a:spcBef>
+                <a:spcPts val="0"/>
+              </a:spcBef>
+              <a:buNone/>
+            </a:pPr>
+            <a:r>
+              <a:rPr lang="en-US" sz="1800" b="1" dirty="0" smtClean="0">
+                <a:solidFill>
+                  <a:srgbClr val="FFC000"/>
+                </a:solidFill>
+                <a:latin typeface="Courier New" panose="02070309020205020404" pitchFamily="49" charset="0"/>
+                <a:cs typeface="Courier New" panose="02070309020205020404" pitchFamily="49" charset="0"/>
+              </a:rPr>
+              <a:t>&lt;Person </a:t>
+            </a:r>
+            <a:r>
+              <a:rPr lang="en-US" sz="1800" b="1" dirty="0">
+                <a:solidFill>
+                  <a:srgbClr val="FF0000"/>
+                </a:solidFill>
+                <a:latin typeface="Courier New" panose="02070309020205020404" pitchFamily="49" charset="0"/>
+                <a:cs typeface="Courier New" panose="02070309020205020404" pitchFamily="49" charset="0"/>
+              </a:rPr>
+              <a:t>id</a:t>
+            </a:r>
+            <a:r>
+              <a:rPr lang="en-US" sz="1800" b="1" dirty="0">
+                <a:solidFill>
+                  <a:srgbClr val="FFC000"/>
+                </a:solidFill>
+                <a:latin typeface="Courier New" panose="02070309020205020404" pitchFamily="49" charset="0"/>
+                <a:cs typeface="Courier New" panose="02070309020205020404" pitchFamily="49" charset="0"/>
+              </a:rPr>
+              <a:t>="</a:t>
+            </a:r>
+            <a:r>
+              <a:rPr lang="en-US" sz="1800" b="1" dirty="0">
+                <a:solidFill>
+                  <a:srgbClr val="7030A0"/>
+                </a:solidFill>
+                <a:latin typeface="Courier New" panose="02070309020205020404" pitchFamily="49" charset="0"/>
+                <a:cs typeface="Courier New" panose="02070309020205020404" pitchFamily="49" charset="0"/>
+              </a:rPr>
+              <a:t>0</a:t>
+            </a:r>
+            <a:r>
+              <a:rPr lang="en-US" sz="1800" b="1" dirty="0" smtClean="0">
+                <a:solidFill>
+                  <a:srgbClr val="FFC000"/>
+                </a:solidFill>
+                <a:latin typeface="Courier New" panose="02070309020205020404" pitchFamily="49" charset="0"/>
+                <a:cs typeface="Courier New" panose="02070309020205020404" pitchFamily="49" charset="0"/>
+              </a:rPr>
+              <a:t>"&gt;</a:t>
+            </a:r>
+          </a:p>
+          <a:p>
+            <a:pPr marL="0" indent="0">
+              <a:spcBef>
+                <a:spcPts val="0"/>
+              </a:spcBef>
+              <a:buNone/>
+            </a:pPr>
+            <a:r>
+              <a:rPr lang="en-US" sz="1800" b="1" dirty="0" smtClean="0">
+                <a:solidFill>
+                  <a:srgbClr val="FFC000"/>
+                </a:solidFill>
+                <a:latin typeface="Courier New" panose="02070309020205020404" pitchFamily="49" charset="0"/>
+                <a:cs typeface="Courier New" panose="02070309020205020404" pitchFamily="49" charset="0"/>
+              </a:rPr>
+              <a:t>  &lt;</a:t>
+            </a:r>
+            <a:r>
+              <a:rPr lang="en-US" sz="1800" b="1" dirty="0">
+                <a:solidFill>
+                  <a:srgbClr val="FFC000"/>
+                </a:solidFill>
+                <a:latin typeface="Courier New" panose="02070309020205020404" pitchFamily="49" charset="0"/>
+                <a:cs typeface="Courier New" panose="02070309020205020404" pitchFamily="49" charset="0"/>
+              </a:rPr>
+              <a:t>Neutral&gt;</a:t>
+            </a:r>
+            <a:r>
+              <a:rPr lang="en-US" sz="1800" b="1" dirty="0">
+                <a:latin typeface="Courier New" panose="02070309020205020404" pitchFamily="49" charset="0"/>
+                <a:cs typeface="Courier New" panose="02070309020205020404" pitchFamily="49" charset="0"/>
+              </a:rPr>
+              <a:t>858993460</a:t>
+            </a:r>
+            <a:r>
+              <a:rPr lang="en-US" sz="1800" b="1" dirty="0">
+                <a:solidFill>
+                  <a:srgbClr val="FFC000"/>
+                </a:solidFill>
+                <a:latin typeface="Courier New" panose="02070309020205020404" pitchFamily="49" charset="0"/>
+                <a:cs typeface="Courier New" panose="02070309020205020404" pitchFamily="49" charset="0"/>
+              </a:rPr>
+              <a:t>&lt;/Neutral</a:t>
+            </a:r>
+            <a:r>
+              <a:rPr lang="en-US" sz="1800" b="1" dirty="0" smtClean="0">
+                <a:solidFill>
+                  <a:srgbClr val="FFC000"/>
+                </a:solidFill>
+                <a:latin typeface="Courier New" panose="02070309020205020404" pitchFamily="49" charset="0"/>
+                <a:cs typeface="Courier New" panose="02070309020205020404" pitchFamily="49" charset="0"/>
+              </a:rPr>
+              <a:t>&gt;</a:t>
+            </a:r>
+          </a:p>
+          <a:p>
+            <a:pPr marL="0" indent="0">
+              <a:spcBef>
+                <a:spcPts val="0"/>
+              </a:spcBef>
+              <a:buNone/>
+            </a:pPr>
+            <a:r>
+              <a:rPr lang="en-US" sz="1800" b="1" dirty="0" smtClean="0">
+                <a:solidFill>
+                  <a:srgbClr val="FFC000"/>
+                </a:solidFill>
+                <a:latin typeface="Courier New" panose="02070309020205020404" pitchFamily="49" charset="0"/>
+                <a:cs typeface="Courier New" panose="02070309020205020404" pitchFamily="49" charset="0"/>
+              </a:rPr>
+              <a:t>  &lt;Happiness&gt;</a:t>
+            </a:r>
+            <a:r>
+              <a:rPr lang="en-US" sz="1800" b="1" dirty="0" smtClean="0">
+                <a:latin typeface="Courier New" panose="02070309020205020404" pitchFamily="49" charset="0"/>
+                <a:cs typeface="Courier New" panose="02070309020205020404" pitchFamily="49" charset="0"/>
+              </a:rPr>
+              <a:t>858993460</a:t>
+            </a:r>
+            <a:r>
+              <a:rPr lang="en-US" sz="1800" b="1" dirty="0">
+                <a:solidFill>
+                  <a:srgbClr val="FFC000"/>
+                </a:solidFill>
+                <a:latin typeface="Courier New" panose="02070309020205020404" pitchFamily="49" charset="0"/>
+                <a:cs typeface="Courier New" panose="02070309020205020404" pitchFamily="49" charset="0"/>
+              </a:rPr>
+              <a:t>&lt;/Happiness&gt;</a:t>
+            </a:r>
+          </a:p>
+          <a:p>
+            <a:pPr marL="0" indent="0">
+              <a:spcBef>
+                <a:spcPts val="0"/>
+              </a:spcBef>
+              <a:buNone/>
+            </a:pPr>
+            <a:r>
+              <a:rPr lang="en-US" sz="1800" b="1" dirty="0" smtClean="0">
+                <a:solidFill>
+                  <a:srgbClr val="FFC000"/>
+                </a:solidFill>
+                <a:latin typeface="Courier New" panose="02070309020205020404" pitchFamily="49" charset="0"/>
+                <a:cs typeface="Courier New" panose="02070309020205020404" pitchFamily="49" charset="0"/>
+              </a:rPr>
+              <a:t>  &lt;</a:t>
+            </a:r>
+            <a:r>
+              <a:rPr lang="en-US" sz="1800" b="1" dirty="0">
+                <a:solidFill>
+                  <a:srgbClr val="FFC000"/>
+                </a:solidFill>
+                <a:latin typeface="Courier New" panose="02070309020205020404" pitchFamily="49" charset="0"/>
+                <a:cs typeface="Courier New" panose="02070309020205020404" pitchFamily="49" charset="0"/>
+              </a:rPr>
+              <a:t>Sadness&gt;</a:t>
+            </a:r>
+            <a:r>
+              <a:rPr lang="en-US" sz="1800" b="1" dirty="0">
+                <a:latin typeface="Courier New" panose="02070309020205020404" pitchFamily="49" charset="0"/>
+                <a:cs typeface="Courier New" panose="02070309020205020404" pitchFamily="49" charset="0"/>
+              </a:rPr>
+              <a:t>858993460</a:t>
+            </a:r>
+            <a:r>
+              <a:rPr lang="en-US" sz="1800" b="1" dirty="0">
+                <a:solidFill>
+                  <a:srgbClr val="FFC000"/>
+                </a:solidFill>
+                <a:latin typeface="Courier New" panose="02070309020205020404" pitchFamily="49" charset="0"/>
+                <a:cs typeface="Courier New" panose="02070309020205020404" pitchFamily="49" charset="0"/>
+              </a:rPr>
+              <a:t>&lt;/Sadness&gt;</a:t>
+            </a:r>
+          </a:p>
+          <a:p>
+            <a:pPr marL="0" indent="0">
+              <a:spcBef>
+                <a:spcPts val="0"/>
+              </a:spcBef>
+              <a:buNone/>
+            </a:pPr>
+            <a:r>
+              <a:rPr lang="en-US" sz="1800" b="1" dirty="0" smtClean="0">
+                <a:solidFill>
+                  <a:srgbClr val="FFC000"/>
+                </a:solidFill>
+                <a:latin typeface="Courier New" panose="02070309020205020404" pitchFamily="49" charset="0"/>
+                <a:cs typeface="Courier New" panose="02070309020205020404" pitchFamily="49" charset="0"/>
+              </a:rPr>
+              <a:t>  &lt;</a:t>
+            </a:r>
+            <a:r>
+              <a:rPr lang="en-US" sz="1800" b="1" dirty="0">
+                <a:solidFill>
+                  <a:srgbClr val="FFC000"/>
+                </a:solidFill>
+                <a:latin typeface="Courier New" panose="02070309020205020404" pitchFamily="49" charset="0"/>
+                <a:cs typeface="Courier New" panose="02070309020205020404" pitchFamily="49" charset="0"/>
+              </a:rPr>
+              <a:t>Surprised&gt;</a:t>
+            </a:r>
+            <a:r>
+              <a:rPr lang="en-US" sz="1800" b="1" dirty="0">
+                <a:latin typeface="Courier New" panose="02070309020205020404" pitchFamily="49" charset="0"/>
+                <a:cs typeface="Courier New" panose="02070309020205020404" pitchFamily="49" charset="0"/>
+              </a:rPr>
+              <a:t>858993460</a:t>
+            </a:r>
+            <a:r>
+              <a:rPr lang="en-US" sz="1800" b="1" dirty="0">
+                <a:solidFill>
+                  <a:srgbClr val="FFC000"/>
+                </a:solidFill>
+                <a:latin typeface="Courier New" panose="02070309020205020404" pitchFamily="49" charset="0"/>
+                <a:cs typeface="Courier New" panose="02070309020205020404" pitchFamily="49" charset="0"/>
+              </a:rPr>
+              <a:t>&lt;/Surprised&gt;</a:t>
+            </a:r>
+          </a:p>
+          <a:p>
+            <a:pPr marL="0" indent="0">
+              <a:spcBef>
+                <a:spcPts val="0"/>
+              </a:spcBef>
+              <a:buNone/>
+            </a:pPr>
+            <a:r>
+              <a:rPr lang="en-US" sz="1800" b="1" dirty="0" smtClean="0">
+                <a:solidFill>
+                  <a:srgbClr val="FFC000"/>
+                </a:solidFill>
+                <a:latin typeface="Courier New" panose="02070309020205020404" pitchFamily="49" charset="0"/>
+                <a:cs typeface="Courier New" panose="02070309020205020404" pitchFamily="49" charset="0"/>
+              </a:rPr>
+              <a:t>  &lt;</a:t>
+            </a:r>
+            <a:r>
+              <a:rPr lang="en-US" sz="1800" b="1" dirty="0">
+                <a:solidFill>
+                  <a:srgbClr val="FFC000"/>
+                </a:solidFill>
+                <a:latin typeface="Courier New" panose="02070309020205020404" pitchFamily="49" charset="0"/>
+                <a:cs typeface="Courier New" panose="02070309020205020404" pitchFamily="49" charset="0"/>
+              </a:rPr>
+              <a:t>Disgusted&gt;</a:t>
+            </a:r>
+            <a:r>
+              <a:rPr lang="en-US" sz="1800" b="1" dirty="0">
+                <a:latin typeface="Courier New" panose="02070309020205020404" pitchFamily="49" charset="0"/>
+                <a:cs typeface="Courier New" panose="02070309020205020404" pitchFamily="49" charset="0"/>
+              </a:rPr>
+              <a:t>858993460</a:t>
+            </a:r>
+            <a:r>
+              <a:rPr lang="en-US" sz="1800" b="1" dirty="0">
+                <a:solidFill>
+                  <a:srgbClr val="FFC000"/>
+                </a:solidFill>
+                <a:latin typeface="Courier New" panose="02070309020205020404" pitchFamily="49" charset="0"/>
+                <a:cs typeface="Courier New" panose="02070309020205020404" pitchFamily="49" charset="0"/>
+              </a:rPr>
+              <a:t>&lt;/Disgusted&gt;</a:t>
+            </a:r>
+          </a:p>
+          <a:p>
+            <a:pPr marL="0" indent="0">
+              <a:spcBef>
+                <a:spcPts val="0"/>
+              </a:spcBef>
+              <a:buNone/>
+            </a:pPr>
+            <a:r>
+              <a:rPr lang="en-US" sz="1800" b="1" dirty="0" smtClean="0">
+                <a:solidFill>
+                  <a:srgbClr val="FFC000"/>
+                </a:solidFill>
+                <a:latin typeface="Courier New" panose="02070309020205020404" pitchFamily="49" charset="0"/>
+                <a:cs typeface="Courier New" panose="02070309020205020404" pitchFamily="49" charset="0"/>
+              </a:rPr>
+              <a:t>  &lt;</a:t>
+            </a:r>
+            <a:r>
+              <a:rPr lang="en-US" sz="1800" b="1" dirty="0" err="1">
+                <a:solidFill>
+                  <a:srgbClr val="FFC000"/>
+                </a:solidFill>
+                <a:latin typeface="Courier New" panose="02070309020205020404" pitchFamily="49" charset="0"/>
+                <a:cs typeface="Courier New" panose="02070309020205020404" pitchFamily="49" charset="0"/>
+              </a:rPr>
+              <a:t>Contemptful</a:t>
+            </a:r>
+            <a:r>
+              <a:rPr lang="en-US" sz="1800" b="1" dirty="0">
+                <a:solidFill>
+                  <a:srgbClr val="FFC000"/>
+                </a:solidFill>
+                <a:latin typeface="Courier New" panose="02070309020205020404" pitchFamily="49" charset="0"/>
+                <a:cs typeface="Courier New" panose="02070309020205020404" pitchFamily="49" charset="0"/>
+              </a:rPr>
+              <a:t>&gt;</a:t>
+            </a:r>
+            <a:r>
+              <a:rPr lang="en-US" sz="1800" b="1" dirty="0">
+                <a:latin typeface="Courier New" panose="02070309020205020404" pitchFamily="49" charset="0"/>
+                <a:cs typeface="Courier New" panose="02070309020205020404" pitchFamily="49" charset="0"/>
+              </a:rPr>
+              <a:t>858993460</a:t>
+            </a:r>
+            <a:r>
+              <a:rPr lang="en-US" sz="1800" b="1" dirty="0">
+                <a:solidFill>
+                  <a:srgbClr val="FFC000"/>
+                </a:solidFill>
+                <a:latin typeface="Courier New" panose="02070309020205020404" pitchFamily="49" charset="0"/>
+                <a:cs typeface="Courier New" panose="02070309020205020404" pitchFamily="49" charset="0"/>
+              </a:rPr>
+              <a:t>&lt;/</a:t>
+            </a:r>
+            <a:r>
+              <a:rPr lang="en-US" sz="1800" b="1" dirty="0" err="1">
+                <a:solidFill>
+                  <a:srgbClr val="FFC000"/>
+                </a:solidFill>
+                <a:latin typeface="Courier New" panose="02070309020205020404" pitchFamily="49" charset="0"/>
+                <a:cs typeface="Courier New" panose="02070309020205020404" pitchFamily="49" charset="0"/>
+              </a:rPr>
+              <a:t>Contemptful</a:t>
+            </a:r>
+            <a:r>
+              <a:rPr lang="en-US" sz="1800" b="1" dirty="0">
+                <a:solidFill>
+                  <a:srgbClr val="FFC000"/>
+                </a:solidFill>
+                <a:latin typeface="Courier New" panose="02070309020205020404" pitchFamily="49" charset="0"/>
+                <a:cs typeface="Courier New" panose="02070309020205020404" pitchFamily="49" charset="0"/>
+              </a:rPr>
+              <a:t>&gt;</a:t>
+            </a:r>
+          </a:p>
+          <a:p>
+            <a:pPr marL="0" indent="0">
+              <a:spcBef>
+                <a:spcPts val="0"/>
+              </a:spcBef>
+              <a:buNone/>
+            </a:pPr>
+            <a:r>
+              <a:rPr lang="en-US" sz="1800" b="1" dirty="0" smtClean="0">
+                <a:solidFill>
+                  <a:srgbClr val="FFC000"/>
+                </a:solidFill>
+                <a:latin typeface="Courier New" panose="02070309020205020404" pitchFamily="49" charset="0"/>
+                <a:cs typeface="Courier New" panose="02070309020205020404" pitchFamily="49" charset="0"/>
+              </a:rPr>
+              <a:t>  &lt;</a:t>
+            </a:r>
+            <a:r>
+              <a:rPr lang="en-US" sz="1800" b="1" dirty="0">
+                <a:solidFill>
+                  <a:srgbClr val="FFC000"/>
+                </a:solidFill>
+                <a:latin typeface="Courier New" panose="02070309020205020404" pitchFamily="49" charset="0"/>
+                <a:cs typeface="Courier New" panose="02070309020205020404" pitchFamily="49" charset="0"/>
+              </a:rPr>
+              <a:t>Fearful&gt;</a:t>
+            </a:r>
+            <a:r>
+              <a:rPr lang="en-US" sz="1800" b="1" dirty="0">
+                <a:latin typeface="Courier New" panose="02070309020205020404" pitchFamily="49" charset="0"/>
+                <a:cs typeface="Courier New" panose="02070309020205020404" pitchFamily="49" charset="0"/>
+              </a:rPr>
+              <a:t>858993460</a:t>
+            </a:r>
+            <a:r>
+              <a:rPr lang="en-US" sz="1800" b="1" dirty="0">
+                <a:solidFill>
+                  <a:srgbClr val="FFC000"/>
+                </a:solidFill>
+                <a:latin typeface="Courier New" panose="02070309020205020404" pitchFamily="49" charset="0"/>
+                <a:cs typeface="Courier New" panose="02070309020205020404" pitchFamily="49" charset="0"/>
+              </a:rPr>
+              <a:t>&lt;/Fearful&gt;</a:t>
+            </a:r>
+          </a:p>
+          <a:p>
+            <a:pPr marL="0" indent="0">
+              <a:spcBef>
+                <a:spcPts val="0"/>
+              </a:spcBef>
+              <a:buNone/>
+            </a:pPr>
+            <a:r>
+              <a:rPr lang="en-US" sz="1800" b="1" dirty="0" smtClean="0">
+                <a:solidFill>
+                  <a:srgbClr val="FFC000"/>
+                </a:solidFill>
+                <a:latin typeface="Courier New" panose="02070309020205020404" pitchFamily="49" charset="0"/>
+                <a:cs typeface="Courier New" panose="02070309020205020404" pitchFamily="49" charset="0"/>
+              </a:rPr>
+              <a:t>  &lt;</a:t>
+            </a:r>
+            <a:r>
+              <a:rPr lang="en-US" sz="1800" b="1" dirty="0">
+                <a:solidFill>
+                  <a:srgbClr val="FFC000"/>
+                </a:solidFill>
+                <a:latin typeface="Courier New" panose="02070309020205020404" pitchFamily="49" charset="0"/>
+                <a:cs typeface="Courier New" panose="02070309020205020404" pitchFamily="49" charset="0"/>
+              </a:rPr>
+              <a:t>Angry&gt;</a:t>
+            </a:r>
+            <a:r>
+              <a:rPr lang="en-US" sz="1800" b="1" dirty="0">
+                <a:latin typeface="Courier New" panose="02070309020205020404" pitchFamily="49" charset="0"/>
+                <a:cs typeface="Courier New" panose="02070309020205020404" pitchFamily="49" charset="0"/>
+              </a:rPr>
+              <a:t>858993460</a:t>
+            </a:r>
+            <a:r>
+              <a:rPr lang="en-US" sz="1800" b="1" dirty="0">
+                <a:solidFill>
+                  <a:srgbClr val="FFC000"/>
+                </a:solidFill>
+                <a:latin typeface="Courier New" panose="02070309020205020404" pitchFamily="49" charset="0"/>
+                <a:cs typeface="Courier New" panose="02070309020205020404" pitchFamily="49" charset="0"/>
+              </a:rPr>
+              <a:t>&lt;/Angry&gt;</a:t>
+            </a:r>
+          </a:p>
+          <a:p>
+            <a:pPr marL="0" indent="0">
+              <a:spcBef>
+                <a:spcPts val="0"/>
+              </a:spcBef>
+              <a:buNone/>
+            </a:pPr>
+            <a:r>
+              <a:rPr lang="en-US" sz="1800" b="1" dirty="0" smtClean="0">
+                <a:solidFill>
+                  <a:srgbClr val="FFC000"/>
+                </a:solidFill>
+                <a:latin typeface="Courier New" panose="02070309020205020404" pitchFamily="49" charset="0"/>
+                <a:cs typeface="Courier New" panose="02070309020205020404" pitchFamily="49" charset="0"/>
+              </a:rPr>
+              <a:t>&lt;/</a:t>
+            </a:r>
+            <a:r>
+              <a:rPr lang="en-US" sz="1800" b="1" dirty="0">
+                <a:solidFill>
+                  <a:srgbClr val="FFC000"/>
+                </a:solidFill>
+                <a:latin typeface="Courier New" panose="02070309020205020404" pitchFamily="49" charset="0"/>
+                <a:cs typeface="Courier New" panose="02070309020205020404" pitchFamily="49" charset="0"/>
+              </a:rPr>
+              <a:t>Person&gt;</a:t>
+            </a:r>
+          </a:p>
+        </p:txBody>
+      </p:sp>
+    </p:spTree>
+    <p:extLst>
+      <p:ext uri="{BB962C8B-B14F-4D97-AF65-F5344CB8AC3E}">
+        <p14:creationId xmlns:p14="http://schemas.microsoft.com/office/powerpoint/2010/main" val="3152420874"/>
+      </p:ext>
+    </p:extLst>
+  </p:cSld>
+  <p:clrMapOvr>
+    <a:masterClrMapping/>
+  </p:clrMapOvr>
+  <mc:AlternateContent xmlns:mc="http://schemas.openxmlformats.org/markup-compatibility/2006" xmlns:p14="http://schemas.microsoft.com/office/powerpoint/2010/main">
+    <mc:Choice Requires="p14">
+      <p:transition spd="med" p14:dur="700">
+        <p:fade/>
+      </p:transition>
+    </mc:Choice>
+    <mc:Fallback xmlns="">
+      <p:transition spd="med">
+        <p:fade/>
+      </p:transition>
+    </mc:Fallback>
+  </mc:AlternateContent>
+  <p:timing>
+    <p:tnLst>
+      <p:par>
+        <p:cTn id="1" dur="indefinite" restart="never" nodeType="tmRoot"/>
+      </p:par>
+    </p:tnLst>
+  </p:timing>
+</p:sld>
+</file>
+
+<file path=ppt/slides/slide7.xml><?xml version="1.0" encoding="utf-8"?>
+<p:sld xmlns:a="http://schemas.openxmlformats.org/drawingml/2006/main" xmlns:r="http://schemas.openxmlformats.org/officeDocument/2006/relationships" xmlns:p="http://schemas.openxmlformats.org/presentationml/2006/main">
+  <p:cSld>
+    <p:spTree>
+      <p:nvGrpSpPr>
+        <p:cNvPr id="1" name=""/>
+        <p:cNvGrpSpPr/>
+        <p:nvPr/>
+      </p:nvGrpSpPr>
+      <p:grpSpPr>
+        <a:xfrm>
+          <a:off x="0" y="0"/>
+          <a:ext cx="0" cy="0"/>
+          <a:chOff x="0" y="0"/>
+          <a:chExt cx="0" cy="0"/>
+        </a:xfrm>
+      </p:grpSpPr>
+      <p:sp>
+        <p:nvSpPr>
+          <p:cNvPr id="6" name="Номер слайда 5"/>
+          <p:cNvSpPr>
+            <a:spLocks noGrp="1"/>
+          </p:cNvSpPr>
+          <p:nvPr>
+            <p:ph type="sldNum" sz="quarter" idx="12"/>
+          </p:nvPr>
+        </p:nvSpPr>
+        <p:spPr/>
+        <p:txBody>
+          <a:bodyPr/>
+          <a:lstStyle/>
+          <a:p>
+            <a:fld id="{C014DD1E-5D91-48A3-AD6D-45FBA980D106}" type="slidenum">
+              <a:rPr lang="ru-RU" noProof="0" smtClean="0"/>
+              <a:t>7</a:t>
+            </a:fld>
+            <a:endParaRPr lang="ru-RU" noProof="0" dirty="0"/>
+          </a:p>
+        </p:txBody>
+      </p:sp>
+      <p:sp>
+        <p:nvSpPr>
+          <p:cNvPr id="2" name="Заголовок 1"/>
+          <p:cNvSpPr>
+            <a:spLocks noGrp="1"/>
+          </p:cNvSpPr>
+          <p:nvPr>
+            <p:ph type="title"/>
+          </p:nvPr>
+        </p:nvSpPr>
+        <p:spPr>
+          <a:xfrm>
+            <a:off x="1218883" y="-387424"/>
+            <a:ext cx="10360501" cy="1237952"/>
+          </a:xfrm>
+        </p:spPr>
+        <p:txBody>
+          <a:bodyPr>
+            <a:normAutofit/>
+          </a:bodyPr>
+          <a:lstStyle/>
+          <a:p>
+            <a:r>
+              <a:rPr lang="en-US" sz="4400" dirty="0" smtClean="0"/>
+              <a:t>Emotions detection</a:t>
+            </a:r>
+            <a:endParaRPr lang="en-US" sz="4400" dirty="0"/>
+          </a:p>
+        </p:txBody>
+      </p:sp>
+      <p:sp>
+        <p:nvSpPr>
+          <p:cNvPr id="9" name="Нижний колонтитул 4"/>
+          <p:cNvSpPr>
+            <a:spLocks noGrp="1"/>
+          </p:cNvSpPr>
+          <p:nvPr>
+            <p:ph type="ftr" sz="quarter" idx="11"/>
+          </p:nvPr>
+        </p:nvSpPr>
+        <p:spPr>
+          <a:xfrm>
+            <a:off x="1773932" y="5013176"/>
+            <a:ext cx="9145016" cy="1151382"/>
+          </a:xfrm>
+        </p:spPr>
+        <p:txBody>
+          <a:bodyPr/>
+          <a:lstStyle/>
+          <a:p>
+            <a:r>
+              <a:rPr lang="en-US" sz="1800" dirty="0">
+                <a:solidFill>
+                  <a:schemeClr val="tx1"/>
+                </a:solidFill>
+              </a:rPr>
+              <a:t>James O'Gorman. </a:t>
+            </a:r>
+            <a:r>
+              <a:rPr lang="en-US" sz="1800" dirty="0" err="1">
+                <a:solidFill>
+                  <a:schemeClr val="tx1"/>
+                </a:solidFill>
+              </a:rPr>
+              <a:t>MicroExpressions</a:t>
+            </a:r>
+            <a:r>
+              <a:rPr lang="en-US" sz="1800" dirty="0" smtClean="0">
+                <a:solidFill>
+                  <a:schemeClr val="tx1"/>
+                </a:solidFill>
+              </a:rPr>
+              <a:t>.</a:t>
+            </a:r>
+          </a:p>
+          <a:p>
+            <a:r>
+              <a:rPr lang="en-US" sz="1800" dirty="0" smtClean="0">
+                <a:solidFill>
+                  <a:schemeClr val="tx1"/>
+                </a:solidFill>
+              </a:rPr>
+              <a:t> </a:t>
+            </a:r>
+            <a:r>
+              <a:rPr lang="en-US" sz="1800" dirty="0" err="1">
+                <a:solidFill>
+                  <a:schemeClr val="tx1"/>
+                </a:solidFill>
+              </a:rPr>
+              <a:t>N.d.</a:t>
+            </a:r>
+            <a:r>
+              <a:rPr lang="en-US" sz="1800" dirty="0">
+                <a:solidFill>
+                  <a:schemeClr val="tx1"/>
+                </a:solidFill>
+              </a:rPr>
+              <a:t> Photograph. social </a:t>
+            </a:r>
+            <a:r>
+              <a:rPr lang="en-US" sz="1800" dirty="0" smtClean="0">
+                <a:solidFill>
+                  <a:schemeClr val="tx1"/>
+                </a:solidFill>
+              </a:rPr>
+              <a:t>engineer </a:t>
+            </a:r>
+          </a:p>
+          <a:p>
+            <a:r>
+              <a:rPr lang="en-US" sz="1800" dirty="0" smtClean="0">
+                <a:solidFill>
+                  <a:schemeClr val="tx1"/>
+                </a:solidFill>
+              </a:rPr>
+              <a:t>Web</a:t>
+            </a:r>
+            <a:r>
+              <a:rPr lang="en-US" sz="1800" dirty="0">
+                <a:solidFill>
+                  <a:schemeClr val="tx1"/>
+                </a:solidFill>
+              </a:rPr>
+              <a:t>. 12 Apr 2012</a:t>
+            </a:r>
+            <a:r>
+              <a:rPr lang="en-US" sz="1800" dirty="0" smtClean="0">
+                <a:solidFill>
+                  <a:schemeClr val="tx1"/>
+                </a:solidFill>
+              </a:rPr>
+              <a:t>.</a:t>
+            </a:r>
+          </a:p>
+          <a:p>
+            <a:r>
+              <a:rPr lang="en-US" sz="1800" dirty="0" smtClean="0">
+                <a:solidFill>
+                  <a:schemeClr val="tx1"/>
+                </a:solidFill>
+              </a:rPr>
+              <a:t>&lt;</a:t>
+            </a:r>
+            <a:r>
+              <a:rPr lang="en-US" sz="1800" dirty="0">
+                <a:solidFill>
+                  <a:schemeClr val="tx1"/>
+                </a:solidFill>
+              </a:rPr>
+              <a:t>http://www.social-engineer.org/newsletter/SocialEngineerNewsletterVol02Is13.htm&gt;.</a:t>
+            </a:r>
+            <a:endParaRPr lang="ru-RU" sz="1800" noProof="0" dirty="0">
+              <a:solidFill>
+                <a:schemeClr val="tx1"/>
+              </a:solidFill>
+            </a:endParaRPr>
+          </a:p>
+        </p:txBody>
+      </p:sp>
+      <p:pic>
+        <p:nvPicPr>
+          <p:cNvPr id="10" name="Рисунок 9"/>
+          <p:cNvPicPr>
+            <a:picLocks noChangeAspect="1"/>
+          </p:cNvPicPr>
+          <p:nvPr/>
+        </p:nvPicPr>
+        <p:blipFill>
+          <a:blip r:embed="rId2">
+            <a:extLst>
+              <a:ext uri="{28A0092B-C50C-407E-A947-70E740481C1C}">
+                <a14:useLocalDpi xmlns:a14="http://schemas.microsoft.com/office/drawing/2010/main" val="0"/>
+              </a:ext>
+            </a:extLst>
+          </a:blip>
+          <a:stretch>
+            <a:fillRect/>
+          </a:stretch>
+        </p:blipFill>
+        <p:spPr>
+          <a:xfrm>
+            <a:off x="1197868" y="1299344"/>
+            <a:ext cx="2540000" cy="1625600"/>
+          </a:xfrm>
+          <a:prstGeom prst="rect">
+            <a:avLst/>
+          </a:prstGeom>
+        </p:spPr>
+      </p:pic>
+      <p:pic>
+        <p:nvPicPr>
+          <p:cNvPr id="11" name="Рисунок 10"/>
+          <p:cNvPicPr>
+            <a:picLocks noChangeAspect="1"/>
+          </p:cNvPicPr>
+          <p:nvPr/>
+        </p:nvPicPr>
+        <p:blipFill>
+          <a:blip r:embed="rId3">
+            <a:extLst>
+              <a:ext uri="{28A0092B-C50C-407E-A947-70E740481C1C}">
+                <a14:useLocalDpi xmlns:a14="http://schemas.microsoft.com/office/drawing/2010/main" val="0"/>
+              </a:ext>
+            </a:extLst>
+          </a:blip>
+          <a:stretch>
+            <a:fillRect/>
+          </a:stretch>
+        </p:blipFill>
+        <p:spPr>
+          <a:xfrm>
+            <a:off x="3914452" y="1299344"/>
+            <a:ext cx="2540000" cy="1625600"/>
+          </a:xfrm>
+          <a:prstGeom prst="rect">
+            <a:avLst/>
+          </a:prstGeom>
+        </p:spPr>
+      </p:pic>
+      <p:pic>
+        <p:nvPicPr>
+          <p:cNvPr id="12" name="Рисунок 11"/>
+          <p:cNvPicPr>
+            <a:picLocks noChangeAspect="1"/>
+          </p:cNvPicPr>
+          <p:nvPr/>
+        </p:nvPicPr>
+        <p:blipFill>
+          <a:blip r:embed="rId4">
+            <a:extLst>
+              <a:ext uri="{28A0092B-C50C-407E-A947-70E740481C1C}">
+                <a14:useLocalDpi xmlns:a14="http://schemas.microsoft.com/office/drawing/2010/main" val="0"/>
+              </a:ext>
+            </a:extLst>
+          </a:blip>
+          <a:stretch>
+            <a:fillRect/>
+          </a:stretch>
+        </p:blipFill>
+        <p:spPr>
+          <a:xfrm>
+            <a:off x="6650756" y="1268760"/>
+            <a:ext cx="2540000" cy="1625600"/>
+          </a:xfrm>
+          <a:prstGeom prst="rect">
+            <a:avLst/>
+          </a:prstGeom>
+        </p:spPr>
+      </p:pic>
+      <p:pic>
+        <p:nvPicPr>
+          <p:cNvPr id="13" name="Рисунок 12"/>
+          <p:cNvPicPr>
+            <a:picLocks noChangeAspect="1"/>
+          </p:cNvPicPr>
+          <p:nvPr/>
+        </p:nvPicPr>
+        <p:blipFill>
+          <a:blip r:embed="rId5">
+            <a:extLst>
+              <a:ext uri="{28A0092B-C50C-407E-A947-70E740481C1C}">
+                <a14:useLocalDpi xmlns:a14="http://schemas.microsoft.com/office/drawing/2010/main" val="0"/>
+              </a:ext>
+            </a:extLst>
+          </a:blip>
+          <a:stretch>
+            <a:fillRect/>
+          </a:stretch>
+        </p:blipFill>
+        <p:spPr>
+          <a:xfrm>
+            <a:off x="1178148" y="3099544"/>
+            <a:ext cx="2540000" cy="1625600"/>
+          </a:xfrm>
+          <a:prstGeom prst="rect">
+            <a:avLst/>
+          </a:prstGeom>
+        </p:spPr>
+      </p:pic>
+      <p:pic>
+        <p:nvPicPr>
+          <p:cNvPr id="14" name="Рисунок 13"/>
+          <p:cNvPicPr>
+            <a:picLocks noChangeAspect="1"/>
+          </p:cNvPicPr>
+          <p:nvPr/>
+        </p:nvPicPr>
+        <p:blipFill>
+          <a:blip r:embed="rId6">
+            <a:extLst>
+              <a:ext uri="{28A0092B-C50C-407E-A947-70E740481C1C}">
+                <a14:useLocalDpi xmlns:a14="http://schemas.microsoft.com/office/drawing/2010/main" val="0"/>
+              </a:ext>
+            </a:extLst>
+          </a:blip>
+          <a:stretch>
+            <a:fillRect/>
+          </a:stretch>
+        </p:blipFill>
+        <p:spPr>
+          <a:xfrm>
+            <a:off x="3914452" y="3099544"/>
+            <a:ext cx="2540000" cy="1625600"/>
+          </a:xfrm>
+          <a:prstGeom prst="rect">
+            <a:avLst/>
+          </a:prstGeom>
+        </p:spPr>
+      </p:pic>
+      <p:pic>
+        <p:nvPicPr>
+          <p:cNvPr id="15" name="Рисунок 14"/>
+          <p:cNvPicPr>
+            <a:picLocks noChangeAspect="1"/>
+          </p:cNvPicPr>
+          <p:nvPr/>
+        </p:nvPicPr>
+        <p:blipFill>
+          <a:blip r:embed="rId7">
+            <a:extLst>
+              <a:ext uri="{28A0092B-C50C-407E-A947-70E740481C1C}">
+                <a14:useLocalDpi xmlns:a14="http://schemas.microsoft.com/office/drawing/2010/main" val="0"/>
+              </a:ext>
+            </a:extLst>
+          </a:blip>
+          <a:stretch>
+            <a:fillRect/>
+          </a:stretch>
+        </p:blipFill>
+        <p:spPr>
+          <a:xfrm>
+            <a:off x="6650756" y="3099544"/>
+            <a:ext cx="2540000" cy="1625600"/>
+          </a:xfrm>
+          <a:prstGeom prst="rect">
+            <a:avLst/>
+          </a:prstGeom>
+        </p:spPr>
+      </p:pic>
+      <p:pic>
+        <p:nvPicPr>
+          <p:cNvPr id="16" name="Рисунок 15"/>
+          <p:cNvPicPr>
+            <a:picLocks noChangeAspect="1"/>
+          </p:cNvPicPr>
+          <p:nvPr/>
+        </p:nvPicPr>
+        <p:blipFill>
+          <a:blip r:embed="rId8">
+            <a:extLst>
+              <a:ext uri="{28A0092B-C50C-407E-A947-70E740481C1C}">
+                <a14:useLocalDpi xmlns:a14="http://schemas.microsoft.com/office/drawing/2010/main" val="0"/>
+              </a:ext>
+            </a:extLst>
+          </a:blip>
+          <a:stretch>
+            <a:fillRect/>
+          </a:stretch>
+        </p:blipFill>
+        <p:spPr>
+          <a:xfrm>
+            <a:off x="9459068" y="1268760"/>
+            <a:ext cx="2540000" cy="1625600"/>
+          </a:xfrm>
+          <a:prstGeom prst="rect">
+            <a:avLst/>
+          </a:prstGeom>
+        </p:spPr>
+      </p:pic>
+    </p:spTree>
+    <p:extLst>
+      <p:ext uri="{BB962C8B-B14F-4D97-AF65-F5344CB8AC3E}">
+        <p14:creationId xmlns:p14="http://schemas.microsoft.com/office/powerpoint/2010/main" val="3985626045"/>
+      </p:ext>
+    </p:extLst>
+  </p:cSld>
+  <p:clrMapOvr>
+    <a:masterClrMapping/>
+  </p:clrMapOvr>
+  <mc:AlternateContent xmlns:mc="http://schemas.openxmlformats.org/markup-compatibility/2006" xmlns:p14="http://schemas.microsoft.com/office/powerpoint/2010/main">
+    <mc:Choice Requires="p14">
+      <p:transition spd="med" p14:dur="700">
+        <p:fade/>
+      </p:transition>
+    </mc:Choice>
+    <mc:Fallback xmlns="">
+      <p:transition spd="med">
+        <p:fade/>
+      </p:transition>
+    </mc:Fallback>
+  </mc:AlternateContent>
+  <p:timing>
+    <p:tnLst>
+      <p:par>
+        <p:cTn id="1" dur="indefinite" restart="never" nodeType="tmRoot"/>
+      </p:par>
+    </p:tnLst>
+  </p:timing>
+</p:sld>
+</file>
+
+<file path=ppt/slides/slide8.xml><?xml version="1.0" encoding="utf-8"?>
+<p:sld xmlns:a="http://schemas.openxmlformats.org/drawingml/2006/main" xmlns:r="http://schemas.openxmlformats.org/officeDocument/2006/relationships" xmlns:p="http://schemas.openxmlformats.org/presentationml/2006/main">
+  <p:cSld>
+    <p:spTree>
+      <p:nvGrpSpPr>
+        <p:cNvPr id="1" name=""/>
+        <p:cNvGrpSpPr/>
+        <p:nvPr/>
+      </p:nvGrpSpPr>
+      <p:grpSpPr>
+        <a:xfrm>
+          <a:off x="0" y="0"/>
+          <a:ext cx="0" cy="0"/>
+          <a:chOff x="0" y="0"/>
+          <a:chExt cx="0" cy="0"/>
+        </a:xfrm>
+      </p:grpSpPr>
+      <p:sp>
+        <p:nvSpPr>
+          <p:cNvPr id="6" name="Номер слайда 5"/>
+          <p:cNvSpPr>
+            <a:spLocks noGrp="1"/>
+          </p:cNvSpPr>
+          <p:nvPr>
+            <p:ph type="sldNum" sz="quarter" idx="12"/>
+          </p:nvPr>
+        </p:nvSpPr>
+        <p:spPr/>
+        <p:txBody>
+          <a:bodyPr/>
+          <a:lstStyle/>
+          <a:p>
+            <a:fld id="{C014DD1E-5D91-48A3-AD6D-45FBA980D106}" type="slidenum">
+              <a:rPr lang="ru-RU" noProof="0" smtClean="0"/>
+              <a:t>8</a:t>
+            </a:fld>
+            <a:endParaRPr lang="ru-RU" noProof="0" dirty="0"/>
+          </a:p>
+        </p:txBody>
+      </p:sp>
+      <p:sp>
+        <p:nvSpPr>
+          <p:cNvPr id="2" name="Заголовок 1"/>
+          <p:cNvSpPr>
+            <a:spLocks noGrp="1"/>
+          </p:cNvSpPr>
+          <p:nvPr>
+            <p:ph type="title"/>
+          </p:nvPr>
+        </p:nvSpPr>
+        <p:spPr>
+          <a:xfrm>
+            <a:off x="1218883" y="-387424"/>
+            <a:ext cx="10360501" cy="1237952"/>
+          </a:xfrm>
+        </p:spPr>
+        <p:txBody>
+          <a:bodyPr>
+            <a:normAutofit/>
+          </a:bodyPr>
+          <a:lstStyle/>
+          <a:p>
+            <a:r>
+              <a:rPr lang="en-US" sz="4400" dirty="0" smtClean="0"/>
+              <a:t>Emotions detection</a:t>
+            </a:r>
+            <a:endParaRPr lang="en-US" sz="4400" dirty="0"/>
+          </a:p>
+        </p:txBody>
+      </p:sp>
+      <p:sp>
+        <p:nvSpPr>
+          <p:cNvPr id="9" name="Нижний колонтитул 4"/>
+          <p:cNvSpPr>
+            <a:spLocks noGrp="1"/>
+          </p:cNvSpPr>
+          <p:nvPr>
+            <p:ph type="ftr" sz="quarter" idx="11"/>
+          </p:nvPr>
+        </p:nvSpPr>
+        <p:spPr>
+          <a:xfrm>
+            <a:off x="1773932" y="5013176"/>
+            <a:ext cx="9145016" cy="1151382"/>
+          </a:xfrm>
+        </p:spPr>
+        <p:txBody>
+          <a:bodyPr/>
+          <a:lstStyle/>
+          <a:p>
+            <a:r>
+              <a:rPr lang="en-US" sz="1800" dirty="0">
+                <a:solidFill>
+                  <a:schemeClr val="tx1"/>
+                </a:solidFill>
+              </a:rPr>
+              <a:t>James O'Gorman. </a:t>
+            </a:r>
+            <a:r>
+              <a:rPr lang="en-US" sz="1800" dirty="0" err="1">
+                <a:solidFill>
+                  <a:schemeClr val="tx1"/>
+                </a:solidFill>
+              </a:rPr>
+              <a:t>MicroExpressions</a:t>
+            </a:r>
+            <a:r>
+              <a:rPr lang="en-US" sz="1800" dirty="0" smtClean="0">
+                <a:solidFill>
+                  <a:schemeClr val="tx1"/>
+                </a:solidFill>
+              </a:rPr>
+              <a:t>.</a:t>
+            </a:r>
+          </a:p>
+          <a:p>
+            <a:r>
+              <a:rPr lang="en-US" sz="1800" dirty="0" smtClean="0">
+                <a:solidFill>
+                  <a:schemeClr val="tx1"/>
+                </a:solidFill>
+              </a:rPr>
+              <a:t> </a:t>
+            </a:r>
+            <a:r>
+              <a:rPr lang="en-US" sz="1800" dirty="0" err="1">
+                <a:solidFill>
+                  <a:schemeClr val="tx1"/>
+                </a:solidFill>
+              </a:rPr>
+              <a:t>N.d.</a:t>
+            </a:r>
+            <a:r>
+              <a:rPr lang="en-US" sz="1800" dirty="0">
+                <a:solidFill>
+                  <a:schemeClr val="tx1"/>
+                </a:solidFill>
+              </a:rPr>
+              <a:t> Photograph. social </a:t>
+            </a:r>
+            <a:r>
+              <a:rPr lang="en-US" sz="1800" dirty="0" smtClean="0">
+                <a:solidFill>
+                  <a:schemeClr val="tx1"/>
+                </a:solidFill>
+              </a:rPr>
+              <a:t>engineer </a:t>
+            </a:r>
+          </a:p>
+          <a:p>
+            <a:r>
+              <a:rPr lang="en-US" sz="1800" dirty="0" smtClean="0">
+                <a:solidFill>
+                  <a:schemeClr val="tx1"/>
+                </a:solidFill>
+              </a:rPr>
+              <a:t>Web</a:t>
+            </a:r>
+            <a:r>
+              <a:rPr lang="en-US" sz="1800" dirty="0">
+                <a:solidFill>
+                  <a:schemeClr val="tx1"/>
+                </a:solidFill>
+              </a:rPr>
+              <a:t>. 12 Apr 2012</a:t>
+            </a:r>
+            <a:r>
+              <a:rPr lang="en-US" sz="1800" dirty="0" smtClean="0">
+                <a:solidFill>
+                  <a:schemeClr val="tx1"/>
+                </a:solidFill>
+              </a:rPr>
+              <a:t>.</a:t>
+            </a:r>
+          </a:p>
+          <a:p>
+            <a:r>
+              <a:rPr lang="en-US" sz="1800" dirty="0" smtClean="0">
+                <a:solidFill>
+                  <a:schemeClr val="tx1"/>
+                </a:solidFill>
+              </a:rPr>
+              <a:t>&lt;</a:t>
+            </a:r>
+            <a:r>
+              <a:rPr lang="en-US" sz="1800" dirty="0">
+                <a:solidFill>
+                  <a:schemeClr val="tx1"/>
+                </a:solidFill>
+              </a:rPr>
+              <a:t>http://www.social-engineer.org/newsletter/SocialEngineerNewsletterVol02Is13.htm&gt;.</a:t>
+            </a:r>
+            <a:endParaRPr lang="ru-RU" sz="1800" noProof="0" dirty="0">
+              <a:solidFill>
+                <a:schemeClr val="tx1"/>
+              </a:solidFill>
+            </a:endParaRPr>
+          </a:p>
+        </p:txBody>
+      </p:sp>
+      <p:pic>
+        <p:nvPicPr>
+          <p:cNvPr id="10" name="Рисунок 9"/>
+          <p:cNvPicPr>
+            <a:picLocks noChangeAspect="1"/>
+          </p:cNvPicPr>
+          <p:nvPr/>
+        </p:nvPicPr>
+        <p:blipFill>
+          <a:blip r:embed="rId2">
+            <a:extLst>
+              <a:ext uri="{28A0092B-C50C-407E-A947-70E740481C1C}">
+                <a14:useLocalDpi xmlns:a14="http://schemas.microsoft.com/office/drawing/2010/main" val="0"/>
+              </a:ext>
+            </a:extLst>
+          </a:blip>
+          <a:stretch>
+            <a:fillRect/>
+          </a:stretch>
+        </p:blipFill>
+        <p:spPr>
+          <a:xfrm>
+            <a:off x="1197868" y="1299344"/>
+            <a:ext cx="2540000" cy="1625600"/>
+          </a:xfrm>
+          <a:prstGeom prst="rect">
+            <a:avLst/>
+          </a:prstGeom>
+        </p:spPr>
+      </p:pic>
+      <p:pic>
+        <p:nvPicPr>
+          <p:cNvPr id="11" name="Рисунок 10"/>
+          <p:cNvPicPr>
+            <a:picLocks noChangeAspect="1"/>
+          </p:cNvPicPr>
+          <p:nvPr/>
+        </p:nvPicPr>
+        <p:blipFill>
+          <a:blip r:embed="rId3">
+            <a:extLst>
+              <a:ext uri="{28A0092B-C50C-407E-A947-70E740481C1C}">
+                <a14:useLocalDpi xmlns:a14="http://schemas.microsoft.com/office/drawing/2010/main" val="0"/>
+              </a:ext>
+            </a:extLst>
+          </a:blip>
+          <a:stretch>
+            <a:fillRect/>
+          </a:stretch>
+        </p:blipFill>
+        <p:spPr>
+          <a:xfrm>
+            <a:off x="3914452" y="1299344"/>
+            <a:ext cx="2540000" cy="1625600"/>
+          </a:xfrm>
+          <a:prstGeom prst="rect">
+            <a:avLst/>
+          </a:prstGeom>
+        </p:spPr>
+      </p:pic>
+      <p:pic>
+        <p:nvPicPr>
+          <p:cNvPr id="12" name="Рисунок 11"/>
+          <p:cNvPicPr>
+            <a:picLocks noChangeAspect="1"/>
+          </p:cNvPicPr>
+          <p:nvPr/>
+        </p:nvPicPr>
+        <p:blipFill>
+          <a:blip r:embed="rId4">
+            <a:extLst>
+              <a:ext uri="{28A0092B-C50C-407E-A947-70E740481C1C}">
+                <a14:useLocalDpi xmlns:a14="http://schemas.microsoft.com/office/drawing/2010/main" val="0"/>
+              </a:ext>
+            </a:extLst>
+          </a:blip>
+          <a:stretch>
+            <a:fillRect/>
+          </a:stretch>
+        </p:blipFill>
+        <p:spPr>
+          <a:xfrm>
+            <a:off x="6650756" y="1268760"/>
+            <a:ext cx="2540000" cy="1625600"/>
+          </a:xfrm>
+          <a:prstGeom prst="rect">
+            <a:avLst/>
+          </a:prstGeom>
+        </p:spPr>
+      </p:pic>
+      <p:pic>
+        <p:nvPicPr>
+          <p:cNvPr id="13" name="Рисунок 12"/>
+          <p:cNvPicPr>
+            <a:picLocks noChangeAspect="1"/>
+          </p:cNvPicPr>
+          <p:nvPr/>
+        </p:nvPicPr>
+        <p:blipFill>
+          <a:blip r:embed="rId5">
+            <a:extLst>
+              <a:ext uri="{28A0092B-C50C-407E-A947-70E740481C1C}">
+                <a14:useLocalDpi xmlns:a14="http://schemas.microsoft.com/office/drawing/2010/main" val="0"/>
+              </a:ext>
+            </a:extLst>
+          </a:blip>
+          <a:stretch>
+            <a:fillRect/>
+          </a:stretch>
+        </p:blipFill>
+        <p:spPr>
+          <a:xfrm>
+            <a:off x="1178148" y="3099544"/>
+            <a:ext cx="2540000" cy="1625600"/>
+          </a:xfrm>
+          <a:prstGeom prst="rect">
+            <a:avLst/>
+          </a:prstGeom>
+        </p:spPr>
+      </p:pic>
+      <p:pic>
+        <p:nvPicPr>
+          <p:cNvPr id="14" name="Рисунок 13"/>
+          <p:cNvPicPr>
+            <a:picLocks noChangeAspect="1"/>
+          </p:cNvPicPr>
+          <p:nvPr/>
+        </p:nvPicPr>
+        <p:blipFill>
+          <a:blip r:embed="rId6">
+            <a:extLst>
+              <a:ext uri="{28A0092B-C50C-407E-A947-70E740481C1C}">
+                <a14:useLocalDpi xmlns:a14="http://schemas.microsoft.com/office/drawing/2010/main" val="0"/>
+              </a:ext>
+            </a:extLst>
+          </a:blip>
+          <a:stretch>
+            <a:fillRect/>
+          </a:stretch>
+        </p:blipFill>
+        <p:spPr>
+          <a:xfrm>
+            <a:off x="3914452" y="3099544"/>
+            <a:ext cx="2540000" cy="1625600"/>
+          </a:xfrm>
+          <a:prstGeom prst="rect">
+            <a:avLst/>
+          </a:prstGeom>
+        </p:spPr>
+      </p:pic>
+      <p:pic>
+        <p:nvPicPr>
+          <p:cNvPr id="15" name="Рисунок 14"/>
+          <p:cNvPicPr>
+            <a:picLocks noChangeAspect="1"/>
+          </p:cNvPicPr>
+          <p:nvPr/>
+        </p:nvPicPr>
+        <p:blipFill>
+          <a:blip r:embed="rId7">
+            <a:extLst>
+              <a:ext uri="{28A0092B-C50C-407E-A947-70E740481C1C}">
+                <a14:useLocalDpi xmlns:a14="http://schemas.microsoft.com/office/drawing/2010/main" val="0"/>
+              </a:ext>
+            </a:extLst>
+          </a:blip>
+          <a:stretch>
+            <a:fillRect/>
+          </a:stretch>
+        </p:blipFill>
+        <p:spPr>
+          <a:xfrm>
+            <a:off x="6650756" y="3099544"/>
+            <a:ext cx="2540000" cy="1625600"/>
+          </a:xfrm>
+          <a:prstGeom prst="rect">
+            <a:avLst/>
+          </a:prstGeom>
+        </p:spPr>
+      </p:pic>
+      <p:pic>
+        <p:nvPicPr>
+          <p:cNvPr id="16" name="Рисунок 15"/>
+          <p:cNvPicPr>
+            <a:picLocks noChangeAspect="1"/>
+          </p:cNvPicPr>
+          <p:nvPr/>
+        </p:nvPicPr>
+        <p:blipFill>
+          <a:blip r:embed="rId8">
+            <a:extLst>
+              <a:ext uri="{28A0092B-C50C-407E-A947-70E740481C1C}">
+                <a14:useLocalDpi xmlns:a14="http://schemas.microsoft.com/office/drawing/2010/main" val="0"/>
+              </a:ext>
+            </a:extLst>
+          </a:blip>
+          <a:stretch>
+            <a:fillRect/>
+          </a:stretch>
+        </p:blipFill>
+        <p:spPr>
+          <a:xfrm>
+            <a:off x="9459068" y="1268760"/>
+            <a:ext cx="2540000" cy="1625600"/>
+          </a:xfrm>
+          <a:prstGeom prst="rect">
+            <a:avLst/>
+          </a:prstGeom>
+        </p:spPr>
+      </p:pic>
+      <p:sp>
+        <p:nvSpPr>
+          <p:cNvPr id="3" name="TextBox 2"/>
+          <p:cNvSpPr txBox="1"/>
+          <p:nvPr/>
+        </p:nvSpPr>
+        <p:spPr>
+          <a:xfrm rot="20611006">
+            <a:off x="2630622" y="1568697"/>
+            <a:ext cx="8165721" cy="2554545"/>
+          </a:xfrm>
+          <a:prstGeom prst="rect">
+            <a:avLst/>
+          </a:prstGeom>
+          <a:noFill/>
+        </p:spPr>
+        <p:txBody>
+          <a:bodyPr wrap="square" rtlCol="0">
+            <a:spAutoFit/>
+            <a:scene3d>
+              <a:camera prst="orthographicFront"/>
+              <a:lightRig rig="threePt" dir="t"/>
+            </a:scene3d>
+            <a:sp3d extrusionH="101600">
+              <a:bevelT w="82550" h="38100" prst="coolSlant"/>
+            </a:sp3d>
+          </a:bodyPr>
+          <a:lstStyle/>
+          <a:p>
+            <a:r>
+              <a:rPr lang="en-US" sz="8000" b="1" dirty="0" smtClean="0">
+                <a:solidFill>
+                  <a:srgbClr val="FF0000"/>
+                </a:solidFill>
+              </a:rPr>
+              <a:t>Can’t be percept </a:t>
+            </a:r>
+          </a:p>
+          <a:p>
+            <a:r>
+              <a:rPr lang="en-US" sz="8000" b="1" dirty="0" smtClean="0">
+                <a:solidFill>
+                  <a:srgbClr val="FF0000"/>
+                </a:solidFill>
+              </a:rPr>
+              <a:t>by RealSense API</a:t>
+            </a:r>
+            <a:endParaRPr lang="en-US" sz="8000" b="1" dirty="0">
+              <a:solidFill>
+                <a:srgbClr val="FF0000"/>
+              </a:solidFill>
+            </a:endParaRPr>
+          </a:p>
+        </p:txBody>
+      </p:sp>
+    </p:spTree>
+    <p:extLst>
+      <p:ext uri="{BB962C8B-B14F-4D97-AF65-F5344CB8AC3E}">
+        <p14:creationId xmlns:p14="http://schemas.microsoft.com/office/powerpoint/2010/main" val="1622156302"/>
+      </p:ext>
+    </p:extLst>
+  </p:cSld>
+  <p:clrMapOvr>
+    <a:masterClrMapping/>
+  </p:clrMapOvr>
+  <mc:AlternateContent xmlns:mc="http://schemas.openxmlformats.org/markup-compatibility/2006" xmlns:p14="http://schemas.microsoft.com/office/powerpoint/2010/main">
+    <mc:Choice Requires="p14">
+      <p:transition spd="med" p14:dur="700">
+        <p:fade/>
+      </p:transition>
+    </mc:Choice>
+    <mc:Fallback xmlns="">
+      <p:transition spd="med">
+        <p:fade/>
+      </p:transition>
+    </mc:Fallback>
+  </mc:AlternateContent>
+  <p:timing>
+    <p:tnLst>
+      <p:par>
+        <p:cTn id="1" dur="indefinite" restart="never" nodeType="tmRoot"/>
+      </p:par>
+    </p:tnLst>
+  </p:timing>
+</p:sld>
+</file>
+
+<file path=ppt/slides/slide9.xml><?xml version="1.0" encoding="utf-8"?>
+<p:sld xmlns:a="http://schemas.openxmlformats.org/drawingml/2006/main" xmlns:r="http://schemas.openxmlformats.org/officeDocument/2006/relationships" xmlns:p="http://schemas.openxmlformats.org/presentationml/2006/main">
+  <p:cSld>
+    <p:spTree>
+      <p:nvGrpSpPr>
+        <p:cNvPr id="1" name=""/>
+        <p:cNvGrpSpPr/>
+        <p:nvPr/>
+      </p:nvGrpSpPr>
+      <p:grpSpPr>
+        <a:xfrm>
+          <a:off x="0" y="0"/>
+          <a:ext cx="0" cy="0"/>
+          <a:chOff x="0" y="0"/>
+          <a:chExt cx="0" cy="0"/>
+        </a:xfrm>
+      </p:grpSpPr>
+      <p:sp>
+        <p:nvSpPr>
+          <p:cNvPr id="2" name="Заголовок 1"/>
+          <p:cNvSpPr>
+            <a:spLocks noGrp="1"/>
+          </p:cNvSpPr>
+          <p:nvPr>
+            <p:ph type="title"/>
+          </p:nvPr>
+        </p:nvSpPr>
+        <p:spPr/>
+        <p:txBody>
+          <a:bodyPr>
+            <a:normAutofit/>
+          </a:bodyPr>
+          <a:lstStyle/>
+          <a:p>
+            <a:r>
+              <a:rPr lang="en-US" sz="4400" dirty="0"/>
+              <a:t>Emotions tracking  library</a:t>
+            </a:r>
+          </a:p>
+        </p:txBody>
+      </p:sp>
+      <p:sp>
+        <p:nvSpPr>
+          <p:cNvPr id="3" name="Объект 2"/>
+          <p:cNvSpPr>
+            <a:spLocks noGrp="1"/>
+          </p:cNvSpPr>
+          <p:nvPr>
+            <p:ph idx="1"/>
+          </p:nvPr>
+        </p:nvSpPr>
+        <p:spPr/>
+        <p:txBody>
+          <a:bodyPr/>
+          <a:lstStyle/>
+          <a:p>
+            <a:r>
+              <a:rPr lang="en-US" dirty="0" smtClean="0"/>
+              <a:t>Native library</a:t>
+            </a:r>
+          </a:p>
+          <a:p>
+            <a:r>
+              <a:rPr lang="en-US" dirty="0" smtClean="0"/>
+              <a:t>C# wrapper</a:t>
+            </a:r>
+            <a:endParaRPr lang="en-US" dirty="0"/>
+          </a:p>
+        </p:txBody>
+      </p:sp>
+      <p:sp>
+        <p:nvSpPr>
+          <p:cNvPr id="6" name="Номер слайда 5"/>
+          <p:cNvSpPr>
+            <a:spLocks noGrp="1"/>
+          </p:cNvSpPr>
+          <p:nvPr>
+            <p:ph type="sldNum" sz="quarter" idx="12"/>
+          </p:nvPr>
+        </p:nvSpPr>
+        <p:spPr/>
+        <p:txBody>
+          <a:bodyPr/>
+          <a:lstStyle/>
+          <a:p>
+            <a:fld id="{C014DD1E-5D91-48A3-AD6D-45FBA980D106}" type="slidenum">
+              <a:rPr lang="ru-RU" noProof="0" smtClean="0"/>
+              <a:t>9</a:t>
+            </a:fld>
+            <a:endParaRPr lang="ru-RU" noProof="0" dirty="0"/>
+          </a:p>
+        </p:txBody>
+      </p:sp>
+    </p:spTree>
+    <p:extLst>
+      <p:ext uri="{BB962C8B-B14F-4D97-AF65-F5344CB8AC3E}">
+        <p14:creationId xmlns:p14="http://schemas.microsoft.com/office/powerpoint/2010/main" val="968710902"/>
+      </p:ext>
+    </p:extLst>
+  </p:cSld>
+  <p:clrMapOvr>
+    <a:masterClrMapping/>
+  </p:clrMapOvr>
+  <mc:AlternateContent xmlns:mc="http://schemas.openxmlformats.org/markup-compatibility/2006" xmlns:p14="http://schemas.microsoft.com/office/powerpoint/2010/main">
+    <mc:Choice Requires="p14">
+      <p:transition spd="med" p14:dur="700">
+        <p:fade/>
+      </p:transition>
+    </mc:Choice>
+    <mc:Fallback xmlns="">
+      <p:transition spd="med">
+        <p:fade/>
+      </p:transition>
+    </mc:Fallback>
+  </mc:AlternateContent>
+  <p:timing>
+    <p:tnLst>
+      <p:par>
+        <p:cTn id="1" dur="indefinite" restart="never" nodeType="tmRoot"/>
+      </p:par>
+    </p:tnLst>
+  </p:timing>
 </p:sld>
 </file>
 

--- a/EmotionsTracker.pptx
+++ b/EmotionsTracker.pptx
@@ -5,28 +5,33 @@
     <p:sldMasterId id="2147483660" r:id="rId2"/>
   </p:sldMasterIdLst>
   <p:notesMasterIdLst>
-    <p:notesMasterId r:id="rId19"/>
+    <p:notesMasterId r:id="rId24"/>
   </p:notesMasterIdLst>
   <p:handoutMasterIdLst>
-    <p:handoutMasterId r:id="rId20"/>
+    <p:handoutMasterId r:id="rId25"/>
   </p:handoutMasterIdLst>
   <p:sldIdLst>
     <p:sldId id="263" r:id="rId3"/>
     <p:sldId id="258" r:id="rId4"/>
     <p:sldId id="264" r:id="rId5"/>
-    <p:sldId id="265" r:id="rId6"/>
-    <p:sldId id="266" r:id="rId7"/>
-    <p:sldId id="267" r:id="rId8"/>
-    <p:sldId id="268" r:id="rId9"/>
-    <p:sldId id="270" r:id="rId10"/>
-    <p:sldId id="269" r:id="rId11"/>
-    <p:sldId id="271" r:id="rId12"/>
-    <p:sldId id="273" r:id="rId13"/>
-    <p:sldId id="274" r:id="rId14"/>
-    <p:sldId id="275" r:id="rId15"/>
-    <p:sldId id="276" r:id="rId16"/>
-    <p:sldId id="278" r:id="rId17"/>
-    <p:sldId id="277" r:id="rId18"/>
+    <p:sldId id="283" r:id="rId6"/>
+    <p:sldId id="265" r:id="rId7"/>
+    <p:sldId id="266" r:id="rId8"/>
+    <p:sldId id="267" r:id="rId9"/>
+    <p:sldId id="268" r:id="rId10"/>
+    <p:sldId id="270" r:id="rId11"/>
+    <p:sldId id="269" r:id="rId12"/>
+    <p:sldId id="271" r:id="rId13"/>
+    <p:sldId id="273" r:id="rId14"/>
+    <p:sldId id="274" r:id="rId15"/>
+    <p:sldId id="279" r:id="rId16"/>
+    <p:sldId id="280" r:id="rId17"/>
+    <p:sldId id="281" r:id="rId18"/>
+    <p:sldId id="282" r:id="rId19"/>
+    <p:sldId id="276" r:id="rId20"/>
+    <p:sldId id="275" r:id="rId21"/>
+    <p:sldId id="278" r:id="rId22"/>
+    <p:sldId id="277" r:id="rId23"/>
   </p:sldIdLst>
   <p:sldSz cx="12188825" cy="6858000"/>
   <p:notesSz cx="6858000" cy="9144000"/>
@@ -265,7 +270,7 @@
           <a:p>
             <a:fld id="{FE5B4EDC-59C0-49C7-8ADA-5A781B329E02}" type="datetimeFigureOut">
               <a:rPr lang="ru-RU"/>
-              <a:t>14.02.2017</a:t>
+              <a:t>19.02.2017</a:t>
             </a:fld>
             <a:endParaRPr/>
           </a:p>
@@ -430,7 +435,7 @@
           <a:p>
             <a:fld id="{F2D8D46A-B586-417D-BFBD-8C8FE0AAF762}" type="datetimeFigureOut">
               <a:rPr lang="ru-RU"/>
-              <a:t>14.02.2017</a:t>
+              <a:t>19.02.2017</a:t>
             </a:fld>
             <a:endParaRPr/>
           </a:p>
@@ -762,7 +767,7 @@
           <a:p>
             <a:fld id="{3EBA5BD7-F043-4D1B-AA17-CD412FC534DE}" type="slidenum">
               <a:rPr lang="en-US" smtClean="0"/>
-              <a:t>6</a:t>
+              <a:t>7</a:t>
             </a:fld>
             <a:endParaRPr lang="en-US"/>
           </a:p>
@@ -772,6 +777,174 @@
     <p:extLst>
       <p:ext uri="{BB962C8B-B14F-4D97-AF65-F5344CB8AC3E}">
         <p14:creationId xmlns:p14="http://schemas.microsoft.com/office/powerpoint/2010/main" val="3416241238"/>
+      </p:ext>
+    </p:extLst>
+  </p:cSld>
+  <p:clrMapOvr>
+    <a:masterClrMapping/>
+  </p:clrMapOvr>
+</p:notes>
+</file>
+
+<file path=ppt/notesSlides/notesSlide10.xml><?xml version="1.0" encoding="utf-8"?>
+<p:notes xmlns:a="http://schemas.openxmlformats.org/drawingml/2006/main" xmlns:r="http://schemas.openxmlformats.org/officeDocument/2006/relationships" xmlns:p="http://schemas.openxmlformats.org/presentationml/2006/main">
+  <p:cSld>
+    <p:spTree>
+      <p:nvGrpSpPr>
+        <p:cNvPr id="1" name=""/>
+        <p:cNvGrpSpPr/>
+        <p:nvPr/>
+      </p:nvGrpSpPr>
+      <p:grpSpPr>
+        <a:xfrm>
+          <a:off x="0" y="0"/>
+          <a:ext cx="0" cy="0"/>
+          <a:chOff x="0" y="0"/>
+          <a:chExt cx="0" cy="0"/>
+        </a:xfrm>
+      </p:grpSpPr>
+      <p:sp>
+        <p:nvSpPr>
+          <p:cNvPr id="2" name="Образ слайда 1"/>
+          <p:cNvSpPr>
+            <a:spLocks noGrp="1" noRot="1" noChangeAspect="1"/>
+          </p:cNvSpPr>
+          <p:nvPr>
+            <p:ph type="sldImg"/>
+          </p:nvPr>
+        </p:nvSpPr>
+        <p:spPr/>
+      </p:sp>
+      <p:sp>
+        <p:nvSpPr>
+          <p:cNvPr id="3" name="Заметки 2"/>
+          <p:cNvSpPr>
+            <a:spLocks noGrp="1"/>
+          </p:cNvSpPr>
+          <p:nvPr>
+            <p:ph type="body" idx="1"/>
+          </p:nvPr>
+        </p:nvSpPr>
+        <p:spPr/>
+        <p:txBody>
+          <a:bodyPr/>
+          <a:lstStyle/>
+          <a:p>
+            <a:endParaRPr lang="en-US" dirty="0"/>
+          </a:p>
+        </p:txBody>
+      </p:sp>
+      <p:sp>
+        <p:nvSpPr>
+          <p:cNvPr id="4" name="Номер слайда 3"/>
+          <p:cNvSpPr>
+            <a:spLocks noGrp="1"/>
+          </p:cNvSpPr>
+          <p:nvPr>
+            <p:ph type="sldNum" sz="quarter" idx="10"/>
+          </p:nvPr>
+        </p:nvSpPr>
+        <p:spPr/>
+        <p:txBody>
+          <a:bodyPr/>
+          <a:lstStyle/>
+          <a:p>
+            <a:fld id="{3EBA5BD7-F043-4D1B-AA17-CD412FC534DE}" type="slidenum">
+              <a:rPr lang="en-US" smtClean="0"/>
+              <a:t>20</a:t>
+            </a:fld>
+            <a:endParaRPr lang="en-US"/>
+          </a:p>
+        </p:txBody>
+      </p:sp>
+    </p:spTree>
+    <p:extLst>
+      <p:ext uri="{BB962C8B-B14F-4D97-AF65-F5344CB8AC3E}">
+        <p14:creationId xmlns:p14="http://schemas.microsoft.com/office/powerpoint/2010/main" val="2426739747"/>
+      </p:ext>
+    </p:extLst>
+  </p:cSld>
+  <p:clrMapOvr>
+    <a:masterClrMapping/>
+  </p:clrMapOvr>
+</p:notes>
+</file>
+
+<file path=ppt/notesSlides/notesSlide11.xml><?xml version="1.0" encoding="utf-8"?>
+<p:notes xmlns:a="http://schemas.openxmlformats.org/drawingml/2006/main" xmlns:r="http://schemas.openxmlformats.org/officeDocument/2006/relationships" xmlns:p="http://schemas.openxmlformats.org/presentationml/2006/main">
+  <p:cSld>
+    <p:spTree>
+      <p:nvGrpSpPr>
+        <p:cNvPr id="1" name=""/>
+        <p:cNvGrpSpPr/>
+        <p:nvPr/>
+      </p:nvGrpSpPr>
+      <p:grpSpPr>
+        <a:xfrm>
+          <a:off x="0" y="0"/>
+          <a:ext cx="0" cy="0"/>
+          <a:chOff x="0" y="0"/>
+          <a:chExt cx="0" cy="0"/>
+        </a:xfrm>
+      </p:grpSpPr>
+      <p:sp>
+        <p:nvSpPr>
+          <p:cNvPr id="2" name="Образ слайда 1"/>
+          <p:cNvSpPr>
+            <a:spLocks noGrp="1" noRot="1" noChangeAspect="1"/>
+          </p:cNvSpPr>
+          <p:nvPr>
+            <p:ph type="sldImg"/>
+          </p:nvPr>
+        </p:nvSpPr>
+        <p:spPr/>
+      </p:sp>
+      <p:sp>
+        <p:nvSpPr>
+          <p:cNvPr id="3" name="Заметки 2"/>
+          <p:cNvSpPr>
+            <a:spLocks noGrp="1"/>
+          </p:cNvSpPr>
+          <p:nvPr>
+            <p:ph type="body" idx="1"/>
+          </p:nvPr>
+        </p:nvSpPr>
+        <p:spPr/>
+        <p:txBody>
+          <a:bodyPr/>
+          <a:lstStyle/>
+          <a:p>
+            <a:endParaRPr lang="en-US" dirty="0"/>
+          </a:p>
+        </p:txBody>
+      </p:sp>
+      <p:sp>
+        <p:nvSpPr>
+          <p:cNvPr id="4" name="Номер слайда 3"/>
+          <p:cNvSpPr>
+            <a:spLocks noGrp="1"/>
+          </p:cNvSpPr>
+          <p:nvPr>
+            <p:ph type="sldNum" sz="quarter" idx="10"/>
+          </p:nvPr>
+        </p:nvSpPr>
+        <p:spPr/>
+        <p:txBody>
+          <a:bodyPr/>
+          <a:lstStyle/>
+          <a:p>
+            <a:fld id="{3EBA5BD7-F043-4D1B-AA17-CD412FC534DE}" type="slidenum">
+              <a:rPr lang="en-US" smtClean="0"/>
+              <a:t>21</a:t>
+            </a:fld>
+            <a:endParaRPr lang="en-US"/>
+          </a:p>
+        </p:txBody>
+      </p:sp>
+    </p:spTree>
+    <p:extLst>
+      <p:ext uri="{BB962C8B-B14F-4D97-AF65-F5344CB8AC3E}">
+        <p14:creationId xmlns:p14="http://schemas.microsoft.com/office/powerpoint/2010/main" val="2676660636"/>
       </p:ext>
     </p:extLst>
   </p:cSld>
@@ -846,7 +1019,7 @@
           <a:p>
             <a:fld id="{3EBA5BD7-F043-4D1B-AA17-CD412FC534DE}" type="slidenum">
               <a:rPr lang="en-US" smtClean="0"/>
-              <a:t>9</a:t>
+              <a:t>10</a:t>
             </a:fld>
             <a:endParaRPr lang="en-US"/>
           </a:p>
@@ -930,7 +1103,7 @@
           <a:p>
             <a:fld id="{3EBA5BD7-F043-4D1B-AA17-CD412FC534DE}" type="slidenum">
               <a:rPr lang="en-US" smtClean="0"/>
-              <a:t>12</a:t>
+              <a:t>13</a:t>
             </a:fld>
             <a:endParaRPr lang="en-US"/>
           </a:p>
@@ -1014,7 +1187,7 @@
           <a:p>
             <a:fld id="{3EBA5BD7-F043-4D1B-AA17-CD412FC534DE}" type="slidenum">
               <a:rPr lang="en-US" smtClean="0"/>
-              <a:t>13</a:t>
+              <a:t>14</a:t>
             </a:fld>
             <a:endParaRPr lang="en-US"/>
           </a:p>
@@ -1023,7 +1196,7 @@
     </p:spTree>
     <p:extLst>
       <p:ext uri="{BB962C8B-B14F-4D97-AF65-F5344CB8AC3E}">
-        <p14:creationId xmlns:p14="http://schemas.microsoft.com/office/powerpoint/2010/main" val="876574031"/>
+        <p14:creationId xmlns:p14="http://schemas.microsoft.com/office/powerpoint/2010/main" val="3914704219"/>
       </p:ext>
     </p:extLst>
   </p:cSld>
@@ -1098,7 +1271,7 @@
           <a:p>
             <a:fld id="{3EBA5BD7-F043-4D1B-AA17-CD412FC534DE}" type="slidenum">
               <a:rPr lang="en-US" smtClean="0"/>
-              <a:t>14</a:t>
+              <a:t>15</a:t>
             </a:fld>
             <a:endParaRPr lang="en-US"/>
           </a:p>
@@ -1107,7 +1280,7 @@
     </p:spTree>
     <p:extLst>
       <p:ext uri="{BB962C8B-B14F-4D97-AF65-F5344CB8AC3E}">
-        <p14:creationId xmlns:p14="http://schemas.microsoft.com/office/powerpoint/2010/main" val="3879373161"/>
+        <p14:creationId xmlns:p14="http://schemas.microsoft.com/office/powerpoint/2010/main" val="3011033836"/>
       </p:ext>
     </p:extLst>
   </p:cSld>
@@ -1182,7 +1355,7 @@
           <a:p>
             <a:fld id="{3EBA5BD7-F043-4D1B-AA17-CD412FC534DE}" type="slidenum">
               <a:rPr lang="en-US" smtClean="0"/>
-              <a:t>15</a:t>
+              <a:t>16</a:t>
             </a:fld>
             <a:endParaRPr lang="en-US"/>
           </a:p>
@@ -1191,7 +1364,7 @@
     </p:spTree>
     <p:extLst>
       <p:ext uri="{BB962C8B-B14F-4D97-AF65-F5344CB8AC3E}">
-        <p14:creationId xmlns:p14="http://schemas.microsoft.com/office/powerpoint/2010/main" val="2426739747"/>
+        <p14:creationId xmlns:p14="http://schemas.microsoft.com/office/powerpoint/2010/main" val="3185362520"/>
       </p:ext>
     </p:extLst>
   </p:cSld>
@@ -1266,7 +1439,7 @@
           <a:p>
             <a:fld id="{3EBA5BD7-F043-4D1B-AA17-CD412FC534DE}" type="slidenum">
               <a:rPr lang="en-US" smtClean="0"/>
-              <a:t>16</a:t>
+              <a:t>17</a:t>
             </a:fld>
             <a:endParaRPr lang="en-US"/>
           </a:p>
@@ -1275,7 +1448,175 @@
     </p:spTree>
     <p:extLst>
       <p:ext uri="{BB962C8B-B14F-4D97-AF65-F5344CB8AC3E}">
-        <p14:creationId xmlns:p14="http://schemas.microsoft.com/office/powerpoint/2010/main" val="2676660636"/>
+        <p14:creationId xmlns:p14="http://schemas.microsoft.com/office/powerpoint/2010/main" val="1033569461"/>
+      </p:ext>
+    </p:extLst>
+  </p:cSld>
+  <p:clrMapOvr>
+    <a:masterClrMapping/>
+  </p:clrMapOvr>
+</p:notes>
+</file>
+
+<file path=ppt/notesSlides/notesSlide8.xml><?xml version="1.0" encoding="utf-8"?>
+<p:notes xmlns:a="http://schemas.openxmlformats.org/drawingml/2006/main" xmlns:r="http://schemas.openxmlformats.org/officeDocument/2006/relationships" xmlns:p="http://schemas.openxmlformats.org/presentationml/2006/main">
+  <p:cSld>
+    <p:spTree>
+      <p:nvGrpSpPr>
+        <p:cNvPr id="1" name=""/>
+        <p:cNvGrpSpPr/>
+        <p:nvPr/>
+      </p:nvGrpSpPr>
+      <p:grpSpPr>
+        <a:xfrm>
+          <a:off x="0" y="0"/>
+          <a:ext cx="0" cy="0"/>
+          <a:chOff x="0" y="0"/>
+          <a:chExt cx="0" cy="0"/>
+        </a:xfrm>
+      </p:grpSpPr>
+      <p:sp>
+        <p:nvSpPr>
+          <p:cNvPr id="2" name="Образ слайда 1"/>
+          <p:cNvSpPr>
+            <a:spLocks noGrp="1" noRot="1" noChangeAspect="1"/>
+          </p:cNvSpPr>
+          <p:nvPr>
+            <p:ph type="sldImg"/>
+          </p:nvPr>
+        </p:nvSpPr>
+        <p:spPr/>
+      </p:sp>
+      <p:sp>
+        <p:nvSpPr>
+          <p:cNvPr id="3" name="Заметки 2"/>
+          <p:cNvSpPr>
+            <a:spLocks noGrp="1"/>
+          </p:cNvSpPr>
+          <p:nvPr>
+            <p:ph type="body" idx="1"/>
+          </p:nvPr>
+        </p:nvSpPr>
+        <p:spPr/>
+        <p:txBody>
+          <a:bodyPr/>
+          <a:lstStyle/>
+          <a:p>
+            <a:endParaRPr lang="en-US" dirty="0"/>
+          </a:p>
+        </p:txBody>
+      </p:sp>
+      <p:sp>
+        <p:nvSpPr>
+          <p:cNvPr id="4" name="Номер слайда 3"/>
+          <p:cNvSpPr>
+            <a:spLocks noGrp="1"/>
+          </p:cNvSpPr>
+          <p:nvPr>
+            <p:ph type="sldNum" sz="quarter" idx="10"/>
+          </p:nvPr>
+        </p:nvSpPr>
+        <p:spPr/>
+        <p:txBody>
+          <a:bodyPr/>
+          <a:lstStyle/>
+          <a:p>
+            <a:fld id="{3EBA5BD7-F043-4D1B-AA17-CD412FC534DE}" type="slidenum">
+              <a:rPr lang="en-US" smtClean="0"/>
+              <a:t>18</a:t>
+            </a:fld>
+            <a:endParaRPr lang="en-US"/>
+          </a:p>
+        </p:txBody>
+      </p:sp>
+    </p:spTree>
+    <p:extLst>
+      <p:ext uri="{BB962C8B-B14F-4D97-AF65-F5344CB8AC3E}">
+        <p14:creationId xmlns:p14="http://schemas.microsoft.com/office/powerpoint/2010/main" val="3879373161"/>
+      </p:ext>
+    </p:extLst>
+  </p:cSld>
+  <p:clrMapOvr>
+    <a:masterClrMapping/>
+  </p:clrMapOvr>
+</p:notes>
+</file>
+
+<file path=ppt/notesSlides/notesSlide9.xml><?xml version="1.0" encoding="utf-8"?>
+<p:notes xmlns:a="http://schemas.openxmlformats.org/drawingml/2006/main" xmlns:r="http://schemas.openxmlformats.org/officeDocument/2006/relationships" xmlns:p="http://schemas.openxmlformats.org/presentationml/2006/main">
+  <p:cSld>
+    <p:spTree>
+      <p:nvGrpSpPr>
+        <p:cNvPr id="1" name=""/>
+        <p:cNvGrpSpPr/>
+        <p:nvPr/>
+      </p:nvGrpSpPr>
+      <p:grpSpPr>
+        <a:xfrm>
+          <a:off x="0" y="0"/>
+          <a:ext cx="0" cy="0"/>
+          <a:chOff x="0" y="0"/>
+          <a:chExt cx="0" cy="0"/>
+        </a:xfrm>
+      </p:grpSpPr>
+      <p:sp>
+        <p:nvSpPr>
+          <p:cNvPr id="2" name="Образ слайда 1"/>
+          <p:cNvSpPr>
+            <a:spLocks noGrp="1" noRot="1" noChangeAspect="1"/>
+          </p:cNvSpPr>
+          <p:nvPr>
+            <p:ph type="sldImg"/>
+          </p:nvPr>
+        </p:nvSpPr>
+        <p:spPr/>
+      </p:sp>
+      <p:sp>
+        <p:nvSpPr>
+          <p:cNvPr id="3" name="Заметки 2"/>
+          <p:cNvSpPr>
+            <a:spLocks noGrp="1"/>
+          </p:cNvSpPr>
+          <p:nvPr>
+            <p:ph type="body" idx="1"/>
+          </p:nvPr>
+        </p:nvSpPr>
+        <p:spPr/>
+        <p:txBody>
+          <a:bodyPr/>
+          <a:lstStyle/>
+          <a:p>
+            <a:endParaRPr lang="en-US" dirty="0"/>
+          </a:p>
+        </p:txBody>
+      </p:sp>
+      <p:sp>
+        <p:nvSpPr>
+          <p:cNvPr id="4" name="Номер слайда 3"/>
+          <p:cNvSpPr>
+            <a:spLocks noGrp="1"/>
+          </p:cNvSpPr>
+          <p:nvPr>
+            <p:ph type="sldNum" sz="quarter" idx="10"/>
+          </p:nvPr>
+        </p:nvSpPr>
+        <p:spPr/>
+        <p:txBody>
+          <a:bodyPr/>
+          <a:lstStyle/>
+          <a:p>
+            <a:fld id="{3EBA5BD7-F043-4D1B-AA17-CD412FC534DE}" type="slidenum">
+              <a:rPr lang="en-US" smtClean="0"/>
+              <a:t>19</a:t>
+            </a:fld>
+            <a:endParaRPr lang="en-US"/>
+          </a:p>
+        </p:txBody>
+      </p:sp>
+    </p:spTree>
+    <p:extLst>
+      <p:ext uri="{BB962C8B-B14F-4D97-AF65-F5344CB8AC3E}">
+        <p14:creationId xmlns:p14="http://schemas.microsoft.com/office/powerpoint/2010/main" val="876574031"/>
       </p:ext>
     </p:extLst>
   </p:cSld>
@@ -6097,42 +6438,41 @@
           <a:lstStyle/>
           <a:p>
             <a:r>
-              <a:rPr lang="en-US" sz="4400" dirty="0" smtClean="0"/>
-              <a:t>C# Class Diagram</a:t>
-            </a:r>
-            <a:endParaRPr lang="en-US" sz="4400" dirty="0"/>
-          </a:p>
-        </p:txBody>
-      </p:sp>
-      <p:pic>
-        <p:nvPicPr>
-          <p:cNvPr id="7" name="Объект 6"/>
-          <p:cNvPicPr>
-            <a:picLocks noGrp="1" noChangeAspect="1"/>
-          </p:cNvPicPr>
+              <a:rPr lang="en-US" sz="4400" dirty="0"/>
+              <a:t>Emotions tracking  library</a:t>
+            </a:r>
+          </a:p>
+        </p:txBody>
+      </p:sp>
+      <p:sp>
+        <p:nvSpPr>
+          <p:cNvPr id="3" name="Объект 2"/>
+          <p:cNvSpPr>
+            <a:spLocks noGrp="1"/>
+          </p:cNvSpPr>
           <p:nvPr>
             <p:ph idx="1"/>
           </p:nvPr>
-        </p:nvPicPr>
-        <p:blipFill>
-          <a:blip r:embed="rId2">
-            <a:extLst>
-              <a:ext uri="{28A0092B-C50C-407E-A947-70E740481C1C}">
-                <a14:useLocalDpi xmlns:a14="http://schemas.microsoft.com/office/drawing/2010/main" val="0"/>
-              </a:ext>
-            </a:extLst>
-          </a:blip>
-          <a:stretch>
-            <a:fillRect/>
-          </a:stretch>
-        </p:blipFill>
-        <p:spPr>
-          <a:xfrm>
-            <a:off x="1341884" y="2420888"/>
-            <a:ext cx="10288436" cy="3043662"/>
-          </a:xfrm>
-        </p:spPr>
-      </p:pic>
+        </p:nvSpPr>
+        <p:spPr/>
+        <p:txBody>
+          <a:bodyPr/>
+          <a:lstStyle/>
+          <a:p>
+            <a:r>
+              <a:rPr lang="en-US" dirty="0" smtClean="0"/>
+              <a:t>Native library</a:t>
+            </a:r>
+          </a:p>
+          <a:p>
+            <a:r>
+              <a:rPr lang="en-US" dirty="0" smtClean="0"/>
+              <a:t>C# wrapper</a:t>
+            </a:r>
+            <a:endParaRPr lang="en-US" dirty="0"/>
+          </a:p>
+        </p:txBody>
+      </p:sp>
       <p:sp>
         <p:nvSpPr>
           <p:cNvPr id="6" name="Номер слайда 5"/>
@@ -6159,7 +6499,7 @@
     </p:spTree>
     <p:extLst>
       <p:ext uri="{BB962C8B-B14F-4D97-AF65-F5344CB8AC3E}">
-        <p14:creationId xmlns:p14="http://schemas.microsoft.com/office/powerpoint/2010/main" val="2729122286"/>
+        <p14:creationId xmlns:p14="http://schemas.microsoft.com/office/powerpoint/2010/main" val="968710902"/>
       </p:ext>
     </p:extLst>
   </p:cSld>
@@ -6207,30 +6547,32 @@
       </p:grpSpPr>
       <p:sp>
         <p:nvSpPr>
-          <p:cNvPr id="6" name="Номер слайда 5"/>
+          <p:cNvPr id="2" name="Заголовок 1"/>
           <p:cNvSpPr>
             <a:spLocks noGrp="1"/>
           </p:cNvSpPr>
           <p:nvPr>
-            <p:ph type="sldNum" sz="quarter" idx="12"/>
+            <p:ph type="title"/>
           </p:nvPr>
         </p:nvSpPr>
         <p:spPr/>
         <p:txBody>
-          <a:bodyPr/>
+          <a:bodyPr>
+            <a:normAutofit/>
+          </a:bodyPr>
           <a:lstStyle/>
           <a:p>
-            <a:fld id="{C014DD1E-5D91-48A3-AD6D-45FBA980D106}" type="slidenum">
-              <a:rPr lang="ru-RU" noProof="0" smtClean="0"/>
-              <a:t>11</a:t>
-            </a:fld>
-            <a:endParaRPr lang="ru-RU" noProof="0" dirty="0"/>
+            <a:r>
+              <a:rPr lang="en-US" sz="4400" dirty="0" smtClean="0"/>
+              <a:t>C# Class Diagram</a:t>
+            </a:r>
+            <a:endParaRPr lang="en-US" sz="4400" dirty="0"/>
           </a:p>
         </p:txBody>
       </p:sp>
       <p:pic>
         <p:nvPicPr>
-          <p:cNvPr id="4" name="Объект 3"/>
+          <p:cNvPr id="7" name="Объект 6"/>
           <p:cNvPicPr>
             <a:picLocks noGrp="1" noChangeAspect="1"/>
           </p:cNvPicPr>
@@ -6252,46 +6594,38 @@
         </p:blipFill>
         <p:spPr>
           <a:xfrm>
-            <a:off x="1053852" y="-61905"/>
-            <a:ext cx="10972616" cy="7091305"/>
+            <a:off x="1341884" y="2420888"/>
+            <a:ext cx="10288436" cy="3043662"/>
           </a:xfrm>
         </p:spPr>
       </p:pic>
       <p:sp>
         <p:nvSpPr>
-          <p:cNvPr id="2" name="Заголовок 1"/>
+          <p:cNvPr id="6" name="Номер слайда 5"/>
           <p:cNvSpPr>
             <a:spLocks noGrp="1"/>
           </p:cNvSpPr>
           <p:nvPr>
-            <p:ph type="title"/>
-          </p:nvPr>
-        </p:nvSpPr>
-        <p:spPr>
-          <a:xfrm>
-            <a:off x="1218883" y="-320040"/>
-            <a:ext cx="10360501" cy="1237953"/>
-          </a:xfrm>
-        </p:spPr>
-        <p:txBody>
-          <a:bodyPr>
-            <a:normAutofit/>
-          </a:bodyPr>
+            <p:ph type="sldNum" sz="quarter" idx="12"/>
+          </p:nvPr>
+        </p:nvSpPr>
+        <p:spPr/>
+        <p:txBody>
+          <a:bodyPr/>
           <a:lstStyle/>
           <a:p>
-            <a:pPr algn="r"/>
-            <a:r>
-              <a:rPr lang="en-US" sz="4400" dirty="0" smtClean="0"/>
-              <a:t>C# Class Diagram</a:t>
-            </a:r>
-            <a:endParaRPr lang="en-US" sz="4400" dirty="0"/>
+            <a:fld id="{C014DD1E-5D91-48A3-AD6D-45FBA980D106}" type="slidenum">
+              <a:rPr lang="ru-RU" noProof="0" smtClean="0"/>
+              <a:t>11</a:t>
+            </a:fld>
+            <a:endParaRPr lang="ru-RU" noProof="0" dirty="0"/>
           </a:p>
         </p:txBody>
       </p:sp>
     </p:spTree>
     <p:extLst>
       <p:ext uri="{BB962C8B-B14F-4D97-AF65-F5344CB8AC3E}">
-        <p14:creationId xmlns:p14="http://schemas.microsoft.com/office/powerpoint/2010/main" val="660551374"/>
+        <p14:creationId xmlns:p14="http://schemas.microsoft.com/office/powerpoint/2010/main" val="2729122286"/>
       </p:ext>
     </p:extLst>
   </p:cSld>
@@ -6339,78 +6673,6 @@
       </p:grpSpPr>
       <p:sp>
         <p:nvSpPr>
-          <p:cNvPr id="2" name="Заголовок 1"/>
-          <p:cNvSpPr>
-            <a:spLocks noGrp="1"/>
-          </p:cNvSpPr>
-          <p:nvPr>
-            <p:ph type="title"/>
-          </p:nvPr>
-        </p:nvSpPr>
-        <p:spPr/>
-        <p:txBody>
-          <a:bodyPr>
-            <a:normAutofit/>
-          </a:bodyPr>
-          <a:lstStyle/>
-          <a:p>
-            <a:r>
-              <a:rPr lang="en-US" sz="4400" dirty="0" smtClean="0"/>
-              <a:t>Merging and averaging</a:t>
-            </a:r>
-            <a:endParaRPr lang="en-US" sz="4400" dirty="0"/>
-          </a:p>
-        </p:txBody>
-      </p:sp>
-      <p:sp>
-        <p:nvSpPr>
-          <p:cNvPr id="3" name="Объект 2"/>
-          <p:cNvSpPr>
-            <a:spLocks noGrp="1"/>
-          </p:cNvSpPr>
-          <p:nvPr>
-            <p:ph idx="1"/>
-          </p:nvPr>
-        </p:nvSpPr>
-        <p:spPr/>
-        <p:txBody>
-          <a:bodyPr/>
-          <a:lstStyle/>
-          <a:p>
-            <a:r>
-              <a:rPr lang="en-US" dirty="0" smtClean="0"/>
-              <a:t>Main primitives</a:t>
-            </a:r>
-          </a:p>
-          <a:p>
-            <a:pPr lvl="1"/>
-            <a:r>
-              <a:rPr lang="en-US" dirty="0" smtClean="0"/>
-              <a:t>Merge</a:t>
-            </a:r>
-          </a:p>
-          <a:p>
-            <a:pPr lvl="1"/>
-            <a:r>
-              <a:rPr lang="en-US" dirty="0" smtClean="0"/>
-              <a:t>Average</a:t>
-            </a:r>
-          </a:p>
-          <a:p>
-            <a:pPr lvl="1"/>
-            <a:r>
-              <a:rPr lang="en-US" dirty="0" smtClean="0"/>
-              <a:t>Smooth</a:t>
-            </a:r>
-          </a:p>
-          <a:p>
-            <a:pPr lvl="1"/>
-            <a:endParaRPr lang="en-US" dirty="0"/>
-          </a:p>
-        </p:txBody>
-      </p:sp>
-      <p:sp>
-        <p:nvSpPr>
           <p:cNvPr id="6" name="Номер слайда 5"/>
           <p:cNvSpPr>
             <a:spLocks noGrp="1"/>
@@ -6432,10 +6694,70 @@
           </a:p>
         </p:txBody>
       </p:sp>
+      <p:pic>
+        <p:nvPicPr>
+          <p:cNvPr id="4" name="Объект 3"/>
+          <p:cNvPicPr>
+            <a:picLocks noGrp="1" noChangeAspect="1"/>
+          </p:cNvPicPr>
+          <p:nvPr>
+            <p:ph idx="1"/>
+          </p:nvPr>
+        </p:nvPicPr>
+        <p:blipFill>
+          <a:blip r:embed="rId2">
+            <a:extLst>
+              <a:ext uri="{28A0092B-C50C-407E-A947-70E740481C1C}">
+                <a14:useLocalDpi xmlns:a14="http://schemas.microsoft.com/office/drawing/2010/main" val="0"/>
+              </a:ext>
+            </a:extLst>
+          </a:blip>
+          <a:stretch>
+            <a:fillRect/>
+          </a:stretch>
+        </p:blipFill>
+        <p:spPr>
+          <a:xfrm>
+            <a:off x="1053852" y="-61905"/>
+            <a:ext cx="10972616" cy="7091305"/>
+          </a:xfrm>
+        </p:spPr>
+      </p:pic>
+      <p:sp>
+        <p:nvSpPr>
+          <p:cNvPr id="2" name="Заголовок 1"/>
+          <p:cNvSpPr>
+            <a:spLocks noGrp="1"/>
+          </p:cNvSpPr>
+          <p:nvPr>
+            <p:ph type="title"/>
+          </p:nvPr>
+        </p:nvSpPr>
+        <p:spPr>
+          <a:xfrm>
+            <a:off x="1218883" y="-320040"/>
+            <a:ext cx="10360501" cy="1237953"/>
+          </a:xfrm>
+        </p:spPr>
+        <p:txBody>
+          <a:bodyPr>
+            <a:normAutofit/>
+          </a:bodyPr>
+          <a:lstStyle/>
+          <a:p>
+            <a:pPr algn="r"/>
+            <a:r>
+              <a:rPr lang="en-US" sz="4400" dirty="0" smtClean="0"/>
+              <a:t>C# Class Diagram</a:t>
+            </a:r>
+            <a:endParaRPr lang="en-US" sz="4400" dirty="0"/>
+          </a:p>
+        </p:txBody>
+      </p:sp>
     </p:spTree>
     <p:extLst>
       <p:ext uri="{BB962C8B-B14F-4D97-AF65-F5344CB8AC3E}">
-        <p14:creationId xmlns:p14="http://schemas.microsoft.com/office/powerpoint/2010/main" val="693566703"/>
+        <p14:creationId xmlns:p14="http://schemas.microsoft.com/office/powerpoint/2010/main" val="660551374"/>
       </p:ext>
     </p:extLst>
   </p:cSld>
@@ -6500,7 +6822,7 @@
           <a:p>
             <a:r>
               <a:rPr lang="en-US" sz="4400" dirty="0" smtClean="0"/>
-              <a:t>Heat map</a:t>
+              <a:t>Merging and averaging</a:t>
             </a:r>
             <a:endParaRPr lang="en-US" sz="4400" dirty="0"/>
           </a:p>
@@ -6523,30 +6845,32 @@
           <a:p>
             <a:r>
               <a:rPr lang="en-US" dirty="0" smtClean="0"/>
-              <a:t>Two</a:t>
-            </a:r>
-            <a:r>
-              <a:rPr lang="ru-RU" dirty="0" smtClean="0"/>
-              <a:t> </a:t>
-            </a:r>
+              <a:t>Main primitives</a:t>
+            </a:r>
+          </a:p>
+          <a:p>
+            <a:pPr lvl="1"/>
             <a:r>
               <a:rPr lang="en-US" dirty="0" smtClean="0"/>
-              <a:t>varieties</a:t>
+              <a:t>Merge</a:t>
             </a:r>
           </a:p>
           <a:p>
             <a:pPr lvl="1"/>
             <a:r>
               <a:rPr lang="en-US" dirty="0" smtClean="0"/>
-              <a:t>Set of gaze points</a:t>
+              <a:t>Average</a:t>
             </a:r>
           </a:p>
           <a:p>
             <a:pPr lvl="1"/>
             <a:r>
               <a:rPr lang="en-US" dirty="0" smtClean="0"/>
-              <a:t>Blurring the 2D histogram of gaze points occurrences by convolution with arithmetic mean filter response</a:t>
-            </a:r>
+              <a:t>Smooth</a:t>
+            </a:r>
+          </a:p>
+          <a:p>
+            <a:pPr lvl="1"/>
             <a:endParaRPr lang="en-US" dirty="0"/>
           </a:p>
         </p:txBody>
@@ -6577,7 +6901,7 @@
     </p:spTree>
     <p:extLst>
       <p:ext uri="{BB962C8B-B14F-4D97-AF65-F5344CB8AC3E}">
-        <p14:creationId xmlns:p14="http://schemas.microsoft.com/office/powerpoint/2010/main" val="2298616573"/>
+        <p14:creationId xmlns:p14="http://schemas.microsoft.com/office/powerpoint/2010/main" val="693566703"/>
       </p:ext>
     </p:extLst>
   </p:cSld>
@@ -6642,7 +6966,7 @@
           <a:p>
             <a:r>
               <a:rPr lang="en-US" sz="4400" dirty="0" smtClean="0"/>
-              <a:t>Gaze tracking</a:t>
+              <a:t>Merge</a:t>
             </a:r>
             <a:endParaRPr lang="en-US" sz="4400" dirty="0"/>
           </a:p>
@@ -6665,17 +6989,34 @@
           <a:p>
             <a:r>
               <a:rPr lang="en-US" dirty="0" smtClean="0"/>
-              <a:t>Calibration</a:t>
-            </a:r>
+              <a:t>Merging two time lines</a:t>
+            </a:r>
+          </a:p>
+          <a:p>
+            <a:endParaRPr lang="en-US" dirty="0"/>
+          </a:p>
+          <a:p>
+            <a:endParaRPr lang="en-US" dirty="0" smtClean="0"/>
+          </a:p>
+          <a:p>
+            <a:endParaRPr lang="en-US" dirty="0" smtClean="0"/>
           </a:p>
           <a:p>
             <a:r>
               <a:rPr lang="en-US" dirty="0" smtClean="0"/>
-              <a:t>Saccades</a:t>
-            </a:r>
-          </a:p>
-          <a:p>
-            <a:pPr lvl="1"/>
+              <a:t>Merging emotions data</a:t>
+            </a:r>
+          </a:p>
+          <a:p>
+            <a:endParaRPr lang="en-US" dirty="0"/>
+          </a:p>
+          <a:p>
+            <a:endParaRPr lang="en-US" dirty="0" smtClean="0"/>
+          </a:p>
+          <a:p>
+            <a:endParaRPr lang="en-US" dirty="0"/>
+          </a:p>
+          <a:p>
             <a:endParaRPr lang="en-US" dirty="0"/>
           </a:p>
         </p:txBody>
@@ -6703,10 +7044,311 @@
           </a:p>
         </p:txBody>
       </p:sp>
+      <p:sp>
+        <p:nvSpPr>
+          <p:cNvPr id="4" name="Прямоугольник 3"/>
+          <p:cNvSpPr/>
+          <p:nvPr/>
+        </p:nvSpPr>
+        <p:spPr>
+          <a:xfrm>
+            <a:off x="1218883" y="2335232"/>
+            <a:ext cx="9772073" cy="1323439"/>
+          </a:xfrm>
+          <a:prstGeom prst="rect">
+            <a:avLst/>
+          </a:prstGeom>
+        </p:spPr>
+        <p:style>
+          <a:lnRef idx="2">
+            <a:schemeClr val="accent6"/>
+          </a:lnRef>
+          <a:fillRef idx="1">
+            <a:schemeClr val="lt1"/>
+          </a:fillRef>
+          <a:effectRef idx="0">
+            <a:schemeClr val="accent6"/>
+          </a:effectRef>
+          <a:fontRef idx="minor">
+            <a:schemeClr val="dk1"/>
+          </a:fontRef>
+        </p:style>
+        <p:txBody>
+          <a:bodyPr rtlCol="0" anchor="ctr">
+            <a:spAutoFit/>
+          </a:bodyPr>
+          <a:lstStyle/>
+          <a:p>
+            <a:pPr algn="ctr"/>
+            <a:r>
+              <a:rPr lang="en-US" sz="2000" dirty="0">
+                <a:latin typeface="Courier New" panose="02070309020205020404" pitchFamily="49" charset="0"/>
+                <a:ea typeface="Microsoft Sans Serif" panose="020B0604020202020204" pitchFamily="34" charset="0"/>
+                <a:cs typeface="Courier New" panose="02070309020205020404" pitchFamily="49" charset="0"/>
+              </a:rPr>
+              <a:t>|------||--------------|         </a:t>
+            </a:r>
+            <a:r>
+              <a:rPr lang="en-US" sz="2000" dirty="0" smtClean="0">
+                <a:latin typeface="Courier New" panose="02070309020205020404" pitchFamily="49" charset="0"/>
+                <a:ea typeface="Microsoft Sans Serif" panose="020B0604020202020204" pitchFamily="34" charset="0"/>
+                <a:cs typeface="Courier New" panose="02070309020205020404" pitchFamily="49" charset="0"/>
+              </a:rPr>
+              <a:t>|----------||---------||--|</a:t>
+            </a:r>
+          </a:p>
+          <a:p>
+            <a:pPr algn="ctr"/>
+            <a:r>
+              <a:rPr lang="en-US" sz="2000" dirty="0" smtClean="0">
+                <a:latin typeface="Courier New" panose="02070309020205020404" pitchFamily="49" charset="0"/>
+                <a:ea typeface="Microsoft Sans Serif" panose="020B0604020202020204" pitchFamily="34" charset="0"/>
+                <a:cs typeface="Courier New" panose="02070309020205020404" pitchFamily="49" charset="0"/>
+              </a:rPr>
+              <a:t>|--------------------------||---------||------------||-----|</a:t>
+            </a:r>
+          </a:p>
+          <a:p>
+            <a:pPr algn="ctr"/>
+            <a:endParaRPr lang="en-US" sz="2000" dirty="0">
+              <a:latin typeface="Courier New" panose="02070309020205020404" pitchFamily="49" charset="0"/>
+              <a:ea typeface="Microsoft Sans Serif" panose="020B0604020202020204" pitchFamily="34" charset="0"/>
+              <a:cs typeface="Courier New" panose="02070309020205020404" pitchFamily="49" charset="0"/>
+            </a:endParaRPr>
+          </a:p>
+          <a:p>
+            <a:pPr algn="ctr"/>
+            <a:r>
+              <a:rPr lang="en-US" sz="2000" dirty="0" smtClean="0">
+                <a:latin typeface="Courier New" panose="02070309020205020404" pitchFamily="49" charset="0"/>
+                <a:ea typeface="Microsoft Sans Serif" panose="020B0604020202020204" pitchFamily="34" charset="0"/>
+                <a:cs typeface="Courier New" panose="02070309020205020404" pitchFamily="49" charset="0"/>
+              </a:rPr>
+              <a:t>|======||==============||==||===||====||====||======||=||==|</a:t>
+            </a:r>
+            <a:endParaRPr lang="en-US" sz="2000" dirty="0">
+              <a:latin typeface="Courier New" panose="02070309020205020404" pitchFamily="49" charset="0"/>
+              <a:ea typeface="Microsoft Sans Serif" panose="020B0604020202020204" pitchFamily="34" charset="0"/>
+              <a:cs typeface="Courier New" panose="02070309020205020404" pitchFamily="49" charset="0"/>
+            </a:endParaRPr>
+          </a:p>
+        </p:txBody>
+      </p:sp>
+      <p:sp>
+        <p:nvSpPr>
+          <p:cNvPr id="5" name="Прямоугольник 4"/>
+          <p:cNvSpPr/>
+          <p:nvPr/>
+        </p:nvSpPr>
+        <p:spPr>
+          <a:xfrm>
+            <a:off x="1218883" y="4509119"/>
+            <a:ext cx="10360501" cy="1654949"/>
+          </a:xfrm>
+          <a:prstGeom prst="rect">
+            <a:avLst/>
+          </a:prstGeom>
+        </p:spPr>
+        <p:style>
+          <a:lnRef idx="2">
+            <a:schemeClr val="accent6"/>
+          </a:lnRef>
+          <a:fillRef idx="1">
+            <a:schemeClr val="lt1"/>
+          </a:fillRef>
+          <a:effectRef idx="0">
+            <a:schemeClr val="accent6"/>
+          </a:effectRef>
+          <a:fontRef idx="minor">
+            <a:schemeClr val="dk1"/>
+          </a:fontRef>
+        </p:style>
+        <p:txBody>
+          <a:bodyPr rtlCol="0" anchor="ctr"/>
+          <a:lstStyle/>
+          <a:p>
+            <a:pPr algn="ctr"/>
+            <a:r>
+              <a:rPr lang="en-US" sz="2000" dirty="0">
+                <a:latin typeface="Courier New" panose="02070309020205020404" pitchFamily="49" charset="0"/>
+                <a:cs typeface="Courier New" panose="02070309020205020404" pitchFamily="49" charset="0"/>
+              </a:rPr>
+              <a:t>|&lt;Face id="0</a:t>
+            </a:r>
+            <a:r>
+              <a:rPr lang="en-US" sz="2000" dirty="0" smtClean="0">
+                <a:latin typeface="Courier New" panose="02070309020205020404" pitchFamily="49" charset="0"/>
+                <a:cs typeface="Courier New" panose="02070309020205020404" pitchFamily="49" charset="0"/>
+              </a:rPr>
+              <a:t>"&gt;|         |&lt;</a:t>
+            </a:r>
+            <a:r>
+              <a:rPr lang="en-US" sz="2000" dirty="0">
+                <a:latin typeface="Courier New" panose="02070309020205020404" pitchFamily="49" charset="0"/>
+                <a:cs typeface="Courier New" panose="02070309020205020404" pitchFamily="49" charset="0"/>
+              </a:rPr>
+              <a:t>Face id="0</a:t>
+            </a:r>
+            <a:r>
+              <a:rPr lang="en-US" sz="2000" dirty="0" smtClean="0">
+                <a:latin typeface="Courier New" panose="02070309020205020404" pitchFamily="49" charset="0"/>
+                <a:cs typeface="Courier New" panose="02070309020205020404" pitchFamily="49" charset="0"/>
+              </a:rPr>
+              <a:t>"&gt;|          |&lt;</a:t>
+            </a:r>
+            <a:r>
+              <a:rPr lang="en-US" sz="2000" dirty="0">
+                <a:latin typeface="Courier New" panose="02070309020205020404" pitchFamily="49" charset="0"/>
+                <a:cs typeface="Courier New" panose="02070309020205020404" pitchFamily="49" charset="0"/>
+              </a:rPr>
+              <a:t>Face id="1_0</a:t>
+            </a:r>
+            <a:r>
+              <a:rPr lang="en-US" sz="2000" dirty="0" smtClean="0">
+                <a:latin typeface="Courier New" panose="02070309020205020404" pitchFamily="49" charset="0"/>
+                <a:cs typeface="Courier New" panose="02070309020205020404" pitchFamily="49" charset="0"/>
+              </a:rPr>
+              <a:t>"&gt;|</a:t>
+            </a:r>
+          </a:p>
+          <a:p>
+            <a:pPr algn="ctr"/>
+            <a:r>
+              <a:rPr lang="en-US" sz="2000" dirty="0" smtClean="0">
+                <a:latin typeface="Courier New" panose="02070309020205020404" pitchFamily="49" charset="0"/>
+                <a:cs typeface="Courier New" panose="02070309020205020404" pitchFamily="49" charset="0"/>
+              </a:rPr>
+              <a:t>|...          |    </a:t>
+            </a:r>
+            <a:r>
+              <a:rPr lang="en-US" sz="2000" dirty="0">
+                <a:latin typeface="Courier New" panose="02070309020205020404" pitchFamily="49" charset="0"/>
+                <a:cs typeface="Courier New" panose="02070309020205020404" pitchFamily="49" charset="0"/>
+              </a:rPr>
+              <a:t>+    </a:t>
+            </a:r>
+            <a:r>
+              <a:rPr lang="en-US" sz="2000" dirty="0" smtClean="0">
+                <a:latin typeface="Courier New" panose="02070309020205020404" pitchFamily="49" charset="0"/>
+                <a:cs typeface="Courier New" panose="02070309020205020404" pitchFamily="49" charset="0"/>
+              </a:rPr>
+              <a:t>|...          |    </a:t>
+            </a:r>
+            <a:r>
+              <a:rPr lang="en-US" sz="2000" dirty="0">
+                <a:latin typeface="Courier New" panose="02070309020205020404" pitchFamily="49" charset="0"/>
+                <a:cs typeface="Courier New" panose="02070309020205020404" pitchFamily="49" charset="0"/>
+              </a:rPr>
+              <a:t>=     </a:t>
+            </a:r>
+            <a:r>
+              <a:rPr lang="en-US" sz="2000" dirty="0" smtClean="0">
+                <a:latin typeface="Courier New" panose="02070309020205020404" pitchFamily="49" charset="0"/>
+                <a:cs typeface="Courier New" panose="02070309020205020404" pitchFamily="49" charset="0"/>
+              </a:rPr>
+              <a:t>|&lt;/</a:t>
+            </a:r>
+            <a:r>
+              <a:rPr lang="en-US" sz="2000" dirty="0">
+                <a:latin typeface="Courier New" panose="02070309020205020404" pitchFamily="49" charset="0"/>
+                <a:cs typeface="Courier New" panose="02070309020205020404" pitchFamily="49" charset="0"/>
+              </a:rPr>
+              <a:t>Face&gt;        </a:t>
+            </a:r>
+            <a:r>
+              <a:rPr lang="en-US" sz="2000" dirty="0" smtClean="0">
+                <a:latin typeface="Courier New" panose="02070309020205020404" pitchFamily="49" charset="0"/>
+                <a:cs typeface="Courier New" panose="02070309020205020404" pitchFamily="49" charset="0"/>
+              </a:rPr>
+              <a:t>|</a:t>
+            </a:r>
+          </a:p>
+          <a:p>
+            <a:pPr algn="ctr"/>
+            <a:r>
+              <a:rPr lang="en-US" sz="2000" dirty="0" smtClean="0">
+                <a:latin typeface="Courier New" panose="02070309020205020404" pitchFamily="49" charset="0"/>
+                <a:cs typeface="Courier New" panose="02070309020205020404" pitchFamily="49" charset="0"/>
+              </a:rPr>
+              <a:t>|&lt;/</a:t>
+            </a:r>
+            <a:r>
+              <a:rPr lang="en-US" sz="2000" dirty="0">
+                <a:latin typeface="Courier New" panose="02070309020205020404" pitchFamily="49" charset="0"/>
+                <a:cs typeface="Courier New" panose="02070309020205020404" pitchFamily="49" charset="0"/>
+              </a:rPr>
+              <a:t>Face&gt;      </a:t>
+            </a:r>
+            <a:r>
+              <a:rPr lang="en-US" sz="2000" dirty="0" smtClean="0">
+                <a:latin typeface="Courier New" panose="02070309020205020404" pitchFamily="49" charset="0"/>
+                <a:cs typeface="Courier New" panose="02070309020205020404" pitchFamily="49" charset="0"/>
+              </a:rPr>
+              <a:t>|         |&lt;/</a:t>
+            </a:r>
+            <a:r>
+              <a:rPr lang="en-US" sz="2000" dirty="0">
+                <a:latin typeface="Courier New" panose="02070309020205020404" pitchFamily="49" charset="0"/>
+                <a:cs typeface="Courier New" panose="02070309020205020404" pitchFamily="49" charset="0"/>
+              </a:rPr>
+              <a:t>Face&gt;      </a:t>
+            </a:r>
+            <a:r>
+              <a:rPr lang="en-US" sz="2000" dirty="0" smtClean="0">
+                <a:latin typeface="Courier New" panose="02070309020205020404" pitchFamily="49" charset="0"/>
+                <a:cs typeface="Courier New" panose="02070309020205020404" pitchFamily="49" charset="0"/>
+              </a:rPr>
+              <a:t>|          |&lt;</a:t>
+            </a:r>
+            <a:r>
+              <a:rPr lang="en-US" sz="2000" dirty="0">
+                <a:latin typeface="Courier New" panose="02070309020205020404" pitchFamily="49" charset="0"/>
+                <a:cs typeface="Courier New" panose="02070309020205020404" pitchFamily="49" charset="0"/>
+              </a:rPr>
+              <a:t>Face id="2_0</a:t>
+            </a:r>
+            <a:r>
+              <a:rPr lang="en-US" sz="2000" dirty="0" smtClean="0">
+                <a:latin typeface="Courier New" panose="02070309020205020404" pitchFamily="49" charset="0"/>
+                <a:cs typeface="Courier New" panose="02070309020205020404" pitchFamily="49" charset="0"/>
+              </a:rPr>
+              <a:t>"&gt;|</a:t>
+            </a:r>
+          </a:p>
+          <a:p>
+            <a:pPr algn="ctr"/>
+            <a:r>
+              <a:rPr lang="en-US" sz="2000" dirty="0">
+                <a:latin typeface="Courier New" panose="02070309020205020404" pitchFamily="49" charset="0"/>
+                <a:cs typeface="Courier New" panose="02070309020205020404" pitchFamily="49" charset="0"/>
+              </a:rPr>
+              <a:t> </a:t>
+            </a:r>
+            <a:r>
+              <a:rPr lang="en-US" sz="2000" dirty="0" smtClean="0">
+                <a:latin typeface="Courier New" panose="02070309020205020404" pitchFamily="49" charset="0"/>
+                <a:cs typeface="Courier New" panose="02070309020205020404" pitchFamily="49" charset="0"/>
+              </a:rPr>
+              <a:t>                                                |&lt;</a:t>
+            </a:r>
+            <a:r>
+              <a:rPr lang="en-US" sz="2000" dirty="0">
+                <a:latin typeface="Courier New" panose="02070309020205020404" pitchFamily="49" charset="0"/>
+                <a:cs typeface="Courier New" panose="02070309020205020404" pitchFamily="49" charset="0"/>
+              </a:rPr>
+              <a:t>Face&gt;         |</a:t>
+            </a:r>
+            <a:endParaRPr lang="en-US" sz="2000" dirty="0">
+              <a:latin typeface="Courier New" panose="02070309020205020404" pitchFamily="49" charset="0"/>
+              <a:cs typeface="Courier New" panose="02070309020205020404" pitchFamily="49" charset="0"/>
+            </a:endParaRPr>
+          </a:p>
+        </p:txBody>
+      </p:sp>
     </p:spTree>
     <p:extLst>
       <p:ext uri="{BB962C8B-B14F-4D97-AF65-F5344CB8AC3E}">
-        <p14:creationId xmlns:p14="http://schemas.microsoft.com/office/powerpoint/2010/main" val="2205232956"/>
+        <p14:creationId xmlns:p14="http://schemas.microsoft.com/office/powerpoint/2010/main" val="2208342072"/>
       </p:ext>
     </p:extLst>
   </p:cSld>
@@ -6770,8 +7412,12 @@
           <a:lstStyle/>
           <a:p>
             <a:r>
+              <a:rPr lang="en-US" sz="4400" dirty="0"/>
+              <a:t>A</a:t>
+            </a:r>
+            <a:r>
               <a:rPr lang="en-US" sz="4400" dirty="0" smtClean="0"/>
-              <a:t>Processing with MATLAB</a:t>
+              <a:t>veraging</a:t>
             </a:r>
             <a:endParaRPr lang="en-US" sz="4400" dirty="0"/>
           </a:p>
@@ -6793,152 +7439,28 @@
           <a:lstStyle/>
           <a:p>
             <a:r>
-              <a:rPr lang="en-US" dirty="0"/>
-              <a:t>function [</a:t>
-            </a:r>
-            <a:r>
-              <a:rPr lang="en-US" dirty="0" err="1"/>
-              <a:t>b,e,v</a:t>
-            </a:r>
-            <a:r>
-              <a:rPr lang="en-US" dirty="0"/>
-              <a:t>]=</a:t>
-            </a:r>
-            <a:r>
-              <a:rPr lang="en-US" dirty="0" err="1"/>
-              <a:t>getEmoElement</a:t>
-            </a:r>
-            <a:r>
-              <a:rPr lang="en-US" dirty="0"/>
-              <a:t>(</a:t>
-            </a:r>
-            <a:r>
-              <a:rPr lang="en-US" dirty="0" err="1"/>
-              <a:t>fname,el</a:t>
-            </a:r>
-            <a:r>
               <a:rPr lang="en-US" dirty="0" smtClean="0"/>
-              <a:t>)</a:t>
-            </a:r>
-          </a:p>
-          <a:p>
-            <a:pPr marL="304746" lvl="1" indent="0">
-              <a:buNone/>
-            </a:pPr>
-            <a:r>
-              <a:rPr lang="en-US" sz="2800" dirty="0" smtClean="0"/>
-              <a:t>function </a:t>
-            </a:r>
-            <a:r>
-              <a:rPr lang="en-US" sz="2800" dirty="0"/>
-              <a:t>[</a:t>
-            </a:r>
-            <a:r>
-              <a:rPr lang="en-US" sz="2800" dirty="0" err="1"/>
-              <a:t>b,e,v</a:t>
-            </a:r>
-            <a:r>
-              <a:rPr lang="en-US" sz="2800" dirty="0"/>
-              <a:t>]=</a:t>
-            </a:r>
-            <a:r>
-              <a:rPr lang="en-US" sz="2800" dirty="0" err="1" smtClean="0"/>
-              <a:t>getEmoElementStr</a:t>
-            </a:r>
-            <a:r>
-              <a:rPr lang="en-US" sz="2800" dirty="0" smtClean="0"/>
-              <a:t>(</a:t>
-            </a:r>
-            <a:r>
-              <a:rPr lang="en-US" sz="2800" dirty="0" err="1" smtClean="0"/>
-              <a:t>fname,el</a:t>
-            </a:r>
-            <a:r>
-              <a:rPr lang="en-US" sz="2800" dirty="0" smtClean="0"/>
-              <a:t>)</a:t>
-            </a:r>
-          </a:p>
-          <a:p>
-            <a:pPr marL="761946" lvl="1" indent="-457200"/>
-            <a:r>
-              <a:rPr lang="en-US" sz="2800" dirty="0" smtClean="0"/>
-              <a:t>Slow (it takes about hour to process  50M file = 5minutes of records )</a:t>
-            </a:r>
-          </a:p>
-          <a:p>
-            <a:pPr marL="457200" indent="-457200"/>
-            <a:r>
-              <a:rPr lang="en-US" sz="3200" dirty="0" smtClean="0"/>
-              <a:t>One can use </a:t>
-            </a:r>
-            <a:r>
-              <a:rPr lang="en-US" sz="3200" b="1" dirty="0" smtClean="0">
-                <a:latin typeface="Courier New" panose="02070309020205020404" pitchFamily="49" charset="0"/>
-                <a:cs typeface="Courier New" panose="02070309020205020404" pitchFamily="49" charset="0"/>
-              </a:rPr>
-              <a:t>ttml2csv</a:t>
-            </a:r>
-            <a:r>
-              <a:rPr lang="en-US" sz="3200" dirty="0" smtClean="0"/>
-              <a:t> utility to convert data in </a:t>
-            </a:r>
-            <a:r>
-              <a:rPr lang="en-US" sz="3200" b="1" dirty="0" smtClean="0">
-                <a:latin typeface="Courier New" panose="02070309020205020404" pitchFamily="49" charset="0"/>
-                <a:cs typeface="Courier New" panose="02070309020205020404" pitchFamily="49" charset="0"/>
-              </a:rPr>
-              <a:t>csv</a:t>
-            </a:r>
-            <a:r>
-              <a:rPr lang="en-US" sz="3200" dirty="0" smtClean="0"/>
-              <a:t> format</a:t>
-            </a:r>
-          </a:p>
-          <a:p>
-            <a:pPr marL="761946" lvl="1" indent="-457200"/>
+              <a:t>Find average value for all numeric data</a:t>
+            </a:r>
+          </a:p>
+          <a:p>
+            <a:pPr lvl="1"/>
             <a:r>
               <a:rPr lang="en-US" dirty="0" smtClean="0"/>
-              <a:t>Load data in </a:t>
-            </a:r>
-            <a:r>
-              <a:rPr lang="en-US" b="1" dirty="0" smtClean="0">
-                <a:latin typeface="Courier New" panose="02070309020205020404" pitchFamily="49" charset="0"/>
-                <a:cs typeface="Courier New" panose="02070309020205020404" pitchFamily="49" charset="0"/>
-              </a:rPr>
-              <a:t>MATLAB</a:t>
-            </a:r>
+              <a:t>smile, kiss, gaze, …</a:t>
+            </a:r>
+          </a:p>
+          <a:p>
             <a:r>
               <a:rPr lang="en-US" dirty="0" smtClean="0"/>
-              <a:t> to do its examination </a:t>
-            </a:r>
-          </a:p>
-          <a:p>
-            <a:pPr marL="761946" lvl="1" indent="-457200"/>
+              <a:t>Drop Landmark</a:t>
+            </a:r>
+          </a:p>
+          <a:p>
             <a:r>
               <a:rPr lang="en-US" dirty="0" smtClean="0"/>
-              <a:t>One can also use it </a:t>
-            </a:r>
-            <a:r>
-              <a:rPr lang="en-US" dirty="0" err="1" smtClean="0"/>
-              <a:t>f.ex</a:t>
-            </a:r>
-            <a:r>
-              <a:rPr lang="en-US" dirty="0" smtClean="0"/>
-              <a:t>. with </a:t>
-            </a:r>
-            <a:r>
-              <a:rPr lang="en-US" dirty="0" smtClean="0">
-                <a:latin typeface="Courier New" panose="02070309020205020404" pitchFamily="49" charset="0"/>
-                <a:cs typeface="Courier New" panose="02070309020205020404" pitchFamily="49" charset="0"/>
-              </a:rPr>
-              <a:t>Excel</a:t>
-            </a:r>
-            <a:endParaRPr lang="en-US" dirty="0">
-              <a:latin typeface="Courier New" panose="02070309020205020404" pitchFamily="49" charset="0"/>
-              <a:cs typeface="Courier New" panose="02070309020205020404" pitchFamily="49" charset="0"/>
-            </a:endParaRPr>
-          </a:p>
-          <a:p>
+              <a:t>Find most frequently occurring emotion (text)</a:t>
+            </a:r>
             <a:endParaRPr lang="en-US" dirty="0"/>
           </a:p>
         </p:txBody>
@@ -6969,7 +7491,7 @@
     </p:spTree>
     <p:extLst>
       <p:ext uri="{BB962C8B-B14F-4D97-AF65-F5344CB8AC3E}">
-        <p14:creationId xmlns:p14="http://schemas.microsoft.com/office/powerpoint/2010/main" val="2642078841"/>
+        <p14:creationId xmlns:p14="http://schemas.microsoft.com/office/powerpoint/2010/main" val="619538526"/>
       </p:ext>
     </p:extLst>
   </p:cSld>
@@ -7034,7 +7556,11 @@
           <a:p>
             <a:r>
               <a:rPr lang="en-US" sz="4400" dirty="0" smtClean="0"/>
-              <a:t>Additional utilities</a:t>
+              <a:t>Smooth</a:t>
+            </a:r>
+            <a:r>
+              <a:rPr lang="en-US" sz="4400" dirty="0" smtClean="0"/>
+              <a:t>ing</a:t>
             </a:r>
             <a:endParaRPr lang="en-US" sz="4400" dirty="0"/>
           </a:p>
@@ -7057,18 +7583,57 @@
           <a:p>
             <a:r>
               <a:rPr lang="en-US" dirty="0" smtClean="0"/>
-              <a:t>rssdk2video</a:t>
-            </a:r>
-          </a:p>
-          <a:p>
+              <a:t>Common frame rate of camera is 30 fps</a:t>
+            </a:r>
+          </a:p>
+          <a:p>
+            <a:pPr lvl="1"/>
             <a:r>
               <a:rPr lang="en-US" dirty="0" smtClean="0"/>
-              <a:t>ttml2srt</a:t>
+              <a:t>Library collect </a:t>
+            </a:r>
+            <a:r>
+              <a:rPr lang="en-US" dirty="0"/>
+              <a:t>30 emotions </a:t>
+            </a:r>
+            <a:r>
+              <a:rPr lang="en-US" dirty="0" smtClean="0"/>
+              <a:t>data samples per </a:t>
+            </a:r>
+            <a:r>
+              <a:rPr lang="en-US" dirty="0" smtClean="0"/>
+              <a:t>second</a:t>
             </a:r>
           </a:p>
           <a:p>
             <a:pPr lvl="1"/>
-            <a:endParaRPr lang="en-US" dirty="0"/>
+            <a:r>
+              <a:rPr lang="en-US" dirty="0" smtClean="0"/>
+              <a:t>To be more human percept one should  provide emotions data for longer time interval </a:t>
+            </a:r>
+          </a:p>
+          <a:p>
+            <a:r>
+              <a:rPr lang="en-US" dirty="0" smtClean="0"/>
+              <a:t>Make averaging  for some time interval </a:t>
+            </a:r>
+          </a:p>
+          <a:p>
+            <a:r>
+              <a:rPr lang="en-US" dirty="0" smtClean="0"/>
+              <a:t>Same rules as for </a:t>
+            </a:r>
+            <a:r>
+              <a:rPr lang="en-US" dirty="0" smtClean="0">
+                <a:latin typeface="Courier New" panose="02070309020205020404" pitchFamily="49" charset="0"/>
+                <a:cs typeface="Courier New" panose="02070309020205020404" pitchFamily="49" charset="0"/>
+              </a:rPr>
+              <a:t>average</a:t>
+            </a:r>
+            <a:endParaRPr lang="en-US" dirty="0">
+              <a:latin typeface="Courier New" panose="02070309020205020404" pitchFamily="49" charset="0"/>
+              <a:cs typeface="Courier New" panose="02070309020205020404" pitchFamily="49" charset="0"/>
+            </a:endParaRPr>
           </a:p>
         </p:txBody>
       </p:sp>
@@ -7098,7 +7663,604 @@
     </p:spTree>
     <p:extLst>
       <p:ext uri="{BB962C8B-B14F-4D97-AF65-F5344CB8AC3E}">
-        <p14:creationId xmlns:p14="http://schemas.microsoft.com/office/powerpoint/2010/main" val="572613508"/>
+        <p14:creationId xmlns:p14="http://schemas.microsoft.com/office/powerpoint/2010/main" val="2578521482"/>
+      </p:ext>
+    </p:extLst>
+  </p:cSld>
+  <p:clrMapOvr>
+    <a:masterClrMapping/>
+  </p:clrMapOvr>
+  <mc:AlternateContent xmlns:mc="http://schemas.openxmlformats.org/markup-compatibility/2006" xmlns:p14="http://schemas.microsoft.com/office/powerpoint/2010/main">
+    <mc:Choice Requires="p14">
+      <p:transition spd="med" p14:dur="700">
+        <p:fade/>
+      </p:transition>
+    </mc:Choice>
+    <mc:Fallback xmlns="">
+      <p:transition spd="med">
+        <p:fade/>
+      </p:transition>
+    </mc:Fallback>
+  </mc:AlternateContent>
+  <p:timing>
+    <p:tnLst>
+      <p:par>
+        <p:cTn id="1" dur="indefinite" restart="never" nodeType="tmRoot"/>
+      </p:par>
+    </p:tnLst>
+  </p:timing>
+</p:sld>
+</file>
+
+<file path=ppt/slides/slide17.xml><?xml version="1.0" encoding="utf-8"?>
+<p:sld xmlns:a="http://schemas.openxmlformats.org/drawingml/2006/main" xmlns:r="http://schemas.openxmlformats.org/officeDocument/2006/relationships" xmlns:p="http://schemas.openxmlformats.org/presentationml/2006/main">
+  <p:cSld>
+    <p:spTree>
+      <p:nvGrpSpPr>
+        <p:cNvPr id="1" name=""/>
+        <p:cNvGrpSpPr/>
+        <p:nvPr/>
+      </p:nvGrpSpPr>
+      <p:grpSpPr>
+        <a:xfrm>
+          <a:off x="0" y="0"/>
+          <a:ext cx="0" cy="0"/>
+          <a:chOff x="0" y="0"/>
+          <a:chExt cx="0" cy="0"/>
+        </a:xfrm>
+      </p:grpSpPr>
+      <p:sp>
+        <p:nvSpPr>
+          <p:cNvPr id="2" name="Заголовок 1"/>
+          <p:cNvSpPr>
+            <a:spLocks noGrp="1"/>
+          </p:cNvSpPr>
+          <p:nvPr>
+            <p:ph type="title"/>
+          </p:nvPr>
+        </p:nvSpPr>
+        <p:spPr/>
+        <p:txBody>
+          <a:bodyPr>
+            <a:normAutofit/>
+          </a:bodyPr>
+          <a:lstStyle/>
+          <a:p>
+            <a:r>
+              <a:rPr lang="en-US" sz="4400" dirty="0" smtClean="0"/>
+              <a:t>Merging work flow</a:t>
+            </a:r>
+            <a:endParaRPr lang="en-US" sz="4400" dirty="0"/>
+          </a:p>
+        </p:txBody>
+      </p:sp>
+      <p:sp>
+        <p:nvSpPr>
+          <p:cNvPr id="3" name="Объект 2"/>
+          <p:cNvSpPr>
+            <a:spLocks noGrp="1"/>
+          </p:cNvSpPr>
+          <p:nvPr>
+            <p:ph idx="1"/>
+          </p:nvPr>
+        </p:nvSpPr>
+        <p:spPr>
+          <a:xfrm>
+            <a:off x="1218883" y="1701797"/>
+            <a:ext cx="10360501" cy="1223147"/>
+          </a:xfrm>
+        </p:spPr>
+        <p:txBody>
+          <a:bodyPr>
+            <a:normAutofit/>
+          </a:bodyPr>
+          <a:lstStyle/>
+          <a:p>
+            <a:r>
+              <a:rPr lang="en-US" dirty="0" smtClean="0"/>
+              <a:t>Merge -&gt; Average -&gt; Smooth</a:t>
+            </a:r>
+          </a:p>
+          <a:p>
+            <a:pPr lvl="1"/>
+            <a:r>
+              <a:rPr lang="en-US" dirty="0" err="1" smtClean="0"/>
+              <a:t>EmoMerge</a:t>
+            </a:r>
+            <a:endParaRPr lang="en-US" dirty="0" smtClean="0"/>
+          </a:p>
+          <a:p>
+            <a:endParaRPr lang="en-US" dirty="0" smtClean="0"/>
+          </a:p>
+        </p:txBody>
+      </p:sp>
+      <p:sp>
+        <p:nvSpPr>
+          <p:cNvPr id="6" name="Номер слайда 5"/>
+          <p:cNvSpPr>
+            <a:spLocks noGrp="1"/>
+          </p:cNvSpPr>
+          <p:nvPr>
+            <p:ph type="sldNum" sz="quarter" idx="12"/>
+          </p:nvPr>
+        </p:nvSpPr>
+        <p:spPr/>
+        <p:txBody>
+          <a:bodyPr/>
+          <a:lstStyle/>
+          <a:p>
+            <a:fld id="{C014DD1E-5D91-48A3-AD6D-45FBA980D106}" type="slidenum">
+              <a:rPr lang="ru-RU" noProof="0" smtClean="0"/>
+              <a:t>17</a:t>
+            </a:fld>
+            <a:endParaRPr lang="ru-RU" noProof="0" dirty="0"/>
+          </a:p>
+        </p:txBody>
+      </p:sp>
+      <p:pic>
+        <p:nvPicPr>
+          <p:cNvPr id="4" name="Рисунок 3"/>
+          <p:cNvPicPr>
+            <a:picLocks noChangeAspect="1"/>
+          </p:cNvPicPr>
+          <p:nvPr/>
+        </p:nvPicPr>
+        <p:blipFill>
+          <a:blip r:embed="rId3">
+            <a:extLst>
+              <a:ext uri="{28A0092B-C50C-407E-A947-70E740481C1C}">
+                <a14:useLocalDpi xmlns:a14="http://schemas.microsoft.com/office/drawing/2010/main" val="0"/>
+              </a:ext>
+            </a:extLst>
+          </a:blip>
+          <a:stretch>
+            <a:fillRect/>
+          </a:stretch>
+        </p:blipFill>
+        <p:spPr>
+          <a:xfrm>
+            <a:off x="1218883" y="3344449"/>
+            <a:ext cx="2762636" cy="2800741"/>
+          </a:xfrm>
+          <a:prstGeom prst="rect">
+            <a:avLst/>
+          </a:prstGeom>
+        </p:spPr>
+      </p:pic>
+      <p:pic>
+        <p:nvPicPr>
+          <p:cNvPr id="5" name="Рисунок 4"/>
+          <p:cNvPicPr>
+            <a:picLocks noChangeAspect="1"/>
+          </p:cNvPicPr>
+          <p:nvPr/>
+        </p:nvPicPr>
+        <p:blipFill>
+          <a:blip r:embed="rId4">
+            <a:extLst>
+              <a:ext uri="{28A0092B-C50C-407E-A947-70E740481C1C}">
+                <a14:useLocalDpi xmlns:a14="http://schemas.microsoft.com/office/drawing/2010/main" val="0"/>
+              </a:ext>
+            </a:extLst>
+          </a:blip>
+          <a:stretch>
+            <a:fillRect/>
+          </a:stretch>
+        </p:blipFill>
+        <p:spPr>
+          <a:xfrm>
+            <a:off x="4870276" y="3344449"/>
+            <a:ext cx="2734057" cy="2819794"/>
+          </a:xfrm>
+          <a:prstGeom prst="rect">
+            <a:avLst/>
+          </a:prstGeom>
+        </p:spPr>
+      </p:pic>
+      <p:pic>
+        <p:nvPicPr>
+          <p:cNvPr id="7" name="Рисунок 6"/>
+          <p:cNvPicPr>
+            <a:picLocks noChangeAspect="1"/>
+          </p:cNvPicPr>
+          <p:nvPr/>
+        </p:nvPicPr>
+        <p:blipFill>
+          <a:blip r:embed="rId5">
+            <a:extLst>
+              <a:ext uri="{28A0092B-C50C-407E-A947-70E740481C1C}">
+                <a14:useLocalDpi xmlns:a14="http://schemas.microsoft.com/office/drawing/2010/main" val="0"/>
+              </a:ext>
+            </a:extLst>
+          </a:blip>
+          <a:stretch>
+            <a:fillRect/>
+          </a:stretch>
+        </p:blipFill>
+        <p:spPr>
+          <a:xfrm>
+            <a:off x="8542684" y="3345510"/>
+            <a:ext cx="2743583" cy="2819794"/>
+          </a:xfrm>
+          <a:prstGeom prst="rect">
+            <a:avLst/>
+          </a:prstGeom>
+        </p:spPr>
+      </p:pic>
+    </p:spTree>
+    <p:extLst>
+      <p:ext uri="{BB962C8B-B14F-4D97-AF65-F5344CB8AC3E}">
+        <p14:creationId xmlns:p14="http://schemas.microsoft.com/office/powerpoint/2010/main" val="2965896194"/>
+      </p:ext>
+    </p:extLst>
+  </p:cSld>
+  <p:clrMapOvr>
+    <a:masterClrMapping/>
+  </p:clrMapOvr>
+  <mc:AlternateContent xmlns:mc="http://schemas.openxmlformats.org/markup-compatibility/2006" xmlns:p14="http://schemas.microsoft.com/office/powerpoint/2010/main">
+    <mc:Choice Requires="p14">
+      <p:transition spd="med" p14:dur="700">
+        <p:fade/>
+      </p:transition>
+    </mc:Choice>
+    <mc:Fallback xmlns="">
+      <p:transition spd="med">
+        <p:fade/>
+      </p:transition>
+    </mc:Fallback>
+  </mc:AlternateContent>
+  <p:timing>
+    <p:tnLst>
+      <p:par>
+        <p:cTn id="1" dur="indefinite" restart="never" nodeType="tmRoot"/>
+      </p:par>
+    </p:tnLst>
+  </p:timing>
+</p:sld>
+</file>
+
+<file path=ppt/slides/slide18.xml><?xml version="1.0" encoding="utf-8"?>
+<p:sld xmlns:a="http://schemas.openxmlformats.org/drawingml/2006/main" xmlns:r="http://schemas.openxmlformats.org/officeDocument/2006/relationships" xmlns:p="http://schemas.openxmlformats.org/presentationml/2006/main">
+  <p:cSld>
+    <p:spTree>
+      <p:nvGrpSpPr>
+        <p:cNvPr id="1" name=""/>
+        <p:cNvGrpSpPr/>
+        <p:nvPr/>
+      </p:nvGrpSpPr>
+      <p:grpSpPr>
+        <a:xfrm>
+          <a:off x="0" y="0"/>
+          <a:ext cx="0" cy="0"/>
+          <a:chOff x="0" y="0"/>
+          <a:chExt cx="0" cy="0"/>
+        </a:xfrm>
+      </p:grpSpPr>
+      <p:sp>
+        <p:nvSpPr>
+          <p:cNvPr id="2" name="Заголовок 1"/>
+          <p:cNvSpPr>
+            <a:spLocks noGrp="1"/>
+          </p:cNvSpPr>
+          <p:nvPr>
+            <p:ph type="title"/>
+          </p:nvPr>
+        </p:nvSpPr>
+        <p:spPr/>
+        <p:txBody>
+          <a:bodyPr>
+            <a:normAutofit/>
+          </a:bodyPr>
+          <a:lstStyle/>
+          <a:p>
+            <a:r>
+              <a:rPr lang="en-US" sz="4400" dirty="0" smtClean="0"/>
+              <a:t>Gaze tracking</a:t>
+            </a:r>
+            <a:endParaRPr lang="en-US" sz="4400" dirty="0"/>
+          </a:p>
+        </p:txBody>
+      </p:sp>
+      <p:sp>
+        <p:nvSpPr>
+          <p:cNvPr id="3" name="Объект 2"/>
+          <p:cNvSpPr>
+            <a:spLocks noGrp="1"/>
+          </p:cNvSpPr>
+          <p:nvPr>
+            <p:ph idx="1"/>
+          </p:nvPr>
+        </p:nvSpPr>
+        <p:spPr/>
+        <p:txBody>
+          <a:bodyPr/>
+          <a:lstStyle/>
+          <a:p>
+            <a:r>
+              <a:rPr lang="en-US" dirty="0" smtClean="0"/>
+              <a:t>Calibration</a:t>
+            </a:r>
+          </a:p>
+          <a:p>
+            <a:pPr lvl="1"/>
+            <a:r>
+              <a:rPr lang="en-US" dirty="0" smtClean="0"/>
+              <a:t>Seems to be very important (various desktop size, various position of camera between examinations)</a:t>
+            </a:r>
+            <a:endParaRPr lang="en-US" dirty="0" smtClean="0"/>
+          </a:p>
+          <a:p>
+            <a:r>
+              <a:rPr lang="en-US" dirty="0" smtClean="0"/>
+              <a:t>Saccades</a:t>
+            </a:r>
+          </a:p>
+          <a:p>
+            <a:pPr lvl="1"/>
+            <a:r>
+              <a:rPr lang="en-US" dirty="0" smtClean="0"/>
+              <a:t>It leads to necessity to do more investigations to find real points of attention</a:t>
+            </a:r>
+            <a:endParaRPr lang="en-US" dirty="0" smtClean="0"/>
+          </a:p>
+          <a:p>
+            <a:pPr lvl="1"/>
+            <a:endParaRPr lang="en-US" dirty="0"/>
+          </a:p>
+        </p:txBody>
+      </p:sp>
+      <p:sp>
+        <p:nvSpPr>
+          <p:cNvPr id="6" name="Номер слайда 5"/>
+          <p:cNvSpPr>
+            <a:spLocks noGrp="1"/>
+          </p:cNvSpPr>
+          <p:nvPr>
+            <p:ph type="sldNum" sz="quarter" idx="12"/>
+          </p:nvPr>
+        </p:nvSpPr>
+        <p:spPr/>
+        <p:txBody>
+          <a:bodyPr/>
+          <a:lstStyle/>
+          <a:p>
+            <a:fld id="{C014DD1E-5D91-48A3-AD6D-45FBA980D106}" type="slidenum">
+              <a:rPr lang="ru-RU" noProof="0" smtClean="0"/>
+              <a:t>18</a:t>
+            </a:fld>
+            <a:endParaRPr lang="ru-RU" noProof="0" dirty="0"/>
+          </a:p>
+        </p:txBody>
+      </p:sp>
+    </p:spTree>
+    <p:extLst>
+      <p:ext uri="{BB962C8B-B14F-4D97-AF65-F5344CB8AC3E}">
+        <p14:creationId xmlns:p14="http://schemas.microsoft.com/office/powerpoint/2010/main" val="2205232956"/>
+      </p:ext>
+    </p:extLst>
+  </p:cSld>
+  <p:clrMapOvr>
+    <a:masterClrMapping/>
+  </p:clrMapOvr>
+  <mc:AlternateContent xmlns:mc="http://schemas.openxmlformats.org/markup-compatibility/2006" xmlns:p14="http://schemas.microsoft.com/office/powerpoint/2010/main">
+    <mc:Choice Requires="p14">
+      <p:transition spd="med" p14:dur="700">
+        <p:fade/>
+      </p:transition>
+    </mc:Choice>
+    <mc:Fallback xmlns="">
+      <p:transition spd="med">
+        <p:fade/>
+      </p:transition>
+    </mc:Fallback>
+  </mc:AlternateContent>
+  <p:timing>
+    <p:tnLst>
+      <p:par>
+        <p:cTn id="1" dur="indefinite" restart="never" nodeType="tmRoot"/>
+      </p:par>
+    </p:tnLst>
+  </p:timing>
+</p:sld>
+</file>
+
+<file path=ppt/slides/slide19.xml><?xml version="1.0" encoding="utf-8"?>
+<p:sld xmlns:a="http://schemas.openxmlformats.org/drawingml/2006/main" xmlns:r="http://schemas.openxmlformats.org/officeDocument/2006/relationships" xmlns:p="http://schemas.openxmlformats.org/presentationml/2006/main">
+  <p:cSld>
+    <p:spTree>
+      <p:nvGrpSpPr>
+        <p:cNvPr id="1" name=""/>
+        <p:cNvGrpSpPr/>
+        <p:nvPr/>
+      </p:nvGrpSpPr>
+      <p:grpSpPr>
+        <a:xfrm>
+          <a:off x="0" y="0"/>
+          <a:ext cx="0" cy="0"/>
+          <a:chOff x="0" y="0"/>
+          <a:chExt cx="0" cy="0"/>
+        </a:xfrm>
+      </p:grpSpPr>
+      <p:sp>
+        <p:nvSpPr>
+          <p:cNvPr id="2" name="Заголовок 1"/>
+          <p:cNvSpPr>
+            <a:spLocks noGrp="1"/>
+          </p:cNvSpPr>
+          <p:nvPr>
+            <p:ph type="title"/>
+          </p:nvPr>
+        </p:nvSpPr>
+        <p:spPr/>
+        <p:txBody>
+          <a:bodyPr>
+            <a:normAutofit/>
+          </a:bodyPr>
+          <a:lstStyle/>
+          <a:p>
+            <a:r>
+              <a:rPr lang="en-US" sz="4400" dirty="0" smtClean="0"/>
+              <a:t>Heat map</a:t>
+            </a:r>
+            <a:endParaRPr lang="en-US" sz="4400" dirty="0"/>
+          </a:p>
+        </p:txBody>
+      </p:sp>
+      <p:sp>
+        <p:nvSpPr>
+          <p:cNvPr id="3" name="Объект 2"/>
+          <p:cNvSpPr>
+            <a:spLocks noGrp="1"/>
+          </p:cNvSpPr>
+          <p:nvPr>
+            <p:ph idx="1"/>
+          </p:nvPr>
+        </p:nvSpPr>
+        <p:spPr/>
+        <p:txBody>
+          <a:bodyPr/>
+          <a:lstStyle/>
+          <a:p>
+            <a:r>
+              <a:rPr lang="en-US" dirty="0" smtClean="0"/>
+              <a:t>Two</a:t>
+            </a:r>
+            <a:r>
+              <a:rPr lang="ru-RU" dirty="0" smtClean="0"/>
+              <a:t> </a:t>
+            </a:r>
+            <a:r>
+              <a:rPr lang="en-US" dirty="0" smtClean="0"/>
+              <a:t>varieties</a:t>
+            </a:r>
+          </a:p>
+          <a:p>
+            <a:pPr lvl="1"/>
+            <a:r>
+              <a:rPr lang="en-US" dirty="0" smtClean="0"/>
+              <a:t>Set of gaze </a:t>
+            </a:r>
+            <a:r>
+              <a:rPr lang="en-US" dirty="0" smtClean="0"/>
+              <a:t>points</a:t>
+            </a:r>
+          </a:p>
+          <a:p>
+            <a:pPr lvl="1"/>
+            <a:endParaRPr lang="en-US" dirty="0" smtClean="0"/>
+          </a:p>
+          <a:p>
+            <a:pPr lvl="1"/>
+            <a:endParaRPr lang="en-US" dirty="0"/>
+          </a:p>
+          <a:p>
+            <a:pPr lvl="1"/>
+            <a:endParaRPr lang="en-US" dirty="0" smtClean="0"/>
+          </a:p>
+          <a:p>
+            <a:pPr lvl="1"/>
+            <a:r>
+              <a:rPr lang="en-US" dirty="0" smtClean="0"/>
+              <a:t>Blurring the 2D histogram of gaze points occurrences by convolution with arithmetic mean </a:t>
+            </a:r>
+            <a:r>
+              <a:rPr lang="en-US" dirty="0" smtClean="0"/>
+              <a:t>filter response</a:t>
+            </a:r>
+          </a:p>
+          <a:p>
+            <a:pPr lvl="1"/>
+            <a:endParaRPr lang="en-US" dirty="0"/>
+          </a:p>
+        </p:txBody>
+      </p:sp>
+      <p:sp>
+        <p:nvSpPr>
+          <p:cNvPr id="6" name="Номер слайда 5"/>
+          <p:cNvSpPr>
+            <a:spLocks noGrp="1"/>
+          </p:cNvSpPr>
+          <p:nvPr>
+            <p:ph type="sldNum" sz="quarter" idx="12"/>
+          </p:nvPr>
+        </p:nvSpPr>
+        <p:spPr/>
+        <p:txBody>
+          <a:bodyPr/>
+          <a:lstStyle/>
+          <a:p>
+            <a:fld id="{C014DD1E-5D91-48A3-AD6D-45FBA980D106}" type="slidenum">
+              <a:rPr lang="ru-RU" noProof="0" smtClean="0"/>
+              <a:t>19</a:t>
+            </a:fld>
+            <a:endParaRPr lang="ru-RU" noProof="0" dirty="0"/>
+          </a:p>
+        </p:txBody>
+      </p:sp>
+      <p:pic>
+        <p:nvPicPr>
+          <p:cNvPr id="4" name="Рисунок 3"/>
+          <p:cNvPicPr>
+            <a:picLocks noChangeAspect="1"/>
+          </p:cNvPicPr>
+          <p:nvPr/>
+        </p:nvPicPr>
+        <p:blipFill>
+          <a:blip r:embed="rId3" cstate="print">
+            <a:extLst>
+              <a:ext uri="{28A0092B-C50C-407E-A947-70E740481C1C}">
+                <a14:useLocalDpi xmlns:a14="http://schemas.microsoft.com/office/drawing/2010/main" val="0"/>
+              </a:ext>
+            </a:extLst>
+          </a:blip>
+          <a:stretch>
+            <a:fillRect/>
+          </a:stretch>
+        </p:blipFill>
+        <p:spPr>
+          <a:xfrm>
+            <a:off x="2205980" y="2564904"/>
+            <a:ext cx="1886213" cy="1105054"/>
+          </a:xfrm>
+          <a:prstGeom prst="rect">
+            <a:avLst/>
+          </a:prstGeom>
+        </p:spPr>
+      </p:pic>
+      <p:pic>
+        <p:nvPicPr>
+          <p:cNvPr id="5" name="Рисунок 4"/>
+          <p:cNvPicPr>
+            <a:picLocks noChangeAspect="1"/>
+          </p:cNvPicPr>
+          <p:nvPr/>
+        </p:nvPicPr>
+        <p:blipFill>
+          <a:blip r:embed="rId4" cstate="print">
+            <a:extLst>
+              <a:ext uri="{28A0092B-C50C-407E-A947-70E740481C1C}">
+                <a14:useLocalDpi xmlns:a14="http://schemas.microsoft.com/office/drawing/2010/main" val="0"/>
+              </a:ext>
+            </a:extLst>
+          </a:blip>
+          <a:stretch>
+            <a:fillRect/>
+          </a:stretch>
+        </p:blipFill>
+        <p:spPr>
+          <a:xfrm>
+            <a:off x="2205980" y="4970279"/>
+            <a:ext cx="1886213" cy="1060477"/>
+          </a:xfrm>
+          <a:prstGeom prst="rect">
+            <a:avLst/>
+          </a:prstGeom>
+        </p:spPr>
+      </p:pic>
+    </p:spTree>
+    <p:extLst>
+      <p:ext uri="{BB962C8B-B14F-4D97-AF65-F5344CB8AC3E}">
+        <p14:creationId xmlns:p14="http://schemas.microsoft.com/office/powerpoint/2010/main" val="2298616573"/>
       </p:ext>
     </p:extLst>
   </p:cSld>
@@ -7365,6 +8527,404 @@
     <p:extLst>
       <p:ext uri="{BB962C8B-B14F-4D97-AF65-F5344CB8AC3E}">
         <p14:creationId xmlns:p14="http://schemas.microsoft.com/office/powerpoint/2010/main" val="345746470"/>
+      </p:ext>
+    </p:extLst>
+  </p:cSld>
+  <p:clrMapOvr>
+    <a:masterClrMapping/>
+  </p:clrMapOvr>
+  <mc:AlternateContent xmlns:mc="http://schemas.openxmlformats.org/markup-compatibility/2006" xmlns:p14="http://schemas.microsoft.com/office/powerpoint/2010/main">
+    <mc:Choice Requires="p14">
+      <p:transition spd="med" p14:dur="700">
+        <p:fade/>
+      </p:transition>
+    </mc:Choice>
+    <mc:Fallback xmlns="">
+      <p:transition spd="med">
+        <p:fade/>
+      </p:transition>
+    </mc:Fallback>
+  </mc:AlternateContent>
+  <p:timing>
+    <p:tnLst>
+      <p:par>
+        <p:cTn id="1" dur="indefinite" restart="never" nodeType="tmRoot"/>
+      </p:par>
+    </p:tnLst>
+  </p:timing>
+</p:sld>
+</file>
+
+<file path=ppt/slides/slide20.xml><?xml version="1.0" encoding="utf-8"?>
+<p:sld xmlns:a="http://schemas.openxmlformats.org/drawingml/2006/main" xmlns:r="http://schemas.openxmlformats.org/officeDocument/2006/relationships" xmlns:p="http://schemas.openxmlformats.org/presentationml/2006/main">
+  <p:cSld>
+    <p:spTree>
+      <p:nvGrpSpPr>
+        <p:cNvPr id="1" name=""/>
+        <p:cNvGrpSpPr/>
+        <p:nvPr/>
+      </p:nvGrpSpPr>
+      <p:grpSpPr>
+        <a:xfrm>
+          <a:off x="0" y="0"/>
+          <a:ext cx="0" cy="0"/>
+          <a:chOff x="0" y="0"/>
+          <a:chExt cx="0" cy="0"/>
+        </a:xfrm>
+      </p:grpSpPr>
+      <p:sp>
+        <p:nvSpPr>
+          <p:cNvPr id="2" name="Заголовок 1"/>
+          <p:cNvSpPr>
+            <a:spLocks noGrp="1"/>
+          </p:cNvSpPr>
+          <p:nvPr>
+            <p:ph type="title"/>
+          </p:nvPr>
+        </p:nvSpPr>
+        <p:spPr/>
+        <p:txBody>
+          <a:bodyPr>
+            <a:normAutofit/>
+          </a:bodyPr>
+          <a:lstStyle/>
+          <a:p>
+            <a:r>
+              <a:rPr lang="en-US" sz="4400" dirty="0" smtClean="0"/>
+              <a:t>Processing with MATLAB</a:t>
+            </a:r>
+            <a:endParaRPr lang="en-US" sz="4400" dirty="0"/>
+          </a:p>
+        </p:txBody>
+      </p:sp>
+      <p:sp>
+        <p:nvSpPr>
+          <p:cNvPr id="3" name="Объект 2"/>
+          <p:cNvSpPr>
+            <a:spLocks noGrp="1"/>
+          </p:cNvSpPr>
+          <p:nvPr>
+            <p:ph idx="1"/>
+          </p:nvPr>
+        </p:nvSpPr>
+        <p:spPr/>
+        <p:txBody>
+          <a:bodyPr/>
+          <a:lstStyle/>
+          <a:p>
+            <a:r>
+              <a:rPr lang="en-US" dirty="0"/>
+              <a:t>function [</a:t>
+            </a:r>
+            <a:r>
+              <a:rPr lang="en-US" dirty="0" err="1"/>
+              <a:t>b,e,v</a:t>
+            </a:r>
+            <a:r>
+              <a:rPr lang="en-US" dirty="0"/>
+              <a:t>]=</a:t>
+            </a:r>
+            <a:r>
+              <a:rPr lang="en-US" dirty="0" err="1"/>
+              <a:t>getEmoElement</a:t>
+            </a:r>
+            <a:r>
+              <a:rPr lang="en-US" dirty="0"/>
+              <a:t>(</a:t>
+            </a:r>
+            <a:r>
+              <a:rPr lang="en-US" dirty="0" err="1"/>
+              <a:t>fname,el</a:t>
+            </a:r>
+            <a:r>
+              <a:rPr lang="en-US" dirty="0" smtClean="0"/>
+              <a:t>)</a:t>
+            </a:r>
+          </a:p>
+          <a:p>
+            <a:pPr marL="304746" lvl="1" indent="0">
+              <a:buNone/>
+            </a:pPr>
+            <a:r>
+              <a:rPr lang="en-US" sz="2800" dirty="0" smtClean="0"/>
+              <a:t>function </a:t>
+            </a:r>
+            <a:r>
+              <a:rPr lang="en-US" sz="2800" dirty="0"/>
+              <a:t>[</a:t>
+            </a:r>
+            <a:r>
+              <a:rPr lang="en-US" sz="2800" dirty="0" err="1"/>
+              <a:t>b,e,v</a:t>
+            </a:r>
+            <a:r>
+              <a:rPr lang="en-US" sz="2800" dirty="0"/>
+              <a:t>]=</a:t>
+            </a:r>
+            <a:r>
+              <a:rPr lang="en-US" sz="2800" dirty="0" err="1" smtClean="0"/>
+              <a:t>getEmoElementStr</a:t>
+            </a:r>
+            <a:r>
+              <a:rPr lang="en-US" sz="2800" dirty="0" smtClean="0"/>
+              <a:t>(</a:t>
+            </a:r>
+            <a:r>
+              <a:rPr lang="en-US" sz="2800" dirty="0" err="1" smtClean="0"/>
+              <a:t>fname,el</a:t>
+            </a:r>
+            <a:r>
+              <a:rPr lang="en-US" sz="2800" dirty="0" smtClean="0"/>
+              <a:t>)</a:t>
+            </a:r>
+          </a:p>
+          <a:p>
+            <a:pPr marL="761946" lvl="1" indent="-457200"/>
+            <a:r>
+              <a:rPr lang="en-US" sz="2800" dirty="0" smtClean="0"/>
+              <a:t>Slow (it takes about hour to process  50M file = 5minutes of records )</a:t>
+            </a:r>
+          </a:p>
+          <a:p>
+            <a:pPr marL="457200" indent="-457200"/>
+            <a:r>
+              <a:rPr lang="en-US" sz="3200" dirty="0" smtClean="0"/>
+              <a:t>One can use </a:t>
+            </a:r>
+            <a:r>
+              <a:rPr lang="en-US" sz="3200" b="1" dirty="0" smtClean="0">
+                <a:latin typeface="Courier New" panose="02070309020205020404" pitchFamily="49" charset="0"/>
+                <a:cs typeface="Courier New" panose="02070309020205020404" pitchFamily="49" charset="0"/>
+              </a:rPr>
+              <a:t>ttml2csv</a:t>
+            </a:r>
+            <a:r>
+              <a:rPr lang="en-US" sz="3200" dirty="0" smtClean="0"/>
+              <a:t> utility to convert data in </a:t>
+            </a:r>
+            <a:r>
+              <a:rPr lang="en-US" sz="3200" b="1" dirty="0" smtClean="0">
+                <a:latin typeface="Courier New" panose="02070309020205020404" pitchFamily="49" charset="0"/>
+                <a:cs typeface="Courier New" panose="02070309020205020404" pitchFamily="49" charset="0"/>
+              </a:rPr>
+              <a:t>csv</a:t>
+            </a:r>
+            <a:r>
+              <a:rPr lang="en-US" sz="3200" dirty="0" smtClean="0"/>
+              <a:t> format</a:t>
+            </a:r>
+          </a:p>
+          <a:p>
+            <a:pPr marL="761946" lvl="1" indent="-457200"/>
+            <a:r>
+              <a:rPr lang="en-US" dirty="0" smtClean="0"/>
+              <a:t>Load data in </a:t>
+            </a:r>
+            <a:r>
+              <a:rPr lang="en-US" b="1" dirty="0" smtClean="0">
+                <a:latin typeface="Courier New" panose="02070309020205020404" pitchFamily="49" charset="0"/>
+                <a:cs typeface="Courier New" panose="02070309020205020404" pitchFamily="49" charset="0"/>
+              </a:rPr>
+              <a:t>MATLAB</a:t>
+            </a:r>
+            <a:r>
+              <a:rPr lang="en-US" dirty="0" smtClean="0"/>
+              <a:t> to do its examination </a:t>
+            </a:r>
+          </a:p>
+          <a:p>
+            <a:pPr marL="761946" lvl="1" indent="-457200"/>
+            <a:r>
+              <a:rPr lang="en-US" dirty="0" smtClean="0"/>
+              <a:t>One can also use it </a:t>
+            </a:r>
+            <a:r>
+              <a:rPr lang="en-US" dirty="0" err="1" smtClean="0"/>
+              <a:t>f.ex</a:t>
+            </a:r>
+            <a:r>
+              <a:rPr lang="en-US" dirty="0" smtClean="0"/>
+              <a:t>. with </a:t>
+            </a:r>
+            <a:r>
+              <a:rPr lang="en-US" dirty="0" smtClean="0">
+                <a:latin typeface="Courier New" panose="02070309020205020404" pitchFamily="49" charset="0"/>
+                <a:cs typeface="Courier New" panose="02070309020205020404" pitchFamily="49" charset="0"/>
+              </a:rPr>
+              <a:t>Excel</a:t>
+            </a:r>
+            <a:endParaRPr lang="en-US" dirty="0">
+              <a:latin typeface="Courier New" panose="02070309020205020404" pitchFamily="49" charset="0"/>
+              <a:cs typeface="Courier New" panose="02070309020205020404" pitchFamily="49" charset="0"/>
+            </a:endParaRPr>
+          </a:p>
+          <a:p>
+            <a:endParaRPr lang="en-US" dirty="0"/>
+          </a:p>
+        </p:txBody>
+      </p:sp>
+      <p:sp>
+        <p:nvSpPr>
+          <p:cNvPr id="6" name="Номер слайда 5"/>
+          <p:cNvSpPr>
+            <a:spLocks noGrp="1"/>
+          </p:cNvSpPr>
+          <p:nvPr>
+            <p:ph type="sldNum" sz="quarter" idx="12"/>
+          </p:nvPr>
+        </p:nvSpPr>
+        <p:spPr/>
+        <p:txBody>
+          <a:bodyPr/>
+          <a:lstStyle/>
+          <a:p>
+            <a:fld id="{C014DD1E-5D91-48A3-AD6D-45FBA980D106}" type="slidenum">
+              <a:rPr lang="ru-RU" noProof="0" smtClean="0"/>
+              <a:t>20</a:t>
+            </a:fld>
+            <a:endParaRPr lang="ru-RU" noProof="0" dirty="0"/>
+          </a:p>
+        </p:txBody>
+      </p:sp>
+    </p:spTree>
+    <p:extLst>
+      <p:ext uri="{BB962C8B-B14F-4D97-AF65-F5344CB8AC3E}">
+        <p14:creationId xmlns:p14="http://schemas.microsoft.com/office/powerpoint/2010/main" val="2642078841"/>
+      </p:ext>
+    </p:extLst>
+  </p:cSld>
+  <p:clrMapOvr>
+    <a:masterClrMapping/>
+  </p:clrMapOvr>
+  <mc:AlternateContent xmlns:mc="http://schemas.openxmlformats.org/markup-compatibility/2006" xmlns:p14="http://schemas.microsoft.com/office/powerpoint/2010/main">
+    <mc:Choice Requires="p14">
+      <p:transition spd="med" p14:dur="700">
+        <p:fade/>
+      </p:transition>
+    </mc:Choice>
+    <mc:Fallback xmlns="">
+      <p:transition spd="med">
+        <p:fade/>
+      </p:transition>
+    </mc:Fallback>
+  </mc:AlternateContent>
+  <p:timing>
+    <p:tnLst>
+      <p:par>
+        <p:cTn id="1" dur="indefinite" restart="never" nodeType="tmRoot"/>
+      </p:par>
+    </p:tnLst>
+  </p:timing>
+</p:sld>
+</file>
+
+<file path=ppt/slides/slide21.xml><?xml version="1.0" encoding="utf-8"?>
+<p:sld xmlns:a="http://schemas.openxmlformats.org/drawingml/2006/main" xmlns:r="http://schemas.openxmlformats.org/officeDocument/2006/relationships" xmlns:p="http://schemas.openxmlformats.org/presentationml/2006/main">
+  <p:cSld>
+    <p:spTree>
+      <p:nvGrpSpPr>
+        <p:cNvPr id="1" name=""/>
+        <p:cNvGrpSpPr/>
+        <p:nvPr/>
+      </p:nvGrpSpPr>
+      <p:grpSpPr>
+        <a:xfrm>
+          <a:off x="0" y="0"/>
+          <a:ext cx="0" cy="0"/>
+          <a:chOff x="0" y="0"/>
+          <a:chExt cx="0" cy="0"/>
+        </a:xfrm>
+      </p:grpSpPr>
+      <p:sp>
+        <p:nvSpPr>
+          <p:cNvPr id="2" name="Заголовок 1"/>
+          <p:cNvSpPr>
+            <a:spLocks noGrp="1"/>
+          </p:cNvSpPr>
+          <p:nvPr>
+            <p:ph type="title"/>
+          </p:nvPr>
+        </p:nvSpPr>
+        <p:spPr/>
+        <p:txBody>
+          <a:bodyPr>
+            <a:normAutofit/>
+          </a:bodyPr>
+          <a:lstStyle/>
+          <a:p>
+            <a:r>
+              <a:rPr lang="en-US" sz="4400" dirty="0" smtClean="0"/>
+              <a:t>Additional utilities</a:t>
+            </a:r>
+            <a:endParaRPr lang="en-US" sz="4400" dirty="0"/>
+          </a:p>
+        </p:txBody>
+      </p:sp>
+      <p:sp>
+        <p:nvSpPr>
+          <p:cNvPr id="3" name="Объект 2"/>
+          <p:cNvSpPr>
+            <a:spLocks noGrp="1"/>
+          </p:cNvSpPr>
+          <p:nvPr>
+            <p:ph idx="1"/>
+          </p:nvPr>
+        </p:nvSpPr>
+        <p:spPr/>
+        <p:txBody>
+          <a:bodyPr/>
+          <a:lstStyle/>
+          <a:p>
+            <a:r>
+              <a:rPr lang="en-US" b="1" dirty="0" smtClean="0">
+                <a:latin typeface="Courier New" panose="02070309020205020404" pitchFamily="49" charset="0"/>
+                <a:cs typeface="Courier New" panose="02070309020205020404" pitchFamily="49" charset="0"/>
+              </a:rPr>
+              <a:t>rssdk2video</a:t>
+            </a:r>
+          </a:p>
+          <a:p>
+            <a:r>
+              <a:rPr lang="en-US" b="1" dirty="0" smtClean="0">
+                <a:latin typeface="Courier New" panose="02070309020205020404" pitchFamily="49" charset="0"/>
+                <a:cs typeface="Courier New" panose="02070309020205020404" pitchFamily="49" charset="0"/>
+              </a:rPr>
+              <a:t>ttml2srt</a:t>
+            </a:r>
+          </a:p>
+          <a:p>
+            <a:pPr lvl="1"/>
+            <a:endParaRPr lang="en-US" dirty="0"/>
+          </a:p>
+        </p:txBody>
+      </p:sp>
+      <p:sp>
+        <p:nvSpPr>
+          <p:cNvPr id="6" name="Номер слайда 5"/>
+          <p:cNvSpPr>
+            <a:spLocks noGrp="1"/>
+          </p:cNvSpPr>
+          <p:nvPr>
+            <p:ph type="sldNum" sz="quarter" idx="12"/>
+          </p:nvPr>
+        </p:nvSpPr>
+        <p:spPr/>
+        <p:txBody>
+          <a:bodyPr/>
+          <a:lstStyle/>
+          <a:p>
+            <a:fld id="{C014DD1E-5D91-48A3-AD6D-45FBA980D106}" type="slidenum">
+              <a:rPr lang="ru-RU" noProof="0" smtClean="0"/>
+              <a:t>21</a:t>
+            </a:fld>
+            <a:endParaRPr lang="ru-RU" noProof="0" dirty="0"/>
+          </a:p>
+        </p:txBody>
+      </p:sp>
+    </p:spTree>
+    <p:extLst>
+      <p:ext uri="{BB962C8B-B14F-4D97-AF65-F5344CB8AC3E}">
+        <p14:creationId xmlns:p14="http://schemas.microsoft.com/office/powerpoint/2010/main" val="572613508"/>
       </p:ext>
     </p:extLst>
   </p:cSld>
@@ -7594,14 +9154,13 @@
         </p:nvSpPr>
         <p:spPr/>
         <p:txBody>
-          <a:bodyPr>
-            <a:normAutofit/>
-          </a:bodyPr>
+          <a:bodyPr/>
           <a:lstStyle/>
           <a:p>
+            <a:pPr algn="ctr"/>
             <a:r>
               <a:rPr lang="en-US" sz="4400" dirty="0" smtClean="0"/>
-              <a:t>Emotions records</a:t>
+              <a:t>Outcomes</a:t>
             </a:r>
             <a:endParaRPr lang="en-US" sz="4400" dirty="0"/>
           </a:p>
@@ -7617,173 +9176,73 @@
             <p:ph idx="1"/>
           </p:nvPr>
         </p:nvSpPr>
-        <p:spPr>
-          <a:xfrm>
-            <a:off x="1218883" y="1701797"/>
-            <a:ext cx="10360501" cy="5019680"/>
-          </a:xfrm>
-        </p:spPr>
+        <p:spPr/>
         <p:txBody>
           <a:bodyPr>
             <a:normAutofit fontScale="92500" lnSpcReduction="20000"/>
           </a:bodyPr>
           <a:lstStyle/>
           <a:p>
-            <a:pPr lvl="0"/>
+            <a:pPr marL="0" indent="0" algn="just">
+              <a:buNone/>
+            </a:pPr>
             <a:r>
               <a:rPr lang="en-US" dirty="0" smtClean="0"/>
-              <a:t>TTML </a:t>
-            </a:r>
-            <a:r>
-              <a:rPr lang="ru-RU" dirty="0" smtClean="0"/>
-              <a:t>(</a:t>
-            </a:r>
-            <a:r>
-              <a:rPr lang="ru-RU" u="sng" dirty="0" smtClean="0">
-                <a:hlinkClick r:id="rId2"/>
-              </a:rPr>
-              <a:t>https</a:t>
-            </a:r>
-            <a:r>
-              <a:rPr lang="ru-RU" u="sng" dirty="0">
-                <a:hlinkClick r:id="rId2"/>
-              </a:rPr>
-              <a:t>://www.w3.org/TR/</a:t>
-            </a:r>
-            <a:r>
-              <a:rPr lang="ru-RU" b="1" u="sng" dirty="0">
-                <a:hlinkClick r:id="rId2"/>
-              </a:rPr>
-              <a:t>ttml</a:t>
-            </a:r>
-            <a:r>
-              <a:rPr lang="ru-RU" u="sng" dirty="0">
-                <a:hlinkClick r:id="rId2"/>
-              </a:rPr>
-              <a:t>2/</a:t>
-            </a:r>
-            <a:r>
-              <a:rPr lang="ru-RU" dirty="0"/>
-              <a:t>) </a:t>
-            </a:r>
-            <a:endParaRPr lang="en-US" dirty="0" smtClean="0"/>
-          </a:p>
-          <a:p>
-            <a:pPr lvl="1"/>
+              <a:t>It was created emotions processing ecosystem. It contains native library to make records of timed </a:t>
+            </a:r>
+            <a:r>
+              <a:rPr lang="en-US" dirty="0"/>
+              <a:t>series </a:t>
+            </a:r>
             <a:r>
               <a:rPr lang="en-US" dirty="0" smtClean="0"/>
-              <a:t>“The </a:t>
-            </a:r>
-            <a:r>
-              <a:rPr lang="en-US" dirty="0"/>
-              <a:t>Timed Text Markup Language is a content type that represents timed text media for the purpose of interchange among authoring systems. Timed text is textual information that is intrinsically or extrinsically associated with timing information</a:t>
-            </a:r>
-            <a:r>
-              <a:rPr lang="en-US" dirty="0" smtClean="0"/>
-              <a:t>.” </a:t>
-            </a:r>
-          </a:p>
-          <a:p>
-            <a:r>
-              <a:rPr lang="en-US" dirty="0" smtClean="0"/>
-              <a:t>Pros </a:t>
-            </a:r>
-          </a:p>
-          <a:p>
-            <a:pPr lvl="1"/>
-            <a:r>
-              <a:rPr lang="en-US" dirty="0" smtClean="0"/>
-              <a:t>Can be used as subtitles</a:t>
-            </a:r>
-          </a:p>
-          <a:p>
-            <a:pPr lvl="3"/>
-            <a:r>
-              <a:rPr lang="ru-RU" dirty="0" err="1"/>
-              <a:t>Windows</a:t>
-            </a:r>
-            <a:r>
-              <a:rPr lang="ru-RU" dirty="0"/>
-              <a:t> </a:t>
-            </a:r>
-            <a:r>
-              <a:rPr lang="ru-RU" dirty="0" smtClean="0"/>
-              <a:t>10</a:t>
+              <a:t>of data connected with emotions </a:t>
             </a:r>
             <a:r>
               <a:rPr lang="en-US" dirty="0" smtClean="0"/>
               <a:t> </a:t>
             </a:r>
             <a:r>
-              <a:rPr lang="ru-RU" dirty="0" err="1" smtClean="0"/>
-              <a:t>Movies</a:t>
-            </a:r>
-            <a:r>
-              <a:rPr lang="ru-RU" dirty="0" smtClean="0"/>
-              <a:t> </a:t>
-            </a:r>
-            <a:r>
-              <a:rPr lang="ru-RU" dirty="0"/>
-              <a:t>&amp; </a:t>
-            </a:r>
-            <a:r>
-              <a:rPr lang="ru-RU" dirty="0" smtClean="0"/>
-              <a:t>TV</a:t>
+              <a:rPr lang="en-US" dirty="0" smtClean="0"/>
+              <a:t>estimated </a:t>
+            </a:r>
+            <a:r>
+              <a:rPr lang="en-US" dirty="0" smtClean="0"/>
+              <a:t>by RealSense camera. There is also C# wrapper to native library. It was implemented main merging primitives for emotions records and for processing of collected gaze data. </a:t>
+            </a:r>
+            <a:r>
+              <a:rPr lang="en-US" dirty="0" smtClean="0"/>
+              <a:t>There are two examples of using emotions tracking library and merging capabilities. It was implemented two utilities to make gaze heat map and to lay down gaze upon the video content. There is possibility to record RealSense camera streams and convert this record to common used video format using one of implemented utilities. Timed emotions records can be converted to one oaf the most user subtitles format. There is defined the way to do mathematical processing of emotions records. MATLAB codes has been provides and there is an utility to convert emotions records to </a:t>
+            </a:r>
+            <a:r>
+              <a:rPr lang="en-US" dirty="0" smtClean="0">
+                <a:latin typeface="Courier New" panose="02070309020205020404" pitchFamily="49" charset="0"/>
+                <a:cs typeface="Courier New" panose="02070309020205020404" pitchFamily="49" charset="0"/>
+              </a:rPr>
+              <a:t>csv</a:t>
+            </a:r>
+            <a:r>
+              <a:rPr lang="en-US" dirty="0" smtClean="0"/>
+              <a:t> format allowing to use collected data within a lot of applications, </a:t>
+            </a:r>
+            <a:r>
+              <a:rPr lang="en-US" dirty="0" err="1" smtClean="0"/>
+              <a:t>t.e</a:t>
+            </a:r>
+            <a:r>
+              <a:rPr lang="en-US" dirty="0" smtClean="0"/>
+              <a:t>., Excel, MATLAB, R, etc. It was found main use cases for </a:t>
+            </a:r>
+            <a:r>
+              <a:rPr lang="en-US" smtClean="0"/>
+              <a:t>created library. </a:t>
             </a:r>
             <a:endParaRPr lang="en-US" dirty="0" smtClean="0"/>
           </a:p>
           <a:p>
-            <a:pPr lvl="1"/>
-            <a:r>
-              <a:rPr lang="en-US" dirty="0"/>
-              <a:t> </a:t>
-            </a:r>
-            <a:r>
-              <a:rPr lang="en-US" dirty="0" smtClean="0"/>
-              <a:t>Is </a:t>
-            </a:r>
-            <a:r>
-              <a:rPr lang="en-US" dirty="0"/>
-              <a:t>one of W3C's standards regulating timed text on the internet.</a:t>
-            </a:r>
-            <a:endParaRPr lang="en-US" dirty="0" smtClean="0"/>
-          </a:p>
-          <a:p>
-            <a:r>
-              <a:rPr lang="en-US" dirty="0" smtClean="0"/>
-              <a:t>Cons</a:t>
-            </a:r>
-          </a:p>
-          <a:p>
-            <a:pPr lvl="1"/>
-            <a:r>
-              <a:rPr lang="en-US" dirty="0" smtClean="0"/>
-              <a:t>It is not wide used standard </a:t>
-            </a:r>
-          </a:p>
-          <a:p>
-            <a:pPr lvl="1"/>
-            <a:r>
-              <a:rPr lang="en-US" dirty="0" smtClean="0"/>
-              <a:t>Entail to produce large files</a:t>
-            </a:r>
-          </a:p>
-          <a:p>
-            <a:pPr lvl="2"/>
-            <a:r>
-              <a:rPr lang="en-US" dirty="0" smtClean="0"/>
-              <a:t>~50M per 5 minutes of tracking</a:t>
-            </a:r>
-          </a:p>
-          <a:p>
-            <a:pPr lvl="3"/>
-            <a:r>
-              <a:rPr lang="en-US" dirty="0" smtClean="0"/>
-              <a:t> </a:t>
-            </a:r>
-          </a:p>
-          <a:p>
-            <a:pPr lvl="2"/>
+            <a:pPr marL="0" indent="0">
+              <a:buNone/>
+            </a:pPr>
             <a:endParaRPr lang="en-US" dirty="0"/>
           </a:p>
         </p:txBody>
@@ -7814,7 +9273,7 @@
     </p:spTree>
     <p:extLst>
       <p:ext uri="{BB962C8B-B14F-4D97-AF65-F5344CB8AC3E}">
-        <p14:creationId xmlns:p14="http://schemas.microsoft.com/office/powerpoint/2010/main" val="3595348728"/>
+        <p14:creationId xmlns:p14="http://schemas.microsoft.com/office/powerpoint/2010/main" val="3556766121"/>
       </p:ext>
     </p:extLst>
   </p:cSld>
@@ -7870,6 +9329,284 @@
             <p:ph type="title"/>
           </p:nvPr>
         </p:nvSpPr>
+        <p:spPr/>
+        <p:txBody>
+          <a:bodyPr>
+            <a:normAutofit/>
+          </a:bodyPr>
+          <a:lstStyle/>
+          <a:p>
+            <a:r>
+              <a:rPr lang="en-US" sz="4400" dirty="0" smtClean="0"/>
+              <a:t>Emotions records</a:t>
+            </a:r>
+            <a:endParaRPr lang="en-US" sz="4400" dirty="0"/>
+          </a:p>
+        </p:txBody>
+      </p:sp>
+      <p:sp>
+        <p:nvSpPr>
+          <p:cNvPr id="3" name="Объект 2"/>
+          <p:cNvSpPr>
+            <a:spLocks noGrp="1"/>
+          </p:cNvSpPr>
+          <p:nvPr>
+            <p:ph idx="1"/>
+          </p:nvPr>
+        </p:nvSpPr>
+        <p:spPr>
+          <a:xfrm>
+            <a:off x="1218883" y="1701797"/>
+            <a:ext cx="10360501" cy="5019680"/>
+          </a:xfrm>
+        </p:spPr>
+        <p:txBody>
+          <a:bodyPr>
+            <a:normAutofit fontScale="92500" lnSpcReduction="20000"/>
+          </a:bodyPr>
+          <a:lstStyle/>
+          <a:p>
+            <a:pPr lvl="0"/>
+            <a:r>
+              <a:rPr lang="en-US" dirty="0" smtClean="0"/>
+              <a:t>TTML </a:t>
+            </a:r>
+            <a:r>
+              <a:rPr lang="ru-RU" dirty="0" smtClean="0"/>
+              <a:t>(</a:t>
+            </a:r>
+            <a:r>
+              <a:rPr lang="ru-RU" u="sng" dirty="0" smtClean="0">
+                <a:hlinkClick r:id="rId2"/>
+              </a:rPr>
+              <a:t>https</a:t>
+            </a:r>
+            <a:r>
+              <a:rPr lang="ru-RU" u="sng" dirty="0">
+                <a:hlinkClick r:id="rId2"/>
+              </a:rPr>
+              <a:t>://www.w3.org/TR/</a:t>
+            </a:r>
+            <a:r>
+              <a:rPr lang="ru-RU" b="1" u="sng" dirty="0">
+                <a:hlinkClick r:id="rId2"/>
+              </a:rPr>
+              <a:t>ttml</a:t>
+            </a:r>
+            <a:r>
+              <a:rPr lang="ru-RU" u="sng" dirty="0">
+                <a:hlinkClick r:id="rId2"/>
+              </a:rPr>
+              <a:t>2/</a:t>
+            </a:r>
+            <a:r>
+              <a:rPr lang="ru-RU" dirty="0"/>
+              <a:t>) </a:t>
+            </a:r>
+            <a:endParaRPr lang="en-US" dirty="0" smtClean="0"/>
+          </a:p>
+          <a:p>
+            <a:pPr lvl="1"/>
+            <a:r>
+              <a:rPr lang="en-US" dirty="0" smtClean="0"/>
+              <a:t>“The </a:t>
+            </a:r>
+            <a:r>
+              <a:rPr lang="en-US" dirty="0"/>
+              <a:t>Timed Text Markup Language is a content type that represents timed text media for the purpose of interchange among authoring systems. Timed text is textual information that is intrinsically or extrinsically associated with timing information</a:t>
+            </a:r>
+            <a:r>
+              <a:rPr lang="en-US" dirty="0" smtClean="0"/>
+              <a:t>.” </a:t>
+            </a:r>
+          </a:p>
+          <a:p>
+            <a:r>
+              <a:rPr lang="en-US" dirty="0" smtClean="0"/>
+              <a:t>Pros </a:t>
+            </a:r>
+          </a:p>
+          <a:p>
+            <a:pPr lvl="1"/>
+            <a:r>
+              <a:rPr lang="en-US" dirty="0" smtClean="0"/>
+              <a:t>Can be used as subtitles</a:t>
+            </a:r>
+          </a:p>
+          <a:p>
+            <a:pPr lvl="3"/>
+            <a:r>
+              <a:rPr lang="ru-RU" dirty="0" err="1"/>
+              <a:t>Windows</a:t>
+            </a:r>
+            <a:r>
+              <a:rPr lang="ru-RU" dirty="0"/>
+              <a:t> </a:t>
+            </a:r>
+            <a:r>
+              <a:rPr lang="ru-RU" dirty="0" smtClean="0"/>
+              <a:t>10</a:t>
+            </a:r>
+            <a:r>
+              <a:rPr lang="en-US" dirty="0" smtClean="0"/>
+              <a:t> </a:t>
+            </a:r>
+            <a:r>
+              <a:rPr lang="ru-RU" dirty="0" err="1" smtClean="0"/>
+              <a:t>Movies</a:t>
+            </a:r>
+            <a:r>
+              <a:rPr lang="ru-RU" dirty="0" smtClean="0"/>
+              <a:t> </a:t>
+            </a:r>
+            <a:r>
+              <a:rPr lang="ru-RU" dirty="0"/>
+              <a:t>&amp; </a:t>
+            </a:r>
+            <a:r>
+              <a:rPr lang="ru-RU" dirty="0" smtClean="0"/>
+              <a:t>TV</a:t>
+            </a:r>
+            <a:endParaRPr lang="en-US" dirty="0" smtClean="0"/>
+          </a:p>
+          <a:p>
+            <a:pPr lvl="1"/>
+            <a:r>
+              <a:rPr lang="en-US" dirty="0"/>
+              <a:t> </a:t>
+            </a:r>
+            <a:r>
+              <a:rPr lang="en-US" dirty="0" smtClean="0"/>
+              <a:t>Is </a:t>
+            </a:r>
+            <a:r>
+              <a:rPr lang="en-US" dirty="0"/>
+              <a:t>one of W3C's standards regulating timed text on the internet.</a:t>
+            </a:r>
+            <a:endParaRPr lang="en-US" dirty="0" smtClean="0"/>
+          </a:p>
+          <a:p>
+            <a:r>
+              <a:rPr lang="en-US" dirty="0" smtClean="0"/>
+              <a:t>Cons</a:t>
+            </a:r>
+          </a:p>
+          <a:p>
+            <a:pPr lvl="1"/>
+            <a:r>
+              <a:rPr lang="en-US" dirty="0" smtClean="0"/>
+              <a:t>It is not wide used standard </a:t>
+            </a:r>
+          </a:p>
+          <a:p>
+            <a:pPr lvl="1"/>
+            <a:r>
+              <a:rPr lang="en-US" dirty="0" smtClean="0"/>
+              <a:t>Entail to produce large files</a:t>
+            </a:r>
+          </a:p>
+          <a:p>
+            <a:pPr lvl="2"/>
+            <a:r>
+              <a:rPr lang="en-US" dirty="0" smtClean="0"/>
+              <a:t>~50M per 5 minutes of tracking</a:t>
+            </a:r>
+          </a:p>
+          <a:p>
+            <a:pPr lvl="3"/>
+            <a:r>
+              <a:rPr lang="en-US" dirty="0" smtClean="0"/>
+              <a:t> </a:t>
+            </a:r>
+          </a:p>
+          <a:p>
+            <a:pPr lvl="2"/>
+            <a:endParaRPr lang="en-US" dirty="0"/>
+          </a:p>
+        </p:txBody>
+      </p:sp>
+      <p:sp>
+        <p:nvSpPr>
+          <p:cNvPr id="6" name="Номер слайда 5"/>
+          <p:cNvSpPr>
+            <a:spLocks noGrp="1"/>
+          </p:cNvSpPr>
+          <p:nvPr>
+            <p:ph type="sldNum" sz="quarter" idx="12"/>
+          </p:nvPr>
+        </p:nvSpPr>
+        <p:spPr/>
+        <p:txBody>
+          <a:bodyPr/>
+          <a:lstStyle/>
+          <a:p>
+            <a:fld id="{C014DD1E-5D91-48A3-AD6D-45FBA980D106}" type="slidenum">
+              <a:rPr lang="ru-RU" noProof="0" smtClean="0"/>
+              <a:t>5</a:t>
+            </a:fld>
+            <a:endParaRPr lang="ru-RU" noProof="0" dirty="0"/>
+          </a:p>
+        </p:txBody>
+      </p:sp>
+    </p:spTree>
+    <p:extLst>
+      <p:ext uri="{BB962C8B-B14F-4D97-AF65-F5344CB8AC3E}">
+        <p14:creationId xmlns:p14="http://schemas.microsoft.com/office/powerpoint/2010/main" val="3595348728"/>
+      </p:ext>
+    </p:extLst>
+  </p:cSld>
+  <p:clrMapOvr>
+    <a:masterClrMapping/>
+  </p:clrMapOvr>
+  <mc:AlternateContent xmlns:mc="http://schemas.openxmlformats.org/markup-compatibility/2006" xmlns:p14="http://schemas.microsoft.com/office/powerpoint/2010/main">
+    <mc:Choice Requires="p14">
+      <p:transition spd="med" p14:dur="700">
+        <p:fade/>
+      </p:transition>
+    </mc:Choice>
+    <mc:Fallback xmlns="">
+      <p:transition spd="med">
+        <p:fade/>
+      </p:transition>
+    </mc:Fallback>
+  </mc:AlternateContent>
+  <p:timing>
+    <p:tnLst>
+      <p:par>
+        <p:cTn id="1" dur="indefinite" restart="never" nodeType="tmRoot"/>
+      </p:par>
+    </p:tnLst>
+  </p:timing>
+</p:sld>
+</file>
+
+<file path=ppt/slides/slide6.xml><?xml version="1.0" encoding="utf-8"?>
+<p:sld xmlns:a="http://schemas.openxmlformats.org/drawingml/2006/main" xmlns:r="http://schemas.openxmlformats.org/officeDocument/2006/relationships" xmlns:p="http://schemas.openxmlformats.org/presentationml/2006/main">
+  <p:cSld>
+    <p:spTree>
+      <p:nvGrpSpPr>
+        <p:cNvPr id="1" name=""/>
+        <p:cNvGrpSpPr/>
+        <p:nvPr/>
+      </p:nvGrpSpPr>
+      <p:grpSpPr>
+        <a:xfrm>
+          <a:off x="0" y="0"/>
+          <a:ext cx="0" cy="0"/>
+          <a:chOff x="0" y="0"/>
+          <a:chExt cx="0" cy="0"/>
+        </a:xfrm>
+      </p:grpSpPr>
+      <p:sp>
+        <p:nvSpPr>
+          <p:cNvPr id="2" name="Заголовок 1"/>
+          <p:cNvSpPr>
+            <a:spLocks noGrp="1"/>
+          </p:cNvSpPr>
+          <p:nvPr>
+            <p:ph type="title"/>
+          </p:nvPr>
+        </p:nvSpPr>
         <p:spPr>
           <a:xfrm>
             <a:off x="1218883" y="-315415"/>
@@ -9180,7 +10917,7 @@
           <a:p>
             <a:fld id="{C014DD1E-5D91-48A3-AD6D-45FBA980D106}" type="slidenum">
               <a:rPr lang="ru-RU" noProof="0" smtClean="0"/>
-              <a:t>5</a:t>
+              <a:t>6</a:t>
             </a:fld>
             <a:endParaRPr lang="ru-RU" noProof="0" dirty="0"/>
           </a:p>
@@ -9489,7 +11226,7 @@
 </p:sld>
 </file>
 
-<file path=ppt/slides/slide6.xml><?xml version="1.0" encoding="utf-8"?>
+<file path=ppt/slides/slide7.xml><?xml version="1.0" encoding="utf-8"?>
 <p:sld xmlns:a="http://schemas.openxmlformats.org/drawingml/2006/main" xmlns:r="http://schemas.openxmlformats.org/officeDocument/2006/relationships" xmlns:p="http://schemas.openxmlformats.org/presentationml/2006/main">
   <p:cSld>
     <p:spTree>
@@ -9552,8 +11289,8 @@
         </p:nvSpPr>
         <p:spPr>
           <a:xfrm>
-            <a:off x="765820" y="836711"/>
-            <a:ext cx="6336704" cy="5884765"/>
+            <a:off x="549796" y="789709"/>
+            <a:ext cx="6336704" cy="5931767"/>
           </a:xfrm>
         </p:spPr>
         <p:txBody>
@@ -9654,54 +11391,7 @@
                 <a:latin typeface="Courier New" panose="02070309020205020404" pitchFamily="49" charset="0"/>
                 <a:cs typeface="Courier New" panose="02070309020205020404" pitchFamily="49" charset="0"/>
               </a:rPr>
-              <a:t> &lt;</a:t>
-            </a:r>
-            <a:r>
-              <a:rPr lang="en-US" sz="1800" b="1" dirty="0" err="1">
-                <a:solidFill>
-                  <a:srgbClr val="FFC000"/>
-                </a:solidFill>
-                <a:latin typeface="Courier New" panose="02070309020205020404" pitchFamily="49" charset="0"/>
-                <a:cs typeface="Courier New" panose="02070309020205020404" pitchFamily="49" charset="0"/>
-              </a:rPr>
-              <a:t>Brow_Raised_Left</a:t>
-            </a:r>
-            <a:r>
-              <a:rPr lang="en-US" sz="1800" b="1" dirty="0">
-                <a:solidFill>
-                  <a:srgbClr val="FFC000"/>
-                </a:solidFill>
-                <a:latin typeface="Courier New" panose="02070309020205020404" pitchFamily="49" charset="0"/>
-                <a:cs typeface="Courier New" panose="02070309020205020404" pitchFamily="49" charset="0"/>
-              </a:rPr>
-              <a:t>&gt;</a:t>
-            </a:r>
-            <a:r>
-              <a:rPr lang="en-US" sz="1800" b="1" dirty="0">
-                <a:latin typeface="Courier New" panose="02070309020205020404" pitchFamily="49" charset="0"/>
-                <a:cs typeface="Courier New" panose="02070309020205020404" pitchFamily="49" charset="0"/>
-              </a:rPr>
-              <a:t>0</a:t>
-            </a:r>
-            <a:r>
-              <a:rPr lang="en-US" sz="1800" b="1" dirty="0">
-                <a:solidFill>
-                  <a:srgbClr val="FFC000"/>
-                </a:solidFill>
-                <a:latin typeface="Courier New" panose="02070309020205020404" pitchFamily="49" charset="0"/>
-                <a:cs typeface="Courier New" panose="02070309020205020404" pitchFamily="49" charset="0"/>
-              </a:rPr>
-              <a:t>&lt;/</a:t>
-            </a:r>
-            <a:r>
-              <a:rPr lang="en-US" sz="1800" b="1" dirty="0" err="1">
-                <a:solidFill>
-                  <a:srgbClr val="FFC000"/>
-                </a:solidFill>
-                <a:latin typeface="Courier New" panose="02070309020205020404" pitchFamily="49" charset="0"/>
-                <a:cs typeface="Courier New" panose="02070309020205020404" pitchFamily="49" charset="0"/>
-              </a:rPr>
-              <a:t>Brow_Raised_Left</a:t>
+              <a:t> </a:t>
             </a:r>
             <a:r>
               <a:rPr lang="en-US" sz="1800" b="1" dirty="0" smtClean="0">
@@ -9711,7 +11401,17 @@
                 <a:latin typeface="Courier New" panose="02070309020205020404" pitchFamily="49" charset="0"/>
                 <a:cs typeface="Courier New" panose="02070309020205020404" pitchFamily="49" charset="0"/>
               </a:rPr>
-              <a:t>&gt;</a:t>
+              <a:t>&lt;</a:t>
+            </a:r>
+            <a:r>
+              <a:rPr lang="en-US" sz="1800" b="1" dirty="0">
+                <a:solidFill>
+                  <a:srgbClr val="FFC000"/>
+                </a:solidFill>
+                <a:latin typeface="Courier New" panose="02070309020205020404" pitchFamily="49" charset="0"/>
+                <a:cs typeface="Courier New" panose="02070309020205020404" pitchFamily="49" charset="0"/>
+              </a:rPr>
+              <a:t>Landmark&gt;</a:t>
             </a:r>
           </a:p>
           <a:p>
@@ -9722,16 +11422,6 @@
               <a:buNone/>
             </a:pPr>
             <a:r>
-              <a:rPr lang="en-US" sz="1800" b="1" dirty="0">
-                <a:solidFill>
-                  <a:srgbClr val="FFC000"/>
-                </a:solidFill>
-                <a:latin typeface="Courier New" panose="02070309020205020404" pitchFamily="49" charset="0"/>
-                <a:cs typeface="Courier New" panose="02070309020205020404" pitchFamily="49" charset="0"/>
-              </a:rPr>
-              <a:t> </a:t>
-            </a:r>
-            <a:r>
               <a:rPr lang="en-US" sz="1800" b="1" dirty="0" smtClean="0">
                 <a:solidFill>
                   <a:srgbClr val="FFC000"/>
@@ -9739,57 +11429,37 @@
                 <a:latin typeface="Courier New" panose="02070309020205020404" pitchFamily="49" charset="0"/>
                 <a:cs typeface="Courier New" panose="02070309020205020404" pitchFamily="49" charset="0"/>
               </a:rPr>
-              <a:t> &lt;</a:t>
-            </a:r>
-            <a:r>
-              <a:rPr lang="en-US" sz="1800" b="1" dirty="0" err="1">
-                <a:solidFill>
-                  <a:srgbClr val="FFC000"/>
-                </a:solidFill>
-                <a:latin typeface="Courier New" panose="02070309020205020404" pitchFamily="49" charset="0"/>
-                <a:cs typeface="Courier New" panose="02070309020205020404" pitchFamily="49" charset="0"/>
-              </a:rPr>
-              <a:t>Brow_Raised_Right</a:t>
-            </a:r>
-            <a:r>
-              <a:rPr lang="en-US" sz="1800" b="1" dirty="0">
-                <a:solidFill>
-                  <a:srgbClr val="FFC000"/>
-                </a:solidFill>
-                <a:latin typeface="Courier New" panose="02070309020205020404" pitchFamily="49" charset="0"/>
-                <a:cs typeface="Courier New" panose="02070309020205020404" pitchFamily="49" charset="0"/>
-              </a:rPr>
-              <a:t>&gt;</a:t>
-            </a:r>
-            <a:r>
-              <a:rPr lang="en-US" sz="1800" b="1" dirty="0">
-                <a:latin typeface="Courier New" panose="02070309020205020404" pitchFamily="49" charset="0"/>
-                <a:cs typeface="Courier New" panose="02070309020205020404" pitchFamily="49" charset="0"/>
-              </a:rPr>
-              <a:t>0</a:t>
-            </a:r>
-            <a:r>
-              <a:rPr lang="en-US" sz="1800" b="1" dirty="0">
-                <a:solidFill>
-                  <a:srgbClr val="FFC000"/>
-                </a:solidFill>
-                <a:latin typeface="Courier New" panose="02070309020205020404" pitchFamily="49" charset="0"/>
-                <a:cs typeface="Courier New" panose="02070309020205020404" pitchFamily="49" charset="0"/>
-              </a:rPr>
-              <a:t>&lt;/</a:t>
-            </a:r>
-            <a:r>
-              <a:rPr lang="en-US" sz="1800" b="1" dirty="0" err="1">
-                <a:solidFill>
-                  <a:srgbClr val="FFC000"/>
-                </a:solidFill>
-                <a:latin typeface="Courier New" panose="02070309020205020404" pitchFamily="49" charset="0"/>
-                <a:cs typeface="Courier New" panose="02070309020205020404" pitchFamily="49" charset="0"/>
-              </a:rPr>
-              <a:t>Brow_Raised_Right</a:t>
-            </a:r>
-            <a:r>
-              <a:rPr lang="en-US" sz="1800" b="1" dirty="0">
+              <a:t>    &lt;</a:t>
+            </a:r>
+            <a:r>
+              <a:rPr lang="en-US" sz="1800" b="1" dirty="0">
+                <a:solidFill>
+                  <a:srgbClr val="FFC000"/>
+                </a:solidFill>
+                <a:latin typeface="Courier New" panose="02070309020205020404" pitchFamily="49" charset="0"/>
+                <a:cs typeface="Courier New" panose="02070309020205020404" pitchFamily="49" charset="0"/>
+              </a:rPr>
+              <a:t>Point&gt;</a:t>
+            </a:r>
+            <a:r>
+              <a:rPr lang="en-US" sz="1800" b="1" dirty="0">
+                <a:latin typeface="Courier New" panose="02070309020205020404" pitchFamily="49" charset="0"/>
+                <a:cs typeface="Courier New" panose="02070309020205020404" pitchFamily="49" charset="0"/>
+              </a:rPr>
+              <a:t>313.160400 255.806610</a:t>
+            </a:r>
+            <a:r>
+              <a:rPr lang="en-US" sz="1800" b="1" dirty="0">
+                <a:solidFill>
+                  <a:srgbClr val="FFC000"/>
+                </a:solidFill>
+                <a:latin typeface="Courier New" panose="02070309020205020404" pitchFamily="49" charset="0"/>
+                <a:cs typeface="Courier New" panose="02070309020205020404" pitchFamily="49" charset="0"/>
+              </a:rPr>
+              <a:t>&lt;/Point</a:t>
+            </a:r>
+            <a:r>
+              <a:rPr lang="en-US" sz="1800" b="1" dirty="0" smtClean="0">
                 <a:solidFill>
                   <a:srgbClr val="FFC000"/>
                 </a:solidFill>
@@ -9807,6 +11477,16 @@
               <a:buNone/>
             </a:pPr>
             <a:r>
+              <a:rPr lang="en-US" sz="1800" b="1" dirty="0">
+                <a:solidFill>
+                  <a:srgbClr val="FFC000"/>
+                </a:solidFill>
+                <a:latin typeface="Courier New" panose="02070309020205020404" pitchFamily="49" charset="0"/>
+                <a:cs typeface="Courier New" panose="02070309020205020404" pitchFamily="49" charset="0"/>
+              </a:rPr>
+              <a:t>	</a:t>
+            </a:r>
+            <a:r>
               <a:rPr lang="en-US" sz="1800" b="1" dirty="0" smtClean="0">
                 <a:solidFill>
                   <a:srgbClr val="FFC000"/>
@@ -9814,64 +11494,7 @@
                 <a:latin typeface="Courier New" panose="02070309020205020404" pitchFamily="49" charset="0"/>
                 <a:cs typeface="Courier New" panose="02070309020205020404" pitchFamily="49" charset="0"/>
               </a:rPr>
-              <a:t>  &lt;</a:t>
-            </a:r>
-            <a:r>
-              <a:rPr lang="en-US" sz="1800" b="1" dirty="0" err="1">
-                <a:solidFill>
-                  <a:srgbClr val="FFC000"/>
-                </a:solidFill>
-                <a:latin typeface="Courier New" panose="02070309020205020404" pitchFamily="49" charset="0"/>
-                <a:cs typeface="Courier New" panose="02070309020205020404" pitchFamily="49" charset="0"/>
-              </a:rPr>
-              <a:t>Brow_Lowered_Left</a:t>
-            </a:r>
-            <a:r>
-              <a:rPr lang="en-US" sz="1800" b="1" dirty="0">
-                <a:solidFill>
-                  <a:srgbClr val="FFC000"/>
-                </a:solidFill>
-                <a:latin typeface="Courier New" panose="02070309020205020404" pitchFamily="49" charset="0"/>
-                <a:cs typeface="Courier New" panose="02070309020205020404" pitchFamily="49" charset="0"/>
-              </a:rPr>
-              <a:t>&gt;</a:t>
-            </a:r>
-            <a:r>
-              <a:rPr lang="en-US" sz="1800" b="1" dirty="0">
-                <a:latin typeface="Courier New" panose="02070309020205020404" pitchFamily="49" charset="0"/>
-                <a:cs typeface="Courier New" panose="02070309020205020404" pitchFamily="49" charset="0"/>
-              </a:rPr>
-              <a:t>0</a:t>
-            </a:r>
-            <a:r>
-              <a:rPr lang="en-US" sz="1800" b="1" dirty="0">
-                <a:solidFill>
-                  <a:srgbClr val="FFC000"/>
-                </a:solidFill>
-                <a:latin typeface="Courier New" panose="02070309020205020404" pitchFamily="49" charset="0"/>
-                <a:cs typeface="Courier New" panose="02070309020205020404" pitchFamily="49" charset="0"/>
-              </a:rPr>
-              <a:t>&lt;/</a:t>
-            </a:r>
-            <a:r>
-              <a:rPr lang="en-US" sz="1800" b="1" dirty="0" err="1">
-                <a:solidFill>
-                  <a:srgbClr val="FFC000"/>
-                </a:solidFill>
-                <a:latin typeface="Courier New" panose="02070309020205020404" pitchFamily="49" charset="0"/>
-                <a:cs typeface="Courier New" panose="02070309020205020404" pitchFamily="49" charset="0"/>
-              </a:rPr>
-              <a:t>Brow_Lowered_Left</a:t>
-            </a:r>
-            <a:r>
-              <a:rPr lang="en-US" sz="1800" b="1" dirty="0">
-                <a:solidFill>
-                  <a:srgbClr val="FFC000"/>
-                </a:solidFill>
-                <a:latin typeface="Courier New" panose="02070309020205020404" pitchFamily="49" charset="0"/>
-                <a:cs typeface="Courier New" panose="02070309020205020404" pitchFamily="49" charset="0"/>
-              </a:rPr>
-              <a:t>&gt;</a:t>
+              <a:t>…………</a:t>
             </a:r>
           </a:p>
           <a:p>
@@ -9889,57 +11512,37 @@
                 <a:latin typeface="Courier New" panose="02070309020205020404" pitchFamily="49" charset="0"/>
                 <a:cs typeface="Courier New" panose="02070309020205020404" pitchFamily="49" charset="0"/>
               </a:rPr>
-              <a:t>  &lt;</a:t>
-            </a:r>
-            <a:r>
-              <a:rPr lang="en-US" sz="1800" b="1" dirty="0" err="1">
-                <a:solidFill>
-                  <a:srgbClr val="FFC000"/>
-                </a:solidFill>
-                <a:latin typeface="Courier New" panose="02070309020205020404" pitchFamily="49" charset="0"/>
-                <a:cs typeface="Courier New" panose="02070309020205020404" pitchFamily="49" charset="0"/>
-              </a:rPr>
-              <a:t>Brow_Lowered_Right</a:t>
-            </a:r>
-            <a:r>
-              <a:rPr lang="en-US" sz="1800" b="1" dirty="0">
-                <a:solidFill>
-                  <a:srgbClr val="FFC000"/>
-                </a:solidFill>
-                <a:latin typeface="Courier New" panose="02070309020205020404" pitchFamily="49" charset="0"/>
-                <a:cs typeface="Courier New" panose="02070309020205020404" pitchFamily="49" charset="0"/>
-              </a:rPr>
-              <a:t>&gt;</a:t>
-            </a:r>
-            <a:r>
-              <a:rPr lang="en-US" sz="1800" b="1" dirty="0">
-                <a:latin typeface="Courier New" panose="02070309020205020404" pitchFamily="49" charset="0"/>
-                <a:cs typeface="Courier New" panose="02070309020205020404" pitchFamily="49" charset="0"/>
-              </a:rPr>
-              <a:t>0</a:t>
-            </a:r>
-            <a:r>
-              <a:rPr lang="en-US" sz="1800" b="1" dirty="0">
-                <a:solidFill>
-                  <a:srgbClr val="FFC000"/>
-                </a:solidFill>
-                <a:latin typeface="Courier New" panose="02070309020205020404" pitchFamily="49" charset="0"/>
-                <a:cs typeface="Courier New" panose="02070309020205020404" pitchFamily="49" charset="0"/>
-              </a:rPr>
-              <a:t>&lt;/</a:t>
-            </a:r>
-            <a:r>
-              <a:rPr lang="en-US" sz="1800" b="1" dirty="0" err="1">
-                <a:solidFill>
-                  <a:srgbClr val="FFC000"/>
-                </a:solidFill>
-                <a:latin typeface="Courier New" panose="02070309020205020404" pitchFamily="49" charset="0"/>
-                <a:cs typeface="Courier New" panose="02070309020205020404" pitchFamily="49" charset="0"/>
-              </a:rPr>
-              <a:t>Brow_Lowered_Right</a:t>
-            </a:r>
-            <a:r>
-              <a:rPr lang="en-US" sz="1800" b="1" dirty="0">
+              <a:t>    &lt;</a:t>
+            </a:r>
+            <a:r>
+              <a:rPr lang="en-US" sz="1800" b="1" dirty="0">
+                <a:solidFill>
+                  <a:srgbClr val="FFC000"/>
+                </a:solidFill>
+                <a:latin typeface="Courier New" panose="02070309020205020404" pitchFamily="49" charset="0"/>
+                <a:cs typeface="Courier New" panose="02070309020205020404" pitchFamily="49" charset="0"/>
+              </a:rPr>
+              <a:t>Point&gt;</a:t>
+            </a:r>
+            <a:r>
+              <a:rPr lang="en-US" sz="1800" b="1" dirty="0">
+                <a:latin typeface="Courier New" panose="02070309020205020404" pitchFamily="49" charset="0"/>
+                <a:cs typeface="Courier New" panose="02070309020205020404" pitchFamily="49" charset="0"/>
+              </a:rPr>
+              <a:t>367.559509 262.087280</a:t>
+            </a:r>
+            <a:r>
+              <a:rPr lang="en-US" sz="1800" b="1" dirty="0">
+                <a:solidFill>
+                  <a:srgbClr val="FFC000"/>
+                </a:solidFill>
+                <a:latin typeface="Courier New" panose="02070309020205020404" pitchFamily="49" charset="0"/>
+                <a:cs typeface="Courier New" panose="02070309020205020404" pitchFamily="49" charset="0"/>
+              </a:rPr>
+              <a:t>&lt;/Point</a:t>
+            </a:r>
+            <a:r>
+              <a:rPr lang="en-US" sz="1800" b="1" dirty="0" smtClean="0">
                 <a:solidFill>
                   <a:srgbClr val="FFC000"/>
                 </a:solidFill>
@@ -9964,34 +11567,17 @@
                 <a:latin typeface="Courier New" panose="02070309020205020404" pitchFamily="49" charset="0"/>
                 <a:cs typeface="Courier New" panose="02070309020205020404" pitchFamily="49" charset="0"/>
               </a:rPr>
-              <a:t>  &lt;</a:t>
-            </a:r>
-            <a:r>
-              <a:rPr lang="en-US" sz="1800" b="1" dirty="0">
-                <a:solidFill>
-                  <a:srgbClr val="FFC000"/>
-                </a:solidFill>
-                <a:latin typeface="Courier New" panose="02070309020205020404" pitchFamily="49" charset="0"/>
-                <a:cs typeface="Courier New" panose="02070309020205020404" pitchFamily="49" charset="0"/>
-              </a:rPr>
-              <a:t>Smile&gt;</a:t>
-            </a:r>
-            <a:r>
-              <a:rPr lang="en-US" sz="1800" b="1" dirty="0">
-                <a:latin typeface="Courier New" panose="02070309020205020404" pitchFamily="49" charset="0"/>
-                <a:cs typeface="Courier New" panose="02070309020205020404" pitchFamily="49" charset="0"/>
-              </a:rPr>
-              <a:t>0</a:t>
-            </a:r>
-            <a:r>
-              <a:rPr lang="en-US" sz="1800" b="1" dirty="0">
-                <a:solidFill>
-                  <a:srgbClr val="FFC000"/>
-                </a:solidFill>
-                <a:latin typeface="Courier New" panose="02070309020205020404" pitchFamily="49" charset="0"/>
-                <a:cs typeface="Courier New" panose="02070309020205020404" pitchFamily="49" charset="0"/>
-              </a:rPr>
-              <a:t>&lt;/Smile</a:t>
+              <a:t>  &lt;/</a:t>
+            </a:r>
+            <a:r>
+              <a:rPr lang="en-US" sz="1800" b="1" dirty="0">
+                <a:solidFill>
+                  <a:srgbClr val="FFC000"/>
+                </a:solidFill>
+                <a:latin typeface="Courier New" panose="02070309020205020404" pitchFamily="49" charset="0"/>
+                <a:cs typeface="Courier New" panose="02070309020205020404" pitchFamily="49" charset="0"/>
+              </a:rPr>
+              <a:t>Landmark</a:t>
             </a:r>
             <a:r>
               <a:rPr lang="en-US" sz="1800" b="1" dirty="0" smtClean="0">
@@ -10012,16 +11598,6 @@
               <a:buNone/>
             </a:pPr>
             <a:r>
-              <a:rPr lang="en-US" sz="1800" b="1" dirty="0">
-                <a:solidFill>
-                  <a:srgbClr val="FFC000"/>
-                </a:solidFill>
-                <a:latin typeface="Courier New" panose="02070309020205020404" pitchFamily="49" charset="0"/>
-                <a:cs typeface="Courier New" panose="02070309020205020404" pitchFamily="49" charset="0"/>
-              </a:rPr>
-              <a:t> </a:t>
-            </a:r>
-            <a:r>
               <a:rPr lang="en-US" sz="1800" b="1" dirty="0" smtClean="0">
                 <a:solidFill>
                   <a:srgbClr val="FFC000"/>
@@ -10029,34 +11605,7 @@
                 <a:latin typeface="Courier New" panose="02070309020205020404" pitchFamily="49" charset="0"/>
                 <a:cs typeface="Courier New" panose="02070309020205020404" pitchFamily="49" charset="0"/>
               </a:rPr>
-              <a:t> &lt;</a:t>
-            </a:r>
-            <a:r>
-              <a:rPr lang="en-US" sz="1800" b="1" dirty="0">
-                <a:solidFill>
-                  <a:srgbClr val="FFC000"/>
-                </a:solidFill>
-                <a:latin typeface="Courier New" panose="02070309020205020404" pitchFamily="49" charset="0"/>
-                <a:cs typeface="Courier New" panose="02070309020205020404" pitchFamily="49" charset="0"/>
-              </a:rPr>
-              <a:t>Kiss&gt;</a:t>
-            </a:r>
-            <a:r>
-              <a:rPr lang="en-US" sz="1800" b="1" dirty="0">
-                <a:latin typeface="Courier New" panose="02070309020205020404" pitchFamily="49" charset="0"/>
-                <a:cs typeface="Courier New" panose="02070309020205020404" pitchFamily="49" charset="0"/>
-              </a:rPr>
-              <a:t>0</a:t>
-            </a:r>
-            <a:r>
-              <a:rPr lang="en-US" sz="1800" b="1" dirty="0">
-                <a:solidFill>
-                  <a:srgbClr val="FFC000"/>
-                </a:solidFill>
-                <a:latin typeface="Courier New" panose="02070309020205020404" pitchFamily="49" charset="0"/>
-                <a:cs typeface="Courier New" panose="02070309020205020404" pitchFamily="49" charset="0"/>
-              </a:rPr>
-              <a:t>&lt;/Kiss</a:t>
+              <a:t>  </a:t>
             </a:r>
             <a:r>
               <a:rPr lang="en-US" sz="1800" b="1" dirty="0" smtClean="0">
@@ -10066,7 +11615,34 @@
                 <a:latin typeface="Courier New" panose="02070309020205020404" pitchFamily="49" charset="0"/>
                 <a:cs typeface="Courier New" panose="02070309020205020404" pitchFamily="49" charset="0"/>
               </a:rPr>
-              <a:t>&gt;</a:t>
+              <a:t>&lt;</a:t>
+            </a:r>
+            <a:r>
+              <a:rPr lang="en-US" sz="1800" b="1" dirty="0">
+                <a:solidFill>
+                  <a:srgbClr val="FFC000"/>
+                </a:solidFill>
+                <a:latin typeface="Courier New" panose="02070309020205020404" pitchFamily="49" charset="0"/>
+                <a:cs typeface="Courier New" panose="02070309020205020404" pitchFamily="49" charset="0"/>
+              </a:rPr>
+              <a:t>Yaw&gt;</a:t>
+            </a:r>
+            <a:r>
+              <a:rPr lang="en-US" sz="1800" b="1" dirty="0">
+                <a:latin typeface="Courier New" panose="02070309020205020404" pitchFamily="49" charset="0"/>
+                <a:cs typeface="Courier New" panose="02070309020205020404" pitchFamily="49" charset="0"/>
+              </a:rPr>
+              <a:t>-0.641311</a:t>
+            </a:r>
+            <a:r>
+              <a:rPr lang="en-US" sz="1800" b="1" dirty="0">
+                <a:solidFill>
+                  <a:srgbClr val="FFC000"/>
+                </a:solidFill>
+                <a:latin typeface="Courier New" panose="02070309020205020404" pitchFamily="49" charset="0"/>
+                <a:cs typeface="Courier New" panose="02070309020205020404" pitchFamily="49" charset="0"/>
+              </a:rPr>
+              <a:t>&lt;/Yaw&gt;</a:t>
             </a:r>
           </a:p>
           <a:p>
@@ -10084,74 +11660,24 @@
                 <a:latin typeface="Courier New" panose="02070309020205020404" pitchFamily="49" charset="0"/>
                 <a:cs typeface="Courier New" panose="02070309020205020404" pitchFamily="49" charset="0"/>
               </a:rPr>
-              <a:t> </a:t>
-            </a:r>
-            <a:r>
-              <a:rPr lang="en-US" sz="1800" b="1" dirty="0" smtClean="0">
-                <a:solidFill>
-                  <a:srgbClr val="FFC000"/>
-                </a:solidFill>
-                <a:latin typeface="Courier New" panose="02070309020205020404" pitchFamily="49" charset="0"/>
-                <a:cs typeface="Courier New" panose="02070309020205020404" pitchFamily="49" charset="0"/>
-              </a:rPr>
-              <a:t> &lt;</a:t>
-            </a:r>
-            <a:r>
-              <a:rPr lang="en-US" sz="1800" b="1" dirty="0" err="1">
-                <a:solidFill>
-                  <a:srgbClr val="FFC000"/>
-                </a:solidFill>
-                <a:latin typeface="Courier New" panose="02070309020205020404" pitchFamily="49" charset="0"/>
-                <a:cs typeface="Courier New" panose="02070309020205020404" pitchFamily="49" charset="0"/>
-              </a:rPr>
-              <a:t>Mouth_Open</a:t>
-            </a:r>
-            <a:r>
-              <a:rPr lang="en-US" sz="1800" b="1" dirty="0">
-                <a:solidFill>
-                  <a:srgbClr val="FFC000"/>
-                </a:solidFill>
-                <a:latin typeface="Courier New" panose="02070309020205020404" pitchFamily="49" charset="0"/>
-                <a:cs typeface="Courier New" panose="02070309020205020404" pitchFamily="49" charset="0"/>
-              </a:rPr>
-              <a:t>&gt;</a:t>
-            </a:r>
-            <a:r>
-              <a:rPr lang="en-US" sz="1800" b="1" dirty="0">
-                <a:latin typeface="Courier New" panose="02070309020205020404" pitchFamily="49" charset="0"/>
-                <a:cs typeface="Courier New" panose="02070309020205020404" pitchFamily="49" charset="0"/>
-              </a:rPr>
-              <a:t>0</a:t>
-            </a:r>
-            <a:r>
-              <a:rPr lang="en-US" sz="1800" b="1" dirty="0">
-                <a:solidFill>
-                  <a:srgbClr val="FFC000"/>
-                </a:solidFill>
-                <a:latin typeface="Courier New" panose="02070309020205020404" pitchFamily="49" charset="0"/>
-                <a:cs typeface="Courier New" panose="02070309020205020404" pitchFamily="49" charset="0"/>
-              </a:rPr>
-              <a:t>&lt;/</a:t>
-            </a:r>
-            <a:r>
-              <a:rPr lang="en-US" sz="1800" b="1" dirty="0" err="1">
-                <a:solidFill>
-                  <a:srgbClr val="FFC000"/>
-                </a:solidFill>
-                <a:latin typeface="Courier New" panose="02070309020205020404" pitchFamily="49" charset="0"/>
-                <a:cs typeface="Courier New" panose="02070309020205020404" pitchFamily="49" charset="0"/>
-              </a:rPr>
-              <a:t>Mouth_Open</a:t>
-            </a:r>
-            <a:r>
-              <a:rPr lang="en-US" sz="1800" b="1" dirty="0" smtClean="0">
-                <a:solidFill>
-                  <a:srgbClr val="FFC000"/>
-                </a:solidFill>
-                <a:latin typeface="Courier New" panose="02070309020205020404" pitchFamily="49" charset="0"/>
-                <a:cs typeface="Courier New" panose="02070309020205020404" pitchFamily="49" charset="0"/>
-              </a:rPr>
-              <a:t>&gt;</a:t>
+              <a:t>  &lt;Pitch&gt;</a:t>
+            </a:r>
+            <a:r>
+              <a:rPr lang="en-US" sz="1800" b="1" dirty="0">
+                <a:latin typeface="Courier New" panose="02070309020205020404" pitchFamily="49" charset="0"/>
+                <a:cs typeface="Courier New" panose="02070309020205020404" pitchFamily="49" charset="0"/>
+              </a:rPr>
+              <a:t>-0.965361</a:t>
+            </a:r>
+            <a:r>
+              <a:rPr lang="en-US" sz="1800" b="1" dirty="0">
+                <a:solidFill>
+                  <a:srgbClr val="FFC000"/>
+                </a:solidFill>
+                <a:latin typeface="Courier New" panose="02070309020205020404" pitchFamily="49" charset="0"/>
+                <a:cs typeface="Courier New" panose="02070309020205020404" pitchFamily="49" charset="0"/>
+              </a:rPr>
+              <a:t>&lt;/Pitch&gt;</a:t>
             </a:r>
           </a:p>
           <a:p>
@@ -10169,74 +11695,24 @@
                 <a:latin typeface="Courier New" panose="02070309020205020404" pitchFamily="49" charset="0"/>
                 <a:cs typeface="Courier New" panose="02070309020205020404" pitchFamily="49" charset="0"/>
               </a:rPr>
-              <a:t> </a:t>
-            </a:r>
-            <a:r>
-              <a:rPr lang="en-US" sz="1800" b="1" dirty="0" smtClean="0">
-                <a:solidFill>
-                  <a:srgbClr val="FFC000"/>
-                </a:solidFill>
-                <a:latin typeface="Courier New" panose="02070309020205020404" pitchFamily="49" charset="0"/>
-                <a:cs typeface="Courier New" panose="02070309020205020404" pitchFamily="49" charset="0"/>
-              </a:rPr>
-              <a:t> &lt;</a:t>
-            </a:r>
-            <a:r>
-              <a:rPr lang="en-US" sz="1800" b="1" dirty="0" err="1">
-                <a:solidFill>
-                  <a:srgbClr val="FFC000"/>
-                </a:solidFill>
-                <a:latin typeface="Courier New" panose="02070309020205020404" pitchFamily="49" charset="0"/>
-                <a:cs typeface="Courier New" panose="02070309020205020404" pitchFamily="49" charset="0"/>
-              </a:rPr>
-              <a:t>Closed_Eye_Left</a:t>
-            </a:r>
-            <a:r>
-              <a:rPr lang="en-US" sz="1800" b="1" dirty="0">
-                <a:solidFill>
-                  <a:srgbClr val="FFC000"/>
-                </a:solidFill>
-                <a:latin typeface="Courier New" panose="02070309020205020404" pitchFamily="49" charset="0"/>
-                <a:cs typeface="Courier New" panose="02070309020205020404" pitchFamily="49" charset="0"/>
-              </a:rPr>
-              <a:t>&gt;</a:t>
-            </a:r>
-            <a:r>
-              <a:rPr lang="en-US" sz="1800" b="1" dirty="0">
-                <a:latin typeface="Courier New" panose="02070309020205020404" pitchFamily="49" charset="0"/>
-                <a:cs typeface="Courier New" panose="02070309020205020404" pitchFamily="49" charset="0"/>
-              </a:rPr>
-              <a:t>0</a:t>
-            </a:r>
-            <a:r>
-              <a:rPr lang="en-US" sz="1800" b="1" dirty="0">
-                <a:solidFill>
-                  <a:srgbClr val="FFC000"/>
-                </a:solidFill>
-                <a:latin typeface="Courier New" panose="02070309020205020404" pitchFamily="49" charset="0"/>
-                <a:cs typeface="Courier New" panose="02070309020205020404" pitchFamily="49" charset="0"/>
-              </a:rPr>
-              <a:t>&lt;/</a:t>
-            </a:r>
-            <a:r>
-              <a:rPr lang="en-US" sz="1800" b="1" dirty="0" err="1">
-                <a:solidFill>
-                  <a:srgbClr val="FFC000"/>
-                </a:solidFill>
-                <a:latin typeface="Courier New" panose="02070309020205020404" pitchFamily="49" charset="0"/>
-                <a:cs typeface="Courier New" panose="02070309020205020404" pitchFamily="49" charset="0"/>
-              </a:rPr>
-              <a:t>Closed_Eye_Left</a:t>
-            </a:r>
-            <a:r>
-              <a:rPr lang="en-US" sz="1800" b="1" dirty="0">
-                <a:solidFill>
-                  <a:srgbClr val="FFC000"/>
-                </a:solidFill>
-                <a:latin typeface="Courier New" panose="02070309020205020404" pitchFamily="49" charset="0"/>
-                <a:cs typeface="Courier New" panose="02070309020205020404" pitchFamily="49" charset="0"/>
-              </a:rPr>
-              <a:t>&gt;</a:t>
+              <a:t>  &lt;Roll&gt;</a:t>
+            </a:r>
+            <a:r>
+              <a:rPr lang="en-US" sz="1800" b="1" dirty="0">
+                <a:latin typeface="Courier New" panose="02070309020205020404" pitchFamily="49" charset="0"/>
+                <a:cs typeface="Courier New" panose="02070309020205020404" pitchFamily="49" charset="0"/>
+              </a:rPr>
+              <a:t>6.649949</a:t>
+            </a:r>
+            <a:r>
+              <a:rPr lang="en-US" sz="1800" b="1" dirty="0">
+                <a:solidFill>
+                  <a:srgbClr val="FFC000"/>
+                </a:solidFill>
+                <a:latin typeface="Courier New" panose="02070309020205020404" pitchFamily="49" charset="0"/>
+                <a:cs typeface="Courier New" panose="02070309020205020404" pitchFamily="49" charset="0"/>
+              </a:rPr>
+              <a:t>&lt;/Roll&gt;</a:t>
             </a:r>
           </a:p>
           <a:p>
@@ -10247,7 +11723,7 @@
               <a:buNone/>
             </a:pPr>
             <a:r>
-              <a:rPr lang="en-US" sz="1800" b="1" dirty="0" smtClean="0">
+              <a:rPr lang="en-US" sz="1800" b="1" dirty="0">
                 <a:solidFill>
                   <a:srgbClr val="FFC000"/>
                 </a:solidFill>
@@ -10264,7 +11740,7 @@
                 <a:latin typeface="Courier New" panose="02070309020205020404" pitchFamily="49" charset="0"/>
                 <a:cs typeface="Courier New" panose="02070309020205020404" pitchFamily="49" charset="0"/>
               </a:rPr>
-              <a:t>Closed_Eye_Right</a:t>
+              <a:t>HeadX</a:t>
             </a:r>
             <a:r>
               <a:rPr lang="en-US" sz="1800" b="1" dirty="0">
@@ -10281,7 +11757,7 @@
                 <a:latin typeface="Courier New" panose="02070309020205020404" pitchFamily="49" charset="0"/>
                 <a:cs typeface="Courier New" panose="02070309020205020404" pitchFamily="49" charset="0"/>
               </a:rPr>
-              <a:t>0</a:t>
+              <a:t>-7.352272</a:t>
             </a:r>
             <a:r>
               <a:rPr lang="en-US" sz="1800" b="1" dirty="0">
@@ -10301,7 +11777,7 @@
                 <a:latin typeface="Courier New" panose="02070309020205020404" pitchFamily="49" charset="0"/>
                 <a:cs typeface="Courier New" panose="02070309020205020404" pitchFamily="49" charset="0"/>
               </a:rPr>
-              <a:t>Closed_Eye_Right</a:t>
+              <a:t>HeadX</a:t>
             </a:r>
             <a:r>
               <a:rPr lang="en-US" sz="1800" b="1" dirty="0">
@@ -10322,7 +11798,7 @@
               <a:buNone/>
             </a:pPr>
             <a:r>
-              <a:rPr lang="en-US" sz="1800" b="1" dirty="0" smtClean="0">
+              <a:rPr lang="en-US" sz="1800" b="1" dirty="0">
                 <a:solidFill>
                   <a:srgbClr val="FFC000"/>
                 </a:solidFill>
@@ -10339,7 +11815,7 @@
                 <a:latin typeface="Courier New" panose="02070309020205020404" pitchFamily="49" charset="0"/>
                 <a:cs typeface="Courier New" panose="02070309020205020404" pitchFamily="49" charset="0"/>
               </a:rPr>
-              <a:t>Eyes_Turn_Left</a:t>
+              <a:t>HeadY</a:t>
             </a:r>
             <a:r>
               <a:rPr lang="en-US" sz="1800" b="1" dirty="0">
@@ -10356,7 +11832,7 @@
                 <a:latin typeface="Courier New" panose="02070309020205020404" pitchFamily="49" charset="0"/>
                 <a:cs typeface="Courier New" panose="02070309020205020404" pitchFamily="49" charset="0"/>
               </a:rPr>
-              <a:t>0</a:t>
+              <a:t>-41.289234</a:t>
             </a:r>
             <a:r>
               <a:rPr lang="en-US" sz="1800" b="1" dirty="0">
@@ -10376,7 +11852,7 @@
                 <a:latin typeface="Courier New" panose="02070309020205020404" pitchFamily="49" charset="0"/>
                 <a:cs typeface="Courier New" panose="02070309020205020404" pitchFamily="49" charset="0"/>
               </a:rPr>
-              <a:t>Eyes_Turn_Left</a:t>
+              <a:t>HeadY</a:t>
             </a:r>
             <a:r>
               <a:rPr lang="en-US" sz="1800" b="1" dirty="0">
@@ -10397,7 +11873,7 @@
               <a:buNone/>
             </a:pPr>
             <a:r>
-              <a:rPr lang="en-US" sz="1800" b="1" dirty="0" smtClean="0">
+              <a:rPr lang="en-US" sz="1800" b="1" dirty="0">
                 <a:solidFill>
                   <a:srgbClr val="FFC000"/>
                 </a:solidFill>
@@ -10414,7 +11890,7 @@
                 <a:latin typeface="Courier New" panose="02070309020205020404" pitchFamily="49" charset="0"/>
                 <a:cs typeface="Courier New" panose="02070309020205020404" pitchFamily="49" charset="0"/>
               </a:rPr>
-              <a:t>Eyes_Turn_Right</a:t>
+              <a:t>HeadZ</a:t>
             </a:r>
             <a:r>
               <a:rPr lang="en-US" sz="1800" b="1" dirty="0">
@@ -10431,7 +11907,7 @@
                 <a:latin typeface="Courier New" panose="02070309020205020404" pitchFamily="49" charset="0"/>
                 <a:cs typeface="Courier New" panose="02070309020205020404" pitchFamily="49" charset="0"/>
               </a:rPr>
-              <a:t>57</a:t>
+              <a:t>588.979553</a:t>
             </a:r>
             <a:r>
               <a:rPr lang="en-US" sz="1800" b="1" dirty="0">
@@ -10451,7 +11927,7 @@
                 <a:latin typeface="Courier New" panose="02070309020205020404" pitchFamily="49" charset="0"/>
                 <a:cs typeface="Courier New" panose="02070309020205020404" pitchFamily="49" charset="0"/>
               </a:rPr>
-              <a:t>Eyes_Turn_Right</a:t>
+              <a:t>HeadZ</a:t>
             </a:r>
             <a:r>
               <a:rPr lang="en-US" sz="1800" b="1" dirty="0">
@@ -10472,71 +11948,31 @@
               <a:buNone/>
             </a:pPr>
             <a:r>
-              <a:rPr lang="en-US" sz="1800" b="1" dirty="0" smtClean="0">
-                <a:solidFill>
-                  <a:srgbClr val="FFC000"/>
-                </a:solidFill>
-                <a:latin typeface="Courier New" panose="02070309020205020404" pitchFamily="49" charset="0"/>
-                <a:cs typeface="Courier New" panose="02070309020205020404" pitchFamily="49" charset="0"/>
-              </a:rPr>
-              <a:t>  &lt;</a:t>
-            </a:r>
-            <a:r>
-              <a:rPr lang="en-US" sz="1800" b="1" dirty="0" err="1">
-                <a:solidFill>
-                  <a:srgbClr val="FFC000"/>
-                </a:solidFill>
-                <a:latin typeface="Courier New" panose="02070309020205020404" pitchFamily="49" charset="0"/>
-                <a:cs typeface="Courier New" panose="02070309020205020404" pitchFamily="49" charset="0"/>
-              </a:rPr>
-              <a:t>Eyes_Up</a:t>
-            </a:r>
-            <a:r>
-              <a:rPr lang="en-US" sz="1800" b="1" dirty="0">
-                <a:solidFill>
-                  <a:srgbClr val="FFC000"/>
-                </a:solidFill>
-                <a:latin typeface="Courier New" panose="02070309020205020404" pitchFamily="49" charset="0"/>
-                <a:cs typeface="Courier New" panose="02070309020205020404" pitchFamily="49" charset="0"/>
-              </a:rPr>
-              <a:t>&gt;</a:t>
-            </a:r>
-            <a:r>
-              <a:rPr lang="en-US" sz="1800" b="1" dirty="0">
-                <a:latin typeface="Courier New" panose="02070309020205020404" pitchFamily="49" charset="0"/>
-                <a:cs typeface="Courier New" panose="02070309020205020404" pitchFamily="49" charset="0"/>
-              </a:rPr>
-              <a:t>0</a:t>
-            </a:r>
-            <a:r>
-              <a:rPr lang="en-US" sz="1800" b="1" dirty="0">
-                <a:solidFill>
-                  <a:srgbClr val="FFC000"/>
-                </a:solidFill>
-                <a:latin typeface="Courier New" panose="02070309020205020404" pitchFamily="49" charset="0"/>
-                <a:cs typeface="Courier New" panose="02070309020205020404" pitchFamily="49" charset="0"/>
-              </a:rPr>
-              <a:t>&lt;/</a:t>
-            </a:r>
-            <a:r>
-              <a:rPr lang="en-US" sz="1800" b="1" dirty="0" err="1">
-                <a:solidFill>
-                  <a:srgbClr val="FFC000"/>
-                </a:solidFill>
-                <a:latin typeface="Courier New" panose="02070309020205020404" pitchFamily="49" charset="0"/>
-                <a:cs typeface="Courier New" panose="02070309020205020404" pitchFamily="49" charset="0"/>
-              </a:rPr>
-              <a:t>Eyes_Up</a:t>
-            </a:r>
-            <a:r>
-              <a:rPr lang="en-US" sz="1800" b="1" dirty="0">
-                <a:solidFill>
-                  <a:srgbClr val="FFC000"/>
-                </a:solidFill>
-                <a:latin typeface="Courier New" panose="02070309020205020404" pitchFamily="49" charset="0"/>
-                <a:cs typeface="Courier New" panose="02070309020205020404" pitchFamily="49" charset="0"/>
-              </a:rPr>
-              <a:t>&gt;</a:t>
+              <a:rPr lang="en-US" sz="1800" b="1" dirty="0">
+                <a:solidFill>
+                  <a:srgbClr val="FFC000"/>
+                </a:solidFill>
+                <a:latin typeface="Courier New" panose="02070309020205020404" pitchFamily="49" charset="0"/>
+                <a:cs typeface="Courier New" panose="02070309020205020404" pitchFamily="49" charset="0"/>
+              </a:rPr>
+              <a:t>  &lt;Pulse&gt;</a:t>
+            </a:r>
+            <a:r>
+              <a:rPr lang="en-US" sz="1800" b="1" dirty="0">
+                <a:latin typeface="Courier New" panose="02070309020205020404" pitchFamily="49" charset="0"/>
+                <a:cs typeface="Courier New" panose="02070309020205020404" pitchFamily="49" charset="0"/>
+              </a:rPr>
+              <a:t>88.608482</a:t>
+            </a:r>
+            <a:r>
+              <a:rPr lang="en-US" sz="1800" b="1" dirty="0">
+                <a:solidFill>
+                  <a:srgbClr val="FFC000"/>
+                </a:solidFill>
+                <a:latin typeface="Courier New" panose="02070309020205020404" pitchFamily="49" charset="0"/>
+                <a:cs typeface="Courier New" panose="02070309020205020404" pitchFamily="49" charset="0"/>
+              </a:rPr>
+              <a:t>&lt;/Pulse&gt;</a:t>
             </a:r>
           </a:p>
           <a:p>
@@ -10547,6 +11983,16 @@
               <a:buNone/>
             </a:pPr>
             <a:r>
+              <a:rPr lang="en-US" sz="1800" b="1" dirty="0">
+                <a:solidFill>
+                  <a:srgbClr val="FFC000"/>
+                </a:solidFill>
+                <a:latin typeface="Courier New" panose="02070309020205020404" pitchFamily="49" charset="0"/>
+                <a:cs typeface="Courier New" panose="02070309020205020404" pitchFamily="49" charset="0"/>
+              </a:rPr>
+              <a:t>  &lt;</a:t>
+            </a:r>
+            <a:r>
               <a:rPr lang="en-US" sz="1800" b="1" dirty="0" smtClean="0">
                 <a:solidFill>
                   <a:srgbClr val="FFC000"/>
@@ -10554,57 +12000,34 @@
                 <a:latin typeface="Courier New" panose="02070309020205020404" pitchFamily="49" charset="0"/>
                 <a:cs typeface="Courier New" panose="02070309020205020404" pitchFamily="49" charset="0"/>
               </a:rPr>
-              <a:t>  &lt;</a:t>
-            </a:r>
-            <a:r>
-              <a:rPr lang="en-US" sz="1800" b="1" dirty="0" err="1">
-                <a:solidFill>
-                  <a:srgbClr val="FFC000"/>
-                </a:solidFill>
-                <a:latin typeface="Courier New" panose="02070309020205020404" pitchFamily="49" charset="0"/>
-                <a:cs typeface="Courier New" panose="02070309020205020404" pitchFamily="49" charset="0"/>
-              </a:rPr>
-              <a:t>Eyes_Down</a:t>
-            </a:r>
-            <a:r>
-              <a:rPr lang="en-US" sz="1800" b="1" dirty="0">
-                <a:solidFill>
-                  <a:srgbClr val="FFC000"/>
-                </a:solidFill>
-                <a:latin typeface="Courier New" panose="02070309020205020404" pitchFamily="49" charset="0"/>
-                <a:cs typeface="Courier New" panose="02070309020205020404" pitchFamily="49" charset="0"/>
-              </a:rPr>
-              <a:t>&gt;</a:t>
-            </a:r>
-            <a:r>
-              <a:rPr lang="en-US" sz="1800" b="1" dirty="0">
-                <a:latin typeface="Courier New" panose="02070309020205020404" pitchFamily="49" charset="0"/>
-                <a:cs typeface="Courier New" panose="02070309020205020404" pitchFamily="49" charset="0"/>
-              </a:rPr>
-              <a:t>100</a:t>
-            </a:r>
-            <a:r>
-              <a:rPr lang="en-US" sz="1800" b="1" dirty="0">
-                <a:solidFill>
-                  <a:srgbClr val="FFC000"/>
-                </a:solidFill>
-                <a:latin typeface="Courier New" panose="02070309020205020404" pitchFamily="49" charset="0"/>
-                <a:cs typeface="Courier New" panose="02070309020205020404" pitchFamily="49" charset="0"/>
-              </a:rPr>
-              <a:t>&lt;/</a:t>
-            </a:r>
-            <a:r>
-              <a:rPr lang="en-US" sz="1800" b="1" dirty="0" err="1">
-                <a:solidFill>
-                  <a:srgbClr val="FFC000"/>
-                </a:solidFill>
-                <a:latin typeface="Courier New" panose="02070309020205020404" pitchFamily="49" charset="0"/>
-                <a:cs typeface="Courier New" panose="02070309020205020404" pitchFamily="49" charset="0"/>
-              </a:rPr>
-              <a:t>Eyes_Down</a:t>
-            </a:r>
-            <a:r>
-              <a:rPr lang="en-US" sz="1800" b="1" dirty="0">
+              <a:t>Gaze&gt;</a:t>
+            </a:r>
+            <a:r>
+              <a:rPr lang="en-US" sz="1800" b="1" dirty="0" smtClean="0">
+                <a:latin typeface="Courier New" panose="02070309020205020404" pitchFamily="49" charset="0"/>
+                <a:cs typeface="Courier New" panose="02070309020205020404" pitchFamily="49" charset="0"/>
+              </a:rPr>
+              <a:t>78.696925 </a:t>
+            </a:r>
+            <a:r>
+              <a:rPr lang="en-US" sz="1800" b="1" dirty="0">
+                <a:latin typeface="Courier New" panose="02070309020205020404" pitchFamily="49" charset="0"/>
+                <a:cs typeface="Courier New" panose="02070309020205020404" pitchFamily="49" charset="0"/>
+              </a:rPr>
+              <a:t>171.614583</a:t>
+            </a:r>
+            <a:r>
+              <a:rPr lang="en-US" sz="1800" b="1" dirty="0">
+                <a:solidFill>
+                  <a:srgbClr val="FFC000"/>
+                </a:solidFill>
+                <a:latin typeface="Courier New" panose="02070309020205020404" pitchFamily="49" charset="0"/>
+                <a:cs typeface="Courier New" panose="02070309020205020404" pitchFamily="49" charset="0"/>
+              </a:rPr>
+              <a:t>&lt;/Gaze</a:t>
+            </a:r>
+            <a:r>
+              <a:rPr lang="en-US" sz="1800" b="1" dirty="0" smtClean="0">
                 <a:solidFill>
                   <a:srgbClr val="FFC000"/>
                 </a:solidFill>
@@ -10622,6 +12045,16 @@
               <a:buNone/>
             </a:pPr>
             <a:r>
+              <a:rPr lang="en-US" sz="1800" b="1" dirty="0">
+                <a:solidFill>
+                  <a:srgbClr val="FFC000"/>
+                </a:solidFill>
+                <a:latin typeface="Courier New" panose="02070309020205020404" pitchFamily="49" charset="0"/>
+                <a:cs typeface="Courier New" panose="02070309020205020404" pitchFamily="49" charset="0"/>
+              </a:rPr>
+              <a:t> </a:t>
+            </a:r>
+            <a:r>
               <a:rPr lang="en-US" sz="1800" b="1" dirty="0" smtClean="0">
                 <a:solidFill>
                   <a:srgbClr val="FFC000"/>
@@ -10629,7 +12062,7 @@
                 <a:latin typeface="Courier New" panose="02070309020205020404" pitchFamily="49" charset="0"/>
                 <a:cs typeface="Courier New" panose="02070309020205020404" pitchFamily="49" charset="0"/>
               </a:rPr>
-              <a:t>  &lt;</a:t>
+              <a:t> &lt;</a:t>
             </a:r>
             <a:r>
               <a:rPr lang="en-US" sz="1800" b="1" dirty="0" err="1">
@@ -10639,7 +12072,7 @@
                 <a:latin typeface="Courier New" panose="02070309020205020404" pitchFamily="49" charset="0"/>
                 <a:cs typeface="Courier New" panose="02070309020205020404" pitchFamily="49" charset="0"/>
               </a:rPr>
-              <a:t>Tongue_Out</a:t>
+              <a:t>Brow_Raised_Left</a:t>
             </a:r>
             <a:r>
               <a:rPr lang="en-US" sz="1800" b="1" dirty="0">
@@ -10676,7 +12109,7 @@
                 <a:latin typeface="Courier New" panose="02070309020205020404" pitchFamily="49" charset="0"/>
                 <a:cs typeface="Courier New" panose="02070309020205020404" pitchFamily="49" charset="0"/>
               </a:rPr>
-              <a:t>Tongue_Out</a:t>
+              <a:t>Brow_Raised_Left</a:t>
             </a:r>
             <a:r>
               <a:rPr lang="en-US" sz="1800" b="1" dirty="0">
@@ -10697,7 +12130,7 @@
               <a:buNone/>
             </a:pPr>
             <a:r>
-              <a:rPr lang="en-US" sz="1800" b="1" dirty="0" smtClean="0">
+              <a:rPr lang="en-US" sz="1800" b="1" dirty="0">
                 <a:solidFill>
                   <a:srgbClr val="FFC000"/>
                 </a:solidFill>
@@ -10714,7 +12147,7 @@
                 <a:latin typeface="Courier New" panose="02070309020205020404" pitchFamily="49" charset="0"/>
                 <a:cs typeface="Courier New" panose="02070309020205020404" pitchFamily="49" charset="0"/>
               </a:rPr>
-              <a:t>Puff_Right_Cheek</a:t>
+              <a:t>Brow_Raised_Right</a:t>
             </a:r>
             <a:r>
               <a:rPr lang="en-US" sz="1800" b="1" dirty="0">
@@ -10731,7 +12164,7 @@
                 <a:latin typeface="Courier New" panose="02070309020205020404" pitchFamily="49" charset="0"/>
                 <a:cs typeface="Courier New" panose="02070309020205020404" pitchFamily="49" charset="0"/>
               </a:rPr>
-              <a:t>100</a:t>
+              <a:t>0</a:t>
             </a:r>
             <a:r>
               <a:rPr lang="en-US" sz="1800" b="1" dirty="0">
@@ -10751,7 +12184,7 @@
                 <a:latin typeface="Courier New" panose="02070309020205020404" pitchFamily="49" charset="0"/>
                 <a:cs typeface="Courier New" panose="02070309020205020404" pitchFamily="49" charset="0"/>
               </a:rPr>
-              <a:t>Puff_Right_Cheek</a:t>
+              <a:t>Brow_Raised_Right</a:t>
             </a:r>
             <a:r>
               <a:rPr lang="en-US" sz="1800" b="1" dirty="0">
@@ -10772,7 +12205,7 @@
               <a:buNone/>
             </a:pPr>
             <a:r>
-              <a:rPr lang="en-US" sz="1800" b="1" dirty="0" smtClean="0">
+              <a:rPr lang="en-US" sz="1800" b="1" dirty="0">
                 <a:solidFill>
                   <a:srgbClr val="FFC000"/>
                 </a:solidFill>
@@ -10789,7 +12222,7 @@
                 <a:latin typeface="Courier New" panose="02070309020205020404" pitchFamily="49" charset="0"/>
                 <a:cs typeface="Courier New" panose="02070309020205020404" pitchFamily="49" charset="0"/>
               </a:rPr>
-              <a:t>Puff_Left_Cheek</a:t>
+              <a:t>Brow_Lowered_Left</a:t>
             </a:r>
             <a:r>
               <a:rPr lang="en-US" sz="1800" b="1" dirty="0">
@@ -10826,7 +12259,7 @@
                 <a:latin typeface="Courier New" panose="02070309020205020404" pitchFamily="49" charset="0"/>
                 <a:cs typeface="Courier New" panose="02070309020205020404" pitchFamily="49" charset="0"/>
               </a:rPr>
-              <a:t>Puff_Left_Cheek</a:t>
+              <a:t>Brow_Lowered_Left</a:t>
             </a:r>
             <a:r>
               <a:rPr lang="en-US" sz="1800" b="1" dirty="0">
@@ -10847,6 +12280,16 @@
               <a:buNone/>
             </a:pPr>
             <a:r>
+              <a:rPr lang="en-US" sz="1800" b="1" dirty="0">
+                <a:solidFill>
+                  <a:srgbClr val="FFC000"/>
+                </a:solidFill>
+                <a:latin typeface="Courier New" panose="02070309020205020404" pitchFamily="49" charset="0"/>
+                <a:cs typeface="Courier New" panose="02070309020205020404" pitchFamily="49" charset="0"/>
+              </a:rPr>
+              <a:t> </a:t>
+            </a:r>
+            <a:r>
               <a:rPr lang="en-US" sz="1800" b="1" dirty="0" smtClean="0">
                 <a:solidFill>
                   <a:srgbClr val="FFC000"/>
@@ -10854,17 +12297,74 @@
                 <a:latin typeface="Courier New" panose="02070309020205020404" pitchFamily="49" charset="0"/>
                 <a:cs typeface="Courier New" panose="02070309020205020404" pitchFamily="49" charset="0"/>
               </a:rPr>
-              <a:t>  &lt;</a:t>
-            </a:r>
-            <a:r>
-              <a:rPr lang="en-US" sz="1800" b="1" dirty="0">
-                <a:solidFill>
-                  <a:srgbClr val="FFC000"/>
-                </a:solidFill>
-                <a:latin typeface="Courier New" panose="02070309020205020404" pitchFamily="49" charset="0"/>
-                <a:cs typeface="Courier New" panose="02070309020205020404" pitchFamily="49" charset="0"/>
-              </a:rPr>
-              <a:t>Landmark&gt;</a:t>
+              <a:t> </a:t>
+            </a:r>
+            <a:r>
+              <a:rPr lang="en-US" sz="1800" b="1" dirty="0">
+                <a:solidFill>
+                  <a:srgbClr val="FFC000"/>
+                </a:solidFill>
+                <a:latin typeface="Courier New" panose="02070309020205020404" pitchFamily="49" charset="0"/>
+                <a:cs typeface="Courier New" panose="02070309020205020404" pitchFamily="49" charset="0"/>
+              </a:rPr>
+              <a:t>&lt;</a:t>
+            </a:r>
+            <a:r>
+              <a:rPr lang="en-US" sz="1800" b="1" dirty="0" err="1">
+                <a:solidFill>
+                  <a:srgbClr val="FFC000"/>
+                </a:solidFill>
+                <a:latin typeface="Courier New" panose="02070309020205020404" pitchFamily="49" charset="0"/>
+                <a:cs typeface="Courier New" panose="02070309020205020404" pitchFamily="49" charset="0"/>
+              </a:rPr>
+              <a:t>Brow_Lowered_Right</a:t>
+            </a:r>
+            <a:r>
+              <a:rPr lang="en-US" sz="1800" b="1" dirty="0">
+                <a:solidFill>
+                  <a:srgbClr val="FFC000"/>
+                </a:solidFill>
+                <a:latin typeface="Courier New" panose="02070309020205020404" pitchFamily="49" charset="0"/>
+                <a:cs typeface="Courier New" panose="02070309020205020404" pitchFamily="49" charset="0"/>
+              </a:rPr>
+              <a:t>&gt;</a:t>
+            </a:r>
+            <a:r>
+              <a:rPr lang="en-US" sz="1800" b="1" dirty="0">
+                <a:latin typeface="Courier New" panose="02070309020205020404" pitchFamily="49" charset="0"/>
+                <a:cs typeface="Courier New" panose="02070309020205020404" pitchFamily="49" charset="0"/>
+              </a:rPr>
+              <a:t>0</a:t>
+            </a:r>
+            <a:r>
+              <a:rPr lang="en-US" sz="1800" b="1" dirty="0">
+                <a:solidFill>
+                  <a:srgbClr val="FFC000"/>
+                </a:solidFill>
+                <a:latin typeface="Courier New" panose="02070309020205020404" pitchFamily="49" charset="0"/>
+                <a:cs typeface="Courier New" panose="02070309020205020404" pitchFamily="49" charset="0"/>
+              </a:rPr>
+              <a:t>&lt;/</a:t>
+            </a:r>
+            <a:r>
+              <a:rPr lang="en-US" sz="1800" b="1" dirty="0" err="1">
+                <a:solidFill>
+                  <a:srgbClr val="FFC000"/>
+                </a:solidFill>
+                <a:latin typeface="Courier New" panose="02070309020205020404" pitchFamily="49" charset="0"/>
+                <a:cs typeface="Courier New" panose="02070309020205020404" pitchFamily="49" charset="0"/>
+              </a:rPr>
+              <a:t>Brow_Lowered_Right</a:t>
+            </a:r>
+            <a:r>
+              <a:rPr lang="en-US" sz="1800" b="1" dirty="0">
+                <a:solidFill>
+                  <a:srgbClr val="FFC000"/>
+                </a:solidFill>
+                <a:latin typeface="Courier New" panose="02070309020205020404" pitchFamily="49" charset="0"/>
+                <a:cs typeface="Courier New" panose="02070309020205020404" pitchFamily="49" charset="0"/>
+              </a:rPr>
+              <a:t>&gt;</a:t>
             </a:r>
           </a:p>
           <a:p>
@@ -10882,44 +12382,34 @@
                 <a:latin typeface="Courier New" panose="02070309020205020404" pitchFamily="49" charset="0"/>
                 <a:cs typeface="Courier New" panose="02070309020205020404" pitchFamily="49" charset="0"/>
               </a:rPr>
-              <a:t>    &lt;</a:t>
-            </a:r>
-            <a:r>
-              <a:rPr lang="en-US" sz="1800" b="1" dirty="0">
-                <a:solidFill>
-                  <a:srgbClr val="FFC000"/>
-                </a:solidFill>
-                <a:latin typeface="Courier New" panose="02070309020205020404" pitchFamily="49" charset="0"/>
-                <a:cs typeface="Courier New" panose="02070309020205020404" pitchFamily="49" charset="0"/>
-              </a:rPr>
-              <a:t>Point&gt;</a:t>
-            </a:r>
-            <a:r>
-              <a:rPr lang="en-US" sz="1800" b="1" dirty="0">
-                <a:latin typeface="Courier New" panose="02070309020205020404" pitchFamily="49" charset="0"/>
-                <a:cs typeface="Courier New" panose="02070309020205020404" pitchFamily="49" charset="0"/>
-              </a:rPr>
-              <a:t>313.160400 255.806610</a:t>
-            </a:r>
-            <a:r>
-              <a:rPr lang="en-US" sz="1800" b="1" dirty="0">
-                <a:solidFill>
-                  <a:srgbClr val="FFC000"/>
-                </a:solidFill>
-                <a:latin typeface="Courier New" panose="02070309020205020404" pitchFamily="49" charset="0"/>
-                <a:cs typeface="Courier New" panose="02070309020205020404" pitchFamily="49" charset="0"/>
-              </a:rPr>
-              <a:t>&lt;/Point</a:t>
-            </a:r>
-            <a:r>
-              <a:rPr lang="en-US" sz="1800" b="1" dirty="0" smtClean="0">
-                <a:solidFill>
-                  <a:srgbClr val="FFC000"/>
-                </a:solidFill>
-                <a:latin typeface="Courier New" panose="02070309020205020404" pitchFamily="49" charset="0"/>
-                <a:cs typeface="Courier New" panose="02070309020205020404" pitchFamily="49" charset="0"/>
-              </a:rPr>
-              <a:t>&gt;</a:t>
+              <a:t>  &lt;</a:t>
+            </a:r>
+            <a:r>
+              <a:rPr lang="en-US" sz="1800" b="1" dirty="0">
+                <a:solidFill>
+                  <a:srgbClr val="FFC000"/>
+                </a:solidFill>
+                <a:latin typeface="Courier New" panose="02070309020205020404" pitchFamily="49" charset="0"/>
+                <a:cs typeface="Courier New" panose="02070309020205020404" pitchFamily="49" charset="0"/>
+              </a:rPr>
+              <a:t>Smile&gt;</a:t>
+            </a:r>
+            <a:r>
+              <a:rPr lang="en-US" sz="1800" b="1" dirty="0">
+                <a:latin typeface="Courier New" panose="02070309020205020404" pitchFamily="49" charset="0"/>
+                <a:cs typeface="Courier New" panose="02070309020205020404" pitchFamily="49" charset="0"/>
+              </a:rPr>
+              <a:t>0</a:t>
+            </a:r>
+            <a:r>
+              <a:rPr lang="en-US" sz="1800" b="1" dirty="0">
+                <a:solidFill>
+                  <a:srgbClr val="FFC000"/>
+                </a:solidFill>
+                <a:latin typeface="Courier New" panose="02070309020205020404" pitchFamily="49" charset="0"/>
+                <a:cs typeface="Courier New" panose="02070309020205020404" pitchFamily="49" charset="0"/>
+              </a:rPr>
+              <a:t>&lt;/Smile&gt;</a:t>
             </a:r>
           </a:p>
           <a:p>
@@ -10937,17 +12427,24 @@
                 <a:latin typeface="Courier New" panose="02070309020205020404" pitchFamily="49" charset="0"/>
                 <a:cs typeface="Courier New" panose="02070309020205020404" pitchFamily="49" charset="0"/>
               </a:rPr>
-              <a:t>	</a:t>
-            </a:r>
-            <a:r>
-              <a:rPr lang="en-US" sz="1800" b="1" dirty="0" smtClean="0">
-                <a:solidFill>
-                  <a:srgbClr val="FFC000"/>
-                </a:solidFill>
-                <a:latin typeface="Courier New" panose="02070309020205020404" pitchFamily="49" charset="0"/>
-                <a:cs typeface="Courier New" panose="02070309020205020404" pitchFamily="49" charset="0"/>
-              </a:rPr>
-              <a:t>…………</a:t>
+              <a:t>  &lt;Kiss&gt;</a:t>
+            </a:r>
+            <a:r>
+              <a:rPr lang="en-US" sz="1800" b="1" dirty="0">
+                <a:latin typeface="Courier New" panose="02070309020205020404" pitchFamily="49" charset="0"/>
+                <a:cs typeface="Courier New" panose="02070309020205020404" pitchFamily="49" charset="0"/>
+              </a:rPr>
+              <a:t>0</a:t>
+            </a:r>
+            <a:r>
+              <a:rPr lang="en-US" sz="1800" b="1" dirty="0">
+                <a:solidFill>
+                  <a:srgbClr val="FFC000"/>
+                </a:solidFill>
+                <a:latin typeface="Courier New" panose="02070309020205020404" pitchFamily="49" charset="0"/>
+                <a:cs typeface="Courier New" panose="02070309020205020404" pitchFamily="49" charset="0"/>
+              </a:rPr>
+              <a:t>&lt;/Kiss&gt;</a:t>
             </a:r>
           </a:p>
           <a:p>
@@ -10958,44 +12455,64 @@
               <a:buNone/>
             </a:pPr>
             <a:r>
-              <a:rPr lang="en-US" sz="1800" b="1" dirty="0" smtClean="0">
-                <a:solidFill>
-                  <a:srgbClr val="FFC000"/>
-                </a:solidFill>
-                <a:latin typeface="Courier New" panose="02070309020205020404" pitchFamily="49" charset="0"/>
-                <a:cs typeface="Courier New" panose="02070309020205020404" pitchFamily="49" charset="0"/>
-              </a:rPr>
-              <a:t>    &lt;</a:t>
-            </a:r>
-            <a:r>
-              <a:rPr lang="en-US" sz="1800" b="1" dirty="0">
-                <a:solidFill>
-                  <a:srgbClr val="FFC000"/>
-                </a:solidFill>
-                <a:latin typeface="Courier New" panose="02070309020205020404" pitchFamily="49" charset="0"/>
-                <a:cs typeface="Courier New" panose="02070309020205020404" pitchFamily="49" charset="0"/>
-              </a:rPr>
-              <a:t>Point&gt;</a:t>
-            </a:r>
-            <a:r>
-              <a:rPr lang="en-US" sz="1800" b="1" dirty="0">
-                <a:latin typeface="Courier New" panose="02070309020205020404" pitchFamily="49" charset="0"/>
-                <a:cs typeface="Courier New" panose="02070309020205020404" pitchFamily="49" charset="0"/>
-              </a:rPr>
-              <a:t>367.559509 262.087280</a:t>
-            </a:r>
-            <a:r>
-              <a:rPr lang="en-US" sz="1800" b="1" dirty="0">
-                <a:solidFill>
-                  <a:srgbClr val="FFC000"/>
-                </a:solidFill>
-                <a:latin typeface="Courier New" panose="02070309020205020404" pitchFamily="49" charset="0"/>
-                <a:cs typeface="Courier New" panose="02070309020205020404" pitchFamily="49" charset="0"/>
-              </a:rPr>
-              <a:t>&lt;/Point</a:t>
-            </a:r>
-            <a:r>
-              <a:rPr lang="en-US" sz="1800" b="1" dirty="0" smtClean="0">
+              <a:rPr lang="en-US" sz="1800" b="1" dirty="0">
+                <a:solidFill>
+                  <a:srgbClr val="FFC000"/>
+                </a:solidFill>
+                <a:latin typeface="Courier New" panose="02070309020205020404" pitchFamily="49" charset="0"/>
+                <a:cs typeface="Courier New" panose="02070309020205020404" pitchFamily="49" charset="0"/>
+              </a:rPr>
+              <a:t>  &lt;</a:t>
+            </a:r>
+            <a:r>
+              <a:rPr lang="en-US" sz="1800" b="1" dirty="0" err="1">
+                <a:solidFill>
+                  <a:srgbClr val="FFC000"/>
+                </a:solidFill>
+                <a:latin typeface="Courier New" panose="02070309020205020404" pitchFamily="49" charset="0"/>
+                <a:cs typeface="Courier New" panose="02070309020205020404" pitchFamily="49" charset="0"/>
+              </a:rPr>
+              <a:t>Mouth_Open</a:t>
+            </a:r>
+            <a:r>
+              <a:rPr lang="en-US" sz="1800" b="1" dirty="0">
+                <a:solidFill>
+                  <a:srgbClr val="FFC000"/>
+                </a:solidFill>
+                <a:latin typeface="Courier New" panose="02070309020205020404" pitchFamily="49" charset="0"/>
+                <a:cs typeface="Courier New" panose="02070309020205020404" pitchFamily="49" charset="0"/>
+              </a:rPr>
+              <a:t>&gt;</a:t>
+            </a:r>
+            <a:r>
+              <a:rPr lang="en-US" sz="1800" b="1" dirty="0">
+                <a:latin typeface="Courier New" panose="02070309020205020404" pitchFamily="49" charset="0"/>
+                <a:cs typeface="Courier New" panose="02070309020205020404" pitchFamily="49" charset="0"/>
+              </a:rPr>
+              <a:t>0</a:t>
+            </a:r>
+            <a:r>
+              <a:rPr lang="en-US" sz="1800" b="1" dirty="0">
+                <a:solidFill>
+                  <a:srgbClr val="FFC000"/>
+                </a:solidFill>
+                <a:latin typeface="Courier New" panose="02070309020205020404" pitchFamily="49" charset="0"/>
+                <a:cs typeface="Courier New" panose="02070309020205020404" pitchFamily="49" charset="0"/>
+              </a:rPr>
+              <a:t>&lt;/</a:t>
+            </a:r>
+            <a:r>
+              <a:rPr lang="en-US" sz="1800" b="1" dirty="0" err="1">
+                <a:solidFill>
+                  <a:srgbClr val="FFC000"/>
+                </a:solidFill>
+                <a:latin typeface="Courier New" panose="02070309020205020404" pitchFamily="49" charset="0"/>
+                <a:cs typeface="Courier New" panose="02070309020205020404" pitchFamily="49" charset="0"/>
+              </a:rPr>
+              <a:t>Mouth_Open</a:t>
+            </a:r>
+            <a:r>
+              <a:rPr lang="en-US" sz="1800" b="1" dirty="0">
                 <a:solidFill>
                   <a:srgbClr val="FFC000"/>
                 </a:solidFill>
@@ -11020,45 +12537,7 @@
                 <a:latin typeface="Courier New" panose="02070309020205020404" pitchFamily="49" charset="0"/>
                 <a:cs typeface="Courier New" panose="02070309020205020404" pitchFamily="49" charset="0"/>
               </a:rPr>
-              <a:t>  &lt;/</a:t>
-            </a:r>
-            <a:r>
-              <a:rPr lang="en-US" sz="1800" b="1" dirty="0">
-                <a:solidFill>
-                  <a:srgbClr val="FFC000"/>
-                </a:solidFill>
-                <a:latin typeface="Courier New" panose="02070309020205020404" pitchFamily="49" charset="0"/>
-                <a:cs typeface="Courier New" panose="02070309020205020404" pitchFamily="49" charset="0"/>
-              </a:rPr>
-              <a:t>Landmark</a:t>
-            </a:r>
-            <a:r>
-              <a:rPr lang="en-US" sz="1800" b="1" dirty="0" smtClean="0">
-                <a:solidFill>
-                  <a:srgbClr val="FFC000"/>
-                </a:solidFill>
-                <a:latin typeface="Courier New" panose="02070309020205020404" pitchFamily="49" charset="0"/>
-                <a:cs typeface="Courier New" panose="02070309020205020404" pitchFamily="49" charset="0"/>
-              </a:rPr>
-              <a:t>&gt;</a:t>
-            </a:r>
-          </a:p>
-          <a:p>
-            <a:pPr marL="0" indent="0">
-              <a:spcBef>
-                <a:spcPts val="0"/>
-              </a:spcBef>
-              <a:buNone/>
-            </a:pPr>
-            <a:r>
-              <a:rPr lang="en-US" sz="1800" b="1" dirty="0" smtClean="0">
-                <a:solidFill>
-                  <a:srgbClr val="FFC000"/>
-                </a:solidFill>
-                <a:latin typeface="Courier New" panose="02070309020205020404" pitchFamily="49" charset="0"/>
-                <a:cs typeface="Courier New" panose="02070309020205020404" pitchFamily="49" charset="0"/>
-              </a:rPr>
-              <a:t>  …</a:t>
+              <a:t>…</a:t>
             </a:r>
             <a:endParaRPr lang="en-US" sz="1800" b="1" dirty="0">
               <a:solidFill>
@@ -11087,7 +12566,7 @@
           <a:p>
             <a:fld id="{C014DD1E-5D91-48A3-AD6D-45FBA980D106}" type="slidenum">
               <a:rPr lang="ru-RU" noProof="0" smtClean="0"/>
-              <a:t>6</a:t>
+              <a:t>7</a:t>
             </a:fld>
             <a:endParaRPr lang="ru-RU" noProof="0" dirty="0"/>
           </a:p>
@@ -11103,8 +12582,8 @@
         </p:nvSpPr>
         <p:spPr>
           <a:xfrm>
-            <a:off x="6814492" y="903922"/>
-            <a:ext cx="5472607" cy="6125477"/>
+            <a:off x="6310436" y="836712"/>
+            <a:ext cx="6048672" cy="6192688"/>
           </a:xfrm>
           <a:prstGeom prst="rect">
             <a:avLst/>
@@ -11338,20 +12817,9 @@
               <a:spcBef>
                 <a:spcPts val="0"/>
               </a:spcBef>
-              <a:buFont typeface="Arial" pitchFamily="34" charset="0"/>
               <a:buNone/>
             </a:pPr>
             <a:r>
-              <a:rPr lang="en-US" sz="1800" b="1" dirty="0">
-                <a:solidFill>
-                  <a:srgbClr val="FFC000"/>
-                </a:solidFill>
-                <a:latin typeface="Courier New" panose="02070309020205020404" pitchFamily="49" charset="0"/>
-                <a:cs typeface="Courier New" panose="02070309020205020404" pitchFamily="49" charset="0"/>
-              </a:rPr>
-              <a:t> </a:t>
-            </a:r>
-            <a:r>
               <a:rPr lang="en-US" sz="1800" b="1" dirty="0" smtClean="0">
                 <a:solidFill>
                   <a:srgbClr val="FFC000"/>
@@ -11359,25 +12827,672 @@
                 <a:latin typeface="Courier New" panose="02070309020205020404" pitchFamily="49" charset="0"/>
                 <a:cs typeface="Courier New" panose="02070309020205020404" pitchFamily="49" charset="0"/>
               </a:rPr>
-              <a:t> &lt;Yaw&gt;</a:t>
-            </a:r>
-            <a:r>
-              <a:rPr lang="en-US" sz="1800" b="1" dirty="0" smtClean="0">
-                <a:latin typeface="Courier New" panose="02070309020205020404" pitchFamily="49" charset="0"/>
-                <a:cs typeface="Courier New" panose="02070309020205020404" pitchFamily="49" charset="0"/>
-              </a:rPr>
-              <a:t>-0.641311</a:t>
-            </a:r>
-            <a:r>
-              <a:rPr lang="en-US" sz="1800" b="1" dirty="0" smtClean="0">
-                <a:solidFill>
-                  <a:srgbClr val="FFC000"/>
-                </a:solidFill>
-                <a:latin typeface="Courier New" panose="02070309020205020404" pitchFamily="49" charset="0"/>
-                <a:cs typeface="Courier New" panose="02070309020205020404" pitchFamily="49" charset="0"/>
-              </a:rPr>
-              <a:t>&lt;/Yaw&gt;</a:t>
-            </a:r>
+              <a:t>  &lt;</a:t>
+            </a:r>
+            <a:r>
+              <a:rPr lang="en-US" sz="1800" b="1" dirty="0" err="1">
+                <a:solidFill>
+                  <a:srgbClr val="FFC000"/>
+                </a:solidFill>
+                <a:latin typeface="Courier New" panose="02070309020205020404" pitchFamily="49" charset="0"/>
+                <a:cs typeface="Courier New" panose="02070309020205020404" pitchFamily="49" charset="0"/>
+              </a:rPr>
+              <a:t>Closed_Eye_Left</a:t>
+            </a:r>
+            <a:r>
+              <a:rPr lang="en-US" sz="1800" b="1" dirty="0">
+                <a:solidFill>
+                  <a:srgbClr val="FFC000"/>
+                </a:solidFill>
+                <a:latin typeface="Courier New" panose="02070309020205020404" pitchFamily="49" charset="0"/>
+                <a:cs typeface="Courier New" panose="02070309020205020404" pitchFamily="49" charset="0"/>
+              </a:rPr>
+              <a:t>&gt;</a:t>
+            </a:r>
+            <a:r>
+              <a:rPr lang="en-US" sz="1800" b="1" dirty="0">
+                <a:latin typeface="Courier New" panose="02070309020205020404" pitchFamily="49" charset="0"/>
+                <a:cs typeface="Courier New" panose="02070309020205020404" pitchFamily="49" charset="0"/>
+              </a:rPr>
+              <a:t>0</a:t>
+            </a:r>
+            <a:r>
+              <a:rPr lang="en-US" sz="1800" b="1" dirty="0">
+                <a:solidFill>
+                  <a:srgbClr val="FFC000"/>
+                </a:solidFill>
+                <a:latin typeface="Courier New" panose="02070309020205020404" pitchFamily="49" charset="0"/>
+                <a:cs typeface="Courier New" panose="02070309020205020404" pitchFamily="49" charset="0"/>
+              </a:rPr>
+              <a:t>&lt;/</a:t>
+            </a:r>
+            <a:r>
+              <a:rPr lang="en-US" sz="1800" b="1" dirty="0" err="1">
+                <a:solidFill>
+                  <a:srgbClr val="FFC000"/>
+                </a:solidFill>
+                <a:latin typeface="Courier New" panose="02070309020205020404" pitchFamily="49" charset="0"/>
+                <a:cs typeface="Courier New" panose="02070309020205020404" pitchFamily="49" charset="0"/>
+              </a:rPr>
+              <a:t>Closed_Eye_Left</a:t>
+            </a:r>
+            <a:r>
+              <a:rPr lang="en-US" sz="1800" b="1" dirty="0">
+                <a:solidFill>
+                  <a:srgbClr val="FFC000"/>
+                </a:solidFill>
+                <a:latin typeface="Courier New" panose="02070309020205020404" pitchFamily="49" charset="0"/>
+                <a:cs typeface="Courier New" panose="02070309020205020404" pitchFamily="49" charset="0"/>
+              </a:rPr>
+              <a:t>&gt;</a:t>
+            </a:r>
+          </a:p>
+          <a:p>
+            <a:pPr marL="0" indent="0">
+              <a:spcBef>
+                <a:spcPts val="0"/>
+              </a:spcBef>
+              <a:buNone/>
+            </a:pPr>
+            <a:r>
+              <a:rPr lang="en-US" sz="1800" b="1" dirty="0">
+                <a:solidFill>
+                  <a:srgbClr val="FFC000"/>
+                </a:solidFill>
+                <a:latin typeface="Courier New" panose="02070309020205020404" pitchFamily="49" charset="0"/>
+                <a:cs typeface="Courier New" panose="02070309020205020404" pitchFamily="49" charset="0"/>
+              </a:rPr>
+              <a:t>  &lt;</a:t>
+            </a:r>
+            <a:r>
+              <a:rPr lang="en-US" sz="1800" b="1" dirty="0" err="1">
+                <a:solidFill>
+                  <a:srgbClr val="FFC000"/>
+                </a:solidFill>
+                <a:latin typeface="Courier New" panose="02070309020205020404" pitchFamily="49" charset="0"/>
+                <a:cs typeface="Courier New" panose="02070309020205020404" pitchFamily="49" charset="0"/>
+              </a:rPr>
+              <a:t>Closed_Eye_Right</a:t>
+            </a:r>
+            <a:r>
+              <a:rPr lang="en-US" sz="1800" b="1" dirty="0">
+                <a:solidFill>
+                  <a:srgbClr val="FFC000"/>
+                </a:solidFill>
+                <a:latin typeface="Courier New" panose="02070309020205020404" pitchFamily="49" charset="0"/>
+                <a:cs typeface="Courier New" panose="02070309020205020404" pitchFamily="49" charset="0"/>
+              </a:rPr>
+              <a:t>&gt;</a:t>
+            </a:r>
+            <a:r>
+              <a:rPr lang="en-US" sz="1800" b="1" dirty="0">
+                <a:latin typeface="Courier New" panose="02070309020205020404" pitchFamily="49" charset="0"/>
+                <a:cs typeface="Courier New" panose="02070309020205020404" pitchFamily="49" charset="0"/>
+              </a:rPr>
+              <a:t>0</a:t>
+            </a:r>
+            <a:r>
+              <a:rPr lang="en-US" sz="1800" b="1" dirty="0">
+                <a:solidFill>
+                  <a:srgbClr val="FFC000"/>
+                </a:solidFill>
+                <a:latin typeface="Courier New" panose="02070309020205020404" pitchFamily="49" charset="0"/>
+                <a:cs typeface="Courier New" panose="02070309020205020404" pitchFamily="49" charset="0"/>
+              </a:rPr>
+              <a:t>&lt;/</a:t>
+            </a:r>
+            <a:r>
+              <a:rPr lang="en-US" sz="1800" b="1" dirty="0" err="1">
+                <a:solidFill>
+                  <a:srgbClr val="FFC000"/>
+                </a:solidFill>
+                <a:latin typeface="Courier New" panose="02070309020205020404" pitchFamily="49" charset="0"/>
+                <a:cs typeface="Courier New" panose="02070309020205020404" pitchFamily="49" charset="0"/>
+              </a:rPr>
+              <a:t>Closed_Eye_Right</a:t>
+            </a:r>
+            <a:r>
+              <a:rPr lang="en-US" sz="1800" b="1" dirty="0">
+                <a:solidFill>
+                  <a:srgbClr val="FFC000"/>
+                </a:solidFill>
+                <a:latin typeface="Courier New" panose="02070309020205020404" pitchFamily="49" charset="0"/>
+                <a:cs typeface="Courier New" panose="02070309020205020404" pitchFamily="49" charset="0"/>
+              </a:rPr>
+              <a:t>&gt;</a:t>
+            </a:r>
+          </a:p>
+          <a:p>
+            <a:pPr marL="0" indent="0">
+              <a:spcBef>
+                <a:spcPts val="0"/>
+              </a:spcBef>
+              <a:buNone/>
+            </a:pPr>
+            <a:r>
+              <a:rPr lang="en-US" sz="1800" b="1" dirty="0">
+                <a:solidFill>
+                  <a:srgbClr val="FFC000"/>
+                </a:solidFill>
+                <a:latin typeface="Courier New" panose="02070309020205020404" pitchFamily="49" charset="0"/>
+                <a:cs typeface="Courier New" panose="02070309020205020404" pitchFamily="49" charset="0"/>
+              </a:rPr>
+              <a:t>  &lt;</a:t>
+            </a:r>
+            <a:r>
+              <a:rPr lang="en-US" sz="1800" b="1" dirty="0" err="1">
+                <a:solidFill>
+                  <a:srgbClr val="FFC000"/>
+                </a:solidFill>
+                <a:latin typeface="Courier New" panose="02070309020205020404" pitchFamily="49" charset="0"/>
+                <a:cs typeface="Courier New" panose="02070309020205020404" pitchFamily="49" charset="0"/>
+              </a:rPr>
+              <a:t>Eyes_Turn_Left</a:t>
+            </a:r>
+            <a:r>
+              <a:rPr lang="en-US" sz="1800" b="1" dirty="0">
+                <a:solidFill>
+                  <a:srgbClr val="FFC000"/>
+                </a:solidFill>
+                <a:latin typeface="Courier New" panose="02070309020205020404" pitchFamily="49" charset="0"/>
+                <a:cs typeface="Courier New" panose="02070309020205020404" pitchFamily="49" charset="0"/>
+              </a:rPr>
+              <a:t>&gt;</a:t>
+            </a:r>
+            <a:r>
+              <a:rPr lang="en-US" sz="1800" b="1" dirty="0">
+                <a:latin typeface="Courier New" panose="02070309020205020404" pitchFamily="49" charset="0"/>
+                <a:cs typeface="Courier New" panose="02070309020205020404" pitchFamily="49" charset="0"/>
+              </a:rPr>
+              <a:t>0</a:t>
+            </a:r>
+            <a:r>
+              <a:rPr lang="en-US" sz="1800" b="1" dirty="0">
+                <a:solidFill>
+                  <a:srgbClr val="FFC000"/>
+                </a:solidFill>
+                <a:latin typeface="Courier New" panose="02070309020205020404" pitchFamily="49" charset="0"/>
+                <a:cs typeface="Courier New" panose="02070309020205020404" pitchFamily="49" charset="0"/>
+              </a:rPr>
+              <a:t>&lt;/</a:t>
+            </a:r>
+            <a:r>
+              <a:rPr lang="en-US" sz="1800" b="1" dirty="0" err="1">
+                <a:solidFill>
+                  <a:srgbClr val="FFC000"/>
+                </a:solidFill>
+                <a:latin typeface="Courier New" panose="02070309020205020404" pitchFamily="49" charset="0"/>
+                <a:cs typeface="Courier New" panose="02070309020205020404" pitchFamily="49" charset="0"/>
+              </a:rPr>
+              <a:t>Eyes_Turn_Left</a:t>
+            </a:r>
+            <a:r>
+              <a:rPr lang="en-US" sz="1800" b="1" dirty="0">
+                <a:solidFill>
+                  <a:srgbClr val="FFC000"/>
+                </a:solidFill>
+                <a:latin typeface="Courier New" panose="02070309020205020404" pitchFamily="49" charset="0"/>
+                <a:cs typeface="Courier New" panose="02070309020205020404" pitchFamily="49" charset="0"/>
+              </a:rPr>
+              <a:t>&gt;</a:t>
+            </a:r>
+          </a:p>
+          <a:p>
+            <a:pPr marL="0" indent="0">
+              <a:spcBef>
+                <a:spcPts val="0"/>
+              </a:spcBef>
+              <a:buNone/>
+            </a:pPr>
+            <a:r>
+              <a:rPr lang="en-US" sz="1800" b="1" dirty="0">
+                <a:solidFill>
+                  <a:srgbClr val="FFC000"/>
+                </a:solidFill>
+                <a:latin typeface="Courier New" panose="02070309020205020404" pitchFamily="49" charset="0"/>
+                <a:cs typeface="Courier New" panose="02070309020205020404" pitchFamily="49" charset="0"/>
+              </a:rPr>
+              <a:t>  &lt;</a:t>
+            </a:r>
+            <a:r>
+              <a:rPr lang="en-US" sz="1800" b="1" dirty="0" err="1">
+                <a:solidFill>
+                  <a:srgbClr val="FFC000"/>
+                </a:solidFill>
+                <a:latin typeface="Courier New" panose="02070309020205020404" pitchFamily="49" charset="0"/>
+                <a:cs typeface="Courier New" panose="02070309020205020404" pitchFamily="49" charset="0"/>
+              </a:rPr>
+              <a:t>Eyes_Turn_Right</a:t>
+            </a:r>
+            <a:r>
+              <a:rPr lang="en-US" sz="1800" b="1" dirty="0">
+                <a:solidFill>
+                  <a:srgbClr val="FFC000"/>
+                </a:solidFill>
+                <a:latin typeface="Courier New" panose="02070309020205020404" pitchFamily="49" charset="0"/>
+                <a:cs typeface="Courier New" panose="02070309020205020404" pitchFamily="49" charset="0"/>
+              </a:rPr>
+              <a:t>&gt;</a:t>
+            </a:r>
+            <a:r>
+              <a:rPr lang="en-US" sz="1800" b="1" dirty="0">
+                <a:latin typeface="Courier New" panose="02070309020205020404" pitchFamily="49" charset="0"/>
+                <a:cs typeface="Courier New" panose="02070309020205020404" pitchFamily="49" charset="0"/>
+              </a:rPr>
+              <a:t>57</a:t>
+            </a:r>
+            <a:r>
+              <a:rPr lang="en-US" sz="1800" b="1" dirty="0">
+                <a:solidFill>
+                  <a:srgbClr val="FFC000"/>
+                </a:solidFill>
+                <a:latin typeface="Courier New" panose="02070309020205020404" pitchFamily="49" charset="0"/>
+                <a:cs typeface="Courier New" panose="02070309020205020404" pitchFamily="49" charset="0"/>
+              </a:rPr>
+              <a:t>&lt;/</a:t>
+            </a:r>
+            <a:r>
+              <a:rPr lang="en-US" sz="1800" b="1" dirty="0" err="1">
+                <a:solidFill>
+                  <a:srgbClr val="FFC000"/>
+                </a:solidFill>
+                <a:latin typeface="Courier New" panose="02070309020205020404" pitchFamily="49" charset="0"/>
+                <a:cs typeface="Courier New" panose="02070309020205020404" pitchFamily="49" charset="0"/>
+              </a:rPr>
+              <a:t>Eyes_Turn_Right</a:t>
+            </a:r>
+            <a:r>
+              <a:rPr lang="en-US" sz="1800" b="1" dirty="0">
+                <a:solidFill>
+                  <a:srgbClr val="FFC000"/>
+                </a:solidFill>
+                <a:latin typeface="Courier New" panose="02070309020205020404" pitchFamily="49" charset="0"/>
+                <a:cs typeface="Courier New" panose="02070309020205020404" pitchFamily="49" charset="0"/>
+              </a:rPr>
+              <a:t>&gt;</a:t>
+            </a:r>
+          </a:p>
+          <a:p>
+            <a:pPr marL="0" indent="0">
+              <a:spcBef>
+                <a:spcPts val="0"/>
+              </a:spcBef>
+              <a:buNone/>
+            </a:pPr>
+            <a:r>
+              <a:rPr lang="en-US" sz="1800" b="1" dirty="0">
+                <a:solidFill>
+                  <a:srgbClr val="FFC000"/>
+                </a:solidFill>
+                <a:latin typeface="Courier New" panose="02070309020205020404" pitchFamily="49" charset="0"/>
+                <a:cs typeface="Courier New" panose="02070309020205020404" pitchFamily="49" charset="0"/>
+              </a:rPr>
+              <a:t>  &lt;</a:t>
+            </a:r>
+            <a:r>
+              <a:rPr lang="en-US" sz="1800" b="1" dirty="0" err="1">
+                <a:solidFill>
+                  <a:srgbClr val="FFC000"/>
+                </a:solidFill>
+                <a:latin typeface="Courier New" panose="02070309020205020404" pitchFamily="49" charset="0"/>
+                <a:cs typeface="Courier New" panose="02070309020205020404" pitchFamily="49" charset="0"/>
+              </a:rPr>
+              <a:t>Eyes_Up</a:t>
+            </a:r>
+            <a:r>
+              <a:rPr lang="en-US" sz="1800" b="1" dirty="0">
+                <a:solidFill>
+                  <a:srgbClr val="FFC000"/>
+                </a:solidFill>
+                <a:latin typeface="Courier New" panose="02070309020205020404" pitchFamily="49" charset="0"/>
+                <a:cs typeface="Courier New" panose="02070309020205020404" pitchFamily="49" charset="0"/>
+              </a:rPr>
+              <a:t>&gt;</a:t>
+            </a:r>
+            <a:r>
+              <a:rPr lang="en-US" sz="1800" b="1" dirty="0">
+                <a:latin typeface="Courier New" panose="02070309020205020404" pitchFamily="49" charset="0"/>
+                <a:cs typeface="Courier New" panose="02070309020205020404" pitchFamily="49" charset="0"/>
+              </a:rPr>
+              <a:t>0</a:t>
+            </a:r>
+            <a:r>
+              <a:rPr lang="en-US" sz="1800" b="1" dirty="0">
+                <a:solidFill>
+                  <a:srgbClr val="FFC000"/>
+                </a:solidFill>
+                <a:latin typeface="Courier New" panose="02070309020205020404" pitchFamily="49" charset="0"/>
+                <a:cs typeface="Courier New" panose="02070309020205020404" pitchFamily="49" charset="0"/>
+              </a:rPr>
+              <a:t>&lt;/</a:t>
+            </a:r>
+            <a:r>
+              <a:rPr lang="en-US" sz="1800" b="1" dirty="0" err="1">
+                <a:solidFill>
+                  <a:srgbClr val="FFC000"/>
+                </a:solidFill>
+                <a:latin typeface="Courier New" panose="02070309020205020404" pitchFamily="49" charset="0"/>
+                <a:cs typeface="Courier New" panose="02070309020205020404" pitchFamily="49" charset="0"/>
+              </a:rPr>
+              <a:t>Eyes_Up</a:t>
+            </a:r>
+            <a:r>
+              <a:rPr lang="en-US" sz="1800" b="1" dirty="0">
+                <a:solidFill>
+                  <a:srgbClr val="FFC000"/>
+                </a:solidFill>
+                <a:latin typeface="Courier New" panose="02070309020205020404" pitchFamily="49" charset="0"/>
+                <a:cs typeface="Courier New" panose="02070309020205020404" pitchFamily="49" charset="0"/>
+              </a:rPr>
+              <a:t>&gt;</a:t>
+            </a:r>
+          </a:p>
+          <a:p>
+            <a:pPr marL="0" indent="0">
+              <a:spcBef>
+                <a:spcPts val="0"/>
+              </a:spcBef>
+              <a:buNone/>
+            </a:pPr>
+            <a:r>
+              <a:rPr lang="en-US" sz="1800" b="1" dirty="0">
+                <a:solidFill>
+                  <a:srgbClr val="FFC000"/>
+                </a:solidFill>
+                <a:latin typeface="Courier New" panose="02070309020205020404" pitchFamily="49" charset="0"/>
+                <a:cs typeface="Courier New" panose="02070309020205020404" pitchFamily="49" charset="0"/>
+              </a:rPr>
+              <a:t>  &lt;</a:t>
+            </a:r>
+            <a:r>
+              <a:rPr lang="en-US" sz="1800" b="1" dirty="0" err="1">
+                <a:solidFill>
+                  <a:srgbClr val="FFC000"/>
+                </a:solidFill>
+                <a:latin typeface="Courier New" panose="02070309020205020404" pitchFamily="49" charset="0"/>
+                <a:cs typeface="Courier New" panose="02070309020205020404" pitchFamily="49" charset="0"/>
+              </a:rPr>
+              <a:t>Eyes_Down</a:t>
+            </a:r>
+            <a:r>
+              <a:rPr lang="en-US" sz="1800" b="1" dirty="0">
+                <a:solidFill>
+                  <a:srgbClr val="FFC000"/>
+                </a:solidFill>
+                <a:latin typeface="Courier New" panose="02070309020205020404" pitchFamily="49" charset="0"/>
+                <a:cs typeface="Courier New" panose="02070309020205020404" pitchFamily="49" charset="0"/>
+              </a:rPr>
+              <a:t>&gt;</a:t>
+            </a:r>
+            <a:r>
+              <a:rPr lang="en-US" sz="1800" b="1" dirty="0">
+                <a:latin typeface="Courier New" panose="02070309020205020404" pitchFamily="49" charset="0"/>
+                <a:cs typeface="Courier New" panose="02070309020205020404" pitchFamily="49" charset="0"/>
+              </a:rPr>
+              <a:t>100</a:t>
+            </a:r>
+            <a:r>
+              <a:rPr lang="en-US" sz="1800" b="1" dirty="0">
+                <a:solidFill>
+                  <a:srgbClr val="FFC000"/>
+                </a:solidFill>
+                <a:latin typeface="Courier New" panose="02070309020205020404" pitchFamily="49" charset="0"/>
+                <a:cs typeface="Courier New" panose="02070309020205020404" pitchFamily="49" charset="0"/>
+              </a:rPr>
+              <a:t>&lt;/</a:t>
+            </a:r>
+            <a:r>
+              <a:rPr lang="en-US" sz="1800" b="1" dirty="0" err="1">
+                <a:solidFill>
+                  <a:srgbClr val="FFC000"/>
+                </a:solidFill>
+                <a:latin typeface="Courier New" panose="02070309020205020404" pitchFamily="49" charset="0"/>
+                <a:cs typeface="Courier New" panose="02070309020205020404" pitchFamily="49" charset="0"/>
+              </a:rPr>
+              <a:t>Eyes_Down</a:t>
+            </a:r>
+            <a:r>
+              <a:rPr lang="en-US" sz="1800" b="1" dirty="0">
+                <a:solidFill>
+                  <a:srgbClr val="FFC000"/>
+                </a:solidFill>
+                <a:latin typeface="Courier New" panose="02070309020205020404" pitchFamily="49" charset="0"/>
+                <a:cs typeface="Courier New" panose="02070309020205020404" pitchFamily="49" charset="0"/>
+              </a:rPr>
+              <a:t>&gt;</a:t>
+            </a:r>
+          </a:p>
+          <a:p>
+            <a:pPr marL="0" indent="0">
+              <a:spcBef>
+                <a:spcPts val="0"/>
+              </a:spcBef>
+              <a:buNone/>
+            </a:pPr>
+            <a:r>
+              <a:rPr lang="en-US" sz="1800" b="1" dirty="0">
+                <a:solidFill>
+                  <a:srgbClr val="FFC000"/>
+                </a:solidFill>
+                <a:latin typeface="Courier New" panose="02070309020205020404" pitchFamily="49" charset="0"/>
+                <a:cs typeface="Courier New" panose="02070309020205020404" pitchFamily="49" charset="0"/>
+              </a:rPr>
+              <a:t>  &lt;</a:t>
+            </a:r>
+            <a:r>
+              <a:rPr lang="en-US" sz="1800" b="1" dirty="0" err="1">
+                <a:solidFill>
+                  <a:srgbClr val="FFC000"/>
+                </a:solidFill>
+                <a:latin typeface="Courier New" panose="02070309020205020404" pitchFamily="49" charset="0"/>
+                <a:cs typeface="Courier New" panose="02070309020205020404" pitchFamily="49" charset="0"/>
+              </a:rPr>
+              <a:t>Tongue_Out</a:t>
+            </a:r>
+            <a:r>
+              <a:rPr lang="en-US" sz="1800" b="1" dirty="0">
+                <a:solidFill>
+                  <a:srgbClr val="FFC000"/>
+                </a:solidFill>
+                <a:latin typeface="Courier New" panose="02070309020205020404" pitchFamily="49" charset="0"/>
+                <a:cs typeface="Courier New" panose="02070309020205020404" pitchFamily="49" charset="0"/>
+              </a:rPr>
+              <a:t>&gt;</a:t>
+            </a:r>
+            <a:r>
+              <a:rPr lang="en-US" sz="1800" b="1" dirty="0">
+                <a:latin typeface="Courier New" panose="02070309020205020404" pitchFamily="49" charset="0"/>
+                <a:cs typeface="Courier New" panose="02070309020205020404" pitchFamily="49" charset="0"/>
+              </a:rPr>
+              <a:t>0</a:t>
+            </a:r>
+            <a:r>
+              <a:rPr lang="en-US" sz="1800" b="1" dirty="0">
+                <a:solidFill>
+                  <a:srgbClr val="FFC000"/>
+                </a:solidFill>
+                <a:latin typeface="Courier New" panose="02070309020205020404" pitchFamily="49" charset="0"/>
+                <a:cs typeface="Courier New" panose="02070309020205020404" pitchFamily="49" charset="0"/>
+              </a:rPr>
+              <a:t>&lt;/</a:t>
+            </a:r>
+            <a:r>
+              <a:rPr lang="en-US" sz="1800" b="1" dirty="0" err="1">
+                <a:solidFill>
+                  <a:srgbClr val="FFC000"/>
+                </a:solidFill>
+                <a:latin typeface="Courier New" panose="02070309020205020404" pitchFamily="49" charset="0"/>
+                <a:cs typeface="Courier New" panose="02070309020205020404" pitchFamily="49" charset="0"/>
+              </a:rPr>
+              <a:t>Tongue_Out</a:t>
+            </a:r>
+            <a:r>
+              <a:rPr lang="en-US" sz="1800" b="1" dirty="0">
+                <a:solidFill>
+                  <a:srgbClr val="FFC000"/>
+                </a:solidFill>
+                <a:latin typeface="Courier New" panose="02070309020205020404" pitchFamily="49" charset="0"/>
+                <a:cs typeface="Courier New" panose="02070309020205020404" pitchFamily="49" charset="0"/>
+              </a:rPr>
+              <a:t>&gt;</a:t>
+            </a:r>
+          </a:p>
+          <a:p>
+            <a:pPr marL="0" indent="0">
+              <a:spcBef>
+                <a:spcPts val="0"/>
+              </a:spcBef>
+              <a:buNone/>
+            </a:pPr>
+            <a:r>
+              <a:rPr lang="en-US" sz="1800" b="1" dirty="0">
+                <a:solidFill>
+                  <a:srgbClr val="FFC000"/>
+                </a:solidFill>
+                <a:latin typeface="Courier New" panose="02070309020205020404" pitchFamily="49" charset="0"/>
+                <a:cs typeface="Courier New" panose="02070309020205020404" pitchFamily="49" charset="0"/>
+              </a:rPr>
+              <a:t>  &lt;</a:t>
+            </a:r>
+            <a:r>
+              <a:rPr lang="en-US" sz="1800" b="1" dirty="0" err="1">
+                <a:solidFill>
+                  <a:srgbClr val="FFC000"/>
+                </a:solidFill>
+                <a:latin typeface="Courier New" panose="02070309020205020404" pitchFamily="49" charset="0"/>
+                <a:cs typeface="Courier New" panose="02070309020205020404" pitchFamily="49" charset="0"/>
+              </a:rPr>
+              <a:t>Puff_Right_Cheek</a:t>
+            </a:r>
+            <a:r>
+              <a:rPr lang="en-US" sz="1800" b="1" dirty="0">
+                <a:solidFill>
+                  <a:srgbClr val="FFC000"/>
+                </a:solidFill>
+                <a:latin typeface="Courier New" panose="02070309020205020404" pitchFamily="49" charset="0"/>
+                <a:cs typeface="Courier New" panose="02070309020205020404" pitchFamily="49" charset="0"/>
+              </a:rPr>
+              <a:t>&gt;</a:t>
+            </a:r>
+            <a:r>
+              <a:rPr lang="en-US" sz="1800" b="1" dirty="0">
+                <a:latin typeface="Courier New" panose="02070309020205020404" pitchFamily="49" charset="0"/>
+                <a:cs typeface="Courier New" panose="02070309020205020404" pitchFamily="49" charset="0"/>
+              </a:rPr>
+              <a:t>100</a:t>
+            </a:r>
+            <a:r>
+              <a:rPr lang="en-US" sz="1800" b="1" dirty="0">
+                <a:solidFill>
+                  <a:srgbClr val="FFC000"/>
+                </a:solidFill>
+                <a:latin typeface="Courier New" panose="02070309020205020404" pitchFamily="49" charset="0"/>
+                <a:cs typeface="Courier New" panose="02070309020205020404" pitchFamily="49" charset="0"/>
+              </a:rPr>
+              <a:t>&lt;/</a:t>
+            </a:r>
+            <a:r>
+              <a:rPr lang="en-US" sz="1800" b="1" dirty="0" err="1">
+                <a:solidFill>
+                  <a:srgbClr val="FFC000"/>
+                </a:solidFill>
+                <a:latin typeface="Courier New" panose="02070309020205020404" pitchFamily="49" charset="0"/>
+                <a:cs typeface="Courier New" panose="02070309020205020404" pitchFamily="49" charset="0"/>
+              </a:rPr>
+              <a:t>Puff_Right_Cheek</a:t>
+            </a:r>
+            <a:r>
+              <a:rPr lang="en-US" sz="1800" b="1" dirty="0">
+                <a:solidFill>
+                  <a:srgbClr val="FFC000"/>
+                </a:solidFill>
+                <a:latin typeface="Courier New" panose="02070309020205020404" pitchFamily="49" charset="0"/>
+                <a:cs typeface="Courier New" panose="02070309020205020404" pitchFamily="49" charset="0"/>
+              </a:rPr>
+              <a:t>&gt;</a:t>
+            </a:r>
+          </a:p>
+          <a:p>
+            <a:pPr marL="0" indent="0">
+              <a:spcBef>
+                <a:spcPts val="0"/>
+              </a:spcBef>
+              <a:buNone/>
+            </a:pPr>
+            <a:r>
+              <a:rPr lang="en-US" sz="1800" b="1" dirty="0">
+                <a:solidFill>
+                  <a:srgbClr val="FFC000"/>
+                </a:solidFill>
+                <a:latin typeface="Courier New" panose="02070309020205020404" pitchFamily="49" charset="0"/>
+                <a:cs typeface="Courier New" panose="02070309020205020404" pitchFamily="49" charset="0"/>
+              </a:rPr>
+              <a:t>  &lt;</a:t>
+            </a:r>
+            <a:r>
+              <a:rPr lang="en-US" sz="1800" b="1" dirty="0" err="1">
+                <a:solidFill>
+                  <a:srgbClr val="FFC000"/>
+                </a:solidFill>
+                <a:latin typeface="Courier New" panose="02070309020205020404" pitchFamily="49" charset="0"/>
+                <a:cs typeface="Courier New" panose="02070309020205020404" pitchFamily="49" charset="0"/>
+              </a:rPr>
+              <a:t>Puff_Left_Cheek</a:t>
+            </a:r>
+            <a:r>
+              <a:rPr lang="en-US" sz="1800" b="1" dirty="0">
+                <a:solidFill>
+                  <a:srgbClr val="FFC000"/>
+                </a:solidFill>
+                <a:latin typeface="Courier New" panose="02070309020205020404" pitchFamily="49" charset="0"/>
+                <a:cs typeface="Courier New" panose="02070309020205020404" pitchFamily="49" charset="0"/>
+              </a:rPr>
+              <a:t>&gt;</a:t>
+            </a:r>
+            <a:r>
+              <a:rPr lang="en-US" sz="1800" b="1" dirty="0">
+                <a:latin typeface="Courier New" panose="02070309020205020404" pitchFamily="49" charset="0"/>
+                <a:cs typeface="Courier New" panose="02070309020205020404" pitchFamily="49" charset="0"/>
+              </a:rPr>
+              <a:t>0</a:t>
+            </a:r>
+            <a:r>
+              <a:rPr lang="en-US" sz="1800" b="1" dirty="0">
+                <a:solidFill>
+                  <a:srgbClr val="FFC000"/>
+                </a:solidFill>
+                <a:latin typeface="Courier New" panose="02070309020205020404" pitchFamily="49" charset="0"/>
+                <a:cs typeface="Courier New" panose="02070309020205020404" pitchFamily="49" charset="0"/>
+              </a:rPr>
+              <a:t>&lt;/</a:t>
+            </a:r>
+            <a:r>
+              <a:rPr lang="en-US" sz="1800" b="1" dirty="0" err="1">
+                <a:solidFill>
+                  <a:srgbClr val="FFC000"/>
+                </a:solidFill>
+                <a:latin typeface="Courier New" panose="02070309020205020404" pitchFamily="49" charset="0"/>
+                <a:cs typeface="Courier New" panose="02070309020205020404" pitchFamily="49" charset="0"/>
+              </a:rPr>
+              <a:t>Puff_Left_Cheek</a:t>
+            </a:r>
+            <a:r>
+              <a:rPr lang="en-US" sz="1800" b="1" dirty="0">
+                <a:solidFill>
+                  <a:srgbClr val="FFC000"/>
+                </a:solidFill>
+                <a:latin typeface="Courier New" panose="02070309020205020404" pitchFamily="49" charset="0"/>
+                <a:cs typeface="Courier New" panose="02070309020205020404" pitchFamily="49" charset="0"/>
+              </a:rPr>
+              <a:t>&gt;</a:t>
+            </a:r>
+            <a:endParaRPr lang="en-US" sz="1800" b="1" dirty="0" smtClean="0">
+              <a:solidFill>
+                <a:srgbClr val="FFC000"/>
+              </a:solidFill>
+              <a:latin typeface="Courier New" panose="02070309020205020404" pitchFamily="49" charset="0"/>
+              <a:cs typeface="Courier New" panose="02070309020205020404" pitchFamily="49" charset="0"/>
+            </a:endParaRPr>
           </a:p>
           <a:p>
             <a:pPr marL="0" indent="0">
@@ -11395,379 +13510,17 @@
                 <a:latin typeface="Courier New" panose="02070309020205020404" pitchFamily="49" charset="0"/>
                 <a:cs typeface="Courier New" panose="02070309020205020404" pitchFamily="49" charset="0"/>
               </a:rPr>
-              <a:t>  &lt;Pitch&gt;</a:t>
+              <a:t>&lt;/</a:t>
             </a:r>
             <a:r>
               <a:rPr lang="en-US" sz="1800" b="1" dirty="0" smtClean="0">
-                <a:latin typeface="Courier New" panose="02070309020205020404" pitchFamily="49" charset="0"/>
-                <a:cs typeface="Courier New" panose="02070309020205020404" pitchFamily="49" charset="0"/>
-              </a:rPr>
-              <a:t>-0.965361</a:t>
-            </a:r>
-            <a:r>
-              <a:rPr lang="en-US" sz="1800" b="1" dirty="0" smtClean="0">
-                <a:solidFill>
-                  <a:srgbClr val="FFC000"/>
-                </a:solidFill>
-                <a:latin typeface="Courier New" panose="02070309020205020404" pitchFamily="49" charset="0"/>
-                <a:cs typeface="Courier New" panose="02070309020205020404" pitchFamily="49" charset="0"/>
-              </a:rPr>
-              <a:t>&lt;/Pitch&gt;</a:t>
-            </a:r>
-          </a:p>
-          <a:p>
-            <a:pPr marL="0" indent="0">
-              <a:spcBef>
-                <a:spcPts val="0"/>
-              </a:spcBef>
-              <a:buFont typeface="Arial" pitchFamily="34" charset="0"/>
-              <a:buNone/>
-            </a:pPr>
-            <a:r>
-              <a:rPr lang="en-US" sz="1800" b="1" dirty="0" smtClean="0">
-                <a:solidFill>
-                  <a:srgbClr val="FFC000"/>
-                </a:solidFill>
-                <a:latin typeface="Courier New" panose="02070309020205020404" pitchFamily="49" charset="0"/>
-                <a:cs typeface="Courier New" panose="02070309020205020404" pitchFamily="49" charset="0"/>
-              </a:rPr>
-              <a:t>  &lt;Roll&gt;</a:t>
-            </a:r>
-            <a:r>
-              <a:rPr lang="en-US" sz="1800" b="1" dirty="0" smtClean="0">
-                <a:latin typeface="Courier New" panose="02070309020205020404" pitchFamily="49" charset="0"/>
-                <a:cs typeface="Courier New" panose="02070309020205020404" pitchFamily="49" charset="0"/>
-              </a:rPr>
-              <a:t>6.649949</a:t>
-            </a:r>
-            <a:r>
-              <a:rPr lang="en-US" sz="1800" b="1" dirty="0" smtClean="0">
-                <a:solidFill>
-                  <a:srgbClr val="FFC000"/>
-                </a:solidFill>
-                <a:latin typeface="Courier New" panose="02070309020205020404" pitchFamily="49" charset="0"/>
-                <a:cs typeface="Courier New" panose="02070309020205020404" pitchFamily="49" charset="0"/>
-              </a:rPr>
-              <a:t>&lt;/Roll&gt;</a:t>
-            </a:r>
-          </a:p>
-          <a:p>
-            <a:pPr marL="0" indent="0">
-              <a:spcBef>
-                <a:spcPts val="0"/>
-              </a:spcBef>
-              <a:buFont typeface="Arial" pitchFamily="34" charset="0"/>
-              <a:buNone/>
-            </a:pPr>
-            <a:r>
-              <a:rPr lang="en-US" sz="1800" b="1" dirty="0" smtClean="0">
-                <a:solidFill>
-                  <a:srgbClr val="FFC000"/>
-                </a:solidFill>
-                <a:latin typeface="Courier New" panose="02070309020205020404" pitchFamily="49" charset="0"/>
-                <a:cs typeface="Courier New" panose="02070309020205020404" pitchFamily="49" charset="0"/>
-              </a:rPr>
-              <a:t>  &lt;</a:t>
-            </a:r>
-            <a:r>
-              <a:rPr lang="en-US" sz="1800" b="1" dirty="0" err="1" smtClean="0">
-                <a:solidFill>
-                  <a:srgbClr val="FFC000"/>
-                </a:solidFill>
-                <a:latin typeface="Courier New" panose="02070309020205020404" pitchFamily="49" charset="0"/>
-                <a:cs typeface="Courier New" panose="02070309020205020404" pitchFamily="49" charset="0"/>
-              </a:rPr>
-              <a:t>HeadX</a:t>
-            </a:r>
-            <a:r>
-              <a:rPr lang="en-US" sz="1800" b="1" dirty="0" smtClean="0">
-                <a:solidFill>
-                  <a:srgbClr val="FFC000"/>
-                </a:solidFill>
-                <a:latin typeface="Courier New" panose="02070309020205020404" pitchFamily="49" charset="0"/>
-                <a:cs typeface="Courier New" panose="02070309020205020404" pitchFamily="49" charset="0"/>
-              </a:rPr>
-              <a:t>&gt;</a:t>
-            </a:r>
-            <a:r>
-              <a:rPr lang="en-US" sz="1800" b="1" dirty="0" smtClean="0">
-                <a:latin typeface="Courier New" panose="02070309020205020404" pitchFamily="49" charset="0"/>
-                <a:cs typeface="Courier New" panose="02070309020205020404" pitchFamily="49" charset="0"/>
-              </a:rPr>
-              <a:t>-7.352272</a:t>
-            </a:r>
-            <a:r>
-              <a:rPr lang="en-US" sz="1800" b="1" dirty="0" smtClean="0">
-                <a:solidFill>
-                  <a:srgbClr val="FFC000"/>
-                </a:solidFill>
-                <a:latin typeface="Courier New" panose="02070309020205020404" pitchFamily="49" charset="0"/>
-                <a:cs typeface="Courier New" panose="02070309020205020404" pitchFamily="49" charset="0"/>
-              </a:rPr>
-              <a:t>&lt;/</a:t>
-            </a:r>
-            <a:r>
-              <a:rPr lang="en-US" sz="1800" b="1" dirty="0" err="1" smtClean="0">
-                <a:solidFill>
-                  <a:srgbClr val="FFC000"/>
-                </a:solidFill>
-                <a:latin typeface="Courier New" panose="02070309020205020404" pitchFamily="49" charset="0"/>
-                <a:cs typeface="Courier New" panose="02070309020205020404" pitchFamily="49" charset="0"/>
-              </a:rPr>
-              <a:t>HeadX</a:t>
-            </a:r>
-            <a:r>
-              <a:rPr lang="en-US" sz="1800" b="1" dirty="0" smtClean="0">
-                <a:solidFill>
-                  <a:srgbClr val="FFC000"/>
-                </a:solidFill>
-                <a:latin typeface="Courier New" panose="02070309020205020404" pitchFamily="49" charset="0"/>
-                <a:cs typeface="Courier New" panose="02070309020205020404" pitchFamily="49" charset="0"/>
-              </a:rPr>
-              <a:t>&gt;</a:t>
-            </a:r>
-          </a:p>
-          <a:p>
-            <a:pPr marL="0" indent="0">
-              <a:spcBef>
-                <a:spcPts val="0"/>
-              </a:spcBef>
-              <a:buFont typeface="Arial" pitchFamily="34" charset="0"/>
-              <a:buNone/>
-            </a:pPr>
-            <a:r>
-              <a:rPr lang="en-US" sz="1800" b="1" dirty="0" smtClean="0">
-                <a:solidFill>
-                  <a:srgbClr val="FFC000"/>
-                </a:solidFill>
-                <a:latin typeface="Courier New" panose="02070309020205020404" pitchFamily="49" charset="0"/>
-                <a:cs typeface="Courier New" panose="02070309020205020404" pitchFamily="49" charset="0"/>
-              </a:rPr>
-              <a:t>  &lt;</a:t>
-            </a:r>
-            <a:r>
-              <a:rPr lang="en-US" sz="1800" b="1" dirty="0" err="1" smtClean="0">
-                <a:solidFill>
-                  <a:srgbClr val="FFC000"/>
-                </a:solidFill>
-                <a:latin typeface="Courier New" panose="02070309020205020404" pitchFamily="49" charset="0"/>
-                <a:cs typeface="Courier New" panose="02070309020205020404" pitchFamily="49" charset="0"/>
-              </a:rPr>
-              <a:t>HeadY</a:t>
-            </a:r>
-            <a:r>
-              <a:rPr lang="en-US" sz="1800" b="1" dirty="0" smtClean="0">
-                <a:solidFill>
-                  <a:srgbClr val="FFC000"/>
-                </a:solidFill>
-                <a:latin typeface="Courier New" panose="02070309020205020404" pitchFamily="49" charset="0"/>
-                <a:cs typeface="Courier New" panose="02070309020205020404" pitchFamily="49" charset="0"/>
-              </a:rPr>
-              <a:t>&gt;</a:t>
-            </a:r>
-            <a:r>
-              <a:rPr lang="en-US" sz="1800" b="1" dirty="0" smtClean="0">
-                <a:latin typeface="Courier New" panose="02070309020205020404" pitchFamily="49" charset="0"/>
-                <a:cs typeface="Courier New" panose="02070309020205020404" pitchFamily="49" charset="0"/>
-              </a:rPr>
-              <a:t>-41.289234</a:t>
-            </a:r>
-            <a:r>
-              <a:rPr lang="en-US" sz="1800" b="1" dirty="0" smtClean="0">
-                <a:solidFill>
-                  <a:srgbClr val="FFC000"/>
-                </a:solidFill>
-                <a:latin typeface="Courier New" panose="02070309020205020404" pitchFamily="49" charset="0"/>
-                <a:cs typeface="Courier New" panose="02070309020205020404" pitchFamily="49" charset="0"/>
-              </a:rPr>
-              <a:t>&lt;/</a:t>
-            </a:r>
-            <a:r>
-              <a:rPr lang="en-US" sz="1800" b="1" dirty="0" err="1" smtClean="0">
-                <a:solidFill>
-                  <a:srgbClr val="FFC000"/>
-                </a:solidFill>
-                <a:latin typeface="Courier New" panose="02070309020205020404" pitchFamily="49" charset="0"/>
-                <a:cs typeface="Courier New" panose="02070309020205020404" pitchFamily="49" charset="0"/>
-              </a:rPr>
-              <a:t>HeadY</a:t>
-            </a:r>
-            <a:r>
-              <a:rPr lang="en-US" sz="1800" b="1" dirty="0" smtClean="0">
-                <a:solidFill>
-                  <a:srgbClr val="FFC000"/>
-                </a:solidFill>
-                <a:latin typeface="Courier New" panose="02070309020205020404" pitchFamily="49" charset="0"/>
-                <a:cs typeface="Courier New" panose="02070309020205020404" pitchFamily="49" charset="0"/>
-              </a:rPr>
-              <a:t>&gt;</a:t>
-            </a:r>
-          </a:p>
-          <a:p>
-            <a:pPr marL="0" indent="0">
-              <a:spcBef>
-                <a:spcPts val="0"/>
-              </a:spcBef>
-              <a:buFont typeface="Arial" pitchFamily="34" charset="0"/>
-              <a:buNone/>
-            </a:pPr>
-            <a:r>
-              <a:rPr lang="en-US" sz="1800" b="1" dirty="0" smtClean="0">
-                <a:solidFill>
-                  <a:srgbClr val="FFC000"/>
-                </a:solidFill>
-                <a:latin typeface="Courier New" panose="02070309020205020404" pitchFamily="49" charset="0"/>
-                <a:cs typeface="Courier New" panose="02070309020205020404" pitchFamily="49" charset="0"/>
-              </a:rPr>
-              <a:t>  &lt;</a:t>
-            </a:r>
-            <a:r>
-              <a:rPr lang="en-US" sz="1800" b="1" dirty="0" err="1" smtClean="0">
-                <a:solidFill>
-                  <a:srgbClr val="FFC000"/>
-                </a:solidFill>
-                <a:latin typeface="Courier New" panose="02070309020205020404" pitchFamily="49" charset="0"/>
-                <a:cs typeface="Courier New" panose="02070309020205020404" pitchFamily="49" charset="0"/>
-              </a:rPr>
-              <a:t>HeadZ</a:t>
-            </a:r>
-            <a:r>
-              <a:rPr lang="en-US" sz="1800" b="1" dirty="0" smtClean="0">
-                <a:solidFill>
-                  <a:srgbClr val="FFC000"/>
-                </a:solidFill>
-                <a:latin typeface="Courier New" panose="02070309020205020404" pitchFamily="49" charset="0"/>
-                <a:cs typeface="Courier New" panose="02070309020205020404" pitchFamily="49" charset="0"/>
-              </a:rPr>
-              <a:t>&gt;</a:t>
-            </a:r>
-            <a:r>
-              <a:rPr lang="en-US" sz="1800" b="1" dirty="0" smtClean="0">
-                <a:latin typeface="Courier New" panose="02070309020205020404" pitchFamily="49" charset="0"/>
-                <a:cs typeface="Courier New" panose="02070309020205020404" pitchFamily="49" charset="0"/>
-              </a:rPr>
-              <a:t>588.979553</a:t>
-            </a:r>
-            <a:r>
-              <a:rPr lang="en-US" sz="1800" b="1" dirty="0" smtClean="0">
-                <a:solidFill>
-                  <a:srgbClr val="FFC000"/>
-                </a:solidFill>
-                <a:latin typeface="Courier New" panose="02070309020205020404" pitchFamily="49" charset="0"/>
-                <a:cs typeface="Courier New" panose="02070309020205020404" pitchFamily="49" charset="0"/>
-              </a:rPr>
-              <a:t>&lt;/</a:t>
-            </a:r>
-            <a:r>
-              <a:rPr lang="en-US" sz="1800" b="1" dirty="0" err="1" smtClean="0">
-                <a:solidFill>
-                  <a:srgbClr val="FFC000"/>
-                </a:solidFill>
-                <a:latin typeface="Courier New" panose="02070309020205020404" pitchFamily="49" charset="0"/>
-                <a:cs typeface="Courier New" panose="02070309020205020404" pitchFamily="49" charset="0"/>
-              </a:rPr>
-              <a:t>HeadZ</a:t>
-            </a:r>
-            <a:r>
-              <a:rPr lang="en-US" sz="1800" b="1" dirty="0" smtClean="0">
-                <a:solidFill>
-                  <a:srgbClr val="FFC000"/>
-                </a:solidFill>
-                <a:latin typeface="Courier New" panose="02070309020205020404" pitchFamily="49" charset="0"/>
-                <a:cs typeface="Courier New" panose="02070309020205020404" pitchFamily="49" charset="0"/>
-              </a:rPr>
-              <a:t>&gt;</a:t>
-            </a:r>
-          </a:p>
-          <a:p>
-            <a:pPr marL="0" indent="0">
-              <a:spcBef>
-                <a:spcPts val="0"/>
-              </a:spcBef>
-              <a:buFont typeface="Arial" pitchFamily="34" charset="0"/>
-              <a:buNone/>
-            </a:pPr>
-            <a:r>
-              <a:rPr lang="en-US" sz="1800" b="1" dirty="0" smtClean="0">
-                <a:solidFill>
-                  <a:srgbClr val="FFC000"/>
-                </a:solidFill>
-                <a:latin typeface="Courier New" panose="02070309020205020404" pitchFamily="49" charset="0"/>
-                <a:cs typeface="Courier New" panose="02070309020205020404" pitchFamily="49" charset="0"/>
-              </a:rPr>
-              <a:t>  &lt;Pulse&gt;</a:t>
-            </a:r>
-            <a:r>
-              <a:rPr lang="en-US" sz="1800" b="1" dirty="0" smtClean="0">
-                <a:latin typeface="Courier New" panose="02070309020205020404" pitchFamily="49" charset="0"/>
-                <a:cs typeface="Courier New" panose="02070309020205020404" pitchFamily="49" charset="0"/>
-              </a:rPr>
-              <a:t>88.608482</a:t>
-            </a:r>
-            <a:r>
-              <a:rPr lang="en-US" sz="1800" b="1" dirty="0" smtClean="0">
-                <a:solidFill>
-                  <a:srgbClr val="FFC000"/>
-                </a:solidFill>
-                <a:latin typeface="Courier New" panose="02070309020205020404" pitchFamily="49" charset="0"/>
-                <a:cs typeface="Courier New" panose="02070309020205020404" pitchFamily="49" charset="0"/>
-              </a:rPr>
-              <a:t>&lt;/Pulse&gt;</a:t>
-            </a:r>
-          </a:p>
-          <a:p>
-            <a:pPr marL="0" indent="0">
-              <a:spcBef>
-                <a:spcPts val="0"/>
-              </a:spcBef>
-              <a:buFont typeface="Arial" pitchFamily="34" charset="0"/>
-              <a:buNone/>
-            </a:pPr>
-            <a:r>
-              <a:rPr lang="en-US" sz="1800" b="1" dirty="0" smtClean="0">
-                <a:solidFill>
-                  <a:srgbClr val="FFC000"/>
-                </a:solidFill>
-                <a:latin typeface="Courier New" panose="02070309020205020404" pitchFamily="49" charset="0"/>
-                <a:cs typeface="Courier New" panose="02070309020205020404" pitchFamily="49" charset="0"/>
-              </a:rPr>
-              <a:t>  &lt;Gaze&gt;</a:t>
-            </a:r>
-            <a:r>
-              <a:rPr lang="en-US" sz="1800" b="1" dirty="0" smtClean="0">
-                <a:latin typeface="Courier New" panose="02070309020205020404" pitchFamily="49" charset="0"/>
-                <a:cs typeface="Courier New" panose="02070309020205020404" pitchFamily="49" charset="0"/>
-              </a:rPr>
-              <a:t>78.696925 171.614583</a:t>
-            </a:r>
-            <a:r>
-              <a:rPr lang="en-US" sz="1800" b="1" dirty="0" smtClean="0">
-                <a:solidFill>
-                  <a:srgbClr val="FFC000"/>
-                </a:solidFill>
-                <a:latin typeface="Courier New" panose="02070309020205020404" pitchFamily="49" charset="0"/>
-                <a:cs typeface="Courier New" panose="02070309020205020404" pitchFamily="49" charset="0"/>
-              </a:rPr>
-              <a:t>&lt;/Gaze&gt;</a:t>
-            </a:r>
-          </a:p>
-          <a:p>
-            <a:pPr marL="0" indent="0">
-              <a:spcBef>
-                <a:spcPts val="0"/>
-              </a:spcBef>
-              <a:buFont typeface="Arial" pitchFamily="34" charset="0"/>
-              <a:buNone/>
-            </a:pPr>
-            <a:r>
-              <a:rPr lang="en-US" sz="1800" b="1" dirty="0" smtClean="0">
-                <a:solidFill>
-                  <a:srgbClr val="FFC000"/>
-                </a:solidFill>
-                <a:latin typeface="Courier New" panose="02070309020205020404" pitchFamily="49" charset="0"/>
-                <a:cs typeface="Courier New" panose="02070309020205020404" pitchFamily="49" charset="0"/>
-              </a:rPr>
-              <a:t>&lt;/Face&gt;</a:t>
+                <a:solidFill>
+                  <a:srgbClr val="FFC000"/>
+                </a:solidFill>
+                <a:latin typeface="Courier New" panose="02070309020205020404" pitchFamily="49" charset="0"/>
+                <a:cs typeface="Courier New" panose="02070309020205020404" pitchFamily="49" charset="0"/>
+              </a:rPr>
+              <a:t>Face&gt;</a:t>
             </a:r>
           </a:p>
           <a:p>
@@ -11846,7 +13599,7 @@
               <a:t>  &lt;</a:t>
             </a:r>
             <a:r>
-              <a:rPr lang="en-US" sz="1800" b="1" dirty="0">
+              <a:rPr lang="en-US" sz="1800" b="1" dirty="0" smtClean="0">
                 <a:solidFill>
                   <a:srgbClr val="FFC000"/>
                 </a:solidFill>
@@ -11856,11 +13609,11 @@
               <a:t>Neutral&gt;</a:t>
             </a:r>
             <a:r>
-              <a:rPr lang="en-US" sz="1800" b="1" dirty="0">
-                <a:latin typeface="Courier New" panose="02070309020205020404" pitchFamily="49" charset="0"/>
-                <a:cs typeface="Courier New" panose="02070309020205020404" pitchFamily="49" charset="0"/>
-              </a:rPr>
-              <a:t>858993460</a:t>
+              <a:rPr lang="en-US" sz="1800" b="1" dirty="0" smtClean="0">
+                <a:latin typeface="Courier New" panose="02070309020205020404" pitchFamily="49" charset="0"/>
+                <a:cs typeface="Courier New" panose="02070309020205020404" pitchFamily="49" charset="0"/>
+              </a:rPr>
+              <a:t>0</a:t>
             </a:r>
             <a:r>
               <a:rPr lang="en-US" sz="1800" b="1" dirty="0">
@@ -11898,24 +13651,44 @@
                 <a:latin typeface="Courier New" panose="02070309020205020404" pitchFamily="49" charset="0"/>
                 <a:cs typeface="Courier New" panose="02070309020205020404" pitchFamily="49" charset="0"/>
               </a:rPr>
-              <a:t>  &lt;Happiness&gt;</a:t>
+              <a:t>  &lt;</a:t>
             </a:r>
             <a:r>
               <a:rPr lang="en-US" sz="1800" b="1" dirty="0" smtClean="0">
-                <a:latin typeface="Courier New" panose="02070309020205020404" pitchFamily="49" charset="0"/>
-                <a:cs typeface="Courier New" panose="02070309020205020404" pitchFamily="49" charset="0"/>
-              </a:rPr>
-              <a:t>858993460</a:t>
-            </a:r>
-            <a:r>
-              <a:rPr lang="en-US" sz="1800" b="1" dirty="0">
-                <a:solidFill>
-                  <a:srgbClr val="FFC000"/>
-                </a:solidFill>
-                <a:latin typeface="Courier New" panose="02070309020205020404" pitchFamily="49" charset="0"/>
-                <a:cs typeface="Courier New" panose="02070309020205020404" pitchFamily="49" charset="0"/>
-              </a:rPr>
-              <a:t>&lt;/Happiness&gt;</a:t>
+                <a:solidFill>
+                  <a:srgbClr val="FFC000"/>
+                </a:solidFill>
+                <a:latin typeface="Courier New" panose="02070309020205020404" pitchFamily="49" charset="0"/>
+                <a:cs typeface="Courier New" panose="02070309020205020404" pitchFamily="49" charset="0"/>
+              </a:rPr>
+              <a:t>Happiness&gt;</a:t>
+            </a:r>
+            <a:r>
+              <a:rPr lang="en-US" sz="1800" b="1" dirty="0" smtClean="0">
+                <a:latin typeface="Courier New" panose="02070309020205020404" pitchFamily="49" charset="0"/>
+                <a:cs typeface="Courier New" panose="02070309020205020404" pitchFamily="49" charset="0"/>
+              </a:rPr>
+              <a:t>36</a:t>
+            </a:r>
+            <a:r>
+              <a:rPr lang="en-US" sz="1800" b="1" dirty="0" smtClean="0">
+                <a:solidFill>
+                  <a:srgbClr val="FFC000"/>
+                </a:solidFill>
+                <a:latin typeface="Courier New" panose="02070309020205020404" pitchFamily="49" charset="0"/>
+                <a:cs typeface="Courier New" panose="02070309020205020404" pitchFamily="49" charset="0"/>
+              </a:rPr>
+              <a:t>&lt;/</a:t>
+            </a:r>
+            <a:r>
+              <a:rPr lang="en-US" sz="1800" b="1" dirty="0">
+                <a:solidFill>
+                  <a:srgbClr val="FFC000"/>
+                </a:solidFill>
+                <a:latin typeface="Courier New" panose="02070309020205020404" pitchFamily="49" charset="0"/>
+                <a:cs typeface="Courier New" panose="02070309020205020404" pitchFamily="49" charset="0"/>
+              </a:rPr>
+              <a:t>Happiness&gt;</a:t>
             </a:r>
           </a:p>
           <a:p>
@@ -12280,7 +14053,7 @@
 </p:sld>
 </file>
 
-<file path=ppt/slides/slide7.xml><?xml version="1.0" encoding="utf-8"?>
+<file path=ppt/slides/slide8.xml><?xml version="1.0" encoding="utf-8"?>
 <p:sld xmlns:a="http://schemas.openxmlformats.org/drawingml/2006/main" xmlns:r="http://schemas.openxmlformats.org/officeDocument/2006/relationships" xmlns:p="http://schemas.openxmlformats.org/presentationml/2006/main">
   <p:cSld>
     <p:spTree>
@@ -12314,7 +14087,7 @@
           <a:p>
             <a:fld id="{C014DD1E-5D91-48A3-AD6D-45FBA980D106}" type="slidenum">
               <a:rPr lang="ru-RU" noProof="0" smtClean="0"/>
-              <a:t>7</a:t>
+              <a:t>8</a:t>
             </a:fld>
             <a:endParaRPr lang="ru-RU" noProof="0" dirty="0"/>
           </a:p>
@@ -12722,7 +14495,7 @@
 </p:sld>
 </file>
 
-<file path=ppt/slides/slide8.xml><?xml version="1.0" encoding="utf-8"?>
+<file path=ppt/slides/slide9.xml><?xml version="1.0" encoding="utf-8"?>
 <p:sld xmlns:a="http://schemas.openxmlformats.org/drawingml/2006/main" xmlns:r="http://schemas.openxmlformats.org/officeDocument/2006/relationships" xmlns:p="http://schemas.openxmlformats.org/presentationml/2006/main">
   <p:cSld>
     <p:spTree>
@@ -12756,7 +14529,7 @@
           <a:p>
             <a:fld id="{C014DD1E-5D91-48A3-AD6D-45FBA980D106}" type="slidenum">
               <a:rPr lang="ru-RU" noProof="0" smtClean="0"/>
-              <a:t>8</a:t>
+              <a:t>9</a:t>
             </a:fld>
             <a:endParaRPr lang="ru-RU" noProof="0" dirty="0"/>
           </a:p>
@@ -13191,131 +14964,6 @@
     <p:extLst>
       <p:ext uri="{BB962C8B-B14F-4D97-AF65-F5344CB8AC3E}">
         <p14:creationId xmlns:p14="http://schemas.microsoft.com/office/powerpoint/2010/main" val="1622156302"/>
-      </p:ext>
-    </p:extLst>
-  </p:cSld>
-  <p:clrMapOvr>
-    <a:masterClrMapping/>
-  </p:clrMapOvr>
-  <mc:AlternateContent xmlns:mc="http://schemas.openxmlformats.org/markup-compatibility/2006" xmlns:p14="http://schemas.microsoft.com/office/powerpoint/2010/main">
-    <mc:Choice Requires="p14">
-      <p:transition spd="med" p14:dur="700">
-        <p:fade/>
-      </p:transition>
-    </mc:Choice>
-    <mc:Fallback xmlns="">
-      <p:transition spd="med">
-        <p:fade/>
-      </p:transition>
-    </mc:Fallback>
-  </mc:AlternateContent>
-  <p:timing>
-    <p:tnLst>
-      <p:par>
-        <p:cTn id="1" dur="indefinite" restart="never" nodeType="tmRoot"/>
-      </p:par>
-    </p:tnLst>
-  </p:timing>
-</p:sld>
-</file>
-
-<file path=ppt/slides/slide9.xml><?xml version="1.0" encoding="utf-8"?>
-<p:sld xmlns:a="http://schemas.openxmlformats.org/drawingml/2006/main" xmlns:r="http://schemas.openxmlformats.org/officeDocument/2006/relationships" xmlns:p="http://schemas.openxmlformats.org/presentationml/2006/main">
-  <p:cSld>
-    <p:spTree>
-      <p:nvGrpSpPr>
-        <p:cNvPr id="1" name=""/>
-        <p:cNvGrpSpPr/>
-        <p:nvPr/>
-      </p:nvGrpSpPr>
-      <p:grpSpPr>
-        <a:xfrm>
-          <a:off x="0" y="0"/>
-          <a:ext cx="0" cy="0"/>
-          <a:chOff x="0" y="0"/>
-          <a:chExt cx="0" cy="0"/>
-        </a:xfrm>
-      </p:grpSpPr>
-      <p:sp>
-        <p:nvSpPr>
-          <p:cNvPr id="2" name="Заголовок 1"/>
-          <p:cNvSpPr>
-            <a:spLocks noGrp="1"/>
-          </p:cNvSpPr>
-          <p:nvPr>
-            <p:ph type="title"/>
-          </p:nvPr>
-        </p:nvSpPr>
-        <p:spPr/>
-        <p:txBody>
-          <a:bodyPr>
-            <a:normAutofit/>
-          </a:bodyPr>
-          <a:lstStyle/>
-          <a:p>
-            <a:r>
-              <a:rPr lang="en-US" sz="4400" dirty="0"/>
-              <a:t>Emotions tracking  library</a:t>
-            </a:r>
-          </a:p>
-        </p:txBody>
-      </p:sp>
-      <p:sp>
-        <p:nvSpPr>
-          <p:cNvPr id="3" name="Объект 2"/>
-          <p:cNvSpPr>
-            <a:spLocks noGrp="1"/>
-          </p:cNvSpPr>
-          <p:nvPr>
-            <p:ph idx="1"/>
-          </p:nvPr>
-        </p:nvSpPr>
-        <p:spPr/>
-        <p:txBody>
-          <a:bodyPr/>
-          <a:lstStyle/>
-          <a:p>
-            <a:r>
-              <a:rPr lang="en-US" dirty="0" smtClean="0"/>
-              <a:t>Native library</a:t>
-            </a:r>
-          </a:p>
-          <a:p>
-            <a:r>
-              <a:rPr lang="en-US" dirty="0" smtClean="0"/>
-              <a:t>C# wrapper</a:t>
-            </a:r>
-            <a:endParaRPr lang="en-US" dirty="0"/>
-          </a:p>
-        </p:txBody>
-      </p:sp>
-      <p:sp>
-        <p:nvSpPr>
-          <p:cNvPr id="6" name="Номер слайда 5"/>
-          <p:cNvSpPr>
-            <a:spLocks noGrp="1"/>
-          </p:cNvSpPr>
-          <p:nvPr>
-            <p:ph type="sldNum" sz="quarter" idx="12"/>
-          </p:nvPr>
-        </p:nvSpPr>
-        <p:spPr/>
-        <p:txBody>
-          <a:bodyPr/>
-          <a:lstStyle/>
-          <a:p>
-            <a:fld id="{C014DD1E-5D91-48A3-AD6D-45FBA980D106}" type="slidenum">
-              <a:rPr lang="ru-RU" noProof="0" smtClean="0"/>
-              <a:t>9</a:t>
-            </a:fld>
-            <a:endParaRPr lang="ru-RU" noProof="0" dirty="0"/>
-          </a:p>
-        </p:txBody>
-      </p:sp>
-    </p:spTree>
-    <p:extLst>
-      <p:ext uri="{BB962C8B-B14F-4D97-AF65-F5344CB8AC3E}">
-        <p14:creationId xmlns:p14="http://schemas.microsoft.com/office/powerpoint/2010/main" val="968710902"/>
       </p:ext>
     </p:extLst>
   </p:cSld>

--- a/EmotionsTracker.pptx
+++ b/EmotionsTracker.pptx
@@ -5,10 +5,10 @@
     <p:sldMasterId id="2147483660" r:id="rId2"/>
   </p:sldMasterIdLst>
   <p:notesMasterIdLst>
-    <p:notesMasterId r:id="rId24"/>
+    <p:notesMasterId r:id="rId28"/>
   </p:notesMasterIdLst>
   <p:handoutMasterIdLst>
-    <p:handoutMasterId r:id="rId25"/>
+    <p:handoutMasterId r:id="rId29"/>
   </p:handoutMasterIdLst>
   <p:sldIdLst>
     <p:sldId id="263" r:id="rId3"/>
@@ -23,15 +23,19 @@
     <p:sldId id="269" r:id="rId12"/>
     <p:sldId id="271" r:id="rId13"/>
     <p:sldId id="273" r:id="rId14"/>
-    <p:sldId id="274" r:id="rId15"/>
-    <p:sldId id="279" r:id="rId16"/>
-    <p:sldId id="280" r:id="rId17"/>
-    <p:sldId id="281" r:id="rId18"/>
-    <p:sldId id="282" r:id="rId19"/>
-    <p:sldId id="276" r:id="rId20"/>
-    <p:sldId id="275" r:id="rId21"/>
-    <p:sldId id="278" r:id="rId22"/>
-    <p:sldId id="277" r:id="rId23"/>
+    <p:sldId id="287" r:id="rId15"/>
+    <p:sldId id="284" r:id="rId16"/>
+    <p:sldId id="286" r:id="rId17"/>
+    <p:sldId id="285" r:id="rId18"/>
+    <p:sldId id="274" r:id="rId19"/>
+    <p:sldId id="279" r:id="rId20"/>
+    <p:sldId id="280" r:id="rId21"/>
+    <p:sldId id="281" r:id="rId22"/>
+    <p:sldId id="282" r:id="rId23"/>
+    <p:sldId id="276" r:id="rId24"/>
+    <p:sldId id="275" r:id="rId25"/>
+    <p:sldId id="278" r:id="rId26"/>
+    <p:sldId id="277" r:id="rId27"/>
   </p:sldIdLst>
   <p:sldSz cx="12188825" cy="6858000"/>
   <p:notesSz cx="6858000" cy="9144000"/>
@@ -851,7 +855,7 @@
           <a:p>
             <a:fld id="{3EBA5BD7-F043-4D1B-AA17-CD412FC534DE}" type="slidenum">
               <a:rPr lang="en-US" smtClean="0"/>
-              <a:t>20</a:t>
+              <a:t>24</a:t>
             </a:fld>
             <a:endParaRPr lang="en-US"/>
           </a:p>
@@ -935,7 +939,7 @@
           <a:p>
             <a:fld id="{3EBA5BD7-F043-4D1B-AA17-CD412FC534DE}" type="slidenum">
               <a:rPr lang="en-US" smtClean="0"/>
-              <a:t>21</a:t>
+              <a:t>25</a:t>
             </a:fld>
             <a:endParaRPr lang="en-US"/>
           </a:p>
@@ -1103,7 +1107,7 @@
           <a:p>
             <a:fld id="{3EBA5BD7-F043-4D1B-AA17-CD412FC534DE}" type="slidenum">
               <a:rPr lang="en-US" smtClean="0"/>
-              <a:t>13</a:t>
+              <a:t>17</a:t>
             </a:fld>
             <a:endParaRPr lang="en-US"/>
           </a:p>
@@ -1187,7 +1191,7 @@
           <a:p>
             <a:fld id="{3EBA5BD7-F043-4D1B-AA17-CD412FC534DE}" type="slidenum">
               <a:rPr lang="en-US" smtClean="0"/>
-              <a:t>14</a:t>
+              <a:t>18</a:t>
             </a:fld>
             <a:endParaRPr lang="en-US"/>
           </a:p>
@@ -1271,7 +1275,7 @@
           <a:p>
             <a:fld id="{3EBA5BD7-F043-4D1B-AA17-CD412FC534DE}" type="slidenum">
               <a:rPr lang="en-US" smtClean="0"/>
-              <a:t>15</a:t>
+              <a:t>19</a:t>
             </a:fld>
             <a:endParaRPr lang="en-US"/>
           </a:p>
@@ -1355,7 +1359,7 @@
           <a:p>
             <a:fld id="{3EBA5BD7-F043-4D1B-AA17-CD412FC534DE}" type="slidenum">
               <a:rPr lang="en-US" smtClean="0"/>
-              <a:t>16</a:t>
+              <a:t>20</a:t>
             </a:fld>
             <a:endParaRPr lang="en-US"/>
           </a:p>
@@ -1439,7 +1443,7 @@
           <a:p>
             <a:fld id="{3EBA5BD7-F043-4D1B-AA17-CD412FC534DE}" type="slidenum">
               <a:rPr lang="en-US" smtClean="0"/>
-              <a:t>17</a:t>
+              <a:t>21</a:t>
             </a:fld>
             <a:endParaRPr lang="en-US"/>
           </a:p>
@@ -1523,7 +1527,7 @@
           <a:p>
             <a:fld id="{3EBA5BD7-F043-4D1B-AA17-CD412FC534DE}" type="slidenum">
               <a:rPr lang="en-US" smtClean="0"/>
-              <a:t>18</a:t>
+              <a:t>22</a:t>
             </a:fld>
             <a:endParaRPr lang="en-US"/>
           </a:p>
@@ -1607,7 +1611,7 @@
           <a:p>
             <a:fld id="{3EBA5BD7-F043-4D1B-AA17-CD412FC534DE}" type="slidenum">
               <a:rPr lang="en-US" smtClean="0"/>
-              <a:t>19</a:t>
+              <a:t>23</a:t>
             </a:fld>
             <a:endParaRPr lang="en-US"/>
           </a:p>
@@ -6815,63 +6819,90 @@
         </p:nvSpPr>
         <p:spPr/>
         <p:txBody>
-          <a:bodyPr>
-            <a:normAutofit/>
-          </a:bodyPr>
-          <a:lstStyle/>
-          <a:p>
-            <a:r>
-              <a:rPr lang="en-US" sz="4400" dirty="0" smtClean="0"/>
-              <a:t>Merging and averaging</a:t>
-            </a:r>
-            <a:endParaRPr lang="en-US" sz="4400" dirty="0"/>
-          </a:p>
-        </p:txBody>
-      </p:sp>
-      <p:sp>
-        <p:nvSpPr>
-          <p:cNvPr id="3" name="Объект 2"/>
-          <p:cNvSpPr>
-            <a:spLocks noGrp="1"/>
-          </p:cNvSpPr>
-          <p:nvPr>
-            <p:ph idx="1"/>
-          </p:nvPr>
-        </p:nvSpPr>
-        <p:spPr/>
-        <p:txBody>
           <a:bodyPr/>
           <a:lstStyle/>
           <a:p>
             <a:r>
               <a:rPr lang="en-US" dirty="0" smtClean="0"/>
-              <a:t>Main primitives</a:t>
-            </a:r>
+              <a:t>Sample to use library</a:t>
+            </a:r>
+            <a:endParaRPr lang="en-US" dirty="0"/>
+          </a:p>
+        </p:txBody>
+      </p:sp>
+      <p:sp>
+        <p:nvSpPr>
+          <p:cNvPr id="3" name="Объект 2"/>
+          <p:cNvSpPr>
+            <a:spLocks noGrp="1"/>
+          </p:cNvSpPr>
+          <p:nvPr>
+            <p:ph idx="1"/>
+          </p:nvPr>
+        </p:nvSpPr>
+        <p:spPr>
+          <a:xfrm>
+            <a:off x="1218883" y="1701797"/>
+            <a:ext cx="6594095" cy="4462272"/>
+          </a:xfrm>
+        </p:spPr>
+        <p:txBody>
+          <a:bodyPr/>
+          <a:lstStyle/>
+          <a:p>
+            <a:r>
+              <a:rPr lang="en-US" b="1" dirty="0" err="1" smtClean="0">
+                <a:latin typeface="Courier New" panose="02070309020205020404" pitchFamily="49" charset="0"/>
+                <a:cs typeface="Courier New" panose="02070309020205020404" pitchFamily="49" charset="0"/>
+              </a:rPr>
+              <a:t>EmoTracker</a:t>
+            </a:r>
+            <a:endParaRPr lang="en-US" b="1" dirty="0" smtClean="0">
+              <a:latin typeface="Courier New" panose="02070309020205020404" pitchFamily="49" charset="0"/>
+              <a:cs typeface="Courier New" panose="02070309020205020404" pitchFamily="49" charset="0"/>
+            </a:endParaRPr>
           </a:p>
           <a:p>
             <a:pPr lvl="1"/>
             <a:r>
               <a:rPr lang="en-US" dirty="0" smtClean="0"/>
-              <a:t>Merge</a:t>
+              <a:t>Provide library information about gaze calibration file location</a:t>
             </a:r>
           </a:p>
           <a:p>
             <a:pPr lvl="1"/>
             <a:r>
               <a:rPr lang="en-US" dirty="0" smtClean="0"/>
-              <a:t>Average</a:t>
+              <a:t>Specifies output file names</a:t>
             </a:r>
           </a:p>
           <a:p>
             <a:pPr lvl="1"/>
             <a:r>
               <a:rPr lang="en-US" dirty="0" smtClean="0"/>
-              <a:t>Smooth</a:t>
+              <a:t>Provides calibration utility</a:t>
             </a:r>
           </a:p>
           <a:p>
             <a:pPr lvl="1"/>
-            <a:endParaRPr lang="en-US" dirty="0"/>
+            <a:r>
+              <a:rPr lang="en-US" dirty="0" smtClean="0"/>
+              <a:t>Provide user to select recording options</a:t>
+            </a:r>
+          </a:p>
+          <a:p>
+            <a:pPr lvl="1"/>
+            <a:r>
+              <a:rPr lang="en-US" dirty="0" smtClean="0"/>
+              <a:t>Provides ability to synchronize recording and playing media with VLC media player</a:t>
+            </a:r>
+          </a:p>
+          <a:p>
+            <a:pPr lvl="1"/>
+            <a:r>
+              <a:rPr lang="en-US" dirty="0" smtClean="0"/>
+              <a:t>Minimized to tray</a:t>
+            </a:r>
           </a:p>
         </p:txBody>
       </p:sp>
@@ -6898,10 +6929,40 @@
           </a:p>
         </p:txBody>
       </p:sp>
+      <p:pic>
+        <p:nvPicPr>
+          <p:cNvPr id="4" name="Рисунок 3"/>
+          <p:cNvPicPr>
+            <a:picLocks noChangeAspect="1"/>
+          </p:cNvPicPr>
+          <p:nvPr/>
+        </p:nvPicPr>
+        <p:blipFill>
+          <a:blip r:embed="rId2">
+            <a:extLst>
+              <a:ext uri="{28A0092B-C50C-407E-A947-70E740481C1C}">
+                <a14:useLocalDpi xmlns:a14="http://schemas.microsoft.com/office/drawing/2010/main" val="0"/>
+              </a:ext>
+            </a:extLst>
+          </a:blip>
+          <a:stretch>
+            <a:fillRect/>
+          </a:stretch>
+        </p:blipFill>
+        <p:spPr>
+          <a:xfrm>
+            <a:off x="8398668" y="1701797"/>
+            <a:ext cx="3593018" cy="3167363"/>
+          </a:xfrm>
+          <a:prstGeom prst="rect">
+            <a:avLst/>
+          </a:prstGeom>
+        </p:spPr>
+      </p:pic>
     </p:spTree>
     <p:extLst>
       <p:ext uri="{BB962C8B-B14F-4D97-AF65-F5344CB8AC3E}">
-        <p14:creationId xmlns:p14="http://schemas.microsoft.com/office/powerpoint/2010/main" val="693566703"/>
+        <p14:creationId xmlns:p14="http://schemas.microsoft.com/office/powerpoint/2010/main" val="3549196627"/>
       </p:ext>
     </p:extLst>
   </p:cSld>
@@ -6959,65 +7020,80 @@
         </p:nvSpPr>
         <p:spPr/>
         <p:txBody>
-          <a:bodyPr>
-            <a:normAutofit/>
-          </a:bodyPr>
-          <a:lstStyle/>
-          <a:p>
-            <a:r>
-              <a:rPr lang="en-US" sz="4400" dirty="0" smtClean="0"/>
-              <a:t>Merge</a:t>
-            </a:r>
-            <a:endParaRPr lang="en-US" sz="4400" dirty="0"/>
-          </a:p>
-        </p:txBody>
-      </p:sp>
-      <p:sp>
-        <p:nvSpPr>
-          <p:cNvPr id="3" name="Объект 2"/>
-          <p:cNvSpPr>
-            <a:spLocks noGrp="1"/>
-          </p:cNvSpPr>
-          <p:nvPr>
-            <p:ph idx="1"/>
-          </p:nvPr>
-        </p:nvSpPr>
-        <p:spPr/>
-        <p:txBody>
           <a:bodyPr/>
           <a:lstStyle/>
           <a:p>
             <a:r>
               <a:rPr lang="en-US" dirty="0" smtClean="0"/>
-              <a:t>Merging two time lines</a:t>
-            </a:r>
-          </a:p>
-          <a:p>
+              <a:t>Add gaze point</a:t>
+            </a:r>
             <a:endParaRPr lang="en-US" dirty="0"/>
           </a:p>
-          <a:p>
+        </p:txBody>
+      </p:sp>
+      <p:sp>
+        <p:nvSpPr>
+          <p:cNvPr id="3" name="Объект 2"/>
+          <p:cNvSpPr>
+            <a:spLocks noGrp="1"/>
+          </p:cNvSpPr>
+          <p:nvPr>
+            <p:ph idx="1"/>
+          </p:nvPr>
+        </p:nvSpPr>
+        <p:spPr/>
+        <p:txBody>
+          <a:bodyPr/>
+          <a:lstStyle/>
+          <a:p>
+            <a:r>
+              <a:rPr lang="en-US" dirty="0" smtClean="0"/>
+              <a:t>Write gaze mark in subtitle</a:t>
+            </a:r>
+          </a:p>
+          <a:p>
+            <a:pPr lvl="1"/>
+            <a:r>
+              <a:rPr lang="en-US" dirty="0" smtClean="0"/>
+              <a:t>Can be used with </a:t>
+            </a:r>
+            <a:r>
+              <a:rPr lang="en-US" b="1" dirty="0" smtClean="0">
+                <a:latin typeface="Courier New" panose="02070309020205020404" pitchFamily="49" charset="0"/>
+                <a:cs typeface="Courier New" panose="02070309020205020404" pitchFamily="49" charset="0"/>
+              </a:rPr>
+              <a:t>Windows 10 </a:t>
+            </a:r>
+            <a:r>
+              <a:rPr lang="en-US" b="1" dirty="0" err="1" smtClean="0">
+                <a:latin typeface="Courier New" panose="02070309020205020404" pitchFamily="49" charset="0"/>
+                <a:cs typeface="Courier New" panose="02070309020205020404" pitchFamily="49" charset="0"/>
+              </a:rPr>
+              <a:t>Movies&amp;TV</a:t>
+            </a:r>
+            <a:r>
+              <a:rPr lang="en-US" b="1" dirty="0" smtClean="0">
+                <a:latin typeface="Courier New" panose="02070309020205020404" pitchFamily="49" charset="0"/>
+                <a:cs typeface="Courier New" panose="02070309020205020404" pitchFamily="49" charset="0"/>
+              </a:rPr>
+              <a:t> player</a:t>
+            </a:r>
+            <a:r>
+              <a:rPr lang="en-US" dirty="0"/>
+              <a:t> </a:t>
+            </a:r>
             <a:endParaRPr lang="en-US" dirty="0" smtClean="0"/>
           </a:p>
           <a:p>
-            <a:endParaRPr lang="en-US" dirty="0" smtClean="0"/>
-          </a:p>
-          <a:p>
+            <a:pPr lvl="1"/>
             <a:r>
               <a:rPr lang="en-US" dirty="0" smtClean="0"/>
-              <a:t>Merging emotions data</a:t>
-            </a:r>
-          </a:p>
-          <a:p>
-            <a:endParaRPr lang="en-US" dirty="0"/>
-          </a:p>
-          <a:p>
-            <a:endParaRPr lang="en-US" dirty="0" smtClean="0"/>
-          </a:p>
-          <a:p>
-            <a:endParaRPr lang="en-US" dirty="0"/>
-          </a:p>
-          <a:p>
-            <a:endParaRPr lang="en-US" dirty="0"/>
+              <a:t>Play with a bit modified HTML5 player </a:t>
+            </a:r>
+            <a:endParaRPr lang="en-US" b="1" dirty="0">
+              <a:latin typeface="Courier New" panose="02070309020205020404" pitchFamily="49" charset="0"/>
+              <a:cs typeface="Courier New" panose="02070309020205020404" pitchFamily="49" charset="0"/>
+            </a:endParaRPr>
           </a:p>
         </p:txBody>
       </p:sp>
@@ -7044,311 +7120,40 @@
           </a:p>
         </p:txBody>
       </p:sp>
-      <p:sp>
-        <p:nvSpPr>
-          <p:cNvPr id="4" name="Прямоугольник 3"/>
-          <p:cNvSpPr/>
+      <p:pic>
+        <p:nvPicPr>
+          <p:cNvPr id="7" name="Рисунок 6"/>
+          <p:cNvPicPr>
+            <a:picLocks noChangeAspect="1"/>
+          </p:cNvPicPr>
           <p:nvPr/>
-        </p:nvSpPr>
+        </p:nvPicPr>
+        <p:blipFill>
+          <a:blip r:embed="rId2">
+            <a:extLst>
+              <a:ext uri="{28A0092B-C50C-407E-A947-70E740481C1C}">
+                <a14:useLocalDpi xmlns:a14="http://schemas.microsoft.com/office/drawing/2010/main" val="0"/>
+              </a:ext>
+            </a:extLst>
+          </a:blip>
+          <a:stretch>
+            <a:fillRect/>
+          </a:stretch>
+        </p:blipFill>
         <p:spPr>
           <a:xfrm>
-            <a:off x="1218883" y="2335232"/>
-            <a:ext cx="9772073" cy="1323439"/>
+            <a:off x="3142084" y="3075993"/>
+            <a:ext cx="5468955" cy="3115714"/>
           </a:xfrm>
           <a:prstGeom prst="rect">
             <a:avLst/>
           </a:prstGeom>
         </p:spPr>
-        <p:style>
-          <a:lnRef idx="2">
-            <a:schemeClr val="accent6"/>
-          </a:lnRef>
-          <a:fillRef idx="1">
-            <a:schemeClr val="lt1"/>
-          </a:fillRef>
-          <a:effectRef idx="0">
-            <a:schemeClr val="accent6"/>
-          </a:effectRef>
-          <a:fontRef idx="minor">
-            <a:schemeClr val="dk1"/>
-          </a:fontRef>
-        </p:style>
-        <p:txBody>
-          <a:bodyPr rtlCol="0" anchor="ctr">
-            <a:spAutoFit/>
-          </a:bodyPr>
-          <a:lstStyle/>
-          <a:p>
-            <a:pPr algn="ctr"/>
-            <a:r>
-              <a:rPr lang="en-US" sz="2000" dirty="0">
-                <a:latin typeface="Courier New" panose="02070309020205020404" pitchFamily="49" charset="0"/>
-                <a:ea typeface="Microsoft Sans Serif" panose="020B0604020202020204" pitchFamily="34" charset="0"/>
-                <a:cs typeface="Courier New" panose="02070309020205020404" pitchFamily="49" charset="0"/>
-              </a:rPr>
-              <a:t>|------||--------------|         </a:t>
-            </a:r>
-            <a:r>
-              <a:rPr lang="en-US" sz="2000" dirty="0" smtClean="0">
-                <a:latin typeface="Courier New" panose="02070309020205020404" pitchFamily="49" charset="0"/>
-                <a:ea typeface="Microsoft Sans Serif" panose="020B0604020202020204" pitchFamily="34" charset="0"/>
-                <a:cs typeface="Courier New" panose="02070309020205020404" pitchFamily="49" charset="0"/>
-              </a:rPr>
-              <a:t>|----------||---------||--|</a:t>
-            </a:r>
-          </a:p>
-          <a:p>
-            <a:pPr algn="ctr"/>
-            <a:r>
-              <a:rPr lang="en-US" sz="2000" dirty="0" smtClean="0">
-                <a:latin typeface="Courier New" panose="02070309020205020404" pitchFamily="49" charset="0"/>
-                <a:ea typeface="Microsoft Sans Serif" panose="020B0604020202020204" pitchFamily="34" charset="0"/>
-                <a:cs typeface="Courier New" panose="02070309020205020404" pitchFamily="49" charset="0"/>
-              </a:rPr>
-              <a:t>|--------------------------||---------||------------||-----|</a:t>
-            </a:r>
-          </a:p>
-          <a:p>
-            <a:pPr algn="ctr"/>
-            <a:endParaRPr lang="en-US" sz="2000" dirty="0">
-              <a:latin typeface="Courier New" panose="02070309020205020404" pitchFamily="49" charset="0"/>
-              <a:ea typeface="Microsoft Sans Serif" panose="020B0604020202020204" pitchFamily="34" charset="0"/>
-              <a:cs typeface="Courier New" panose="02070309020205020404" pitchFamily="49" charset="0"/>
-            </a:endParaRPr>
-          </a:p>
-          <a:p>
-            <a:pPr algn="ctr"/>
-            <a:r>
-              <a:rPr lang="en-US" sz="2000" dirty="0" smtClean="0">
-                <a:latin typeface="Courier New" panose="02070309020205020404" pitchFamily="49" charset="0"/>
-                <a:ea typeface="Microsoft Sans Serif" panose="020B0604020202020204" pitchFamily="34" charset="0"/>
-                <a:cs typeface="Courier New" panose="02070309020205020404" pitchFamily="49" charset="0"/>
-              </a:rPr>
-              <a:t>|======||==============||==||===||====||====||======||=||==|</a:t>
-            </a:r>
-            <a:endParaRPr lang="en-US" sz="2000" dirty="0">
-              <a:latin typeface="Courier New" panose="02070309020205020404" pitchFamily="49" charset="0"/>
-              <a:ea typeface="Microsoft Sans Serif" panose="020B0604020202020204" pitchFamily="34" charset="0"/>
-              <a:cs typeface="Courier New" panose="02070309020205020404" pitchFamily="49" charset="0"/>
-            </a:endParaRPr>
-          </a:p>
-        </p:txBody>
-      </p:sp>
-      <p:sp>
-        <p:nvSpPr>
-          <p:cNvPr id="5" name="Прямоугольник 4"/>
-          <p:cNvSpPr/>
-          <p:nvPr/>
-        </p:nvSpPr>
-        <p:spPr>
-          <a:xfrm>
-            <a:off x="1218883" y="4509119"/>
-            <a:ext cx="10360501" cy="1654949"/>
-          </a:xfrm>
-          <a:prstGeom prst="rect">
-            <a:avLst/>
-          </a:prstGeom>
-        </p:spPr>
-        <p:style>
-          <a:lnRef idx="2">
-            <a:schemeClr val="accent6"/>
-          </a:lnRef>
-          <a:fillRef idx="1">
-            <a:schemeClr val="lt1"/>
-          </a:fillRef>
-          <a:effectRef idx="0">
-            <a:schemeClr val="accent6"/>
-          </a:effectRef>
-          <a:fontRef idx="minor">
-            <a:schemeClr val="dk1"/>
-          </a:fontRef>
-        </p:style>
-        <p:txBody>
-          <a:bodyPr rtlCol="0" anchor="ctr"/>
-          <a:lstStyle/>
-          <a:p>
-            <a:pPr algn="ctr"/>
-            <a:r>
-              <a:rPr lang="en-US" sz="2000" dirty="0">
-                <a:latin typeface="Courier New" panose="02070309020205020404" pitchFamily="49" charset="0"/>
-                <a:cs typeface="Courier New" panose="02070309020205020404" pitchFamily="49" charset="0"/>
-              </a:rPr>
-              <a:t>|&lt;Face id="0</a:t>
-            </a:r>
-            <a:r>
-              <a:rPr lang="en-US" sz="2000" dirty="0" smtClean="0">
-                <a:latin typeface="Courier New" panose="02070309020205020404" pitchFamily="49" charset="0"/>
-                <a:cs typeface="Courier New" panose="02070309020205020404" pitchFamily="49" charset="0"/>
-              </a:rPr>
-              <a:t>"&gt;|         |&lt;</a:t>
-            </a:r>
-            <a:r>
-              <a:rPr lang="en-US" sz="2000" dirty="0">
-                <a:latin typeface="Courier New" panose="02070309020205020404" pitchFamily="49" charset="0"/>
-                <a:cs typeface="Courier New" panose="02070309020205020404" pitchFamily="49" charset="0"/>
-              </a:rPr>
-              <a:t>Face id="0</a:t>
-            </a:r>
-            <a:r>
-              <a:rPr lang="en-US" sz="2000" dirty="0" smtClean="0">
-                <a:latin typeface="Courier New" panose="02070309020205020404" pitchFamily="49" charset="0"/>
-                <a:cs typeface="Courier New" panose="02070309020205020404" pitchFamily="49" charset="0"/>
-              </a:rPr>
-              <a:t>"&gt;|          |&lt;</a:t>
-            </a:r>
-            <a:r>
-              <a:rPr lang="en-US" sz="2000" dirty="0">
-                <a:latin typeface="Courier New" panose="02070309020205020404" pitchFamily="49" charset="0"/>
-                <a:cs typeface="Courier New" panose="02070309020205020404" pitchFamily="49" charset="0"/>
-              </a:rPr>
-              <a:t>Face id="1_0</a:t>
-            </a:r>
-            <a:r>
-              <a:rPr lang="en-US" sz="2000" dirty="0" smtClean="0">
-                <a:latin typeface="Courier New" panose="02070309020205020404" pitchFamily="49" charset="0"/>
-                <a:cs typeface="Courier New" panose="02070309020205020404" pitchFamily="49" charset="0"/>
-              </a:rPr>
-              <a:t>"&gt;|</a:t>
-            </a:r>
-          </a:p>
-          <a:p>
-            <a:pPr algn="ctr"/>
-            <a:r>
-              <a:rPr lang="en-US" sz="2000" dirty="0" smtClean="0">
-                <a:latin typeface="Courier New" panose="02070309020205020404" pitchFamily="49" charset="0"/>
-                <a:cs typeface="Courier New" panose="02070309020205020404" pitchFamily="49" charset="0"/>
-              </a:rPr>
-              <a:t>|...          |    </a:t>
-            </a:r>
-            <a:r>
-              <a:rPr lang="en-US" sz="2000" dirty="0">
-                <a:latin typeface="Courier New" panose="02070309020205020404" pitchFamily="49" charset="0"/>
-                <a:cs typeface="Courier New" panose="02070309020205020404" pitchFamily="49" charset="0"/>
-              </a:rPr>
-              <a:t>+    </a:t>
-            </a:r>
-            <a:r>
-              <a:rPr lang="en-US" sz="2000" dirty="0" smtClean="0">
-                <a:latin typeface="Courier New" panose="02070309020205020404" pitchFamily="49" charset="0"/>
-                <a:cs typeface="Courier New" panose="02070309020205020404" pitchFamily="49" charset="0"/>
-              </a:rPr>
-              <a:t>|...          |    </a:t>
-            </a:r>
-            <a:r>
-              <a:rPr lang="en-US" sz="2000" dirty="0">
-                <a:latin typeface="Courier New" panose="02070309020205020404" pitchFamily="49" charset="0"/>
-                <a:cs typeface="Courier New" panose="02070309020205020404" pitchFamily="49" charset="0"/>
-              </a:rPr>
-              <a:t>=     </a:t>
-            </a:r>
-            <a:r>
-              <a:rPr lang="en-US" sz="2000" dirty="0" smtClean="0">
-                <a:latin typeface="Courier New" panose="02070309020205020404" pitchFamily="49" charset="0"/>
-                <a:cs typeface="Courier New" panose="02070309020205020404" pitchFamily="49" charset="0"/>
-              </a:rPr>
-              <a:t>|&lt;/</a:t>
-            </a:r>
-            <a:r>
-              <a:rPr lang="en-US" sz="2000" dirty="0">
-                <a:latin typeface="Courier New" panose="02070309020205020404" pitchFamily="49" charset="0"/>
-                <a:cs typeface="Courier New" panose="02070309020205020404" pitchFamily="49" charset="0"/>
-              </a:rPr>
-              <a:t>Face&gt;        </a:t>
-            </a:r>
-            <a:r>
-              <a:rPr lang="en-US" sz="2000" dirty="0" smtClean="0">
-                <a:latin typeface="Courier New" panose="02070309020205020404" pitchFamily="49" charset="0"/>
-                <a:cs typeface="Courier New" panose="02070309020205020404" pitchFamily="49" charset="0"/>
-              </a:rPr>
-              <a:t>|</a:t>
-            </a:r>
-          </a:p>
-          <a:p>
-            <a:pPr algn="ctr"/>
-            <a:r>
-              <a:rPr lang="en-US" sz="2000" dirty="0" smtClean="0">
-                <a:latin typeface="Courier New" panose="02070309020205020404" pitchFamily="49" charset="0"/>
-                <a:cs typeface="Courier New" panose="02070309020205020404" pitchFamily="49" charset="0"/>
-              </a:rPr>
-              <a:t>|&lt;/</a:t>
-            </a:r>
-            <a:r>
-              <a:rPr lang="en-US" sz="2000" dirty="0">
-                <a:latin typeface="Courier New" panose="02070309020205020404" pitchFamily="49" charset="0"/>
-                <a:cs typeface="Courier New" panose="02070309020205020404" pitchFamily="49" charset="0"/>
-              </a:rPr>
-              <a:t>Face&gt;      </a:t>
-            </a:r>
-            <a:r>
-              <a:rPr lang="en-US" sz="2000" dirty="0" smtClean="0">
-                <a:latin typeface="Courier New" panose="02070309020205020404" pitchFamily="49" charset="0"/>
-                <a:cs typeface="Courier New" panose="02070309020205020404" pitchFamily="49" charset="0"/>
-              </a:rPr>
-              <a:t>|         |&lt;/</a:t>
-            </a:r>
-            <a:r>
-              <a:rPr lang="en-US" sz="2000" dirty="0">
-                <a:latin typeface="Courier New" panose="02070309020205020404" pitchFamily="49" charset="0"/>
-                <a:cs typeface="Courier New" panose="02070309020205020404" pitchFamily="49" charset="0"/>
-              </a:rPr>
-              <a:t>Face&gt;      </a:t>
-            </a:r>
-            <a:r>
-              <a:rPr lang="en-US" sz="2000" dirty="0" smtClean="0">
-                <a:latin typeface="Courier New" panose="02070309020205020404" pitchFamily="49" charset="0"/>
-                <a:cs typeface="Courier New" panose="02070309020205020404" pitchFamily="49" charset="0"/>
-              </a:rPr>
-              <a:t>|          |&lt;</a:t>
-            </a:r>
-            <a:r>
-              <a:rPr lang="en-US" sz="2000" dirty="0">
-                <a:latin typeface="Courier New" panose="02070309020205020404" pitchFamily="49" charset="0"/>
-                <a:cs typeface="Courier New" panose="02070309020205020404" pitchFamily="49" charset="0"/>
-              </a:rPr>
-              <a:t>Face id="2_0</a:t>
-            </a:r>
-            <a:r>
-              <a:rPr lang="en-US" sz="2000" dirty="0" smtClean="0">
-                <a:latin typeface="Courier New" panose="02070309020205020404" pitchFamily="49" charset="0"/>
-                <a:cs typeface="Courier New" panose="02070309020205020404" pitchFamily="49" charset="0"/>
-              </a:rPr>
-              <a:t>"&gt;|</a:t>
-            </a:r>
-          </a:p>
-          <a:p>
-            <a:pPr algn="ctr"/>
-            <a:r>
-              <a:rPr lang="en-US" sz="2000" dirty="0">
-                <a:latin typeface="Courier New" panose="02070309020205020404" pitchFamily="49" charset="0"/>
-                <a:cs typeface="Courier New" panose="02070309020205020404" pitchFamily="49" charset="0"/>
-              </a:rPr>
-              <a:t> </a:t>
-            </a:r>
-            <a:r>
-              <a:rPr lang="en-US" sz="2000" dirty="0" smtClean="0">
-                <a:latin typeface="Courier New" panose="02070309020205020404" pitchFamily="49" charset="0"/>
-                <a:cs typeface="Courier New" panose="02070309020205020404" pitchFamily="49" charset="0"/>
-              </a:rPr>
-              <a:t>                                                |&lt;</a:t>
-            </a:r>
-            <a:r>
-              <a:rPr lang="en-US" sz="2000" dirty="0">
-                <a:latin typeface="Courier New" panose="02070309020205020404" pitchFamily="49" charset="0"/>
-                <a:cs typeface="Courier New" panose="02070309020205020404" pitchFamily="49" charset="0"/>
-              </a:rPr>
-              <a:t>Face&gt;         |</a:t>
-            </a:r>
-            <a:endParaRPr lang="en-US" sz="2000" dirty="0">
-              <a:latin typeface="Courier New" panose="02070309020205020404" pitchFamily="49" charset="0"/>
-              <a:cs typeface="Courier New" panose="02070309020205020404" pitchFamily="49" charset="0"/>
-            </a:endParaRPr>
-          </a:p>
-        </p:txBody>
-      </p:sp>
+      </p:pic>
     </p:spTree>
     <p:extLst>
       <p:ext uri="{BB962C8B-B14F-4D97-AF65-F5344CB8AC3E}">
-        <p14:creationId xmlns:p14="http://schemas.microsoft.com/office/powerpoint/2010/main" val="2208342072"/>
+        <p14:creationId xmlns:p14="http://schemas.microsoft.com/office/powerpoint/2010/main" val="1616400152"/>
       </p:ext>
     </p:extLst>
   </p:cSld>
@@ -7406,60 +7211,43 @@
         </p:nvSpPr>
         <p:spPr/>
         <p:txBody>
-          <a:bodyPr>
-            <a:normAutofit/>
-          </a:bodyPr>
-          <a:lstStyle/>
-          <a:p>
-            <a:r>
-              <a:rPr lang="en-US" sz="4400" dirty="0"/>
-              <a:t>A</a:t>
-            </a:r>
-            <a:r>
-              <a:rPr lang="en-US" sz="4400" dirty="0" smtClean="0"/>
-              <a:t>veraging</a:t>
-            </a:r>
-            <a:endParaRPr lang="en-US" sz="4400" dirty="0"/>
-          </a:p>
-        </p:txBody>
-      </p:sp>
-      <p:sp>
-        <p:nvSpPr>
-          <p:cNvPr id="3" name="Объект 2"/>
-          <p:cNvSpPr>
-            <a:spLocks noGrp="1"/>
-          </p:cNvSpPr>
-          <p:nvPr>
-            <p:ph idx="1"/>
-          </p:nvPr>
-        </p:nvSpPr>
-        <p:spPr/>
-        <p:txBody>
           <a:bodyPr/>
           <a:lstStyle/>
           <a:p>
             <a:r>
               <a:rPr lang="en-US" dirty="0" smtClean="0"/>
-              <a:t>Find average value for all numeric data</a:t>
-            </a:r>
-          </a:p>
-          <a:p>
-            <a:pPr lvl="1"/>
+              <a:t>Use </a:t>
+            </a:r>
+            <a:r>
+              <a:rPr lang="en-US" dirty="0" err="1" smtClean="0"/>
+              <a:t>PersonTracker</a:t>
+            </a:r>
             <a:r>
               <a:rPr lang="en-US" dirty="0" smtClean="0"/>
-              <a:t>smile, kiss, gaze, …</a:t>
-            </a:r>
-          </a:p>
+              <a:t> data</a:t>
+            </a:r>
+            <a:endParaRPr lang="en-US" dirty="0"/>
+          </a:p>
+        </p:txBody>
+      </p:sp>
+      <p:sp>
+        <p:nvSpPr>
+          <p:cNvPr id="3" name="Объект 2"/>
+          <p:cNvSpPr>
+            <a:spLocks noGrp="1"/>
+          </p:cNvSpPr>
+          <p:nvPr>
+            <p:ph idx="1"/>
+          </p:nvPr>
+        </p:nvSpPr>
+        <p:spPr/>
+        <p:txBody>
+          <a:bodyPr/>
+          <a:lstStyle/>
           <a:p>
             <a:r>
               <a:rPr lang="en-US" dirty="0" smtClean="0"/>
-              <a:t>Drop Landmark</a:t>
-            </a:r>
-          </a:p>
-          <a:p>
-            <a:r>
-              <a:rPr lang="en-US" dirty="0" smtClean="0"/>
-              <a:t>Find most frequently occurring emotion (text)</a:t>
+              <a:t>Use RealSense Person Tracking module to determine expressions </a:t>
             </a:r>
             <a:endParaRPr lang="en-US" dirty="0"/>
           </a:p>
@@ -7491,7 +7279,7 @@
     </p:spTree>
     <p:extLst>
       <p:ext uri="{BB962C8B-B14F-4D97-AF65-F5344CB8AC3E}">
-        <p14:creationId xmlns:p14="http://schemas.microsoft.com/office/powerpoint/2010/main" val="619538526"/>
+        <p14:creationId xmlns:p14="http://schemas.microsoft.com/office/powerpoint/2010/main" val="2625426582"/>
       </p:ext>
     </p:extLst>
   </p:cSld>
@@ -7549,91 +7337,37 @@
         </p:nvSpPr>
         <p:spPr/>
         <p:txBody>
-          <a:bodyPr>
-            <a:normAutofit/>
-          </a:bodyPr>
-          <a:lstStyle/>
-          <a:p>
-            <a:r>
-              <a:rPr lang="en-US" sz="4400" dirty="0" smtClean="0"/>
-              <a:t>Smooth</a:t>
-            </a:r>
-            <a:r>
-              <a:rPr lang="en-US" sz="4400" dirty="0" smtClean="0"/>
-              <a:t>ing</a:t>
-            </a:r>
-            <a:endParaRPr lang="en-US" sz="4400" dirty="0"/>
-          </a:p>
-        </p:txBody>
-      </p:sp>
-      <p:sp>
-        <p:nvSpPr>
-          <p:cNvPr id="3" name="Объект 2"/>
-          <p:cNvSpPr>
-            <a:spLocks noGrp="1"/>
-          </p:cNvSpPr>
-          <p:nvPr>
-            <p:ph idx="1"/>
-          </p:nvPr>
-        </p:nvSpPr>
-        <p:spPr/>
-        <p:txBody>
           <a:bodyPr/>
           <a:lstStyle/>
           <a:p>
             <a:r>
               <a:rPr lang="en-US" dirty="0" smtClean="0"/>
-              <a:t>Common frame rate of camera is 30 fps</a:t>
-            </a:r>
-          </a:p>
-          <a:p>
-            <a:pPr lvl="1"/>
+              <a:t>Synchronize with VLC</a:t>
+            </a:r>
+            <a:endParaRPr lang="en-US" dirty="0"/>
+          </a:p>
+        </p:txBody>
+      </p:sp>
+      <p:sp>
+        <p:nvSpPr>
+          <p:cNvPr id="3" name="Объект 2"/>
+          <p:cNvSpPr>
+            <a:spLocks noGrp="1"/>
+          </p:cNvSpPr>
+          <p:nvPr>
+            <p:ph idx="1"/>
+          </p:nvPr>
+        </p:nvSpPr>
+        <p:spPr/>
+        <p:txBody>
+          <a:bodyPr/>
+          <a:lstStyle/>
+          <a:p>
             <a:r>
               <a:rPr lang="en-US" dirty="0" smtClean="0"/>
-              <a:t>Library collect </a:t>
-            </a:r>
-            <a:r>
-              <a:rPr lang="en-US" dirty="0"/>
-              <a:t>30 emotions </a:t>
-            </a:r>
-            <a:r>
-              <a:rPr lang="en-US" dirty="0" smtClean="0"/>
-              <a:t>data samples per </a:t>
-            </a:r>
-            <a:r>
-              <a:rPr lang="en-US" dirty="0" smtClean="0"/>
-              <a:t>second</a:t>
-            </a:r>
-          </a:p>
-          <a:p>
-            <a:pPr lvl="1"/>
-            <a:r>
-              <a:rPr lang="en-US" dirty="0" smtClean="0"/>
-              <a:t>To be more human percept one should  provide emotions data for longer time interval </a:t>
-            </a:r>
-          </a:p>
-          <a:p>
-            <a:r>
-              <a:rPr lang="en-US" dirty="0" smtClean="0"/>
-              <a:t>Make averaging  for some time interval </a:t>
-            </a:r>
-          </a:p>
-          <a:p>
-            <a:r>
-              <a:rPr lang="en-US" dirty="0" smtClean="0"/>
-              <a:t>Same rules as for </a:t>
-            </a:r>
-            <a:r>
-              <a:rPr lang="en-US" dirty="0" smtClean="0">
-                <a:latin typeface="Courier New" panose="02070309020205020404" pitchFamily="49" charset="0"/>
-                <a:cs typeface="Courier New" panose="02070309020205020404" pitchFamily="49" charset="0"/>
-              </a:rPr>
-              <a:t>average</a:t>
-            </a:r>
-            <a:endParaRPr lang="en-US" dirty="0">
-              <a:latin typeface="Courier New" panose="02070309020205020404" pitchFamily="49" charset="0"/>
-              <a:cs typeface="Courier New" panose="02070309020205020404" pitchFamily="49" charset="0"/>
-            </a:endParaRPr>
+              <a:t>Provides ability to simultaneously start emotions recording and movie showing using VLC media player</a:t>
+            </a:r>
+            <a:endParaRPr lang="en-US" dirty="0"/>
           </a:p>
         </p:txBody>
       </p:sp>
@@ -7663,7 +7397,7 @@
     </p:spTree>
     <p:extLst>
       <p:ext uri="{BB962C8B-B14F-4D97-AF65-F5344CB8AC3E}">
-        <p14:creationId xmlns:p14="http://schemas.microsoft.com/office/powerpoint/2010/main" val="2578521482"/>
+        <p14:creationId xmlns:p14="http://schemas.microsoft.com/office/powerpoint/2010/main" val="735657132"/>
       </p:ext>
     </p:extLst>
   </p:cSld>
@@ -7728,6 +7462,1178 @@
           <a:p>
             <a:r>
               <a:rPr lang="en-US" sz="4400" dirty="0" smtClean="0"/>
+              <a:t>Merging and averaging</a:t>
+            </a:r>
+            <a:endParaRPr lang="en-US" sz="4400" dirty="0"/>
+          </a:p>
+        </p:txBody>
+      </p:sp>
+      <p:sp>
+        <p:nvSpPr>
+          <p:cNvPr id="3" name="Объект 2"/>
+          <p:cNvSpPr>
+            <a:spLocks noGrp="1"/>
+          </p:cNvSpPr>
+          <p:nvPr>
+            <p:ph idx="1"/>
+          </p:nvPr>
+        </p:nvSpPr>
+        <p:spPr/>
+        <p:txBody>
+          <a:bodyPr/>
+          <a:lstStyle/>
+          <a:p>
+            <a:r>
+              <a:rPr lang="en-US" dirty="0" smtClean="0"/>
+              <a:t>Main primitives</a:t>
+            </a:r>
+          </a:p>
+          <a:p>
+            <a:pPr lvl="1"/>
+            <a:r>
+              <a:rPr lang="en-US" dirty="0" smtClean="0"/>
+              <a:t>Merge</a:t>
+            </a:r>
+          </a:p>
+          <a:p>
+            <a:pPr lvl="1"/>
+            <a:r>
+              <a:rPr lang="en-US" dirty="0" smtClean="0"/>
+              <a:t>Average</a:t>
+            </a:r>
+          </a:p>
+          <a:p>
+            <a:pPr lvl="1"/>
+            <a:r>
+              <a:rPr lang="en-US" dirty="0" smtClean="0"/>
+              <a:t>Smooth</a:t>
+            </a:r>
+          </a:p>
+          <a:p>
+            <a:pPr lvl="1"/>
+            <a:endParaRPr lang="en-US" dirty="0"/>
+          </a:p>
+        </p:txBody>
+      </p:sp>
+      <p:sp>
+        <p:nvSpPr>
+          <p:cNvPr id="6" name="Номер слайда 5"/>
+          <p:cNvSpPr>
+            <a:spLocks noGrp="1"/>
+          </p:cNvSpPr>
+          <p:nvPr>
+            <p:ph type="sldNum" sz="quarter" idx="12"/>
+          </p:nvPr>
+        </p:nvSpPr>
+        <p:spPr/>
+        <p:txBody>
+          <a:bodyPr/>
+          <a:lstStyle/>
+          <a:p>
+            <a:fld id="{C014DD1E-5D91-48A3-AD6D-45FBA980D106}" type="slidenum">
+              <a:rPr lang="ru-RU" noProof="0" smtClean="0"/>
+              <a:t>17</a:t>
+            </a:fld>
+            <a:endParaRPr lang="ru-RU" noProof="0" dirty="0"/>
+          </a:p>
+        </p:txBody>
+      </p:sp>
+    </p:spTree>
+    <p:extLst>
+      <p:ext uri="{BB962C8B-B14F-4D97-AF65-F5344CB8AC3E}">
+        <p14:creationId xmlns:p14="http://schemas.microsoft.com/office/powerpoint/2010/main" val="693566703"/>
+      </p:ext>
+    </p:extLst>
+  </p:cSld>
+  <p:clrMapOvr>
+    <a:masterClrMapping/>
+  </p:clrMapOvr>
+  <mc:AlternateContent xmlns:mc="http://schemas.openxmlformats.org/markup-compatibility/2006" xmlns:p14="http://schemas.microsoft.com/office/powerpoint/2010/main">
+    <mc:Choice Requires="p14">
+      <p:transition spd="med" p14:dur="700">
+        <p:fade/>
+      </p:transition>
+    </mc:Choice>
+    <mc:Fallback xmlns="">
+      <p:transition spd="med">
+        <p:fade/>
+      </p:transition>
+    </mc:Fallback>
+  </mc:AlternateContent>
+  <p:timing>
+    <p:tnLst>
+      <p:par>
+        <p:cTn id="1" dur="indefinite" restart="never" nodeType="tmRoot"/>
+      </p:par>
+    </p:tnLst>
+  </p:timing>
+</p:sld>
+</file>
+
+<file path=ppt/slides/slide18.xml><?xml version="1.0" encoding="utf-8"?>
+<p:sld xmlns:a="http://schemas.openxmlformats.org/drawingml/2006/main" xmlns:r="http://schemas.openxmlformats.org/officeDocument/2006/relationships" xmlns:p="http://schemas.openxmlformats.org/presentationml/2006/main">
+  <p:cSld>
+    <p:spTree>
+      <p:nvGrpSpPr>
+        <p:cNvPr id="1" name=""/>
+        <p:cNvGrpSpPr/>
+        <p:nvPr/>
+      </p:nvGrpSpPr>
+      <p:grpSpPr>
+        <a:xfrm>
+          <a:off x="0" y="0"/>
+          <a:ext cx="0" cy="0"/>
+          <a:chOff x="0" y="0"/>
+          <a:chExt cx="0" cy="0"/>
+        </a:xfrm>
+      </p:grpSpPr>
+      <p:sp>
+        <p:nvSpPr>
+          <p:cNvPr id="2" name="Заголовок 1"/>
+          <p:cNvSpPr>
+            <a:spLocks noGrp="1"/>
+          </p:cNvSpPr>
+          <p:nvPr>
+            <p:ph type="title"/>
+          </p:nvPr>
+        </p:nvSpPr>
+        <p:spPr/>
+        <p:txBody>
+          <a:bodyPr>
+            <a:normAutofit/>
+          </a:bodyPr>
+          <a:lstStyle/>
+          <a:p>
+            <a:r>
+              <a:rPr lang="en-US" sz="4400" dirty="0" smtClean="0"/>
+              <a:t>Merge</a:t>
+            </a:r>
+            <a:endParaRPr lang="en-US" sz="4400" dirty="0"/>
+          </a:p>
+        </p:txBody>
+      </p:sp>
+      <p:sp>
+        <p:nvSpPr>
+          <p:cNvPr id="3" name="Объект 2"/>
+          <p:cNvSpPr>
+            <a:spLocks noGrp="1"/>
+          </p:cNvSpPr>
+          <p:nvPr>
+            <p:ph idx="1"/>
+          </p:nvPr>
+        </p:nvSpPr>
+        <p:spPr/>
+        <p:txBody>
+          <a:bodyPr/>
+          <a:lstStyle/>
+          <a:p>
+            <a:r>
+              <a:rPr lang="en-US" dirty="0" smtClean="0"/>
+              <a:t>Merging two time lines</a:t>
+            </a:r>
+          </a:p>
+          <a:p>
+            <a:endParaRPr lang="en-US" dirty="0"/>
+          </a:p>
+          <a:p>
+            <a:endParaRPr lang="en-US" dirty="0" smtClean="0"/>
+          </a:p>
+          <a:p>
+            <a:endParaRPr lang="en-US" dirty="0" smtClean="0"/>
+          </a:p>
+          <a:p>
+            <a:r>
+              <a:rPr lang="en-US" dirty="0" smtClean="0"/>
+              <a:t>Merging emotions data</a:t>
+            </a:r>
+          </a:p>
+          <a:p>
+            <a:endParaRPr lang="en-US" dirty="0"/>
+          </a:p>
+          <a:p>
+            <a:endParaRPr lang="en-US" dirty="0" smtClean="0"/>
+          </a:p>
+          <a:p>
+            <a:endParaRPr lang="en-US" dirty="0"/>
+          </a:p>
+          <a:p>
+            <a:endParaRPr lang="en-US" dirty="0"/>
+          </a:p>
+        </p:txBody>
+      </p:sp>
+      <p:sp>
+        <p:nvSpPr>
+          <p:cNvPr id="6" name="Номер слайда 5"/>
+          <p:cNvSpPr>
+            <a:spLocks noGrp="1"/>
+          </p:cNvSpPr>
+          <p:nvPr>
+            <p:ph type="sldNum" sz="quarter" idx="12"/>
+          </p:nvPr>
+        </p:nvSpPr>
+        <p:spPr/>
+        <p:txBody>
+          <a:bodyPr/>
+          <a:lstStyle/>
+          <a:p>
+            <a:fld id="{C014DD1E-5D91-48A3-AD6D-45FBA980D106}" type="slidenum">
+              <a:rPr lang="ru-RU" noProof="0" smtClean="0"/>
+              <a:t>18</a:t>
+            </a:fld>
+            <a:endParaRPr lang="ru-RU" noProof="0" dirty="0"/>
+          </a:p>
+        </p:txBody>
+      </p:sp>
+      <p:sp>
+        <p:nvSpPr>
+          <p:cNvPr id="4" name="Прямоугольник 3"/>
+          <p:cNvSpPr/>
+          <p:nvPr/>
+        </p:nvSpPr>
+        <p:spPr>
+          <a:xfrm>
+            <a:off x="1218883" y="2335232"/>
+            <a:ext cx="9772073" cy="1323439"/>
+          </a:xfrm>
+          <a:prstGeom prst="rect">
+            <a:avLst/>
+          </a:prstGeom>
+        </p:spPr>
+        <p:style>
+          <a:lnRef idx="2">
+            <a:schemeClr val="accent6"/>
+          </a:lnRef>
+          <a:fillRef idx="1">
+            <a:schemeClr val="lt1"/>
+          </a:fillRef>
+          <a:effectRef idx="0">
+            <a:schemeClr val="accent6"/>
+          </a:effectRef>
+          <a:fontRef idx="minor">
+            <a:schemeClr val="dk1"/>
+          </a:fontRef>
+        </p:style>
+        <p:txBody>
+          <a:bodyPr rtlCol="0" anchor="ctr">
+            <a:spAutoFit/>
+          </a:bodyPr>
+          <a:lstStyle/>
+          <a:p>
+            <a:pPr algn="ctr"/>
+            <a:r>
+              <a:rPr lang="en-US" sz="2000" dirty="0">
+                <a:latin typeface="Courier New" panose="02070309020205020404" pitchFamily="49" charset="0"/>
+                <a:ea typeface="Microsoft Sans Serif" panose="020B0604020202020204" pitchFamily="34" charset="0"/>
+                <a:cs typeface="Courier New" panose="02070309020205020404" pitchFamily="49" charset="0"/>
+              </a:rPr>
+              <a:t>|------||--------------|         </a:t>
+            </a:r>
+            <a:r>
+              <a:rPr lang="en-US" sz="2000" dirty="0" smtClean="0">
+                <a:latin typeface="Courier New" panose="02070309020205020404" pitchFamily="49" charset="0"/>
+                <a:ea typeface="Microsoft Sans Serif" panose="020B0604020202020204" pitchFamily="34" charset="0"/>
+                <a:cs typeface="Courier New" panose="02070309020205020404" pitchFamily="49" charset="0"/>
+              </a:rPr>
+              <a:t>|----------||---------||--|</a:t>
+            </a:r>
+          </a:p>
+          <a:p>
+            <a:pPr algn="ctr"/>
+            <a:r>
+              <a:rPr lang="en-US" sz="2000" dirty="0" smtClean="0">
+                <a:latin typeface="Courier New" panose="02070309020205020404" pitchFamily="49" charset="0"/>
+                <a:ea typeface="Microsoft Sans Serif" panose="020B0604020202020204" pitchFamily="34" charset="0"/>
+                <a:cs typeface="Courier New" panose="02070309020205020404" pitchFamily="49" charset="0"/>
+              </a:rPr>
+              <a:t>|--------------------------||---------||------------||-----|</a:t>
+            </a:r>
+          </a:p>
+          <a:p>
+            <a:pPr algn="ctr"/>
+            <a:endParaRPr lang="en-US" sz="2000" dirty="0">
+              <a:latin typeface="Courier New" panose="02070309020205020404" pitchFamily="49" charset="0"/>
+              <a:ea typeface="Microsoft Sans Serif" panose="020B0604020202020204" pitchFamily="34" charset="0"/>
+              <a:cs typeface="Courier New" panose="02070309020205020404" pitchFamily="49" charset="0"/>
+            </a:endParaRPr>
+          </a:p>
+          <a:p>
+            <a:pPr algn="ctr"/>
+            <a:r>
+              <a:rPr lang="en-US" sz="2000" dirty="0" smtClean="0">
+                <a:latin typeface="Courier New" panose="02070309020205020404" pitchFamily="49" charset="0"/>
+                <a:ea typeface="Microsoft Sans Serif" panose="020B0604020202020204" pitchFamily="34" charset="0"/>
+                <a:cs typeface="Courier New" panose="02070309020205020404" pitchFamily="49" charset="0"/>
+              </a:rPr>
+              <a:t>|======||==============||==||===||====||====||======||=||==|</a:t>
+            </a:r>
+            <a:endParaRPr lang="en-US" sz="2000" dirty="0">
+              <a:latin typeface="Courier New" panose="02070309020205020404" pitchFamily="49" charset="0"/>
+              <a:ea typeface="Microsoft Sans Serif" panose="020B0604020202020204" pitchFamily="34" charset="0"/>
+              <a:cs typeface="Courier New" panose="02070309020205020404" pitchFamily="49" charset="0"/>
+            </a:endParaRPr>
+          </a:p>
+        </p:txBody>
+      </p:sp>
+      <p:sp>
+        <p:nvSpPr>
+          <p:cNvPr id="5" name="Прямоугольник 4"/>
+          <p:cNvSpPr/>
+          <p:nvPr/>
+        </p:nvSpPr>
+        <p:spPr>
+          <a:xfrm>
+            <a:off x="1218883" y="4509119"/>
+            <a:ext cx="10360501" cy="1654949"/>
+          </a:xfrm>
+          <a:prstGeom prst="rect">
+            <a:avLst/>
+          </a:prstGeom>
+        </p:spPr>
+        <p:style>
+          <a:lnRef idx="2">
+            <a:schemeClr val="accent6"/>
+          </a:lnRef>
+          <a:fillRef idx="1">
+            <a:schemeClr val="lt1"/>
+          </a:fillRef>
+          <a:effectRef idx="0">
+            <a:schemeClr val="accent6"/>
+          </a:effectRef>
+          <a:fontRef idx="minor">
+            <a:schemeClr val="dk1"/>
+          </a:fontRef>
+        </p:style>
+        <p:txBody>
+          <a:bodyPr rtlCol="0" anchor="ctr"/>
+          <a:lstStyle/>
+          <a:p>
+            <a:pPr algn="ctr"/>
+            <a:r>
+              <a:rPr lang="en-US" sz="2000" dirty="0">
+                <a:latin typeface="Courier New" panose="02070309020205020404" pitchFamily="49" charset="0"/>
+                <a:cs typeface="Courier New" panose="02070309020205020404" pitchFamily="49" charset="0"/>
+              </a:rPr>
+              <a:t>|&lt;Face id="0</a:t>
+            </a:r>
+            <a:r>
+              <a:rPr lang="en-US" sz="2000" dirty="0" smtClean="0">
+                <a:latin typeface="Courier New" panose="02070309020205020404" pitchFamily="49" charset="0"/>
+                <a:cs typeface="Courier New" panose="02070309020205020404" pitchFamily="49" charset="0"/>
+              </a:rPr>
+              <a:t>"&gt;|         |&lt;</a:t>
+            </a:r>
+            <a:r>
+              <a:rPr lang="en-US" sz="2000" dirty="0">
+                <a:latin typeface="Courier New" panose="02070309020205020404" pitchFamily="49" charset="0"/>
+                <a:cs typeface="Courier New" panose="02070309020205020404" pitchFamily="49" charset="0"/>
+              </a:rPr>
+              <a:t>Face id="0</a:t>
+            </a:r>
+            <a:r>
+              <a:rPr lang="en-US" sz="2000" dirty="0" smtClean="0">
+                <a:latin typeface="Courier New" panose="02070309020205020404" pitchFamily="49" charset="0"/>
+                <a:cs typeface="Courier New" panose="02070309020205020404" pitchFamily="49" charset="0"/>
+              </a:rPr>
+              <a:t>"&gt;|          |&lt;</a:t>
+            </a:r>
+            <a:r>
+              <a:rPr lang="en-US" sz="2000" dirty="0">
+                <a:latin typeface="Courier New" panose="02070309020205020404" pitchFamily="49" charset="0"/>
+                <a:cs typeface="Courier New" panose="02070309020205020404" pitchFamily="49" charset="0"/>
+              </a:rPr>
+              <a:t>Face id="1_0</a:t>
+            </a:r>
+            <a:r>
+              <a:rPr lang="en-US" sz="2000" dirty="0" smtClean="0">
+                <a:latin typeface="Courier New" panose="02070309020205020404" pitchFamily="49" charset="0"/>
+                <a:cs typeface="Courier New" panose="02070309020205020404" pitchFamily="49" charset="0"/>
+              </a:rPr>
+              <a:t>"&gt;|</a:t>
+            </a:r>
+          </a:p>
+          <a:p>
+            <a:pPr algn="ctr"/>
+            <a:r>
+              <a:rPr lang="en-US" sz="2000" dirty="0" smtClean="0">
+                <a:latin typeface="Courier New" panose="02070309020205020404" pitchFamily="49" charset="0"/>
+                <a:cs typeface="Courier New" panose="02070309020205020404" pitchFamily="49" charset="0"/>
+              </a:rPr>
+              <a:t>|...          |    </a:t>
+            </a:r>
+            <a:r>
+              <a:rPr lang="en-US" sz="2000" dirty="0">
+                <a:latin typeface="Courier New" panose="02070309020205020404" pitchFamily="49" charset="0"/>
+                <a:cs typeface="Courier New" panose="02070309020205020404" pitchFamily="49" charset="0"/>
+              </a:rPr>
+              <a:t>+    </a:t>
+            </a:r>
+            <a:r>
+              <a:rPr lang="en-US" sz="2000" dirty="0" smtClean="0">
+                <a:latin typeface="Courier New" panose="02070309020205020404" pitchFamily="49" charset="0"/>
+                <a:cs typeface="Courier New" panose="02070309020205020404" pitchFamily="49" charset="0"/>
+              </a:rPr>
+              <a:t>|...          |    </a:t>
+            </a:r>
+            <a:r>
+              <a:rPr lang="en-US" sz="2000" dirty="0">
+                <a:latin typeface="Courier New" panose="02070309020205020404" pitchFamily="49" charset="0"/>
+                <a:cs typeface="Courier New" panose="02070309020205020404" pitchFamily="49" charset="0"/>
+              </a:rPr>
+              <a:t>=     </a:t>
+            </a:r>
+            <a:r>
+              <a:rPr lang="en-US" sz="2000" dirty="0" smtClean="0">
+                <a:latin typeface="Courier New" panose="02070309020205020404" pitchFamily="49" charset="0"/>
+                <a:cs typeface="Courier New" panose="02070309020205020404" pitchFamily="49" charset="0"/>
+              </a:rPr>
+              <a:t>|&lt;/</a:t>
+            </a:r>
+            <a:r>
+              <a:rPr lang="en-US" sz="2000" dirty="0">
+                <a:latin typeface="Courier New" panose="02070309020205020404" pitchFamily="49" charset="0"/>
+                <a:cs typeface="Courier New" panose="02070309020205020404" pitchFamily="49" charset="0"/>
+              </a:rPr>
+              <a:t>Face&gt;        </a:t>
+            </a:r>
+            <a:r>
+              <a:rPr lang="en-US" sz="2000" dirty="0" smtClean="0">
+                <a:latin typeface="Courier New" panose="02070309020205020404" pitchFamily="49" charset="0"/>
+                <a:cs typeface="Courier New" panose="02070309020205020404" pitchFamily="49" charset="0"/>
+              </a:rPr>
+              <a:t>|</a:t>
+            </a:r>
+          </a:p>
+          <a:p>
+            <a:pPr algn="ctr"/>
+            <a:r>
+              <a:rPr lang="en-US" sz="2000" dirty="0" smtClean="0">
+                <a:latin typeface="Courier New" panose="02070309020205020404" pitchFamily="49" charset="0"/>
+                <a:cs typeface="Courier New" panose="02070309020205020404" pitchFamily="49" charset="0"/>
+              </a:rPr>
+              <a:t>|&lt;/</a:t>
+            </a:r>
+            <a:r>
+              <a:rPr lang="en-US" sz="2000" dirty="0">
+                <a:latin typeface="Courier New" panose="02070309020205020404" pitchFamily="49" charset="0"/>
+                <a:cs typeface="Courier New" panose="02070309020205020404" pitchFamily="49" charset="0"/>
+              </a:rPr>
+              <a:t>Face&gt;      </a:t>
+            </a:r>
+            <a:r>
+              <a:rPr lang="en-US" sz="2000" dirty="0" smtClean="0">
+                <a:latin typeface="Courier New" panose="02070309020205020404" pitchFamily="49" charset="0"/>
+                <a:cs typeface="Courier New" panose="02070309020205020404" pitchFamily="49" charset="0"/>
+              </a:rPr>
+              <a:t>|         |&lt;/</a:t>
+            </a:r>
+            <a:r>
+              <a:rPr lang="en-US" sz="2000" dirty="0">
+                <a:latin typeface="Courier New" panose="02070309020205020404" pitchFamily="49" charset="0"/>
+                <a:cs typeface="Courier New" panose="02070309020205020404" pitchFamily="49" charset="0"/>
+              </a:rPr>
+              <a:t>Face&gt;      </a:t>
+            </a:r>
+            <a:r>
+              <a:rPr lang="en-US" sz="2000" dirty="0" smtClean="0">
+                <a:latin typeface="Courier New" panose="02070309020205020404" pitchFamily="49" charset="0"/>
+                <a:cs typeface="Courier New" panose="02070309020205020404" pitchFamily="49" charset="0"/>
+              </a:rPr>
+              <a:t>|          |&lt;</a:t>
+            </a:r>
+            <a:r>
+              <a:rPr lang="en-US" sz="2000" dirty="0">
+                <a:latin typeface="Courier New" panose="02070309020205020404" pitchFamily="49" charset="0"/>
+                <a:cs typeface="Courier New" panose="02070309020205020404" pitchFamily="49" charset="0"/>
+              </a:rPr>
+              <a:t>Face id="2_0</a:t>
+            </a:r>
+            <a:r>
+              <a:rPr lang="en-US" sz="2000" dirty="0" smtClean="0">
+                <a:latin typeface="Courier New" panose="02070309020205020404" pitchFamily="49" charset="0"/>
+                <a:cs typeface="Courier New" panose="02070309020205020404" pitchFamily="49" charset="0"/>
+              </a:rPr>
+              <a:t>"&gt;|</a:t>
+            </a:r>
+          </a:p>
+          <a:p>
+            <a:pPr algn="ctr"/>
+            <a:r>
+              <a:rPr lang="en-US" sz="2000" dirty="0">
+                <a:latin typeface="Courier New" panose="02070309020205020404" pitchFamily="49" charset="0"/>
+                <a:cs typeface="Courier New" panose="02070309020205020404" pitchFamily="49" charset="0"/>
+              </a:rPr>
+              <a:t> </a:t>
+            </a:r>
+            <a:r>
+              <a:rPr lang="en-US" sz="2000" dirty="0" smtClean="0">
+                <a:latin typeface="Courier New" panose="02070309020205020404" pitchFamily="49" charset="0"/>
+                <a:cs typeface="Courier New" panose="02070309020205020404" pitchFamily="49" charset="0"/>
+              </a:rPr>
+              <a:t>                                                |&lt;</a:t>
+            </a:r>
+            <a:r>
+              <a:rPr lang="en-US" sz="2000" dirty="0">
+                <a:latin typeface="Courier New" panose="02070309020205020404" pitchFamily="49" charset="0"/>
+                <a:cs typeface="Courier New" panose="02070309020205020404" pitchFamily="49" charset="0"/>
+              </a:rPr>
+              <a:t>Face&gt;         |</a:t>
+            </a:r>
+            <a:endParaRPr lang="en-US" sz="2000" dirty="0">
+              <a:latin typeface="Courier New" panose="02070309020205020404" pitchFamily="49" charset="0"/>
+              <a:cs typeface="Courier New" panose="02070309020205020404" pitchFamily="49" charset="0"/>
+            </a:endParaRPr>
+          </a:p>
+        </p:txBody>
+      </p:sp>
+    </p:spTree>
+    <p:extLst>
+      <p:ext uri="{BB962C8B-B14F-4D97-AF65-F5344CB8AC3E}">
+        <p14:creationId xmlns:p14="http://schemas.microsoft.com/office/powerpoint/2010/main" val="2208342072"/>
+      </p:ext>
+    </p:extLst>
+  </p:cSld>
+  <p:clrMapOvr>
+    <a:masterClrMapping/>
+  </p:clrMapOvr>
+  <mc:AlternateContent xmlns:mc="http://schemas.openxmlformats.org/markup-compatibility/2006" xmlns:p14="http://schemas.microsoft.com/office/powerpoint/2010/main">
+    <mc:Choice Requires="p14">
+      <p:transition spd="med" p14:dur="700">
+        <p:fade/>
+      </p:transition>
+    </mc:Choice>
+    <mc:Fallback xmlns="">
+      <p:transition spd="med">
+        <p:fade/>
+      </p:transition>
+    </mc:Fallback>
+  </mc:AlternateContent>
+  <p:timing>
+    <p:tnLst>
+      <p:par>
+        <p:cTn id="1" dur="indefinite" restart="never" nodeType="tmRoot"/>
+      </p:par>
+    </p:tnLst>
+  </p:timing>
+</p:sld>
+</file>
+
+<file path=ppt/slides/slide19.xml><?xml version="1.0" encoding="utf-8"?>
+<p:sld xmlns:a="http://schemas.openxmlformats.org/drawingml/2006/main" xmlns:r="http://schemas.openxmlformats.org/officeDocument/2006/relationships" xmlns:p="http://schemas.openxmlformats.org/presentationml/2006/main">
+  <p:cSld>
+    <p:spTree>
+      <p:nvGrpSpPr>
+        <p:cNvPr id="1" name=""/>
+        <p:cNvGrpSpPr/>
+        <p:nvPr/>
+      </p:nvGrpSpPr>
+      <p:grpSpPr>
+        <a:xfrm>
+          <a:off x="0" y="0"/>
+          <a:ext cx="0" cy="0"/>
+          <a:chOff x="0" y="0"/>
+          <a:chExt cx="0" cy="0"/>
+        </a:xfrm>
+      </p:grpSpPr>
+      <p:sp>
+        <p:nvSpPr>
+          <p:cNvPr id="2" name="Заголовок 1"/>
+          <p:cNvSpPr>
+            <a:spLocks noGrp="1"/>
+          </p:cNvSpPr>
+          <p:nvPr>
+            <p:ph type="title"/>
+          </p:nvPr>
+        </p:nvSpPr>
+        <p:spPr/>
+        <p:txBody>
+          <a:bodyPr>
+            <a:normAutofit/>
+          </a:bodyPr>
+          <a:lstStyle/>
+          <a:p>
+            <a:r>
+              <a:rPr lang="en-US" sz="4400" dirty="0"/>
+              <a:t>A</a:t>
+            </a:r>
+            <a:r>
+              <a:rPr lang="en-US" sz="4400" dirty="0" smtClean="0"/>
+              <a:t>veraging</a:t>
+            </a:r>
+            <a:endParaRPr lang="en-US" sz="4400" dirty="0"/>
+          </a:p>
+        </p:txBody>
+      </p:sp>
+      <p:sp>
+        <p:nvSpPr>
+          <p:cNvPr id="3" name="Объект 2"/>
+          <p:cNvSpPr>
+            <a:spLocks noGrp="1"/>
+          </p:cNvSpPr>
+          <p:nvPr>
+            <p:ph idx="1"/>
+          </p:nvPr>
+        </p:nvSpPr>
+        <p:spPr/>
+        <p:txBody>
+          <a:bodyPr/>
+          <a:lstStyle/>
+          <a:p>
+            <a:r>
+              <a:rPr lang="en-US" dirty="0" smtClean="0"/>
+              <a:t>Find average value for all numeric data</a:t>
+            </a:r>
+          </a:p>
+          <a:p>
+            <a:pPr lvl="1"/>
+            <a:r>
+              <a:rPr lang="en-US" dirty="0" smtClean="0"/>
+              <a:t>smile, kiss, gaze, …</a:t>
+            </a:r>
+          </a:p>
+          <a:p>
+            <a:r>
+              <a:rPr lang="en-US" dirty="0" smtClean="0"/>
+              <a:t>Drop Landmark</a:t>
+            </a:r>
+          </a:p>
+          <a:p>
+            <a:r>
+              <a:rPr lang="en-US" dirty="0" smtClean="0"/>
+              <a:t>Find most frequently occurring emotion (text)</a:t>
+            </a:r>
+            <a:endParaRPr lang="en-US" dirty="0"/>
+          </a:p>
+        </p:txBody>
+      </p:sp>
+      <p:sp>
+        <p:nvSpPr>
+          <p:cNvPr id="6" name="Номер слайда 5"/>
+          <p:cNvSpPr>
+            <a:spLocks noGrp="1"/>
+          </p:cNvSpPr>
+          <p:nvPr>
+            <p:ph type="sldNum" sz="quarter" idx="12"/>
+          </p:nvPr>
+        </p:nvSpPr>
+        <p:spPr/>
+        <p:txBody>
+          <a:bodyPr/>
+          <a:lstStyle/>
+          <a:p>
+            <a:fld id="{C014DD1E-5D91-48A3-AD6D-45FBA980D106}" type="slidenum">
+              <a:rPr lang="ru-RU" noProof="0" smtClean="0"/>
+              <a:t>19</a:t>
+            </a:fld>
+            <a:endParaRPr lang="ru-RU" noProof="0" dirty="0"/>
+          </a:p>
+        </p:txBody>
+      </p:sp>
+    </p:spTree>
+    <p:extLst>
+      <p:ext uri="{BB962C8B-B14F-4D97-AF65-F5344CB8AC3E}">
+        <p14:creationId xmlns:p14="http://schemas.microsoft.com/office/powerpoint/2010/main" val="619538526"/>
+      </p:ext>
+    </p:extLst>
+  </p:cSld>
+  <p:clrMapOvr>
+    <a:masterClrMapping/>
+  </p:clrMapOvr>
+  <mc:AlternateContent xmlns:mc="http://schemas.openxmlformats.org/markup-compatibility/2006" xmlns:p14="http://schemas.microsoft.com/office/powerpoint/2010/main">
+    <mc:Choice Requires="p14">
+      <p:transition spd="med" p14:dur="700">
+        <p:fade/>
+      </p:transition>
+    </mc:Choice>
+    <mc:Fallback xmlns="">
+      <p:transition spd="med">
+        <p:fade/>
+      </p:transition>
+    </mc:Fallback>
+  </mc:AlternateContent>
+  <p:timing>
+    <p:tnLst>
+      <p:par>
+        <p:cTn id="1" dur="indefinite" restart="never" nodeType="tmRoot"/>
+      </p:par>
+    </p:tnLst>
+  </p:timing>
+</p:sld>
+</file>
+
+<file path=ppt/slides/slide2.xml><?xml version="1.0" encoding="utf-8"?>
+<p:sld xmlns:a="http://schemas.openxmlformats.org/drawingml/2006/main" xmlns:r="http://schemas.openxmlformats.org/officeDocument/2006/relationships" xmlns:p="http://schemas.openxmlformats.org/presentationml/2006/main">
+  <p:cSld>
+    <p:spTree>
+      <p:nvGrpSpPr>
+        <p:cNvPr id="1" name=""/>
+        <p:cNvGrpSpPr/>
+        <p:nvPr/>
+      </p:nvGrpSpPr>
+      <p:grpSpPr>
+        <a:xfrm>
+          <a:off x="0" y="0"/>
+          <a:ext cx="0" cy="0"/>
+          <a:chOff x="0" y="0"/>
+          <a:chExt cx="0" cy="0"/>
+        </a:xfrm>
+      </p:grpSpPr>
+      <p:sp>
+        <p:nvSpPr>
+          <p:cNvPr id="2" name="Заголовок 1"/>
+          <p:cNvSpPr>
+            <a:spLocks noGrp="1"/>
+          </p:cNvSpPr>
+          <p:nvPr>
+            <p:ph type="ctrTitle"/>
+          </p:nvPr>
+        </p:nvSpPr>
+        <p:spPr>
+          <a:xfrm>
+            <a:off x="1434601" y="836712"/>
+            <a:ext cx="8735325" cy="2772792"/>
+          </a:xfrm>
+        </p:spPr>
+        <p:txBody>
+          <a:bodyPr>
+            <a:noAutofit/>
+          </a:bodyPr>
+          <a:lstStyle/>
+          <a:p>
+            <a:pPr defTabSz="1216152">
+              <a:spcBef>
+                <a:spcPts val="0"/>
+              </a:spcBef>
+            </a:pPr>
+            <a:r>
+              <a:rPr lang="en-US" sz="4400" dirty="0"/>
+              <a:t/>
+            </a:r>
+            <a:br>
+              <a:rPr lang="en-US" sz="4400" dirty="0"/>
+            </a:br>
+            <a:r>
+              <a:rPr lang="en-US" sz="4400" dirty="0"/>
+              <a:t>Emotion tracker </a:t>
+            </a:r>
+            <a:r>
+              <a:rPr lang="en-US" sz="4400" dirty="0" smtClean="0"/>
+              <a:t>application</a:t>
+            </a:r>
+            <a:br>
+              <a:rPr lang="en-US" sz="4400" dirty="0" smtClean="0"/>
+            </a:br>
+            <a:r>
+              <a:rPr lang="ru-RU" sz="4400" dirty="0"/>
+              <a:t/>
+            </a:r>
+            <a:br>
+              <a:rPr lang="ru-RU" sz="4400" dirty="0"/>
+            </a:br>
+            <a:endParaRPr lang="ru-RU" sz="4400" b="0" i="0" dirty="0">
+              <a:solidFill>
+                <a:schemeClr val="tx1"/>
+              </a:solidFill>
+              <a:latin typeface="Calibri"/>
+            </a:endParaRPr>
+          </a:p>
+        </p:txBody>
+      </p:sp>
+      <p:sp>
+        <p:nvSpPr>
+          <p:cNvPr id="5" name="Подзаголовок 4"/>
+          <p:cNvSpPr>
+            <a:spLocks noGrp="1"/>
+          </p:cNvSpPr>
+          <p:nvPr>
+            <p:ph type="subTitle" idx="1"/>
+          </p:nvPr>
+        </p:nvSpPr>
+        <p:spPr>
+          <a:xfrm>
+            <a:off x="4294212" y="3356992"/>
+            <a:ext cx="5904655" cy="1536576"/>
+          </a:xfrm>
+        </p:spPr>
+        <p:txBody>
+          <a:bodyPr>
+            <a:normAutofit/>
+          </a:bodyPr>
+          <a:lstStyle/>
+          <a:p>
+            <a:pPr algn="r"/>
+            <a:r>
+              <a:rPr lang="en-US" sz="2000" smtClean="0"/>
+              <a:t>	</a:t>
+            </a:r>
+            <a:endParaRPr lang="ru-RU" sz="2000" smtClean="0"/>
+          </a:p>
+          <a:p>
+            <a:pPr algn="r"/>
+            <a:r>
+              <a:rPr lang="en-US" sz="2000" smtClean="0"/>
+              <a:t>		</a:t>
+            </a:r>
+            <a:endParaRPr lang="ru-RU" sz="2000" b="0" i="0" spc="200" baseline="0" dirty="0">
+              <a:solidFill>
+                <a:srgbClr val="009999"/>
+              </a:solidFill>
+            </a:endParaRPr>
+          </a:p>
+        </p:txBody>
+      </p:sp>
+      <p:pic>
+        <p:nvPicPr>
+          <p:cNvPr id="3" name="Picture 2" descr="http://narfu.ru/upload/medialibrary/052/logo_normal_normal.jpg"/>
+          <p:cNvPicPr>
+            <a:picLocks noChangeAspect="1" noChangeArrowheads="1"/>
+          </p:cNvPicPr>
+          <p:nvPr/>
+        </p:nvPicPr>
+        <p:blipFill>
+          <a:blip r:embed="rId2">
+            <a:extLst>
+              <a:ext uri="{28A0092B-C50C-407E-A947-70E740481C1C}">
+                <a14:useLocalDpi xmlns:a14="http://schemas.microsoft.com/office/drawing/2010/main" val="0"/>
+              </a:ext>
+            </a:extLst>
+          </a:blip>
+          <a:srcRect/>
+          <a:stretch>
+            <a:fillRect/>
+          </a:stretch>
+        </p:blipFill>
+        <p:spPr bwMode="auto">
+          <a:xfrm>
+            <a:off x="10358366" y="324657"/>
+            <a:ext cx="1694311" cy="2418630"/>
+          </a:xfrm>
+          <a:prstGeom prst="rect">
+            <a:avLst/>
+          </a:prstGeom>
+          <a:noFill/>
+          <a:extLst>
+            <a:ext uri="{909E8E84-426E-40DD-AFC4-6F175D3DCCD1}">
+              <a14:hiddenFill xmlns:a14="http://schemas.microsoft.com/office/drawing/2010/main">
+                <a:solidFill>
+                  <a:srgbClr val="FFFFFF"/>
+                </a:solidFill>
+              </a14:hiddenFill>
+            </a:ext>
+          </a:extLst>
+        </p:spPr>
+      </p:pic>
+      <p:sp>
+        <p:nvSpPr>
+          <p:cNvPr id="4" name="TextBox 3"/>
+          <p:cNvSpPr txBox="1"/>
+          <p:nvPr/>
+        </p:nvSpPr>
+        <p:spPr>
+          <a:xfrm>
+            <a:off x="5086300" y="5589240"/>
+            <a:ext cx="3600400" cy="400110"/>
+          </a:xfrm>
+          <a:prstGeom prst="rect">
+            <a:avLst/>
+          </a:prstGeom>
+          <a:noFill/>
+        </p:spPr>
+        <p:txBody>
+          <a:bodyPr wrap="square" rtlCol="0">
+            <a:spAutoFit/>
+          </a:bodyPr>
+          <a:lstStyle/>
+          <a:p>
+            <a:r>
+              <a:rPr lang="en-US" sz="2000" dirty="0" smtClean="0"/>
+              <a:t>Arkhangelsk</a:t>
+            </a:r>
+            <a:r>
+              <a:rPr lang="ru-RU" sz="2000" dirty="0" smtClean="0"/>
+              <a:t>, 2016</a:t>
+            </a:r>
+            <a:endParaRPr lang="ru-RU" sz="2000" dirty="0"/>
+          </a:p>
+        </p:txBody>
+      </p:sp>
+      <p:sp>
+        <p:nvSpPr>
+          <p:cNvPr id="6" name="Прямоугольник 5"/>
+          <p:cNvSpPr/>
+          <p:nvPr/>
+        </p:nvSpPr>
+        <p:spPr>
+          <a:xfrm>
+            <a:off x="1405660" y="2563748"/>
+            <a:ext cx="8540010" cy="3416320"/>
+          </a:xfrm>
+          <a:prstGeom prst="rect">
+            <a:avLst/>
+          </a:prstGeom>
+        </p:spPr>
+        <p:txBody>
+          <a:bodyPr wrap="square">
+            <a:spAutoFit/>
+          </a:bodyPr>
+          <a:lstStyle/>
+          <a:p>
+            <a:r>
+              <a:rPr lang="en-US" dirty="0"/>
+              <a:t>The main aim of this project is to develop a library and demo applications to track and write users emotions (sadness, smile, laugh, etc.) during watching movie.  Test recognition of emotions with different conditions. Implement logic to “merge” files with emotions and provide average rating. Implement logic to gather eyes track and to build heat map for user’s attention. All of that should be done by using Intel RSSDK tools.</a:t>
+            </a:r>
+          </a:p>
+          <a:p>
+            <a:r>
+              <a:rPr lang="en-US" dirty="0"/>
+              <a:t/>
+            </a:r>
+            <a:br>
+              <a:rPr lang="en-US" dirty="0"/>
+            </a:br>
+            <a:endParaRPr lang="ru-RU" dirty="0"/>
+          </a:p>
+        </p:txBody>
+      </p:sp>
+    </p:spTree>
+    <p:extLst>
+      <p:ext uri="{BB962C8B-B14F-4D97-AF65-F5344CB8AC3E}">
+        <p14:creationId xmlns:p14="http://schemas.microsoft.com/office/powerpoint/2010/main" val="345746470"/>
+      </p:ext>
+    </p:extLst>
+  </p:cSld>
+  <p:clrMapOvr>
+    <a:masterClrMapping/>
+  </p:clrMapOvr>
+  <mc:AlternateContent xmlns:mc="http://schemas.openxmlformats.org/markup-compatibility/2006" xmlns:p14="http://schemas.microsoft.com/office/powerpoint/2010/main">
+    <mc:Choice Requires="p14">
+      <p:transition spd="med" p14:dur="700">
+        <p:fade/>
+      </p:transition>
+    </mc:Choice>
+    <mc:Fallback xmlns="">
+      <p:transition spd="med">
+        <p:fade/>
+      </p:transition>
+    </mc:Fallback>
+  </mc:AlternateContent>
+  <p:timing>
+    <p:tnLst>
+      <p:par>
+        <p:cTn id="1" dur="indefinite" restart="never" nodeType="tmRoot"/>
+      </p:par>
+    </p:tnLst>
+  </p:timing>
+</p:sld>
+</file>
+
+<file path=ppt/slides/slide20.xml><?xml version="1.0" encoding="utf-8"?>
+<p:sld xmlns:a="http://schemas.openxmlformats.org/drawingml/2006/main" xmlns:r="http://schemas.openxmlformats.org/officeDocument/2006/relationships" xmlns:p="http://schemas.openxmlformats.org/presentationml/2006/main">
+  <p:cSld>
+    <p:spTree>
+      <p:nvGrpSpPr>
+        <p:cNvPr id="1" name=""/>
+        <p:cNvGrpSpPr/>
+        <p:nvPr/>
+      </p:nvGrpSpPr>
+      <p:grpSpPr>
+        <a:xfrm>
+          <a:off x="0" y="0"/>
+          <a:ext cx="0" cy="0"/>
+          <a:chOff x="0" y="0"/>
+          <a:chExt cx="0" cy="0"/>
+        </a:xfrm>
+      </p:grpSpPr>
+      <p:sp>
+        <p:nvSpPr>
+          <p:cNvPr id="2" name="Заголовок 1"/>
+          <p:cNvSpPr>
+            <a:spLocks noGrp="1"/>
+          </p:cNvSpPr>
+          <p:nvPr>
+            <p:ph type="title"/>
+          </p:nvPr>
+        </p:nvSpPr>
+        <p:spPr/>
+        <p:txBody>
+          <a:bodyPr>
+            <a:normAutofit/>
+          </a:bodyPr>
+          <a:lstStyle/>
+          <a:p>
+            <a:r>
+              <a:rPr lang="en-US" sz="4400" dirty="0" smtClean="0"/>
+              <a:t>Smooth</a:t>
+            </a:r>
+            <a:r>
+              <a:rPr lang="en-US" sz="4400" dirty="0" smtClean="0"/>
+              <a:t>ing</a:t>
+            </a:r>
+            <a:endParaRPr lang="en-US" sz="4400" dirty="0"/>
+          </a:p>
+        </p:txBody>
+      </p:sp>
+      <p:sp>
+        <p:nvSpPr>
+          <p:cNvPr id="3" name="Объект 2"/>
+          <p:cNvSpPr>
+            <a:spLocks noGrp="1"/>
+          </p:cNvSpPr>
+          <p:nvPr>
+            <p:ph idx="1"/>
+          </p:nvPr>
+        </p:nvSpPr>
+        <p:spPr/>
+        <p:txBody>
+          <a:bodyPr/>
+          <a:lstStyle/>
+          <a:p>
+            <a:r>
+              <a:rPr lang="en-US" dirty="0" smtClean="0"/>
+              <a:t>Common frame rate of camera is 30 fps</a:t>
+            </a:r>
+          </a:p>
+          <a:p>
+            <a:pPr lvl="1"/>
+            <a:r>
+              <a:rPr lang="en-US" dirty="0" smtClean="0"/>
+              <a:t>Library collect </a:t>
+            </a:r>
+            <a:r>
+              <a:rPr lang="en-US" dirty="0"/>
+              <a:t>30 emotions </a:t>
+            </a:r>
+            <a:r>
+              <a:rPr lang="en-US" dirty="0" smtClean="0"/>
+              <a:t>data samples per </a:t>
+            </a:r>
+            <a:r>
+              <a:rPr lang="en-US" dirty="0" smtClean="0"/>
+              <a:t>second</a:t>
+            </a:r>
+          </a:p>
+          <a:p>
+            <a:pPr lvl="1"/>
+            <a:r>
+              <a:rPr lang="en-US" dirty="0" smtClean="0"/>
+              <a:t>To be more human percept one should  provide emotions data for longer time interval </a:t>
+            </a:r>
+          </a:p>
+          <a:p>
+            <a:r>
+              <a:rPr lang="en-US" dirty="0" smtClean="0"/>
+              <a:t>Make averaging  for some time interval </a:t>
+            </a:r>
+          </a:p>
+          <a:p>
+            <a:r>
+              <a:rPr lang="en-US" dirty="0" smtClean="0"/>
+              <a:t>Same rules as for </a:t>
+            </a:r>
+            <a:r>
+              <a:rPr lang="en-US" dirty="0" smtClean="0">
+                <a:latin typeface="Courier New" panose="02070309020205020404" pitchFamily="49" charset="0"/>
+                <a:cs typeface="Courier New" panose="02070309020205020404" pitchFamily="49" charset="0"/>
+              </a:rPr>
+              <a:t>average</a:t>
+            </a:r>
+            <a:endParaRPr lang="en-US" dirty="0">
+              <a:latin typeface="Courier New" panose="02070309020205020404" pitchFamily="49" charset="0"/>
+              <a:cs typeface="Courier New" panose="02070309020205020404" pitchFamily="49" charset="0"/>
+            </a:endParaRPr>
+          </a:p>
+        </p:txBody>
+      </p:sp>
+      <p:sp>
+        <p:nvSpPr>
+          <p:cNvPr id="6" name="Номер слайда 5"/>
+          <p:cNvSpPr>
+            <a:spLocks noGrp="1"/>
+          </p:cNvSpPr>
+          <p:nvPr>
+            <p:ph type="sldNum" sz="quarter" idx="12"/>
+          </p:nvPr>
+        </p:nvSpPr>
+        <p:spPr/>
+        <p:txBody>
+          <a:bodyPr/>
+          <a:lstStyle/>
+          <a:p>
+            <a:fld id="{C014DD1E-5D91-48A3-AD6D-45FBA980D106}" type="slidenum">
+              <a:rPr lang="ru-RU" noProof="0" smtClean="0"/>
+              <a:t>20</a:t>
+            </a:fld>
+            <a:endParaRPr lang="ru-RU" noProof="0" dirty="0"/>
+          </a:p>
+        </p:txBody>
+      </p:sp>
+    </p:spTree>
+    <p:extLst>
+      <p:ext uri="{BB962C8B-B14F-4D97-AF65-F5344CB8AC3E}">
+        <p14:creationId xmlns:p14="http://schemas.microsoft.com/office/powerpoint/2010/main" val="2578521482"/>
+      </p:ext>
+    </p:extLst>
+  </p:cSld>
+  <p:clrMapOvr>
+    <a:masterClrMapping/>
+  </p:clrMapOvr>
+  <mc:AlternateContent xmlns:mc="http://schemas.openxmlformats.org/markup-compatibility/2006" xmlns:p14="http://schemas.microsoft.com/office/powerpoint/2010/main">
+    <mc:Choice Requires="p14">
+      <p:transition spd="med" p14:dur="700">
+        <p:fade/>
+      </p:transition>
+    </mc:Choice>
+    <mc:Fallback xmlns="">
+      <p:transition spd="med">
+        <p:fade/>
+      </p:transition>
+    </mc:Fallback>
+  </mc:AlternateContent>
+  <p:timing>
+    <p:tnLst>
+      <p:par>
+        <p:cTn id="1" dur="indefinite" restart="never" nodeType="tmRoot"/>
+      </p:par>
+    </p:tnLst>
+  </p:timing>
+</p:sld>
+</file>
+
+<file path=ppt/slides/slide21.xml><?xml version="1.0" encoding="utf-8"?>
+<p:sld xmlns:a="http://schemas.openxmlformats.org/drawingml/2006/main" xmlns:r="http://schemas.openxmlformats.org/officeDocument/2006/relationships" xmlns:p="http://schemas.openxmlformats.org/presentationml/2006/main">
+  <p:cSld>
+    <p:spTree>
+      <p:nvGrpSpPr>
+        <p:cNvPr id="1" name=""/>
+        <p:cNvGrpSpPr/>
+        <p:nvPr/>
+      </p:nvGrpSpPr>
+      <p:grpSpPr>
+        <a:xfrm>
+          <a:off x="0" y="0"/>
+          <a:ext cx="0" cy="0"/>
+          <a:chOff x="0" y="0"/>
+          <a:chExt cx="0" cy="0"/>
+        </a:xfrm>
+      </p:grpSpPr>
+      <p:sp>
+        <p:nvSpPr>
+          <p:cNvPr id="2" name="Заголовок 1"/>
+          <p:cNvSpPr>
+            <a:spLocks noGrp="1"/>
+          </p:cNvSpPr>
+          <p:nvPr>
+            <p:ph type="title"/>
+          </p:nvPr>
+        </p:nvSpPr>
+        <p:spPr/>
+        <p:txBody>
+          <a:bodyPr>
+            <a:normAutofit/>
+          </a:bodyPr>
+          <a:lstStyle/>
+          <a:p>
+            <a:r>
+              <a:rPr lang="en-US" sz="4400" dirty="0" smtClean="0"/>
               <a:t>Merging work flow</a:t>
             </a:r>
             <a:endParaRPr lang="en-US" sz="4400" dirty="0"/>
@@ -7764,10 +8670,16 @@
           <a:p>
             <a:pPr lvl="1"/>
             <a:r>
-              <a:rPr lang="en-US" dirty="0" err="1" smtClean="0"/>
+              <a:rPr lang="en-US" b="1" dirty="0" err="1" smtClean="0">
+                <a:latin typeface="Courier New" panose="02070309020205020404" pitchFamily="49" charset="0"/>
+                <a:cs typeface="Courier New" panose="02070309020205020404" pitchFamily="49" charset="0"/>
+              </a:rPr>
               <a:t>EmoMerge</a:t>
             </a:r>
-            <a:endParaRPr lang="en-US" dirty="0" smtClean="0"/>
+            <a:endParaRPr lang="en-US" b="1" dirty="0" smtClean="0">
+              <a:latin typeface="Courier New" panose="02070309020205020404" pitchFamily="49" charset="0"/>
+              <a:cs typeface="Courier New" panose="02070309020205020404" pitchFamily="49" charset="0"/>
+            </a:endParaRPr>
           </a:p>
           <a:p>
             <a:endParaRPr lang="en-US" dirty="0" smtClean="0"/>
@@ -7791,7 +8703,7 @@
           <a:p>
             <a:fld id="{C014DD1E-5D91-48A3-AD6D-45FBA980D106}" type="slidenum">
               <a:rPr lang="ru-RU" noProof="0" smtClean="0"/>
-              <a:t>17</a:t>
+              <a:t>21</a:t>
             </a:fld>
             <a:endParaRPr lang="ru-RU" noProof="0" dirty="0"/>
           </a:p>
@@ -7919,7 +8831,7 @@
 </p:sld>
 </file>
 
-<file path=ppt/slides/slide18.xml><?xml version="1.0" encoding="utf-8"?>
+<file path=ppt/slides/slide22.xml><?xml version="1.0" encoding="utf-8"?>
 <p:sld xmlns:a="http://schemas.openxmlformats.org/drawingml/2006/main" xmlns:r="http://schemas.openxmlformats.org/officeDocument/2006/relationships" xmlns:p="http://schemas.openxmlformats.org/presentationml/2006/main">
   <p:cSld>
     <p:spTree>
@@ -8026,7 +8938,7 @@
           <a:p>
             <a:fld id="{C014DD1E-5D91-48A3-AD6D-45FBA980D106}" type="slidenum">
               <a:rPr lang="ru-RU" noProof="0" smtClean="0"/>
-              <a:t>18</a:t>
+              <a:t>22</a:t>
             </a:fld>
             <a:endParaRPr lang="ru-RU" noProof="0" dirty="0"/>
           </a:p>
@@ -8064,7 +8976,7 @@
 </p:sld>
 </file>
 
-<file path=ppt/slides/slide19.xml><?xml version="1.0" encoding="utf-8"?>
+<file path=ppt/slides/slide23.xml><?xml version="1.0" encoding="utf-8"?>
 <p:sld xmlns:a="http://schemas.openxmlformats.org/drawingml/2006/main" xmlns:r="http://schemas.openxmlformats.org/officeDocument/2006/relationships" xmlns:p="http://schemas.openxmlformats.org/presentationml/2006/main">
   <p:cSld>
     <p:spTree>
@@ -8191,7 +9103,7 @@
           <a:p>
             <a:fld id="{C014DD1E-5D91-48A3-AD6D-45FBA980D106}" type="slidenum">
               <a:rPr lang="ru-RU" noProof="0" smtClean="0"/>
-              <a:t>19</a:t>
+              <a:t>23</a:t>
             </a:fld>
             <a:endParaRPr lang="ru-RU" noProof="0" dirty="0"/>
           </a:p>
@@ -8289,7 +9201,7 @@
 </p:sld>
 </file>
 
-<file path=ppt/slides/slide2.xml><?xml version="1.0" encoding="utf-8"?>
+<file path=ppt/slides/slide24.xml><?xml version="1.0" encoding="utf-8"?>
 <p:sld xmlns:a="http://schemas.openxmlformats.org/drawingml/2006/main" xmlns:r="http://schemas.openxmlformats.org/officeDocument/2006/relationships" xmlns:p="http://schemas.openxmlformats.org/presentationml/2006/main">
   <p:cSld>
     <p:spTree>
@@ -8313,282 +9225,16 @@
             <a:spLocks noGrp="1"/>
           </p:cNvSpPr>
           <p:nvPr>
-            <p:ph type="ctrTitle"/>
-          </p:nvPr>
-        </p:nvSpPr>
-        <p:spPr>
-          <a:xfrm>
-            <a:off x="1434601" y="836712"/>
-            <a:ext cx="8735325" cy="2772792"/>
-          </a:xfrm>
-        </p:spPr>
-        <p:txBody>
-          <a:bodyPr>
-            <a:noAutofit/>
-          </a:bodyPr>
-          <a:lstStyle/>
-          <a:p>
-            <a:pPr defTabSz="1216152">
-              <a:spcBef>
-                <a:spcPts val="0"/>
-              </a:spcBef>
-            </a:pPr>
-            <a:r>
-              <a:rPr lang="en-US" sz="4400" dirty="0"/>
-              <a:t/>
-            </a:r>
-            <a:br>
-              <a:rPr lang="en-US" sz="4400" dirty="0"/>
-            </a:br>
-            <a:r>
-              <a:rPr lang="en-US" sz="4400" dirty="0"/>
-              <a:t>Emotion tracker </a:t>
-            </a:r>
-            <a:r>
-              <a:rPr lang="en-US" sz="4400" dirty="0" smtClean="0"/>
-              <a:t>application</a:t>
-            </a:r>
-            <a:br>
-              <a:rPr lang="en-US" sz="4400" dirty="0" smtClean="0"/>
-            </a:br>
-            <a:r>
-              <a:rPr lang="ru-RU" sz="4400" dirty="0"/>
-              <a:t/>
-            </a:r>
-            <a:br>
-              <a:rPr lang="ru-RU" sz="4400" dirty="0"/>
-            </a:br>
-            <a:endParaRPr lang="ru-RU" sz="4400" b="0" i="0" dirty="0">
-              <a:solidFill>
-                <a:schemeClr val="tx1"/>
-              </a:solidFill>
-              <a:latin typeface="Calibri"/>
-            </a:endParaRPr>
-          </a:p>
-        </p:txBody>
-      </p:sp>
-      <p:sp>
-        <p:nvSpPr>
-          <p:cNvPr id="5" name="Подзаголовок 4"/>
-          <p:cNvSpPr>
-            <a:spLocks noGrp="1"/>
-          </p:cNvSpPr>
-          <p:nvPr>
-            <p:ph type="subTitle" idx="1"/>
-          </p:nvPr>
-        </p:nvSpPr>
-        <p:spPr>
-          <a:xfrm>
-            <a:off x="4294212" y="3356992"/>
-            <a:ext cx="5904655" cy="1536576"/>
-          </a:xfrm>
-        </p:spPr>
+            <p:ph type="title"/>
+          </p:nvPr>
+        </p:nvSpPr>
+        <p:spPr/>
         <p:txBody>
           <a:bodyPr>
             <a:normAutofit/>
           </a:bodyPr>
           <a:lstStyle/>
           <a:p>
-            <a:pPr algn="r"/>
-            <a:r>
-              <a:rPr lang="en-US" sz="2000" smtClean="0"/>
-              <a:t>	</a:t>
-            </a:r>
-            <a:endParaRPr lang="ru-RU" sz="2000" smtClean="0"/>
-          </a:p>
-          <a:p>
-            <a:pPr algn="r"/>
-            <a:r>
-              <a:rPr lang="en-US" sz="2000" smtClean="0"/>
-              <a:t>		</a:t>
-            </a:r>
-            <a:endParaRPr lang="ru-RU" sz="2000" b="0" i="0" spc="200" baseline="0" dirty="0">
-              <a:solidFill>
-                <a:srgbClr val="009999"/>
-              </a:solidFill>
-            </a:endParaRPr>
-          </a:p>
-        </p:txBody>
-      </p:sp>
-      <p:pic>
-        <p:nvPicPr>
-          <p:cNvPr id="3" name="Picture 2" descr="http://narfu.ru/upload/medialibrary/052/logo_normal_normal.jpg"/>
-          <p:cNvPicPr>
-            <a:picLocks noChangeAspect="1" noChangeArrowheads="1"/>
-          </p:cNvPicPr>
-          <p:nvPr/>
-        </p:nvPicPr>
-        <p:blipFill>
-          <a:blip r:embed="rId2">
-            <a:extLst>
-              <a:ext uri="{28A0092B-C50C-407E-A947-70E740481C1C}">
-                <a14:useLocalDpi xmlns:a14="http://schemas.microsoft.com/office/drawing/2010/main" val="0"/>
-              </a:ext>
-            </a:extLst>
-          </a:blip>
-          <a:srcRect/>
-          <a:stretch>
-            <a:fillRect/>
-          </a:stretch>
-        </p:blipFill>
-        <p:spPr bwMode="auto">
-          <a:xfrm>
-            <a:off x="10358366" y="324657"/>
-            <a:ext cx="1694311" cy="2418630"/>
-          </a:xfrm>
-          <a:prstGeom prst="rect">
-            <a:avLst/>
-          </a:prstGeom>
-          <a:noFill/>
-          <a:extLst>
-            <a:ext uri="{909E8E84-426E-40DD-AFC4-6F175D3DCCD1}">
-              <a14:hiddenFill xmlns:a14="http://schemas.microsoft.com/office/drawing/2010/main">
-                <a:solidFill>
-                  <a:srgbClr val="FFFFFF"/>
-                </a:solidFill>
-              </a14:hiddenFill>
-            </a:ext>
-          </a:extLst>
-        </p:spPr>
-      </p:pic>
-      <p:sp>
-        <p:nvSpPr>
-          <p:cNvPr id="4" name="TextBox 3"/>
-          <p:cNvSpPr txBox="1"/>
-          <p:nvPr/>
-        </p:nvSpPr>
-        <p:spPr>
-          <a:xfrm>
-            <a:off x="5086300" y="5589240"/>
-            <a:ext cx="3600400" cy="400110"/>
-          </a:xfrm>
-          <a:prstGeom prst="rect">
-            <a:avLst/>
-          </a:prstGeom>
-          <a:noFill/>
-        </p:spPr>
-        <p:txBody>
-          <a:bodyPr wrap="square" rtlCol="0">
-            <a:spAutoFit/>
-          </a:bodyPr>
-          <a:lstStyle/>
-          <a:p>
-            <a:r>
-              <a:rPr lang="en-US" sz="2000" dirty="0" smtClean="0"/>
-              <a:t>Arkhangelsk</a:t>
-            </a:r>
-            <a:r>
-              <a:rPr lang="ru-RU" sz="2000" dirty="0" smtClean="0"/>
-              <a:t>, 2016</a:t>
-            </a:r>
-            <a:endParaRPr lang="ru-RU" sz="2000" dirty="0"/>
-          </a:p>
-        </p:txBody>
-      </p:sp>
-      <p:sp>
-        <p:nvSpPr>
-          <p:cNvPr id="6" name="Прямоугольник 5"/>
-          <p:cNvSpPr/>
-          <p:nvPr/>
-        </p:nvSpPr>
-        <p:spPr>
-          <a:xfrm>
-            <a:off x="1405660" y="2563748"/>
-            <a:ext cx="8540010" cy="3416320"/>
-          </a:xfrm>
-          <a:prstGeom prst="rect">
-            <a:avLst/>
-          </a:prstGeom>
-        </p:spPr>
-        <p:txBody>
-          <a:bodyPr wrap="square">
-            <a:spAutoFit/>
-          </a:bodyPr>
-          <a:lstStyle/>
-          <a:p>
-            <a:r>
-              <a:rPr lang="en-US" dirty="0"/>
-              <a:t>The main aim of this project is to develop a library and demo applications to track and write users emotions (sadness, smile, laugh, etc.) during watching movie.  Test recognition of emotions with different conditions. Implement logic to “merge” files with emotions and provide average rating. Implement logic to gather eyes track and to build heat map for user’s attention. All of that should be done by using Intel RSSDK tools.</a:t>
-            </a:r>
-          </a:p>
-          <a:p>
-            <a:r>
-              <a:rPr lang="en-US" dirty="0"/>
-              <a:t/>
-            </a:r>
-            <a:br>
-              <a:rPr lang="en-US" dirty="0"/>
-            </a:br>
-            <a:endParaRPr lang="ru-RU" dirty="0"/>
-          </a:p>
-        </p:txBody>
-      </p:sp>
-    </p:spTree>
-    <p:extLst>
-      <p:ext uri="{BB962C8B-B14F-4D97-AF65-F5344CB8AC3E}">
-        <p14:creationId xmlns:p14="http://schemas.microsoft.com/office/powerpoint/2010/main" val="345746470"/>
-      </p:ext>
-    </p:extLst>
-  </p:cSld>
-  <p:clrMapOvr>
-    <a:masterClrMapping/>
-  </p:clrMapOvr>
-  <mc:AlternateContent xmlns:mc="http://schemas.openxmlformats.org/markup-compatibility/2006" xmlns:p14="http://schemas.microsoft.com/office/powerpoint/2010/main">
-    <mc:Choice Requires="p14">
-      <p:transition spd="med" p14:dur="700">
-        <p:fade/>
-      </p:transition>
-    </mc:Choice>
-    <mc:Fallback xmlns="">
-      <p:transition spd="med">
-        <p:fade/>
-      </p:transition>
-    </mc:Fallback>
-  </mc:AlternateContent>
-  <p:timing>
-    <p:tnLst>
-      <p:par>
-        <p:cTn id="1" dur="indefinite" restart="never" nodeType="tmRoot"/>
-      </p:par>
-    </p:tnLst>
-  </p:timing>
-</p:sld>
-</file>
-
-<file path=ppt/slides/slide20.xml><?xml version="1.0" encoding="utf-8"?>
-<p:sld xmlns:a="http://schemas.openxmlformats.org/drawingml/2006/main" xmlns:r="http://schemas.openxmlformats.org/officeDocument/2006/relationships" xmlns:p="http://schemas.openxmlformats.org/presentationml/2006/main">
-  <p:cSld>
-    <p:spTree>
-      <p:nvGrpSpPr>
-        <p:cNvPr id="1" name=""/>
-        <p:cNvGrpSpPr/>
-        <p:nvPr/>
-      </p:nvGrpSpPr>
-      <p:grpSpPr>
-        <a:xfrm>
-          <a:off x="0" y="0"/>
-          <a:ext cx="0" cy="0"/>
-          <a:chOff x="0" y="0"/>
-          <a:chExt cx="0" cy="0"/>
-        </a:xfrm>
-      </p:grpSpPr>
-      <p:sp>
-        <p:nvSpPr>
-          <p:cNvPr id="2" name="Заголовок 1"/>
-          <p:cNvSpPr>
-            <a:spLocks noGrp="1"/>
-          </p:cNvSpPr>
-          <p:nvPr>
-            <p:ph type="title"/>
-          </p:nvPr>
-        </p:nvSpPr>
-        <p:spPr/>
-        <p:txBody>
-          <a:bodyPr>
-            <a:normAutofit/>
-          </a:bodyPr>
-          <a:lstStyle/>
-          <a:p>
             <a:r>
               <a:rPr lang="en-US" sz="4400" dirty="0" smtClean="0"/>
               <a:t>Processing with MATLAB</a:t>
@@ -8780,7 +9426,7 @@
           <a:p>
             <a:fld id="{C014DD1E-5D91-48A3-AD6D-45FBA980D106}" type="slidenum">
               <a:rPr lang="ru-RU" noProof="0" smtClean="0"/>
-              <a:t>20</a:t>
+              <a:t>24</a:t>
             </a:fld>
             <a:endParaRPr lang="ru-RU" noProof="0" dirty="0"/>
           </a:p>
@@ -8818,7 +9464,7 @@
 </p:sld>
 </file>
 
-<file path=ppt/slides/slide21.xml><?xml version="1.0" encoding="utf-8"?>
+<file path=ppt/slides/slide25.xml><?xml version="1.0" encoding="utf-8"?>
 <p:sld xmlns:a="http://schemas.openxmlformats.org/drawingml/2006/main" xmlns:r="http://schemas.openxmlformats.org/officeDocument/2006/relationships" xmlns:p="http://schemas.openxmlformats.org/presentationml/2006/main">
   <p:cSld>
     <p:spTree>
@@ -8915,7 +9561,7 @@
           <a:p>
             <a:fld id="{C014DD1E-5D91-48A3-AD6D-45FBA980D106}" type="slidenum">
               <a:rPr lang="ru-RU" noProof="0" smtClean="0"/>
-              <a:t>21</a:t>
+              <a:t>25</a:t>
             </a:fld>
             <a:endParaRPr lang="ru-RU" noProof="0" dirty="0"/>
           </a:p>
@@ -9231,11 +9877,7 @@
             </a:r>
             <a:r>
               <a:rPr lang="en-US" dirty="0" smtClean="0"/>
-              <a:t>., Excel, MATLAB, R, etc. It was found main use cases for </a:t>
-            </a:r>
-            <a:r>
-              <a:rPr lang="en-US" smtClean="0"/>
-              <a:t>created library. </a:t>
+              <a:t>., Excel, MATLAB, R, etc. It was found main use cases for created library. </a:t>
             </a:r>
             <a:endParaRPr lang="en-US" dirty="0" smtClean="0"/>
           </a:p>
